--- a/assets/ppt/parsing/lr5-prec-assoc.pptx
+++ b/assets/ppt/parsing/lr5-prec-assoc.pptx
@@ -2,7 +2,7 @@
 <file path=ppt/presentation.xml><?xml version="1.0" encoding="utf-8"?>
 <p:presentation xmlns:a="http://schemas.openxmlformats.org/drawingml/2006/main" xmlns:r="http://schemas.openxmlformats.org/officeDocument/2006/relationships" xmlns:p="http://schemas.openxmlformats.org/presentationml/2006/main" strictFirstAndLastChars="0" saveSubsetFonts="1" autoCompressPictures="0">
   <p:sldMasterIdLst>
-    <p:sldMasterId id="2147483648" r:id="rId1"/>
+    <p:sldMasterId id="2147483660" r:id="rId1"/>
   </p:sldMasterIdLst>
   <p:notesMasterIdLst>
     <p:notesMasterId r:id="rId15"/>
@@ -152,6 +152,22 @@
       </a:defRPr>
     </a:lvl9pPr>
   </p:defaultTextStyle>
+  <p:extLst>
+    <p:ext uri="{EFAFB233-063F-42B5-8137-9DF3F51BA10A}">
+      <p15:sldGuideLst xmlns:p15="http://schemas.microsoft.com/office/powerpoint/2012/main">
+        <p15:guide id="1" orient="horz" pos="2160">
+          <p15:clr>
+            <a:srgbClr val="A4A3A4"/>
+          </p15:clr>
+        </p15:guide>
+        <p15:guide id="2" pos="2880">
+          <p15:clr>
+            <a:srgbClr val="A4A3A4"/>
+          </p15:clr>
+        </p15:guide>
+      </p15:sldGuideLst>
+    </p:ext>
+  </p:extLst>
 </p:presentation>
 </file>
 
@@ -237,7 +253,7 @@
           <a:p>
             <a:fld id="{8FB9796E-8218-104C-80DE-FD5737E53010}" type="datetimeFigureOut">
               <a:rPr lang="en-US" smtClean="0"/>
-              <a:t>16-06-21</a:t>
+              <a:t>6/13/19</a:t>
             </a:fld>
             <a:endParaRPr lang="en-US"/>
           </a:p>
@@ -1942,13 +1958,19 @@
         </p:spPr>
         <p:txBody>
           <a:bodyPr/>
-          <a:lstStyle/>
-          <a:p>
-            <a:r>
-              <a:rPr lang="en-CA" smtClean="0"/>
+          <a:lstStyle>
+            <a:lvl1pPr>
+              <a:defRPr>
+                <a:latin typeface="+mj-lt"/>
+              </a:defRPr>
+            </a:lvl1pPr>
+          </a:lstStyle>
+          <a:p>
+            <a:r>
+              <a:rPr lang="en-CA" dirty="0"/>
               <a:t>Click to edit Master title style</a:t>
             </a:r>
-            <a:endParaRPr lang="en-US"/>
+            <a:endParaRPr lang="en-US" dirty="0"/>
           </a:p>
         </p:txBody>
       </p:sp>
@@ -1973,7 +1995,9 @@
           <a:lstStyle>
             <a:lvl1pPr marL="0" indent="0" algn="ctr">
               <a:buNone/>
-              <a:defRPr/>
+              <a:defRPr>
+                <a:latin typeface="+mn-lt"/>
+              </a:defRPr>
             </a:lvl1pPr>
             <a:lvl2pPr marL="457200" indent="0" algn="ctr">
               <a:buNone/>
@@ -2010,92 +2034,74 @@
           </a:lstStyle>
           <a:p>
             <a:r>
-              <a:rPr lang="en-CA" smtClean="0"/>
+              <a:rPr lang="en-CA" dirty="0"/>
               <a:t>Click to edit Master subtitle style</a:t>
             </a:r>
+            <a:endParaRPr lang="en-US" dirty="0"/>
+          </a:p>
+        </p:txBody>
+      </p:sp>
+      <p:sp>
+        <p:nvSpPr>
+          <p:cNvPr id="7" name="Footer Placeholder 6">
+            <a:extLst>
+              <a:ext uri="{FF2B5EF4-FFF2-40B4-BE49-F238E27FC236}">
+                <a16:creationId xmlns:a16="http://schemas.microsoft.com/office/drawing/2014/main" id="{CA57918C-4FEB-FC4B-889D-A7B37C602A61}"/>
+              </a:ext>
+            </a:extLst>
+          </p:cNvPr>
+          <p:cNvSpPr>
+            <a:spLocks noGrp="1"/>
+          </p:cNvSpPr>
+          <p:nvPr>
+            <p:ph type="ftr" sz="quarter" idx="10"/>
+          </p:nvPr>
+        </p:nvSpPr>
+        <p:spPr/>
+        <p:txBody>
+          <a:bodyPr/>
+          <a:lstStyle/>
+          <a:p>
             <a:endParaRPr lang="en-US"/>
           </a:p>
         </p:txBody>
       </p:sp>
       <p:sp>
         <p:nvSpPr>
-          <p:cNvPr id="4" name="Date Placeholder 3"/>
+          <p:cNvPr id="8" name="Slide Number Placeholder 7">
+            <a:extLst>
+              <a:ext uri="{FF2B5EF4-FFF2-40B4-BE49-F238E27FC236}">
+                <a16:creationId xmlns:a16="http://schemas.microsoft.com/office/drawing/2014/main" id="{CE5DA644-BA1F-AA47-BA1C-083A9F7BC576}"/>
+              </a:ext>
+            </a:extLst>
+          </p:cNvPr>
           <p:cNvSpPr>
             <a:spLocks noGrp="1"/>
           </p:cNvSpPr>
           <p:nvPr>
-            <p:ph type="dt" sz="half" idx="10"/>
+            <p:ph type="sldNum" sz="quarter" idx="11"/>
           </p:nvPr>
         </p:nvSpPr>
         <p:spPr/>
         <p:txBody>
           <a:bodyPr/>
-          <a:lstStyle>
-            <a:lvl1pPr>
-              <a:defRPr smtClean="0"/>
-            </a:lvl1pPr>
-          </a:lstStyle>
-          <a:p>
-            <a:fld id="{2F270F5C-5A48-8241-B091-F405DE7C6ACC}" type="datetime1">
-              <a:rPr lang="en-CA" smtClean="0"/>
-              <a:t>16-06-21</a:t>
-            </a:fld>
-            <a:endParaRPr lang="en-US"/>
-          </a:p>
-        </p:txBody>
-      </p:sp>
-      <p:sp>
-        <p:nvSpPr>
-          <p:cNvPr id="5" name="Footer Placeholder 4"/>
-          <p:cNvSpPr>
-            <a:spLocks noGrp="1"/>
-          </p:cNvSpPr>
-          <p:nvPr>
-            <p:ph type="ftr" sz="quarter" idx="11"/>
-          </p:nvPr>
-        </p:nvSpPr>
-        <p:spPr/>
-        <p:txBody>
-          <a:bodyPr/>
-          <a:lstStyle>
-            <a:lvl1pPr>
-              <a:defRPr/>
-            </a:lvl1pPr>
-          </a:lstStyle>
-          <a:p>
-            <a:endParaRPr lang="en-US"/>
-          </a:p>
-        </p:txBody>
-      </p:sp>
-      <p:sp>
-        <p:nvSpPr>
-          <p:cNvPr id="6" name="Slide Number Placeholder 5"/>
-          <p:cNvSpPr>
-            <a:spLocks noGrp="1"/>
-          </p:cNvSpPr>
-          <p:nvPr>
-            <p:ph type="sldNum" sz="quarter" idx="12"/>
-          </p:nvPr>
-        </p:nvSpPr>
-        <p:spPr/>
-        <p:txBody>
-          <a:bodyPr/>
-          <a:lstStyle>
-            <a:lvl1pPr>
-              <a:defRPr smtClean="0"/>
-            </a:lvl1pPr>
-          </a:lstStyle>
-          <a:p>
-            <a:fld id="{97B48409-82F5-DB43-9D2D-314C17298A8E}" type="slidenum">
-              <a:rPr lang="en-US"/>
+          <a:lstStyle/>
+          <a:p>
+            <a:fld id="{95FC67CD-6733-D04F-B9BE-AD105949F24E}" type="slidenum">
+              <a:rPr lang="en-US" smtClean="0"/>
               <a:pPr/>
               <a:t>‹#›</a:t>
             </a:fld>
-            <a:endParaRPr lang="en-US"/>
+            <a:endParaRPr lang="en-US" dirty="0"/>
           </a:p>
         </p:txBody>
       </p:sp>
     </p:spTree>
+    <p:extLst>
+      <p:ext uri="{BB962C8B-B14F-4D97-AF65-F5344CB8AC3E}">
+        <p14:creationId xmlns:p14="http://schemas.microsoft.com/office/powerpoint/2010/main" val="2414818885"/>
+      </p:ext>
+    </p:extLst>
   </p:cSld>
   <p:clrMapOvr>
     <a:masterClrMapping/>
@@ -2133,13 +2139,19 @@
         <p:spPr/>
         <p:txBody>
           <a:bodyPr/>
-          <a:lstStyle/>
-          <a:p>
-            <a:r>
-              <a:rPr lang="en-CA" smtClean="0"/>
+          <a:lstStyle>
+            <a:lvl1pPr>
+              <a:defRPr>
+                <a:latin typeface="+mj-lt"/>
+              </a:defRPr>
+            </a:lvl1pPr>
+          </a:lstStyle>
+          <a:p>
+            <a:r>
+              <a:rPr lang="en-CA" dirty="0"/>
               <a:t>Click to edit Master title style</a:t>
             </a:r>
-            <a:endParaRPr lang="en-US"/>
+            <a:endParaRPr lang="en-US" dirty="0"/>
           </a:p>
         </p:txBody>
       </p:sp>
@@ -2156,124 +2168,132 @@
         <p:spPr/>
         <p:txBody>
           <a:bodyPr vert="eaVert"/>
-          <a:lstStyle/>
-          <a:p>
-            <a:pPr lvl="0"/>
-            <a:r>
-              <a:rPr lang="en-CA" smtClean="0"/>
-              <a:t>Click to edit Master text styles</a:t>
-            </a:r>
-          </a:p>
-          <a:p>
-            <a:pPr lvl="1"/>
-            <a:r>
-              <a:rPr lang="en-CA" smtClean="0"/>
-              <a:t>Second level</a:t>
-            </a:r>
-          </a:p>
-          <a:p>
-            <a:pPr lvl="2"/>
-            <a:r>
-              <a:rPr lang="en-CA" smtClean="0"/>
-              <a:t>Third level</a:t>
-            </a:r>
-          </a:p>
-          <a:p>
-            <a:pPr lvl="3"/>
-            <a:r>
-              <a:rPr lang="en-CA" smtClean="0"/>
-              <a:t>Fourth level</a:t>
-            </a:r>
-          </a:p>
-          <a:p>
-            <a:pPr lvl="4"/>
-            <a:r>
-              <a:rPr lang="en-CA" smtClean="0"/>
-              <a:t>Fifth level</a:t>
-            </a:r>
-            <a:endParaRPr lang="en-US"/>
-          </a:p>
-        </p:txBody>
-      </p:sp>
-      <p:sp>
-        <p:nvSpPr>
-          <p:cNvPr id="4" name="Date Placeholder 3"/>
-          <p:cNvSpPr>
-            <a:spLocks noGrp="1"/>
-          </p:cNvSpPr>
-          <p:nvPr>
-            <p:ph type="dt" sz="half" idx="10"/>
-          </p:nvPr>
-        </p:nvSpPr>
-        <p:spPr/>
-        <p:txBody>
-          <a:bodyPr/>
           <a:lstStyle>
             <a:lvl1pPr>
-              <a:defRPr smtClean="0"/>
+              <a:defRPr>
+                <a:latin typeface="+mn-lt"/>
+              </a:defRPr>
             </a:lvl1pPr>
+            <a:lvl2pPr>
+              <a:defRPr>
+                <a:latin typeface="+mn-lt"/>
+              </a:defRPr>
+            </a:lvl2pPr>
+            <a:lvl3pPr>
+              <a:defRPr>
+                <a:latin typeface="+mn-lt"/>
+              </a:defRPr>
+            </a:lvl3pPr>
+            <a:lvl4pPr>
+              <a:defRPr>
+                <a:latin typeface="+mn-lt"/>
+              </a:defRPr>
+            </a:lvl4pPr>
+            <a:lvl5pPr>
+              <a:defRPr>
+                <a:latin typeface="+mn-lt"/>
+              </a:defRPr>
+            </a:lvl5pPr>
           </a:lstStyle>
           <a:p>
-            <a:fld id="{E16EE01E-84E8-E443-B4A3-1AE6BD62501F}" type="datetime1">
-              <a:rPr lang="en-CA" smtClean="0"/>
-              <a:t>16-06-21</a:t>
-            </a:fld>
+            <a:pPr lvl="0"/>
+            <a:r>
+              <a:rPr lang="en-CA" dirty="0"/>
+              <a:t>Click to edit Master text styles</a:t>
+            </a:r>
+          </a:p>
+          <a:p>
+            <a:pPr lvl="1"/>
+            <a:r>
+              <a:rPr lang="en-CA" dirty="0"/>
+              <a:t>Second level</a:t>
+            </a:r>
+          </a:p>
+          <a:p>
+            <a:pPr lvl="2"/>
+            <a:r>
+              <a:rPr lang="en-CA" dirty="0"/>
+              <a:t>Third level</a:t>
+            </a:r>
+          </a:p>
+          <a:p>
+            <a:pPr lvl="3"/>
+            <a:r>
+              <a:rPr lang="en-CA" dirty="0"/>
+              <a:t>Fourth level</a:t>
+            </a:r>
+          </a:p>
+          <a:p>
+            <a:pPr lvl="4"/>
+            <a:r>
+              <a:rPr lang="en-CA" dirty="0"/>
+              <a:t>Fifth level</a:t>
+            </a:r>
+            <a:endParaRPr lang="en-US" dirty="0"/>
+          </a:p>
+        </p:txBody>
+      </p:sp>
+      <p:sp>
+        <p:nvSpPr>
+          <p:cNvPr id="7" name="Footer Placeholder 6">
+            <a:extLst>
+              <a:ext uri="{FF2B5EF4-FFF2-40B4-BE49-F238E27FC236}">
+                <a16:creationId xmlns:a16="http://schemas.microsoft.com/office/drawing/2014/main" id="{A94622E8-716D-2543-B902-025F35883533}"/>
+              </a:ext>
+            </a:extLst>
+          </p:cNvPr>
+          <p:cNvSpPr>
+            <a:spLocks noGrp="1"/>
+          </p:cNvSpPr>
+          <p:nvPr>
+            <p:ph type="ftr" sz="quarter" idx="10"/>
+          </p:nvPr>
+        </p:nvSpPr>
+        <p:spPr/>
+        <p:txBody>
+          <a:bodyPr/>
+          <a:lstStyle/>
+          <a:p>
             <a:endParaRPr lang="en-US"/>
           </a:p>
         </p:txBody>
       </p:sp>
       <p:sp>
         <p:nvSpPr>
-          <p:cNvPr id="5" name="Footer Placeholder 4"/>
+          <p:cNvPr id="8" name="Slide Number Placeholder 7">
+            <a:extLst>
+              <a:ext uri="{FF2B5EF4-FFF2-40B4-BE49-F238E27FC236}">
+                <a16:creationId xmlns:a16="http://schemas.microsoft.com/office/drawing/2014/main" id="{7524F093-4E36-C741-82AF-EEB7333B34DF}"/>
+              </a:ext>
+            </a:extLst>
+          </p:cNvPr>
           <p:cNvSpPr>
             <a:spLocks noGrp="1"/>
           </p:cNvSpPr>
           <p:nvPr>
-            <p:ph type="ftr" sz="quarter" idx="11"/>
+            <p:ph type="sldNum" sz="quarter" idx="11"/>
           </p:nvPr>
         </p:nvSpPr>
         <p:spPr/>
         <p:txBody>
           <a:bodyPr/>
-          <a:lstStyle>
-            <a:lvl1pPr>
-              <a:defRPr/>
-            </a:lvl1pPr>
-          </a:lstStyle>
-          <a:p>
-            <a:endParaRPr lang="en-US"/>
-          </a:p>
-        </p:txBody>
-      </p:sp>
-      <p:sp>
-        <p:nvSpPr>
-          <p:cNvPr id="6" name="Slide Number Placeholder 5"/>
-          <p:cNvSpPr>
-            <a:spLocks noGrp="1"/>
-          </p:cNvSpPr>
-          <p:nvPr>
-            <p:ph type="sldNum" sz="quarter" idx="12"/>
-          </p:nvPr>
-        </p:nvSpPr>
-        <p:spPr/>
-        <p:txBody>
-          <a:bodyPr/>
-          <a:lstStyle>
-            <a:lvl1pPr>
-              <a:defRPr smtClean="0"/>
-            </a:lvl1pPr>
-          </a:lstStyle>
-          <a:p>
-            <a:fld id="{58A9508A-382A-3D47-8AC1-75989AC98E3F}" type="slidenum">
-              <a:rPr lang="en-US"/>
+          <a:lstStyle/>
+          <a:p>
+            <a:fld id="{95FC67CD-6733-D04F-B9BE-AD105949F24E}" type="slidenum">
+              <a:rPr lang="en-US" smtClean="0"/>
               <a:pPr/>
               <a:t>‹#›</a:t>
             </a:fld>
-            <a:endParaRPr lang="en-US"/>
+            <a:endParaRPr lang="en-US" dirty="0"/>
           </a:p>
         </p:txBody>
       </p:sp>
     </p:spTree>
+    <p:extLst>
+      <p:ext uri="{BB962C8B-B14F-4D97-AF65-F5344CB8AC3E}">
+        <p14:creationId xmlns:p14="http://schemas.microsoft.com/office/powerpoint/2010/main" val="265231579"/>
+      </p:ext>
+    </p:extLst>
   </p:cSld>
   <p:clrMapOvr>
     <a:masterClrMapping/>
@@ -2316,13 +2336,19 @@
         </p:spPr>
         <p:txBody>
           <a:bodyPr vert="eaVert"/>
-          <a:lstStyle/>
-          <a:p>
-            <a:r>
-              <a:rPr lang="en-CA" smtClean="0"/>
+          <a:lstStyle>
+            <a:lvl1pPr>
+              <a:defRPr>
+                <a:latin typeface="+mj-lt"/>
+              </a:defRPr>
+            </a:lvl1pPr>
+          </a:lstStyle>
+          <a:p>
+            <a:r>
+              <a:rPr lang="en-CA" dirty="0"/>
               <a:t>Click to edit Master title style</a:t>
             </a:r>
-            <a:endParaRPr lang="en-US"/>
+            <a:endParaRPr lang="en-US" dirty="0"/>
           </a:p>
         </p:txBody>
       </p:sp>
@@ -2344,124 +2370,132 @@
         </p:spPr>
         <p:txBody>
           <a:bodyPr vert="eaVert"/>
-          <a:lstStyle/>
-          <a:p>
-            <a:pPr lvl="0"/>
-            <a:r>
-              <a:rPr lang="en-CA" smtClean="0"/>
-              <a:t>Click to edit Master text styles</a:t>
-            </a:r>
-          </a:p>
-          <a:p>
-            <a:pPr lvl="1"/>
-            <a:r>
-              <a:rPr lang="en-CA" smtClean="0"/>
-              <a:t>Second level</a:t>
-            </a:r>
-          </a:p>
-          <a:p>
-            <a:pPr lvl="2"/>
-            <a:r>
-              <a:rPr lang="en-CA" smtClean="0"/>
-              <a:t>Third level</a:t>
-            </a:r>
-          </a:p>
-          <a:p>
-            <a:pPr lvl="3"/>
-            <a:r>
-              <a:rPr lang="en-CA" smtClean="0"/>
-              <a:t>Fourth level</a:t>
-            </a:r>
-          </a:p>
-          <a:p>
-            <a:pPr lvl="4"/>
-            <a:r>
-              <a:rPr lang="en-CA" smtClean="0"/>
-              <a:t>Fifth level</a:t>
-            </a:r>
-            <a:endParaRPr lang="en-US"/>
-          </a:p>
-        </p:txBody>
-      </p:sp>
-      <p:sp>
-        <p:nvSpPr>
-          <p:cNvPr id="4" name="Date Placeholder 3"/>
-          <p:cNvSpPr>
-            <a:spLocks noGrp="1"/>
-          </p:cNvSpPr>
-          <p:nvPr>
-            <p:ph type="dt" sz="half" idx="10"/>
-          </p:nvPr>
-        </p:nvSpPr>
-        <p:spPr/>
-        <p:txBody>
-          <a:bodyPr/>
           <a:lstStyle>
             <a:lvl1pPr>
-              <a:defRPr smtClean="0"/>
+              <a:defRPr>
+                <a:latin typeface="+mn-lt"/>
+              </a:defRPr>
             </a:lvl1pPr>
+            <a:lvl2pPr>
+              <a:defRPr>
+                <a:latin typeface="+mn-lt"/>
+              </a:defRPr>
+            </a:lvl2pPr>
+            <a:lvl3pPr>
+              <a:defRPr>
+                <a:latin typeface="+mn-lt"/>
+              </a:defRPr>
+            </a:lvl3pPr>
+            <a:lvl4pPr>
+              <a:defRPr>
+                <a:latin typeface="+mn-lt"/>
+              </a:defRPr>
+            </a:lvl4pPr>
+            <a:lvl5pPr>
+              <a:defRPr>
+                <a:latin typeface="+mn-lt"/>
+              </a:defRPr>
+            </a:lvl5pPr>
           </a:lstStyle>
           <a:p>
-            <a:fld id="{D0F14A5E-0A78-3249-9925-3CFBAF6E1F0E}" type="datetime1">
-              <a:rPr lang="en-CA" smtClean="0"/>
-              <a:t>16-06-21</a:t>
-            </a:fld>
+            <a:pPr lvl="0"/>
+            <a:r>
+              <a:rPr lang="en-CA" dirty="0"/>
+              <a:t>Click to edit Master text styles</a:t>
+            </a:r>
+          </a:p>
+          <a:p>
+            <a:pPr lvl="1"/>
+            <a:r>
+              <a:rPr lang="en-CA" dirty="0"/>
+              <a:t>Second level</a:t>
+            </a:r>
+          </a:p>
+          <a:p>
+            <a:pPr lvl="2"/>
+            <a:r>
+              <a:rPr lang="en-CA" dirty="0"/>
+              <a:t>Third level</a:t>
+            </a:r>
+          </a:p>
+          <a:p>
+            <a:pPr lvl="3"/>
+            <a:r>
+              <a:rPr lang="en-CA" dirty="0"/>
+              <a:t>Fourth level</a:t>
+            </a:r>
+          </a:p>
+          <a:p>
+            <a:pPr lvl="4"/>
+            <a:r>
+              <a:rPr lang="en-CA" dirty="0"/>
+              <a:t>Fifth level</a:t>
+            </a:r>
+            <a:endParaRPr lang="en-US" dirty="0"/>
+          </a:p>
+        </p:txBody>
+      </p:sp>
+      <p:sp>
+        <p:nvSpPr>
+          <p:cNvPr id="7" name="Footer Placeholder 6">
+            <a:extLst>
+              <a:ext uri="{FF2B5EF4-FFF2-40B4-BE49-F238E27FC236}">
+                <a16:creationId xmlns:a16="http://schemas.microsoft.com/office/drawing/2014/main" id="{AB010344-6C51-EF4E-81B3-87005283EB16}"/>
+              </a:ext>
+            </a:extLst>
+          </p:cNvPr>
+          <p:cNvSpPr>
+            <a:spLocks noGrp="1"/>
+          </p:cNvSpPr>
+          <p:nvPr>
+            <p:ph type="ftr" sz="quarter" idx="10"/>
+          </p:nvPr>
+        </p:nvSpPr>
+        <p:spPr/>
+        <p:txBody>
+          <a:bodyPr/>
+          <a:lstStyle/>
+          <a:p>
             <a:endParaRPr lang="en-US"/>
           </a:p>
         </p:txBody>
       </p:sp>
       <p:sp>
         <p:nvSpPr>
-          <p:cNvPr id="5" name="Footer Placeholder 4"/>
+          <p:cNvPr id="8" name="Slide Number Placeholder 7">
+            <a:extLst>
+              <a:ext uri="{FF2B5EF4-FFF2-40B4-BE49-F238E27FC236}">
+                <a16:creationId xmlns:a16="http://schemas.microsoft.com/office/drawing/2014/main" id="{5ED49F94-3724-5E4A-B082-D0D7C38EC60C}"/>
+              </a:ext>
+            </a:extLst>
+          </p:cNvPr>
           <p:cNvSpPr>
             <a:spLocks noGrp="1"/>
           </p:cNvSpPr>
           <p:nvPr>
-            <p:ph type="ftr" sz="quarter" idx="11"/>
+            <p:ph type="sldNum" sz="quarter" idx="11"/>
           </p:nvPr>
         </p:nvSpPr>
         <p:spPr/>
         <p:txBody>
           <a:bodyPr/>
-          <a:lstStyle>
-            <a:lvl1pPr>
-              <a:defRPr/>
-            </a:lvl1pPr>
-          </a:lstStyle>
-          <a:p>
-            <a:endParaRPr lang="en-US"/>
-          </a:p>
-        </p:txBody>
-      </p:sp>
-      <p:sp>
-        <p:nvSpPr>
-          <p:cNvPr id="6" name="Slide Number Placeholder 5"/>
-          <p:cNvSpPr>
-            <a:spLocks noGrp="1"/>
-          </p:cNvSpPr>
-          <p:nvPr>
-            <p:ph type="sldNum" sz="quarter" idx="12"/>
-          </p:nvPr>
-        </p:nvSpPr>
-        <p:spPr/>
-        <p:txBody>
-          <a:bodyPr/>
-          <a:lstStyle>
-            <a:lvl1pPr>
-              <a:defRPr smtClean="0"/>
-            </a:lvl1pPr>
-          </a:lstStyle>
-          <a:p>
-            <a:fld id="{AA03017D-6E24-C24E-9D3F-CE3F3C770A2F}" type="slidenum">
-              <a:rPr lang="en-US"/>
+          <a:lstStyle/>
+          <a:p>
+            <a:fld id="{95FC67CD-6733-D04F-B9BE-AD105949F24E}" type="slidenum">
+              <a:rPr lang="en-US" smtClean="0"/>
               <a:pPr/>
               <a:t>‹#›</a:t>
             </a:fld>
-            <a:endParaRPr lang="en-US"/>
+            <a:endParaRPr lang="en-US" dirty="0"/>
           </a:p>
         </p:txBody>
       </p:sp>
     </p:spTree>
+    <p:extLst>
+      <p:ext uri="{BB962C8B-B14F-4D97-AF65-F5344CB8AC3E}">
+        <p14:creationId xmlns:p14="http://schemas.microsoft.com/office/powerpoint/2010/main" val="605757230"/>
+      </p:ext>
+    </p:extLst>
   </p:cSld>
   <p:clrMapOvr>
     <a:masterClrMapping/>
@@ -2499,13 +2533,19 @@
         <p:spPr/>
         <p:txBody>
           <a:bodyPr/>
-          <a:lstStyle/>
-          <a:p>
-            <a:r>
-              <a:rPr lang="en-CA" smtClean="0"/>
+          <a:lstStyle>
+            <a:lvl1pPr>
+              <a:defRPr>
+                <a:latin typeface="+mj-lt"/>
+              </a:defRPr>
+            </a:lvl1pPr>
+          </a:lstStyle>
+          <a:p>
+            <a:r>
+              <a:rPr lang="en-CA" dirty="0"/>
               <a:t>Click to edit Master title style</a:t>
             </a:r>
-            <a:endParaRPr lang="en-US"/>
+            <a:endParaRPr lang="en-US" dirty="0"/>
           </a:p>
         </p:txBody>
       </p:sp>
@@ -2522,53 +2562,110 @@
         <p:spPr/>
         <p:txBody>
           <a:bodyPr/>
-          <a:lstStyle/>
+          <a:lstStyle>
+            <a:lvl1pPr>
+              <a:defRPr>
+                <a:latin typeface="+mn-lt"/>
+              </a:defRPr>
+            </a:lvl1pPr>
+            <a:lvl2pPr>
+              <a:defRPr>
+                <a:latin typeface="+mn-lt"/>
+              </a:defRPr>
+            </a:lvl2pPr>
+            <a:lvl3pPr>
+              <a:defRPr>
+                <a:latin typeface="+mn-lt"/>
+              </a:defRPr>
+            </a:lvl3pPr>
+            <a:lvl4pPr>
+              <a:defRPr>
+                <a:latin typeface="+mn-lt"/>
+              </a:defRPr>
+            </a:lvl4pPr>
+            <a:lvl5pPr>
+              <a:defRPr>
+                <a:latin typeface="+mn-lt"/>
+              </a:defRPr>
+            </a:lvl5pPr>
+          </a:lstStyle>
           <a:p>
             <a:pPr lvl="0"/>
             <a:r>
-              <a:rPr lang="en-CA" smtClean="0"/>
+              <a:rPr lang="en-CA" dirty="0"/>
               <a:t>Click to edit Master text styles</a:t>
             </a:r>
           </a:p>
           <a:p>
             <a:pPr lvl="1"/>
             <a:r>
-              <a:rPr lang="en-CA" smtClean="0"/>
+              <a:rPr lang="en-CA" dirty="0"/>
               <a:t>Second level</a:t>
             </a:r>
           </a:p>
           <a:p>
             <a:pPr lvl="2"/>
             <a:r>
-              <a:rPr lang="en-CA" smtClean="0"/>
+              <a:rPr lang="en-CA" dirty="0"/>
               <a:t>Third level</a:t>
             </a:r>
           </a:p>
           <a:p>
             <a:pPr lvl="3"/>
             <a:r>
-              <a:rPr lang="en-CA" smtClean="0"/>
+              <a:rPr lang="en-CA" dirty="0"/>
               <a:t>Fourth level</a:t>
             </a:r>
           </a:p>
           <a:p>
             <a:pPr lvl="4"/>
             <a:r>
-              <a:rPr lang="en-CA" smtClean="0"/>
+              <a:rPr lang="en-CA" dirty="0"/>
               <a:t>Fifth level</a:t>
             </a:r>
+            <a:endParaRPr lang="en-US" dirty="0"/>
+          </a:p>
+        </p:txBody>
+      </p:sp>
+      <p:sp>
+        <p:nvSpPr>
+          <p:cNvPr id="5" name="Footer Placeholder 4"/>
+          <p:cNvSpPr>
+            <a:spLocks noGrp="1"/>
+          </p:cNvSpPr>
+          <p:nvPr>
+            <p:ph type="ftr" sz="quarter" idx="11"/>
+          </p:nvPr>
+        </p:nvSpPr>
+        <p:spPr>
+          <a:xfrm>
+            <a:off x="3124200" y="6248400"/>
+            <a:ext cx="2895600" cy="457200"/>
+          </a:xfrm>
+          <a:prstGeom prst="rect">
+            <a:avLst/>
+          </a:prstGeom>
+        </p:spPr>
+        <p:txBody>
+          <a:bodyPr/>
+          <a:lstStyle>
+            <a:lvl1pPr>
+              <a:defRPr/>
+            </a:lvl1pPr>
+          </a:lstStyle>
+          <a:p>
             <a:endParaRPr lang="en-US"/>
           </a:p>
         </p:txBody>
       </p:sp>
       <p:sp>
         <p:nvSpPr>
-          <p:cNvPr id="4" name="Date Placeholder 3"/>
+          <p:cNvPr id="6" name="Slide Number Placeholder 5"/>
           <p:cNvSpPr>
             <a:spLocks noGrp="1"/>
           </p:cNvSpPr>
           <p:nvPr>
-            <p:ph type="dt" sz="half" idx="10"/>
+            <p:ph type="sldNum" sz="quarter" idx="12"/>
           </p:nvPr>
         </p:nvSpPr>
         <p:spPr/>
@@ -2580,57 +2677,7 @@
             </a:lvl1pPr>
           </a:lstStyle>
           <a:p>
-            <a:fld id="{C1C37086-67A3-2342-AD89-C77608DB7761}" type="datetime1">
-              <a:rPr lang="en-CA" smtClean="0"/>
-              <a:t>16-06-21</a:t>
-            </a:fld>
-            <a:endParaRPr lang="en-US"/>
-          </a:p>
-        </p:txBody>
-      </p:sp>
-      <p:sp>
-        <p:nvSpPr>
-          <p:cNvPr id="5" name="Footer Placeholder 4"/>
-          <p:cNvSpPr>
-            <a:spLocks noGrp="1"/>
-          </p:cNvSpPr>
-          <p:nvPr>
-            <p:ph type="ftr" sz="quarter" idx="11"/>
-          </p:nvPr>
-        </p:nvSpPr>
-        <p:spPr/>
-        <p:txBody>
-          <a:bodyPr/>
-          <a:lstStyle>
-            <a:lvl1pPr>
-              <a:defRPr/>
-            </a:lvl1pPr>
-          </a:lstStyle>
-          <a:p>
-            <a:endParaRPr lang="en-US"/>
-          </a:p>
-        </p:txBody>
-      </p:sp>
-      <p:sp>
-        <p:nvSpPr>
-          <p:cNvPr id="6" name="Slide Number Placeholder 5"/>
-          <p:cNvSpPr>
-            <a:spLocks noGrp="1"/>
-          </p:cNvSpPr>
-          <p:nvPr>
-            <p:ph type="sldNum" sz="quarter" idx="12"/>
-          </p:nvPr>
-        </p:nvSpPr>
-        <p:spPr/>
-        <p:txBody>
-          <a:bodyPr/>
-          <a:lstStyle>
-            <a:lvl1pPr>
-              <a:defRPr smtClean="0"/>
-            </a:lvl1pPr>
-          </a:lstStyle>
-          <a:p>
-            <a:fld id="{EF43BF25-6C5C-E54C-A6BE-4C60D00A6801}" type="slidenum">
+            <a:fld id="{D94201BD-6681-B946-ACD9-A8F6D28AC38D}" type="slidenum">
               <a:rPr lang="en-US"/>
               <a:pPr/>
               <a:t>‹#›</a:t>
@@ -2640,6 +2687,11 @@
         </p:txBody>
       </p:sp>
     </p:spTree>
+    <p:extLst>
+      <p:ext uri="{BB962C8B-B14F-4D97-AF65-F5344CB8AC3E}">
+        <p14:creationId xmlns:p14="http://schemas.microsoft.com/office/powerpoint/2010/main" val="1429793757"/>
+      </p:ext>
+    </p:extLst>
   </p:cSld>
   <p:clrMapOvr>
     <a:masterClrMapping/>
@@ -2684,15 +2736,17 @@
           <a:bodyPr anchor="t"/>
           <a:lstStyle>
             <a:lvl1pPr algn="l">
-              <a:defRPr sz="4000" b="1" cap="all"/>
+              <a:defRPr sz="4000" b="1" cap="all">
+                <a:latin typeface="+mj-lt"/>
+              </a:defRPr>
             </a:lvl1pPr>
           </a:lstStyle>
           <a:p>
             <a:r>
-              <a:rPr lang="en-CA" smtClean="0"/>
+              <a:rPr lang="en-CA" dirty="0"/>
               <a:t>Click to edit Master title style</a:t>
             </a:r>
-            <a:endParaRPr lang="en-US"/>
+            <a:endParaRPr lang="en-US" dirty="0"/>
           </a:p>
         </p:txBody>
       </p:sp>
@@ -2717,7 +2771,9 @@
           <a:lstStyle>
             <a:lvl1pPr marL="0" indent="0">
               <a:buNone/>
-              <a:defRPr sz="2000"/>
+              <a:defRPr sz="2000">
+                <a:latin typeface="+mn-lt"/>
+              </a:defRPr>
             </a:lvl1pPr>
             <a:lvl2pPr marL="457200" indent="0">
               <a:buNone/>
@@ -2755,7 +2811,7 @@
           <a:p>
             <a:pPr lvl="0"/>
             <a:r>
-              <a:rPr lang="en-CA" smtClean="0"/>
+              <a:rPr lang="en-CA" dirty="0"/>
               <a:t>Click to edit Master text styles</a:t>
             </a:r>
           </a:p>
@@ -2763,83 +2819,65 @@
       </p:sp>
       <p:sp>
         <p:nvSpPr>
-          <p:cNvPr id="4" name="Date Placeholder 3"/>
+          <p:cNvPr id="7" name="Footer Placeholder 6">
+            <a:extLst>
+              <a:ext uri="{FF2B5EF4-FFF2-40B4-BE49-F238E27FC236}">
+                <a16:creationId xmlns:a16="http://schemas.microsoft.com/office/drawing/2014/main" id="{2B039AA2-523D-0546-920D-E32D1313510F}"/>
+              </a:ext>
+            </a:extLst>
+          </p:cNvPr>
           <p:cNvSpPr>
             <a:spLocks noGrp="1"/>
           </p:cNvSpPr>
           <p:nvPr>
-            <p:ph type="dt" sz="half" idx="10"/>
+            <p:ph type="ftr" sz="quarter" idx="10"/>
           </p:nvPr>
         </p:nvSpPr>
         <p:spPr/>
         <p:txBody>
           <a:bodyPr/>
-          <a:lstStyle>
-            <a:lvl1pPr>
-              <a:defRPr smtClean="0"/>
-            </a:lvl1pPr>
-          </a:lstStyle>
-          <a:p>
-            <a:fld id="{04E11F60-B584-9641-914B-0EAD3DA39502}" type="datetime1">
-              <a:rPr lang="en-CA" smtClean="0"/>
-              <a:t>16-06-21</a:t>
-            </a:fld>
+          <a:lstStyle/>
+          <a:p>
             <a:endParaRPr lang="en-US"/>
           </a:p>
         </p:txBody>
       </p:sp>
       <p:sp>
         <p:nvSpPr>
-          <p:cNvPr id="5" name="Footer Placeholder 4"/>
+          <p:cNvPr id="8" name="Slide Number Placeholder 7">
+            <a:extLst>
+              <a:ext uri="{FF2B5EF4-FFF2-40B4-BE49-F238E27FC236}">
+                <a16:creationId xmlns:a16="http://schemas.microsoft.com/office/drawing/2014/main" id="{F86BC01E-DD3B-5E4B-95A4-DD35BF84807C}"/>
+              </a:ext>
+            </a:extLst>
+          </p:cNvPr>
           <p:cNvSpPr>
             <a:spLocks noGrp="1"/>
           </p:cNvSpPr>
           <p:nvPr>
-            <p:ph type="ftr" sz="quarter" idx="11"/>
+            <p:ph type="sldNum" sz="quarter" idx="11"/>
           </p:nvPr>
         </p:nvSpPr>
         <p:spPr/>
         <p:txBody>
           <a:bodyPr/>
-          <a:lstStyle>
-            <a:lvl1pPr>
-              <a:defRPr/>
-            </a:lvl1pPr>
-          </a:lstStyle>
-          <a:p>
-            <a:endParaRPr lang="en-US"/>
-          </a:p>
-        </p:txBody>
-      </p:sp>
-      <p:sp>
-        <p:nvSpPr>
-          <p:cNvPr id="6" name="Slide Number Placeholder 5"/>
-          <p:cNvSpPr>
-            <a:spLocks noGrp="1"/>
-          </p:cNvSpPr>
-          <p:nvPr>
-            <p:ph type="sldNum" sz="quarter" idx="12"/>
-          </p:nvPr>
-        </p:nvSpPr>
-        <p:spPr/>
-        <p:txBody>
-          <a:bodyPr/>
-          <a:lstStyle>
-            <a:lvl1pPr>
-              <a:defRPr smtClean="0"/>
-            </a:lvl1pPr>
-          </a:lstStyle>
-          <a:p>
-            <a:fld id="{C0CF9E21-01C7-4442-A5EB-C9D0A76A7F49}" type="slidenum">
-              <a:rPr lang="en-US"/>
+          <a:lstStyle/>
+          <a:p>
+            <a:fld id="{95FC67CD-6733-D04F-B9BE-AD105949F24E}" type="slidenum">
+              <a:rPr lang="en-US" smtClean="0"/>
               <a:pPr/>
               <a:t>‹#›</a:t>
             </a:fld>
-            <a:endParaRPr lang="en-US"/>
+            <a:endParaRPr lang="en-US" dirty="0"/>
           </a:p>
         </p:txBody>
       </p:sp>
     </p:spTree>
+    <p:extLst>
+      <p:ext uri="{BB962C8B-B14F-4D97-AF65-F5344CB8AC3E}">
+        <p14:creationId xmlns:p14="http://schemas.microsoft.com/office/powerpoint/2010/main" val="476248167"/>
+      </p:ext>
+    </p:extLst>
   </p:cSld>
   <p:clrMapOvr>
     <a:masterClrMapping/>
@@ -2877,13 +2915,19 @@
         <p:spPr/>
         <p:txBody>
           <a:bodyPr/>
-          <a:lstStyle/>
-          <a:p>
-            <a:r>
-              <a:rPr lang="en-CA" smtClean="0"/>
+          <a:lstStyle>
+            <a:lvl1pPr>
+              <a:defRPr>
+                <a:latin typeface="+mj-lt"/>
+              </a:defRPr>
+            </a:lvl1pPr>
+          </a:lstStyle>
+          <a:p>
+            <a:r>
+              <a:rPr lang="en-CA" dirty="0"/>
               <a:t>Click to edit Master title style</a:t>
             </a:r>
-            <a:endParaRPr lang="en-US"/>
+            <a:endParaRPr lang="en-US" dirty="0"/>
           </a:p>
         </p:txBody>
       </p:sp>
@@ -2907,19 +2951,29 @@
           <a:bodyPr/>
           <a:lstStyle>
             <a:lvl1pPr>
-              <a:defRPr sz="2800"/>
+              <a:defRPr sz="2800">
+                <a:latin typeface="+mn-lt"/>
+              </a:defRPr>
             </a:lvl1pPr>
             <a:lvl2pPr>
-              <a:defRPr sz="2400"/>
+              <a:defRPr sz="2400">
+                <a:latin typeface="+mn-lt"/>
+              </a:defRPr>
             </a:lvl2pPr>
             <a:lvl3pPr>
-              <a:defRPr sz="2000"/>
+              <a:defRPr sz="2000">
+                <a:latin typeface="+mn-lt"/>
+              </a:defRPr>
             </a:lvl3pPr>
             <a:lvl4pPr>
-              <a:defRPr sz="1800"/>
+              <a:defRPr sz="1800">
+                <a:latin typeface="+mn-lt"/>
+              </a:defRPr>
             </a:lvl4pPr>
             <a:lvl5pPr>
-              <a:defRPr sz="1800"/>
+              <a:defRPr sz="1800">
+                <a:latin typeface="+mn-lt"/>
+              </a:defRPr>
             </a:lvl5pPr>
             <a:lvl6pPr>
               <a:defRPr sz="1800"/>
@@ -2937,38 +2991,38 @@
           <a:p>
             <a:pPr lvl="0"/>
             <a:r>
-              <a:rPr lang="en-CA" smtClean="0"/>
+              <a:rPr lang="en-CA" dirty="0"/>
               <a:t>Click to edit Master text styles</a:t>
             </a:r>
           </a:p>
           <a:p>
             <a:pPr lvl="1"/>
             <a:r>
-              <a:rPr lang="en-CA" smtClean="0"/>
+              <a:rPr lang="en-CA" dirty="0"/>
               <a:t>Second level</a:t>
             </a:r>
           </a:p>
           <a:p>
             <a:pPr lvl="2"/>
             <a:r>
-              <a:rPr lang="en-CA" smtClean="0"/>
+              <a:rPr lang="en-CA" dirty="0"/>
               <a:t>Third level</a:t>
             </a:r>
           </a:p>
           <a:p>
             <a:pPr lvl="3"/>
             <a:r>
-              <a:rPr lang="en-CA" smtClean="0"/>
+              <a:rPr lang="en-CA" dirty="0"/>
               <a:t>Fourth level</a:t>
             </a:r>
           </a:p>
           <a:p>
             <a:pPr lvl="4"/>
             <a:r>
-              <a:rPr lang="en-CA" smtClean="0"/>
+              <a:rPr lang="en-CA" dirty="0"/>
               <a:t>Fifth level</a:t>
             </a:r>
-            <a:endParaRPr lang="en-US"/>
+            <a:endParaRPr lang="en-US" dirty="0"/>
           </a:p>
         </p:txBody>
       </p:sp>
@@ -2992,19 +3046,29 @@
           <a:bodyPr/>
           <a:lstStyle>
             <a:lvl1pPr>
-              <a:defRPr sz="2800"/>
+              <a:defRPr sz="2800">
+                <a:latin typeface="+mn-lt"/>
+              </a:defRPr>
             </a:lvl1pPr>
             <a:lvl2pPr>
-              <a:defRPr sz="2400"/>
+              <a:defRPr sz="2400">
+                <a:latin typeface="+mn-lt"/>
+              </a:defRPr>
             </a:lvl2pPr>
             <a:lvl3pPr>
-              <a:defRPr sz="2000"/>
+              <a:defRPr sz="2000">
+                <a:latin typeface="+mn-lt"/>
+              </a:defRPr>
             </a:lvl3pPr>
             <a:lvl4pPr>
-              <a:defRPr sz="1800"/>
+              <a:defRPr sz="1800">
+                <a:latin typeface="+mn-lt"/>
+              </a:defRPr>
             </a:lvl4pPr>
             <a:lvl5pPr>
-              <a:defRPr sz="1800"/>
+              <a:defRPr sz="1800">
+                <a:latin typeface="+mn-lt"/>
+              </a:defRPr>
             </a:lvl5pPr>
             <a:lvl6pPr>
               <a:defRPr sz="1800"/>
@@ -3022,120 +3086,102 @@
           <a:p>
             <a:pPr lvl="0"/>
             <a:r>
-              <a:rPr lang="en-CA" smtClean="0"/>
+              <a:rPr lang="en-CA" dirty="0"/>
               <a:t>Click to edit Master text styles</a:t>
             </a:r>
           </a:p>
           <a:p>
             <a:pPr lvl="1"/>
             <a:r>
-              <a:rPr lang="en-CA" smtClean="0"/>
+              <a:rPr lang="en-CA" dirty="0"/>
               <a:t>Second level</a:t>
             </a:r>
           </a:p>
           <a:p>
             <a:pPr lvl="2"/>
             <a:r>
-              <a:rPr lang="en-CA" smtClean="0"/>
+              <a:rPr lang="en-CA" dirty="0"/>
               <a:t>Third level</a:t>
             </a:r>
           </a:p>
           <a:p>
             <a:pPr lvl="3"/>
             <a:r>
-              <a:rPr lang="en-CA" smtClean="0"/>
+              <a:rPr lang="en-CA" dirty="0"/>
               <a:t>Fourth level</a:t>
             </a:r>
           </a:p>
           <a:p>
             <a:pPr lvl="4"/>
             <a:r>
-              <a:rPr lang="en-CA" smtClean="0"/>
+              <a:rPr lang="en-CA" dirty="0"/>
               <a:t>Fifth level</a:t>
             </a:r>
+            <a:endParaRPr lang="en-US" dirty="0"/>
+          </a:p>
+        </p:txBody>
+      </p:sp>
+      <p:sp>
+        <p:nvSpPr>
+          <p:cNvPr id="8" name="Footer Placeholder 7">
+            <a:extLst>
+              <a:ext uri="{FF2B5EF4-FFF2-40B4-BE49-F238E27FC236}">
+                <a16:creationId xmlns:a16="http://schemas.microsoft.com/office/drawing/2014/main" id="{DA945EC4-37BF-4E43-B2AD-837601045EC0}"/>
+              </a:ext>
+            </a:extLst>
+          </p:cNvPr>
+          <p:cNvSpPr>
+            <a:spLocks noGrp="1"/>
+          </p:cNvSpPr>
+          <p:nvPr>
+            <p:ph type="ftr" sz="quarter" idx="10"/>
+          </p:nvPr>
+        </p:nvSpPr>
+        <p:spPr/>
+        <p:txBody>
+          <a:bodyPr/>
+          <a:lstStyle/>
+          <a:p>
             <a:endParaRPr lang="en-US"/>
           </a:p>
         </p:txBody>
       </p:sp>
       <p:sp>
         <p:nvSpPr>
-          <p:cNvPr id="5" name="Date Placeholder 4"/>
+          <p:cNvPr id="9" name="Slide Number Placeholder 8">
+            <a:extLst>
+              <a:ext uri="{FF2B5EF4-FFF2-40B4-BE49-F238E27FC236}">
+                <a16:creationId xmlns:a16="http://schemas.microsoft.com/office/drawing/2014/main" id="{BEFEF4CF-D098-9549-A3AC-4A120E0BFA05}"/>
+              </a:ext>
+            </a:extLst>
+          </p:cNvPr>
           <p:cNvSpPr>
             <a:spLocks noGrp="1"/>
           </p:cNvSpPr>
           <p:nvPr>
-            <p:ph type="dt" sz="half" idx="10"/>
+            <p:ph type="sldNum" sz="quarter" idx="11"/>
           </p:nvPr>
         </p:nvSpPr>
         <p:spPr/>
         <p:txBody>
           <a:bodyPr/>
-          <a:lstStyle>
-            <a:lvl1pPr>
-              <a:defRPr smtClean="0"/>
-            </a:lvl1pPr>
-          </a:lstStyle>
-          <a:p>
-            <a:fld id="{E7EC4DF0-9B2F-A74B-B1DD-B9BD48D0E1D9}" type="datetime1">
-              <a:rPr lang="en-CA" smtClean="0"/>
-              <a:t>16-06-21</a:t>
-            </a:fld>
-            <a:endParaRPr lang="en-US"/>
-          </a:p>
-        </p:txBody>
-      </p:sp>
-      <p:sp>
-        <p:nvSpPr>
-          <p:cNvPr id="6" name="Footer Placeholder 5"/>
-          <p:cNvSpPr>
-            <a:spLocks noGrp="1"/>
-          </p:cNvSpPr>
-          <p:nvPr>
-            <p:ph type="ftr" sz="quarter" idx="11"/>
-          </p:nvPr>
-        </p:nvSpPr>
-        <p:spPr/>
-        <p:txBody>
-          <a:bodyPr/>
-          <a:lstStyle>
-            <a:lvl1pPr>
-              <a:defRPr/>
-            </a:lvl1pPr>
-          </a:lstStyle>
-          <a:p>
-            <a:endParaRPr lang="en-US"/>
-          </a:p>
-        </p:txBody>
-      </p:sp>
-      <p:sp>
-        <p:nvSpPr>
-          <p:cNvPr id="7" name="Slide Number Placeholder 6"/>
-          <p:cNvSpPr>
-            <a:spLocks noGrp="1"/>
-          </p:cNvSpPr>
-          <p:nvPr>
-            <p:ph type="sldNum" sz="quarter" idx="12"/>
-          </p:nvPr>
-        </p:nvSpPr>
-        <p:spPr/>
-        <p:txBody>
-          <a:bodyPr/>
-          <a:lstStyle>
-            <a:lvl1pPr>
-              <a:defRPr smtClean="0"/>
-            </a:lvl1pPr>
-          </a:lstStyle>
-          <a:p>
-            <a:fld id="{726EB581-4992-9843-9616-65D8A0765604}" type="slidenum">
-              <a:rPr lang="en-US"/>
+          <a:lstStyle/>
+          <a:p>
+            <a:fld id="{95FC67CD-6733-D04F-B9BE-AD105949F24E}" type="slidenum">
+              <a:rPr lang="en-US" smtClean="0"/>
               <a:pPr/>
               <a:t>‹#›</a:t>
             </a:fld>
-            <a:endParaRPr lang="en-US"/>
+            <a:endParaRPr lang="en-US" dirty="0"/>
           </a:p>
         </p:txBody>
       </p:sp>
     </p:spTree>
+    <p:extLst>
+      <p:ext uri="{BB962C8B-B14F-4D97-AF65-F5344CB8AC3E}">
+        <p14:creationId xmlns:p14="http://schemas.microsoft.com/office/powerpoint/2010/main" val="3814520194"/>
+      </p:ext>
+    </p:extLst>
   </p:cSld>
   <p:clrMapOvr>
     <a:masterClrMapping/>
@@ -3180,15 +3226,17 @@
           <a:bodyPr/>
           <a:lstStyle>
             <a:lvl1pPr>
-              <a:defRPr/>
+              <a:defRPr>
+                <a:latin typeface="+mj-lt"/>
+              </a:defRPr>
             </a:lvl1pPr>
           </a:lstStyle>
           <a:p>
             <a:r>
-              <a:rPr lang="en-CA" smtClean="0"/>
+              <a:rPr lang="en-CA" dirty="0"/>
               <a:t>Click to edit Master title style</a:t>
             </a:r>
-            <a:endParaRPr lang="en-US"/>
+            <a:endParaRPr lang="en-US" dirty="0"/>
           </a:p>
         </p:txBody>
       </p:sp>
@@ -3213,7 +3261,9 @@
           <a:lstStyle>
             <a:lvl1pPr marL="0" indent="0">
               <a:buNone/>
-              <a:defRPr sz="2400" b="1"/>
+              <a:defRPr sz="2400" b="1">
+                <a:latin typeface="+mj-lt"/>
+              </a:defRPr>
             </a:lvl1pPr>
             <a:lvl2pPr marL="457200" indent="0">
               <a:buNone/>
@@ -3251,7 +3301,7 @@
           <a:p>
             <a:pPr lvl="0"/>
             <a:r>
-              <a:rPr lang="en-CA" smtClean="0"/>
+              <a:rPr lang="en-CA" dirty="0"/>
               <a:t>Click to edit Master text styles</a:t>
             </a:r>
           </a:p>
@@ -3277,19 +3327,29 @@
           <a:bodyPr/>
           <a:lstStyle>
             <a:lvl1pPr>
-              <a:defRPr sz="2400"/>
+              <a:defRPr sz="2400">
+                <a:latin typeface="+mn-lt"/>
+              </a:defRPr>
             </a:lvl1pPr>
             <a:lvl2pPr>
-              <a:defRPr sz="2000"/>
+              <a:defRPr sz="2000">
+                <a:latin typeface="+mn-lt"/>
+              </a:defRPr>
             </a:lvl2pPr>
             <a:lvl3pPr>
-              <a:defRPr sz="1800"/>
+              <a:defRPr sz="1800">
+                <a:latin typeface="+mn-lt"/>
+              </a:defRPr>
             </a:lvl3pPr>
             <a:lvl4pPr>
-              <a:defRPr sz="1600"/>
+              <a:defRPr sz="1600">
+                <a:latin typeface="+mn-lt"/>
+              </a:defRPr>
             </a:lvl4pPr>
             <a:lvl5pPr>
-              <a:defRPr sz="1600"/>
+              <a:defRPr sz="1600">
+                <a:latin typeface="+mn-lt"/>
+              </a:defRPr>
             </a:lvl5pPr>
             <a:lvl6pPr>
               <a:defRPr sz="1600"/>
@@ -3307,38 +3367,38 @@
           <a:p>
             <a:pPr lvl="0"/>
             <a:r>
-              <a:rPr lang="en-CA" smtClean="0"/>
+              <a:rPr lang="en-CA" dirty="0"/>
               <a:t>Click to edit Master text styles</a:t>
             </a:r>
           </a:p>
           <a:p>
             <a:pPr lvl="1"/>
             <a:r>
-              <a:rPr lang="en-CA" smtClean="0"/>
+              <a:rPr lang="en-CA" dirty="0"/>
               <a:t>Second level</a:t>
             </a:r>
           </a:p>
           <a:p>
             <a:pPr lvl="2"/>
             <a:r>
-              <a:rPr lang="en-CA" smtClean="0"/>
+              <a:rPr lang="en-CA" dirty="0"/>
               <a:t>Third level</a:t>
             </a:r>
           </a:p>
           <a:p>
             <a:pPr lvl="3"/>
             <a:r>
-              <a:rPr lang="en-CA" smtClean="0"/>
+              <a:rPr lang="en-CA" dirty="0"/>
               <a:t>Fourth level</a:t>
             </a:r>
           </a:p>
           <a:p>
             <a:pPr lvl="4"/>
             <a:r>
-              <a:rPr lang="en-CA" smtClean="0"/>
+              <a:rPr lang="en-CA" dirty="0"/>
               <a:t>Fifth level</a:t>
             </a:r>
-            <a:endParaRPr lang="en-US"/>
+            <a:endParaRPr lang="en-US" dirty="0"/>
           </a:p>
         </p:txBody>
       </p:sp>
@@ -3363,7 +3423,9 @@
           <a:lstStyle>
             <a:lvl1pPr marL="0" indent="0">
               <a:buNone/>
-              <a:defRPr sz="2400" b="1"/>
+              <a:defRPr sz="2400" b="1">
+                <a:latin typeface="+mj-lt"/>
+              </a:defRPr>
             </a:lvl1pPr>
             <a:lvl2pPr marL="457200" indent="0">
               <a:buNone/>
@@ -3401,7 +3463,7 @@
           <a:p>
             <a:pPr lvl="0"/>
             <a:r>
-              <a:rPr lang="en-CA" smtClean="0"/>
+              <a:rPr lang="en-CA" dirty="0"/>
               <a:t>Click to edit Master text styles</a:t>
             </a:r>
           </a:p>
@@ -3427,19 +3489,29 @@
           <a:bodyPr/>
           <a:lstStyle>
             <a:lvl1pPr>
-              <a:defRPr sz="2400"/>
+              <a:defRPr sz="2400">
+                <a:latin typeface="+mn-lt"/>
+              </a:defRPr>
             </a:lvl1pPr>
             <a:lvl2pPr>
-              <a:defRPr sz="2000"/>
+              <a:defRPr sz="2000">
+                <a:latin typeface="+mn-lt"/>
+              </a:defRPr>
             </a:lvl2pPr>
             <a:lvl3pPr>
-              <a:defRPr sz="1800"/>
+              <a:defRPr sz="1800">
+                <a:latin typeface="+mn-lt"/>
+              </a:defRPr>
             </a:lvl3pPr>
             <a:lvl4pPr>
-              <a:defRPr sz="1600"/>
+              <a:defRPr sz="1600">
+                <a:latin typeface="+mn-lt"/>
+              </a:defRPr>
             </a:lvl4pPr>
             <a:lvl5pPr>
-              <a:defRPr sz="1600"/>
+              <a:defRPr sz="1600">
+                <a:latin typeface="+mn-lt"/>
+              </a:defRPr>
             </a:lvl5pPr>
             <a:lvl6pPr>
               <a:defRPr sz="1600"/>
@@ -3457,120 +3529,102 @@
           <a:p>
             <a:pPr lvl="0"/>
             <a:r>
-              <a:rPr lang="en-CA" smtClean="0"/>
+              <a:rPr lang="en-CA" dirty="0"/>
               <a:t>Click to edit Master text styles</a:t>
             </a:r>
           </a:p>
           <a:p>
             <a:pPr lvl="1"/>
             <a:r>
-              <a:rPr lang="en-CA" smtClean="0"/>
+              <a:rPr lang="en-CA" dirty="0"/>
               <a:t>Second level</a:t>
             </a:r>
           </a:p>
           <a:p>
             <a:pPr lvl="2"/>
             <a:r>
-              <a:rPr lang="en-CA" smtClean="0"/>
+              <a:rPr lang="en-CA" dirty="0"/>
               <a:t>Third level</a:t>
             </a:r>
           </a:p>
           <a:p>
             <a:pPr lvl="3"/>
             <a:r>
-              <a:rPr lang="en-CA" smtClean="0"/>
+              <a:rPr lang="en-CA" dirty="0"/>
               <a:t>Fourth level</a:t>
             </a:r>
           </a:p>
           <a:p>
             <a:pPr lvl="4"/>
             <a:r>
-              <a:rPr lang="en-CA" smtClean="0"/>
+              <a:rPr lang="en-CA" dirty="0"/>
               <a:t>Fifth level</a:t>
             </a:r>
+            <a:endParaRPr lang="en-US" dirty="0"/>
+          </a:p>
+        </p:txBody>
+      </p:sp>
+      <p:sp>
+        <p:nvSpPr>
+          <p:cNvPr id="10" name="Footer Placeholder 9">
+            <a:extLst>
+              <a:ext uri="{FF2B5EF4-FFF2-40B4-BE49-F238E27FC236}">
+                <a16:creationId xmlns:a16="http://schemas.microsoft.com/office/drawing/2014/main" id="{0912E499-92DE-AB4A-A5B0-FD67B2273F7D}"/>
+              </a:ext>
+            </a:extLst>
+          </p:cNvPr>
+          <p:cNvSpPr>
+            <a:spLocks noGrp="1"/>
+          </p:cNvSpPr>
+          <p:nvPr>
+            <p:ph type="ftr" sz="quarter" idx="10"/>
+          </p:nvPr>
+        </p:nvSpPr>
+        <p:spPr/>
+        <p:txBody>
+          <a:bodyPr/>
+          <a:lstStyle/>
+          <a:p>
             <a:endParaRPr lang="en-US"/>
           </a:p>
         </p:txBody>
       </p:sp>
       <p:sp>
         <p:nvSpPr>
-          <p:cNvPr id="7" name="Date Placeholder 6"/>
+          <p:cNvPr id="11" name="Slide Number Placeholder 10">
+            <a:extLst>
+              <a:ext uri="{FF2B5EF4-FFF2-40B4-BE49-F238E27FC236}">
+                <a16:creationId xmlns:a16="http://schemas.microsoft.com/office/drawing/2014/main" id="{80D4789F-B319-FB45-8996-99D418A3599C}"/>
+              </a:ext>
+            </a:extLst>
+          </p:cNvPr>
           <p:cNvSpPr>
             <a:spLocks noGrp="1"/>
           </p:cNvSpPr>
           <p:nvPr>
-            <p:ph type="dt" sz="half" idx="10"/>
+            <p:ph type="sldNum" sz="quarter" idx="11"/>
           </p:nvPr>
         </p:nvSpPr>
         <p:spPr/>
         <p:txBody>
           <a:bodyPr/>
-          <a:lstStyle>
-            <a:lvl1pPr>
-              <a:defRPr smtClean="0"/>
-            </a:lvl1pPr>
-          </a:lstStyle>
-          <a:p>
-            <a:fld id="{1055E8D5-8125-D445-A73D-D3CCADC235D8}" type="datetime1">
-              <a:rPr lang="en-CA" smtClean="0"/>
-              <a:t>16-06-21</a:t>
-            </a:fld>
-            <a:endParaRPr lang="en-US"/>
-          </a:p>
-        </p:txBody>
-      </p:sp>
-      <p:sp>
-        <p:nvSpPr>
-          <p:cNvPr id="8" name="Footer Placeholder 7"/>
-          <p:cNvSpPr>
-            <a:spLocks noGrp="1"/>
-          </p:cNvSpPr>
-          <p:nvPr>
-            <p:ph type="ftr" sz="quarter" idx="11"/>
-          </p:nvPr>
-        </p:nvSpPr>
-        <p:spPr/>
-        <p:txBody>
-          <a:bodyPr/>
-          <a:lstStyle>
-            <a:lvl1pPr>
-              <a:defRPr/>
-            </a:lvl1pPr>
-          </a:lstStyle>
-          <a:p>
-            <a:endParaRPr lang="en-US"/>
-          </a:p>
-        </p:txBody>
-      </p:sp>
-      <p:sp>
-        <p:nvSpPr>
-          <p:cNvPr id="9" name="Slide Number Placeholder 8"/>
-          <p:cNvSpPr>
-            <a:spLocks noGrp="1"/>
-          </p:cNvSpPr>
-          <p:nvPr>
-            <p:ph type="sldNum" sz="quarter" idx="12"/>
-          </p:nvPr>
-        </p:nvSpPr>
-        <p:spPr/>
-        <p:txBody>
-          <a:bodyPr/>
-          <a:lstStyle>
-            <a:lvl1pPr>
-              <a:defRPr smtClean="0"/>
-            </a:lvl1pPr>
-          </a:lstStyle>
-          <a:p>
-            <a:fld id="{B598BD8B-70C7-3944-AA5D-BEB61B1275CB}" type="slidenum">
-              <a:rPr lang="en-US"/>
+          <a:lstStyle/>
+          <a:p>
+            <a:fld id="{95FC67CD-6733-D04F-B9BE-AD105949F24E}" type="slidenum">
+              <a:rPr lang="en-US" smtClean="0"/>
               <a:pPr/>
               <a:t>‹#›</a:t>
             </a:fld>
-            <a:endParaRPr lang="en-US"/>
+            <a:endParaRPr lang="en-US" dirty="0"/>
           </a:p>
         </p:txBody>
       </p:sp>
     </p:spTree>
+    <p:extLst>
+      <p:ext uri="{BB962C8B-B14F-4D97-AF65-F5344CB8AC3E}">
+        <p14:creationId xmlns:p14="http://schemas.microsoft.com/office/powerpoint/2010/main" val="2508543383"/>
+      </p:ext>
+    </p:extLst>
   </p:cSld>
   <p:clrMapOvr>
     <a:masterClrMapping/>
@@ -3608,95 +3662,83 @@
         <p:spPr/>
         <p:txBody>
           <a:bodyPr/>
-          <a:lstStyle/>
-          <a:p>
-            <a:r>
-              <a:rPr lang="en-CA" smtClean="0"/>
-              <a:t>Click to edit Master title style</a:t>
-            </a:r>
-            <a:endParaRPr lang="en-US"/>
-          </a:p>
-        </p:txBody>
-      </p:sp>
-      <p:sp>
-        <p:nvSpPr>
-          <p:cNvPr id="3" name="Date Placeholder 2"/>
-          <p:cNvSpPr>
-            <a:spLocks noGrp="1"/>
-          </p:cNvSpPr>
-          <p:nvPr>
-            <p:ph type="dt" sz="half" idx="10"/>
-          </p:nvPr>
-        </p:nvSpPr>
-        <p:spPr/>
-        <p:txBody>
-          <a:bodyPr/>
           <a:lstStyle>
             <a:lvl1pPr>
-              <a:defRPr smtClean="0"/>
+              <a:defRPr>
+                <a:latin typeface="+mj-lt"/>
+              </a:defRPr>
             </a:lvl1pPr>
           </a:lstStyle>
           <a:p>
-            <a:fld id="{0750B902-920F-FE47-88E2-7BE6A95380FA}" type="datetime1">
-              <a:rPr lang="en-CA" smtClean="0"/>
-              <a:t>16-06-21</a:t>
-            </a:fld>
+            <a:r>
+              <a:rPr lang="en-CA" dirty="0"/>
+              <a:t>Click to edit Master title style</a:t>
+            </a:r>
+            <a:endParaRPr lang="en-US" dirty="0"/>
+          </a:p>
+        </p:txBody>
+      </p:sp>
+      <p:sp>
+        <p:nvSpPr>
+          <p:cNvPr id="6" name="Footer Placeholder 5">
+            <a:extLst>
+              <a:ext uri="{FF2B5EF4-FFF2-40B4-BE49-F238E27FC236}">
+                <a16:creationId xmlns:a16="http://schemas.microsoft.com/office/drawing/2014/main" id="{96BDBB7E-298A-4445-97E1-4B099A07ED3A}"/>
+              </a:ext>
+            </a:extLst>
+          </p:cNvPr>
+          <p:cNvSpPr>
+            <a:spLocks noGrp="1"/>
+          </p:cNvSpPr>
+          <p:nvPr>
+            <p:ph type="ftr" sz="quarter" idx="10"/>
+          </p:nvPr>
+        </p:nvSpPr>
+        <p:spPr/>
+        <p:txBody>
+          <a:bodyPr/>
+          <a:lstStyle/>
+          <a:p>
             <a:endParaRPr lang="en-US"/>
           </a:p>
         </p:txBody>
       </p:sp>
       <p:sp>
         <p:nvSpPr>
-          <p:cNvPr id="4" name="Footer Placeholder 3"/>
+          <p:cNvPr id="7" name="Slide Number Placeholder 6">
+            <a:extLst>
+              <a:ext uri="{FF2B5EF4-FFF2-40B4-BE49-F238E27FC236}">
+                <a16:creationId xmlns:a16="http://schemas.microsoft.com/office/drawing/2014/main" id="{A7895EC8-D916-8648-B520-23F9FC802EB0}"/>
+              </a:ext>
+            </a:extLst>
+          </p:cNvPr>
           <p:cNvSpPr>
             <a:spLocks noGrp="1"/>
           </p:cNvSpPr>
           <p:nvPr>
-            <p:ph type="ftr" sz="quarter" idx="11"/>
+            <p:ph type="sldNum" sz="quarter" idx="11"/>
           </p:nvPr>
         </p:nvSpPr>
         <p:spPr/>
         <p:txBody>
           <a:bodyPr/>
-          <a:lstStyle>
-            <a:lvl1pPr>
-              <a:defRPr/>
-            </a:lvl1pPr>
-          </a:lstStyle>
-          <a:p>
-            <a:endParaRPr lang="en-US"/>
-          </a:p>
-        </p:txBody>
-      </p:sp>
-      <p:sp>
-        <p:nvSpPr>
-          <p:cNvPr id="5" name="Slide Number Placeholder 4"/>
-          <p:cNvSpPr>
-            <a:spLocks noGrp="1"/>
-          </p:cNvSpPr>
-          <p:nvPr>
-            <p:ph type="sldNum" sz="quarter" idx="12"/>
-          </p:nvPr>
-        </p:nvSpPr>
-        <p:spPr/>
-        <p:txBody>
-          <a:bodyPr/>
-          <a:lstStyle>
-            <a:lvl1pPr>
-              <a:defRPr smtClean="0"/>
-            </a:lvl1pPr>
-          </a:lstStyle>
-          <a:p>
-            <a:fld id="{1F6EED23-977A-E044-88F1-21215A418E9E}" type="slidenum">
-              <a:rPr lang="en-US"/>
+          <a:lstStyle/>
+          <a:p>
+            <a:fld id="{95FC67CD-6733-D04F-B9BE-AD105949F24E}" type="slidenum">
+              <a:rPr lang="en-US" smtClean="0"/>
               <a:pPr/>
               <a:t>‹#›</a:t>
             </a:fld>
-            <a:endParaRPr lang="en-US"/>
+            <a:endParaRPr lang="en-US" dirty="0"/>
           </a:p>
         </p:txBody>
       </p:sp>
     </p:spTree>
+    <p:extLst>
+      <p:ext uri="{BB962C8B-B14F-4D97-AF65-F5344CB8AC3E}">
+        <p14:creationId xmlns:p14="http://schemas.microsoft.com/office/powerpoint/2010/main" val="1291185469"/>
+      </p:ext>
+    </p:extLst>
   </p:cSld>
   <p:clrMapOvr>
     <a:masterClrMapping/>
@@ -3723,83 +3765,65 @@
       </p:grpSpPr>
       <p:sp>
         <p:nvSpPr>
-          <p:cNvPr id="2" name="Date Placeholder 1"/>
+          <p:cNvPr id="5" name="Footer Placeholder 4">
+            <a:extLst>
+              <a:ext uri="{FF2B5EF4-FFF2-40B4-BE49-F238E27FC236}">
+                <a16:creationId xmlns:a16="http://schemas.microsoft.com/office/drawing/2014/main" id="{5DF03754-C429-BF4B-85C9-F1D1C975E80F}"/>
+              </a:ext>
+            </a:extLst>
+          </p:cNvPr>
           <p:cNvSpPr>
             <a:spLocks noGrp="1"/>
           </p:cNvSpPr>
           <p:nvPr>
-            <p:ph type="dt" sz="half" idx="10"/>
+            <p:ph type="ftr" sz="quarter" idx="10"/>
           </p:nvPr>
         </p:nvSpPr>
         <p:spPr/>
         <p:txBody>
           <a:bodyPr/>
-          <a:lstStyle>
-            <a:lvl1pPr>
-              <a:defRPr smtClean="0"/>
-            </a:lvl1pPr>
-          </a:lstStyle>
-          <a:p>
-            <a:fld id="{594BD06D-16A7-4F43-A9E5-0AAAD0DA006C}" type="datetime1">
-              <a:rPr lang="en-CA" smtClean="0"/>
-              <a:t>16-06-21</a:t>
-            </a:fld>
+          <a:lstStyle/>
+          <a:p>
             <a:endParaRPr lang="en-US"/>
           </a:p>
         </p:txBody>
       </p:sp>
       <p:sp>
         <p:nvSpPr>
-          <p:cNvPr id="3" name="Footer Placeholder 2"/>
+          <p:cNvPr id="6" name="Slide Number Placeholder 5">
+            <a:extLst>
+              <a:ext uri="{FF2B5EF4-FFF2-40B4-BE49-F238E27FC236}">
+                <a16:creationId xmlns:a16="http://schemas.microsoft.com/office/drawing/2014/main" id="{53E846D2-4831-1148-91F0-086A1F9C711D}"/>
+              </a:ext>
+            </a:extLst>
+          </p:cNvPr>
           <p:cNvSpPr>
             <a:spLocks noGrp="1"/>
           </p:cNvSpPr>
           <p:nvPr>
-            <p:ph type="ftr" sz="quarter" idx="11"/>
+            <p:ph type="sldNum" sz="quarter" idx="11"/>
           </p:nvPr>
         </p:nvSpPr>
         <p:spPr/>
         <p:txBody>
           <a:bodyPr/>
-          <a:lstStyle>
-            <a:lvl1pPr>
-              <a:defRPr/>
-            </a:lvl1pPr>
-          </a:lstStyle>
-          <a:p>
-            <a:endParaRPr lang="en-US"/>
-          </a:p>
-        </p:txBody>
-      </p:sp>
-      <p:sp>
-        <p:nvSpPr>
-          <p:cNvPr id="4" name="Slide Number Placeholder 3"/>
-          <p:cNvSpPr>
-            <a:spLocks noGrp="1"/>
-          </p:cNvSpPr>
-          <p:nvPr>
-            <p:ph type="sldNum" sz="quarter" idx="12"/>
-          </p:nvPr>
-        </p:nvSpPr>
-        <p:spPr/>
-        <p:txBody>
-          <a:bodyPr/>
-          <a:lstStyle>
-            <a:lvl1pPr>
-              <a:defRPr smtClean="0"/>
-            </a:lvl1pPr>
-          </a:lstStyle>
-          <a:p>
-            <a:fld id="{6685D10C-903B-FD40-80F0-D6DB00CBD96B}" type="slidenum">
-              <a:rPr lang="en-US"/>
+          <a:lstStyle/>
+          <a:p>
+            <a:fld id="{95FC67CD-6733-D04F-B9BE-AD105949F24E}" type="slidenum">
+              <a:rPr lang="en-US" smtClean="0"/>
               <a:pPr/>
               <a:t>‹#›</a:t>
             </a:fld>
-            <a:endParaRPr lang="en-US"/>
+            <a:endParaRPr lang="en-US" dirty="0"/>
           </a:p>
         </p:txBody>
       </p:sp>
     </p:spTree>
+    <p:extLst>
+      <p:ext uri="{BB962C8B-B14F-4D97-AF65-F5344CB8AC3E}">
+        <p14:creationId xmlns:p14="http://schemas.microsoft.com/office/powerpoint/2010/main" val="2861689009"/>
+      </p:ext>
+    </p:extLst>
   </p:cSld>
   <p:clrMapOvr>
     <a:masterClrMapping/>
@@ -3844,15 +3868,17 @@
           <a:bodyPr anchor="b"/>
           <a:lstStyle>
             <a:lvl1pPr algn="l">
-              <a:defRPr sz="2000" b="1"/>
+              <a:defRPr sz="2000" b="1">
+                <a:latin typeface="+mj-lt"/>
+              </a:defRPr>
             </a:lvl1pPr>
           </a:lstStyle>
           <a:p>
             <a:r>
-              <a:rPr lang="en-CA" smtClean="0"/>
+              <a:rPr lang="en-CA" dirty="0"/>
               <a:t>Click to edit Master title style</a:t>
             </a:r>
-            <a:endParaRPr lang="en-US"/>
+            <a:endParaRPr lang="en-US" dirty="0"/>
           </a:p>
         </p:txBody>
       </p:sp>
@@ -3876,19 +3902,29 @@
           <a:bodyPr/>
           <a:lstStyle>
             <a:lvl1pPr>
-              <a:defRPr sz="3200"/>
+              <a:defRPr sz="3200">
+                <a:latin typeface="+mn-lt"/>
+              </a:defRPr>
             </a:lvl1pPr>
             <a:lvl2pPr>
-              <a:defRPr sz="2800"/>
+              <a:defRPr sz="2800">
+                <a:latin typeface="+mn-lt"/>
+              </a:defRPr>
             </a:lvl2pPr>
             <a:lvl3pPr>
-              <a:defRPr sz="2400"/>
+              <a:defRPr sz="2400">
+                <a:latin typeface="+mn-lt"/>
+              </a:defRPr>
             </a:lvl3pPr>
             <a:lvl4pPr>
-              <a:defRPr sz="2000"/>
+              <a:defRPr sz="2000">
+                <a:latin typeface="+mn-lt"/>
+              </a:defRPr>
             </a:lvl4pPr>
             <a:lvl5pPr>
-              <a:defRPr sz="2000"/>
+              <a:defRPr sz="2000">
+                <a:latin typeface="+mn-lt"/>
+              </a:defRPr>
             </a:lvl5pPr>
             <a:lvl6pPr>
               <a:defRPr sz="2000"/>
@@ -3906,38 +3942,38 @@
           <a:p>
             <a:pPr lvl="0"/>
             <a:r>
-              <a:rPr lang="en-CA" smtClean="0"/>
+              <a:rPr lang="en-CA" dirty="0"/>
               <a:t>Click to edit Master text styles</a:t>
             </a:r>
           </a:p>
           <a:p>
             <a:pPr lvl="1"/>
             <a:r>
-              <a:rPr lang="en-CA" smtClean="0"/>
+              <a:rPr lang="en-CA" dirty="0"/>
               <a:t>Second level</a:t>
             </a:r>
           </a:p>
           <a:p>
             <a:pPr lvl="2"/>
             <a:r>
-              <a:rPr lang="en-CA" smtClean="0"/>
+              <a:rPr lang="en-CA" dirty="0"/>
               <a:t>Third level</a:t>
             </a:r>
           </a:p>
           <a:p>
             <a:pPr lvl="3"/>
             <a:r>
-              <a:rPr lang="en-CA" smtClean="0"/>
+              <a:rPr lang="en-CA" dirty="0"/>
               <a:t>Fourth level</a:t>
             </a:r>
           </a:p>
           <a:p>
             <a:pPr lvl="4"/>
             <a:r>
-              <a:rPr lang="en-CA" smtClean="0"/>
+              <a:rPr lang="en-CA" dirty="0"/>
               <a:t>Fifth level</a:t>
             </a:r>
-            <a:endParaRPr lang="en-US"/>
+            <a:endParaRPr lang="en-US" dirty="0"/>
           </a:p>
         </p:txBody>
       </p:sp>
@@ -3962,7 +3998,9 @@
           <a:lstStyle>
             <a:lvl1pPr marL="0" indent="0">
               <a:buNone/>
-              <a:defRPr sz="1400"/>
+              <a:defRPr sz="1400">
+                <a:latin typeface="+mn-lt"/>
+              </a:defRPr>
             </a:lvl1pPr>
             <a:lvl2pPr marL="457200" indent="0">
               <a:buNone/>
@@ -4000,7 +4038,7 @@
           <a:p>
             <a:pPr lvl="0"/>
             <a:r>
-              <a:rPr lang="en-CA" smtClean="0"/>
+              <a:rPr lang="en-CA" dirty="0"/>
               <a:t>Click to edit Master text styles</a:t>
             </a:r>
           </a:p>
@@ -4008,83 +4046,65 @@
       </p:sp>
       <p:sp>
         <p:nvSpPr>
-          <p:cNvPr id="5" name="Date Placeholder 4"/>
+          <p:cNvPr id="8" name="Footer Placeholder 7">
+            <a:extLst>
+              <a:ext uri="{FF2B5EF4-FFF2-40B4-BE49-F238E27FC236}">
+                <a16:creationId xmlns:a16="http://schemas.microsoft.com/office/drawing/2014/main" id="{1FB8657E-D33B-074B-AE26-E7CBD7232F89}"/>
+              </a:ext>
+            </a:extLst>
+          </p:cNvPr>
           <p:cNvSpPr>
             <a:spLocks noGrp="1"/>
           </p:cNvSpPr>
           <p:nvPr>
-            <p:ph type="dt" sz="half" idx="10"/>
+            <p:ph type="ftr" sz="quarter" idx="10"/>
           </p:nvPr>
         </p:nvSpPr>
         <p:spPr/>
         <p:txBody>
           <a:bodyPr/>
-          <a:lstStyle>
-            <a:lvl1pPr>
-              <a:defRPr smtClean="0"/>
-            </a:lvl1pPr>
-          </a:lstStyle>
-          <a:p>
-            <a:fld id="{C7734B11-A6CE-BD4F-A5AF-B3E7D11B962B}" type="datetime1">
-              <a:rPr lang="en-CA" smtClean="0"/>
-              <a:t>16-06-21</a:t>
-            </a:fld>
+          <a:lstStyle/>
+          <a:p>
             <a:endParaRPr lang="en-US"/>
           </a:p>
         </p:txBody>
       </p:sp>
       <p:sp>
         <p:nvSpPr>
-          <p:cNvPr id="6" name="Footer Placeholder 5"/>
+          <p:cNvPr id="9" name="Slide Number Placeholder 8">
+            <a:extLst>
+              <a:ext uri="{FF2B5EF4-FFF2-40B4-BE49-F238E27FC236}">
+                <a16:creationId xmlns:a16="http://schemas.microsoft.com/office/drawing/2014/main" id="{212E3D66-C201-A64A-A27B-A535DB26C750}"/>
+              </a:ext>
+            </a:extLst>
+          </p:cNvPr>
           <p:cNvSpPr>
             <a:spLocks noGrp="1"/>
           </p:cNvSpPr>
           <p:nvPr>
-            <p:ph type="ftr" sz="quarter" idx="11"/>
+            <p:ph type="sldNum" sz="quarter" idx="11"/>
           </p:nvPr>
         </p:nvSpPr>
         <p:spPr/>
         <p:txBody>
           <a:bodyPr/>
-          <a:lstStyle>
-            <a:lvl1pPr>
-              <a:defRPr/>
-            </a:lvl1pPr>
-          </a:lstStyle>
-          <a:p>
-            <a:endParaRPr lang="en-US"/>
-          </a:p>
-        </p:txBody>
-      </p:sp>
-      <p:sp>
-        <p:nvSpPr>
-          <p:cNvPr id="7" name="Slide Number Placeholder 6"/>
-          <p:cNvSpPr>
-            <a:spLocks noGrp="1"/>
-          </p:cNvSpPr>
-          <p:nvPr>
-            <p:ph type="sldNum" sz="quarter" idx="12"/>
-          </p:nvPr>
-        </p:nvSpPr>
-        <p:spPr/>
-        <p:txBody>
-          <a:bodyPr/>
-          <a:lstStyle>
-            <a:lvl1pPr>
-              <a:defRPr smtClean="0"/>
-            </a:lvl1pPr>
-          </a:lstStyle>
-          <a:p>
-            <a:fld id="{C7C2D42D-B9F6-5247-BDBB-D1C2E0658038}" type="slidenum">
-              <a:rPr lang="en-US"/>
+          <a:lstStyle/>
+          <a:p>
+            <a:fld id="{95FC67CD-6733-D04F-B9BE-AD105949F24E}" type="slidenum">
+              <a:rPr lang="en-US" smtClean="0"/>
               <a:pPr/>
               <a:t>‹#›</a:t>
             </a:fld>
-            <a:endParaRPr lang="en-US"/>
+            <a:endParaRPr lang="en-US" dirty="0"/>
           </a:p>
         </p:txBody>
       </p:sp>
     </p:spTree>
+    <p:extLst>
+      <p:ext uri="{BB962C8B-B14F-4D97-AF65-F5344CB8AC3E}">
+        <p14:creationId xmlns:p14="http://schemas.microsoft.com/office/powerpoint/2010/main" val="537987499"/>
+      </p:ext>
+    </p:extLst>
   </p:cSld>
   <p:clrMapOvr>
     <a:masterClrMapping/>
@@ -4129,15 +4149,17 @@
           <a:bodyPr anchor="b"/>
           <a:lstStyle>
             <a:lvl1pPr algn="l">
-              <a:defRPr sz="2000" b="1"/>
+              <a:defRPr sz="2000" b="1">
+                <a:latin typeface="+mj-lt"/>
+              </a:defRPr>
             </a:lvl1pPr>
           </a:lstStyle>
           <a:p>
             <a:r>
-              <a:rPr lang="en-CA" smtClean="0"/>
+              <a:rPr lang="en-CA" dirty="0"/>
               <a:t>Click to edit Master title style</a:t>
             </a:r>
-            <a:endParaRPr lang="en-US"/>
+            <a:endParaRPr lang="en-US" dirty="0"/>
           </a:p>
         </p:txBody>
       </p:sp>
@@ -4198,7 +4220,7 @@
             </a:lvl9pPr>
           </a:lstStyle>
           <a:p>
-            <a:endParaRPr lang="en-US"/>
+            <a:endParaRPr lang="en-US" dirty="0"/>
           </a:p>
         </p:txBody>
       </p:sp>
@@ -4223,7 +4245,9 @@
           <a:lstStyle>
             <a:lvl1pPr marL="0" indent="0">
               <a:buNone/>
-              <a:defRPr sz="1400"/>
+              <a:defRPr sz="1400">
+                <a:latin typeface="+mn-lt"/>
+              </a:defRPr>
             </a:lvl1pPr>
             <a:lvl2pPr marL="457200" indent="0">
               <a:buNone/>
@@ -4261,7 +4285,7 @@
           <a:p>
             <a:pPr lvl="0"/>
             <a:r>
-              <a:rPr lang="en-CA" smtClean="0"/>
+              <a:rPr lang="en-CA" dirty="0"/>
               <a:t>Click to edit Master text styles</a:t>
             </a:r>
           </a:p>
@@ -4269,83 +4293,65 @@
       </p:sp>
       <p:sp>
         <p:nvSpPr>
-          <p:cNvPr id="5" name="Date Placeholder 4"/>
+          <p:cNvPr id="8" name="Footer Placeholder 7">
+            <a:extLst>
+              <a:ext uri="{FF2B5EF4-FFF2-40B4-BE49-F238E27FC236}">
+                <a16:creationId xmlns:a16="http://schemas.microsoft.com/office/drawing/2014/main" id="{B5BB785B-8CD1-0040-A247-EDEF010C15C9}"/>
+              </a:ext>
+            </a:extLst>
+          </p:cNvPr>
           <p:cNvSpPr>
             <a:spLocks noGrp="1"/>
           </p:cNvSpPr>
           <p:nvPr>
-            <p:ph type="dt" sz="half" idx="10"/>
+            <p:ph type="ftr" sz="quarter" idx="10"/>
           </p:nvPr>
         </p:nvSpPr>
         <p:spPr/>
         <p:txBody>
           <a:bodyPr/>
-          <a:lstStyle>
-            <a:lvl1pPr>
-              <a:defRPr smtClean="0"/>
-            </a:lvl1pPr>
-          </a:lstStyle>
-          <a:p>
-            <a:fld id="{3533D83A-2538-4449-B73C-861382C6DF64}" type="datetime1">
-              <a:rPr lang="en-CA" smtClean="0"/>
-              <a:t>16-06-21</a:t>
-            </a:fld>
+          <a:lstStyle/>
+          <a:p>
             <a:endParaRPr lang="en-US"/>
           </a:p>
         </p:txBody>
       </p:sp>
       <p:sp>
         <p:nvSpPr>
-          <p:cNvPr id="6" name="Footer Placeholder 5"/>
+          <p:cNvPr id="9" name="Slide Number Placeholder 8">
+            <a:extLst>
+              <a:ext uri="{FF2B5EF4-FFF2-40B4-BE49-F238E27FC236}">
+                <a16:creationId xmlns:a16="http://schemas.microsoft.com/office/drawing/2014/main" id="{A1275E30-5B29-BD43-B756-3D1D1E7E12BD}"/>
+              </a:ext>
+            </a:extLst>
+          </p:cNvPr>
           <p:cNvSpPr>
             <a:spLocks noGrp="1"/>
           </p:cNvSpPr>
           <p:nvPr>
-            <p:ph type="ftr" sz="quarter" idx="11"/>
+            <p:ph type="sldNum" sz="quarter" idx="11"/>
           </p:nvPr>
         </p:nvSpPr>
         <p:spPr/>
         <p:txBody>
           <a:bodyPr/>
-          <a:lstStyle>
-            <a:lvl1pPr>
-              <a:defRPr/>
-            </a:lvl1pPr>
-          </a:lstStyle>
-          <a:p>
-            <a:endParaRPr lang="en-US"/>
-          </a:p>
-        </p:txBody>
-      </p:sp>
-      <p:sp>
-        <p:nvSpPr>
-          <p:cNvPr id="7" name="Slide Number Placeholder 6"/>
-          <p:cNvSpPr>
-            <a:spLocks noGrp="1"/>
-          </p:cNvSpPr>
-          <p:nvPr>
-            <p:ph type="sldNum" sz="quarter" idx="12"/>
-          </p:nvPr>
-        </p:nvSpPr>
-        <p:spPr/>
-        <p:txBody>
-          <a:bodyPr/>
-          <a:lstStyle>
-            <a:lvl1pPr>
-              <a:defRPr smtClean="0"/>
-            </a:lvl1pPr>
-          </a:lstStyle>
-          <a:p>
-            <a:fld id="{68E64FD6-CC54-0D41-BBDC-58C60354F927}" type="slidenum">
-              <a:rPr lang="en-US"/>
+          <a:lstStyle/>
+          <a:p>
+            <a:fld id="{95FC67CD-6733-D04F-B9BE-AD105949F24E}" type="slidenum">
+              <a:rPr lang="en-US" smtClean="0"/>
               <a:pPr/>
               <a:t>‹#›</a:t>
             </a:fld>
-            <a:endParaRPr lang="en-US"/>
+            <a:endParaRPr lang="en-US" dirty="0"/>
           </a:p>
         </p:txBody>
       </p:sp>
     </p:spTree>
+    <p:extLst>
+      <p:ext uri="{BB962C8B-B14F-4D97-AF65-F5344CB8AC3E}">
+        <p14:creationId xmlns:p14="http://schemas.microsoft.com/office/powerpoint/2010/main" val="4115213723"/>
+      </p:ext>
+    </p:extLst>
   </p:cSld>
   <p:clrMapOvr>
     <a:masterClrMapping/>
@@ -4354,7 +4360,7 @@
 </file>
 
 <file path=ppt/slideMasters/slideMaster1.xml><?xml version="1.0" encoding="utf-8"?>
-<p:sldMaster xmlns:a="http://schemas.openxmlformats.org/drawingml/2006/main" xmlns:r="http://schemas.openxmlformats.org/officeDocument/2006/relationships" xmlns:p="http://schemas.openxmlformats.org/presentationml/2006/main">
+<p:sldMaster xmlns:a="http://schemas.openxmlformats.org/drawingml/2006/main" xmlns:r="http://schemas.openxmlformats.org/officeDocument/2006/relationships" xmlns:p="http://schemas.openxmlformats.org/presentationml/2006/main" preserve="1">
   <p:cSld>
     <p:bg>
       <p:bgPr>
@@ -4494,99 +4500,6 @@
       </p:sp>
       <p:sp>
         <p:nvSpPr>
-          <p:cNvPr id="1028" name="Rectangle 4"/>
-          <p:cNvSpPr>
-            <a:spLocks noGrp="1" noChangeArrowheads="1"/>
-          </p:cNvSpPr>
-          <p:nvPr>
-            <p:ph type="dt" sz="half" idx="2"/>
-          </p:nvPr>
-        </p:nvSpPr>
-        <p:spPr bwMode="auto">
-          <a:xfrm>
-            <a:off x="685800" y="6248400"/>
-            <a:ext cx="1905000" cy="457200"/>
-          </a:xfrm>
-          <a:prstGeom prst="rect">
-            <a:avLst/>
-          </a:prstGeom>
-          <a:noFill/>
-          <a:ln w="9525">
-            <a:noFill/>
-            <a:miter lim="800000"/>
-            <a:headEnd/>
-            <a:tailEnd/>
-          </a:ln>
-          <a:effectLst/>
-        </p:spPr>
-        <p:txBody>
-          <a:bodyPr vert="horz" wrap="square" lIns="91440" tIns="45720" rIns="91440" bIns="45720" numCol="1" anchor="t" anchorCtr="0" compatLnSpc="1">
-            <a:prstTxWarp prst="textNoShape">
-              <a:avLst/>
-            </a:prstTxWarp>
-          </a:bodyPr>
-          <a:lstStyle>
-            <a:lvl1pPr>
-              <a:defRPr sz="1400">
-                <a:latin typeface="Candara"/>
-                <a:cs typeface="Candara"/>
-              </a:defRPr>
-            </a:lvl1pPr>
-          </a:lstStyle>
-          <a:p>
-            <a:fld id="{76653872-9FEA-6C4D-B595-BF1990C11142}" type="datetime1">
-              <a:rPr lang="en-CA" smtClean="0"/>
-              <a:t>16-06-21</a:t>
-            </a:fld>
-            <a:endParaRPr lang="en-US" dirty="0"/>
-          </a:p>
-        </p:txBody>
-      </p:sp>
-      <p:sp>
-        <p:nvSpPr>
-          <p:cNvPr id="1029" name="Rectangle 5"/>
-          <p:cNvSpPr>
-            <a:spLocks noGrp="1" noChangeArrowheads="1"/>
-          </p:cNvSpPr>
-          <p:nvPr>
-            <p:ph type="ftr" sz="quarter" idx="3"/>
-          </p:nvPr>
-        </p:nvSpPr>
-        <p:spPr bwMode="auto">
-          <a:xfrm>
-            <a:off x="3124200" y="6248400"/>
-            <a:ext cx="2895600" cy="457200"/>
-          </a:xfrm>
-          <a:prstGeom prst="rect">
-            <a:avLst/>
-          </a:prstGeom>
-          <a:noFill/>
-          <a:ln w="9525">
-            <a:noFill/>
-            <a:miter lim="800000"/>
-            <a:headEnd/>
-            <a:tailEnd/>
-          </a:ln>
-          <a:effectLst/>
-        </p:spPr>
-        <p:txBody>
-          <a:bodyPr vert="horz" wrap="square" lIns="91440" tIns="45720" rIns="91440" bIns="45720" numCol="1" anchor="t" anchorCtr="0" compatLnSpc="1">
-            <a:prstTxWarp prst="textNoShape">
-              <a:avLst/>
-            </a:prstTxWarp>
-          </a:bodyPr>
-          <a:lstStyle>
-            <a:lvl1pPr algn="ctr">
-              <a:defRPr sz="1400"/>
-            </a:lvl1pPr>
-          </a:lstStyle>
-          <a:p>
-            <a:endParaRPr lang="en-US" dirty="0"/>
-          </a:p>
-        </p:txBody>
-      </p:sp>
-      <p:sp>
-        <p:nvSpPr>
           <p:cNvPr id="1030" name="Rectangle 6"/>
           <p:cNvSpPr>
             <a:spLocks noGrp="1" noChangeArrowheads="1"/>
@@ -4621,13 +4534,13 @@
           <a:lstStyle>
             <a:lvl1pPr algn="r">
               <a:defRPr sz="1400">
-                <a:latin typeface="Candara"/>
+                <a:latin typeface="+mn-lt"/>
                 <a:cs typeface="Candara"/>
               </a:defRPr>
             </a:lvl1pPr>
           </a:lstStyle>
           <a:p>
-            <a:fld id="{5F9B6264-6F0D-5D49-BBFF-77536D94DF97}" type="slidenum">
+            <a:fld id="{95FC67CD-6733-D04F-B9BE-AD105949F24E}" type="slidenum">
               <a:rPr lang="en-US" smtClean="0"/>
               <a:pPr/>
               <a:t>‹#›</a:t>
@@ -4636,23 +4549,71 @@
           </a:p>
         </p:txBody>
       </p:sp>
+      <p:sp>
+        <p:nvSpPr>
+          <p:cNvPr id="2" name="Footer Placeholder 1">
+            <a:extLst>
+              <a:ext uri="{FF2B5EF4-FFF2-40B4-BE49-F238E27FC236}">
+                <a16:creationId xmlns:a16="http://schemas.microsoft.com/office/drawing/2014/main" id="{20CEA516-DB0A-A54B-8590-B485BCFD422E}"/>
+              </a:ext>
+            </a:extLst>
+          </p:cNvPr>
+          <p:cNvSpPr>
+            <a:spLocks noGrp="1"/>
+          </p:cNvSpPr>
+          <p:nvPr>
+            <p:ph type="ftr" sz="quarter" idx="3"/>
+          </p:nvPr>
+        </p:nvSpPr>
+        <p:spPr>
+          <a:xfrm>
+            <a:off x="3028950" y="6356350"/>
+            <a:ext cx="3086100" cy="365125"/>
+          </a:xfrm>
+          <a:prstGeom prst="rect">
+            <a:avLst/>
+          </a:prstGeom>
+        </p:spPr>
+        <p:txBody>
+          <a:bodyPr vert="horz" lIns="91440" tIns="45720" rIns="91440" bIns="45720" rtlCol="0" anchor="ctr"/>
+          <a:lstStyle>
+            <a:lvl1pPr algn="ctr">
+              <a:defRPr sz="1200">
+                <a:solidFill>
+                  <a:schemeClr val="tx1">
+                    <a:tint val="75000"/>
+                  </a:schemeClr>
+                </a:solidFill>
+              </a:defRPr>
+            </a:lvl1pPr>
+          </a:lstStyle>
+          <a:p>
+            <a:endParaRPr lang="en-US"/>
+          </a:p>
+        </p:txBody>
+      </p:sp>
     </p:spTree>
+    <p:extLst>
+      <p:ext uri="{BB962C8B-B14F-4D97-AF65-F5344CB8AC3E}">
+        <p14:creationId xmlns:p14="http://schemas.microsoft.com/office/powerpoint/2010/main" val="181084157"/>
+      </p:ext>
+    </p:extLst>
   </p:cSld>
   <p:clrMap bg1="lt1" tx1="dk1" bg2="lt2" tx2="dk2" accent1="accent1" accent2="accent2" accent3="accent3" accent4="accent4" accent5="accent5" accent6="accent6" hlink="hlink" folHlink="folHlink"/>
   <p:sldLayoutIdLst>
-    <p:sldLayoutId id="2147483649" r:id="rId1"/>
-    <p:sldLayoutId id="2147483650" r:id="rId2"/>
-    <p:sldLayoutId id="2147483651" r:id="rId3"/>
-    <p:sldLayoutId id="2147483652" r:id="rId4"/>
-    <p:sldLayoutId id="2147483653" r:id="rId5"/>
-    <p:sldLayoutId id="2147483654" r:id="rId6"/>
-    <p:sldLayoutId id="2147483655" r:id="rId7"/>
-    <p:sldLayoutId id="2147483656" r:id="rId8"/>
-    <p:sldLayoutId id="2147483657" r:id="rId9"/>
-    <p:sldLayoutId id="2147483658" r:id="rId10"/>
-    <p:sldLayoutId id="2147483659" r:id="rId11"/>
+    <p:sldLayoutId id="2147483661" r:id="rId1"/>
+    <p:sldLayoutId id="2147483662" r:id="rId2"/>
+    <p:sldLayoutId id="2147483663" r:id="rId3"/>
+    <p:sldLayoutId id="2147483664" r:id="rId4"/>
+    <p:sldLayoutId id="2147483665" r:id="rId5"/>
+    <p:sldLayoutId id="2147483666" r:id="rId6"/>
+    <p:sldLayoutId id="2147483667" r:id="rId7"/>
+    <p:sldLayoutId id="2147483668" r:id="rId8"/>
+    <p:sldLayoutId id="2147483669" r:id="rId9"/>
+    <p:sldLayoutId id="2147483670" r:id="rId10"/>
+    <p:sldLayoutId id="2147483671" r:id="rId11"/>
   </p:sldLayoutIdLst>
-  <p:hf hdr="0" ftr="0" dt="0"/>
+  <p:hf hdr="0" ftr="0"/>
   <p:txStyles>
     <p:titleStyle>
       <a:lvl1pPr algn="ctr" rtl="0" fontAlgn="base">
@@ -4666,7 +4627,7 @@
           <a:solidFill>
             <a:schemeClr val="tx2"/>
           </a:solidFill>
-          <a:latin typeface="Candara"/>
+          <a:latin typeface="+mj-lt"/>
           <a:ea typeface="+mj-ea"/>
           <a:cs typeface="Candara"/>
         </a:defRPr>
@@ -4797,7 +4758,7 @@
           <a:solidFill>
             <a:schemeClr val="tx1"/>
           </a:solidFill>
-          <a:latin typeface="Candara"/>
+          <a:latin typeface="+mn-lt"/>
           <a:ea typeface="+mn-ea"/>
           <a:cs typeface="Candara"/>
         </a:defRPr>
@@ -4814,7 +4775,7 @@
           <a:solidFill>
             <a:schemeClr val="tx1"/>
           </a:solidFill>
-          <a:latin typeface="Candara"/>
+          <a:latin typeface="+mn-lt"/>
           <a:ea typeface="ＭＳ Ｐゴシック" charset="-128"/>
           <a:cs typeface="Candara"/>
         </a:defRPr>
@@ -4831,7 +4792,7 @@
           <a:solidFill>
             <a:schemeClr val="tx1"/>
           </a:solidFill>
-          <a:latin typeface="Candara"/>
+          <a:latin typeface="+mn-lt"/>
           <a:ea typeface="ＭＳ Ｐゴシック" charset="-128"/>
           <a:cs typeface="Candara"/>
         </a:defRPr>
@@ -4848,7 +4809,7 @@
           <a:solidFill>
             <a:schemeClr val="tx1"/>
           </a:solidFill>
-          <a:latin typeface="Candara"/>
+          <a:latin typeface="+mn-lt"/>
           <a:ea typeface="ＭＳ Ｐゴシック" charset="-128"/>
           <a:cs typeface="Candara"/>
         </a:defRPr>
@@ -4865,7 +4826,7 @@
           <a:solidFill>
             <a:schemeClr val="tx1"/>
           </a:solidFill>
-          <a:latin typeface="Candara"/>
+          <a:latin typeface="+mn-lt"/>
           <a:ea typeface="ＭＳ Ｐゴシック" charset="-128"/>
           <a:cs typeface="Candara"/>
         </a:defRPr>
@@ -5092,7 +5053,7 @@
               <a:buNone/>
             </a:pPr>
             <a:r>
-              <a:rPr lang="en-US" sz="4400" dirty="0" smtClean="0">
+              <a:rPr lang="en-US" sz="4400" dirty="0">
                 <a:latin typeface="Calibri"/>
                 <a:ea typeface="Calibri"/>
                 <a:cs typeface="Calibri"/>
@@ -5100,12 +5061,6 @@
               </a:rPr>
               <a:t>LR Parsing</a:t>
             </a:r>
-            <a:endParaRPr lang="en-US" sz="4400" dirty="0">
-              <a:latin typeface="Calibri"/>
-              <a:ea typeface="Calibri"/>
-              <a:cs typeface="Calibri"/>
-              <a:sym typeface="Calibri"/>
-            </a:endParaRPr>
           </a:p>
         </p:txBody>
       </p:sp>
@@ -5264,7 +5219,7 @@
               <a:buNone/>
             </a:pPr>
             <a:r>
-              <a:rPr lang="en-US" sz="2400" dirty="0" smtClean="0">
+              <a:rPr lang="en-US" sz="2400" dirty="0">
                 <a:solidFill>
                   <a:schemeClr val="dk1"/>
                 </a:solidFill>
@@ -5275,15 +5230,6 @@
               </a:rPr>
               <a:t>LR5: Precedence and Associativity</a:t>
             </a:r>
-            <a:endParaRPr lang="en-US" sz="2400" dirty="0">
-              <a:solidFill>
-                <a:schemeClr val="dk1"/>
-              </a:solidFill>
-              <a:latin typeface="Calibri"/>
-              <a:ea typeface="Calibri"/>
-              <a:cs typeface="Calibri"/>
-              <a:sym typeface="Calibri"/>
-            </a:endParaRPr>
           </a:p>
         </p:txBody>
       </p:sp>
@@ -5319,6 +5265,92 @@
       </p:grpSpPr>
       <p:sp>
         <p:nvSpPr>
+          <p:cNvPr id="203780" name="Rectangle 4"/>
+          <p:cNvSpPr>
+            <a:spLocks noGrp="1" noChangeArrowheads="1"/>
+          </p:cNvSpPr>
+          <p:nvPr>
+            <p:ph type="title"/>
+          </p:nvPr>
+        </p:nvSpPr>
+        <p:spPr/>
+        <p:txBody>
+          <a:bodyPr/>
+          <a:lstStyle/>
+          <a:p>
+            <a:r>
+              <a:rPr lang="en-US"/>
+              <a:t>Conflicts revisited (cont’d)</a:t>
+            </a:r>
+          </a:p>
+        </p:txBody>
+      </p:sp>
+      <p:sp>
+        <p:nvSpPr>
+          <p:cNvPr id="203781" name="Rectangle 5"/>
+          <p:cNvSpPr>
+            <a:spLocks noGrp="1" noChangeArrowheads="1"/>
+          </p:cNvSpPr>
+          <p:nvPr>
+            <p:ph idx="1"/>
+          </p:nvPr>
+        </p:nvSpPr>
+        <p:spPr/>
+        <p:txBody>
+          <a:bodyPr/>
+          <a:lstStyle/>
+          <a:p>
+            <a:pPr>
+              <a:lnSpc>
+                <a:spcPct val="90000"/>
+              </a:lnSpc>
+            </a:pPr>
+            <a:r>
+              <a:rPr lang="en-US" sz="2800" dirty="0"/>
+              <a:t>Can the grammar be rearranged so that the conflict disappears? </a:t>
+            </a:r>
+          </a:p>
+          <a:p>
+            <a:pPr lvl="1">
+              <a:lnSpc>
+                <a:spcPct val="90000"/>
+              </a:lnSpc>
+            </a:pPr>
+            <a:r>
+              <a:rPr lang="en-US" sz="2400"/>
+              <a:t>Yes</a:t>
+            </a:r>
+            <a:r>
+              <a:rPr lang="en-US" sz="2400" dirty="0"/>
+              <a:t>:  Is it worth it?</a:t>
+            </a:r>
+          </a:p>
+          <a:p>
+            <a:pPr lvl="2">
+              <a:lnSpc>
+                <a:spcPct val="90000"/>
+              </a:lnSpc>
+            </a:pPr>
+            <a:r>
+              <a:rPr lang="en-US" sz="2000" dirty="0"/>
+              <a:t>Yes, resolve conflict.</a:t>
+            </a:r>
+          </a:p>
+          <a:p>
+            <a:pPr lvl="2">
+              <a:lnSpc>
+                <a:spcPct val="90000"/>
+              </a:lnSpc>
+            </a:pPr>
+            <a:r>
+              <a:rPr lang="en-US" sz="2000" dirty="0"/>
+              <a:t>No: live with default or specified conflict resolution (precedence, associativity)</a:t>
+            </a:r>
+          </a:p>
+        </p:txBody>
+      </p:sp>
+      <p:sp>
+        <p:nvSpPr>
           <p:cNvPr id="5" name="Slide Number Placeholder 5"/>
           <p:cNvSpPr>
             <a:spLocks noGrp="1"/>
@@ -5338,92 +5370,6 @@
               <a:t>10</a:t>
             </a:fld>
             <a:endParaRPr lang="en-US"/>
-          </a:p>
-        </p:txBody>
-      </p:sp>
-      <p:sp>
-        <p:nvSpPr>
-          <p:cNvPr id="203780" name="Rectangle 4"/>
-          <p:cNvSpPr>
-            <a:spLocks noGrp="1" noChangeArrowheads="1"/>
-          </p:cNvSpPr>
-          <p:nvPr>
-            <p:ph type="title"/>
-          </p:nvPr>
-        </p:nvSpPr>
-        <p:spPr/>
-        <p:txBody>
-          <a:bodyPr/>
-          <a:lstStyle/>
-          <a:p>
-            <a:r>
-              <a:rPr lang="en-US"/>
-              <a:t>Conflicts revisited (cont’d)</a:t>
-            </a:r>
-          </a:p>
-        </p:txBody>
-      </p:sp>
-      <p:sp>
-        <p:nvSpPr>
-          <p:cNvPr id="203781" name="Rectangle 5"/>
-          <p:cNvSpPr>
-            <a:spLocks noGrp="1" noChangeArrowheads="1"/>
-          </p:cNvSpPr>
-          <p:nvPr>
-            <p:ph type="body" idx="1"/>
-          </p:nvPr>
-        </p:nvSpPr>
-        <p:spPr/>
-        <p:txBody>
-          <a:bodyPr/>
-          <a:lstStyle/>
-          <a:p>
-            <a:pPr>
-              <a:lnSpc>
-                <a:spcPct val="90000"/>
-              </a:lnSpc>
-            </a:pPr>
-            <a:r>
-              <a:rPr lang="en-US" sz="2800" dirty="0"/>
-              <a:t>Can the grammar be rearranged so that the conflict disappears? </a:t>
-            </a:r>
-          </a:p>
-          <a:p>
-            <a:pPr lvl="1">
-              <a:lnSpc>
-                <a:spcPct val="90000"/>
-              </a:lnSpc>
-            </a:pPr>
-            <a:r>
-              <a:rPr lang="en-US" sz="2400" smtClean="0"/>
-              <a:t>Yes</a:t>
-            </a:r>
-            <a:r>
-              <a:rPr lang="en-US" sz="2400" dirty="0"/>
-              <a:t>:  Is it worth it?</a:t>
-            </a:r>
-          </a:p>
-          <a:p>
-            <a:pPr lvl="2">
-              <a:lnSpc>
-                <a:spcPct val="90000"/>
-              </a:lnSpc>
-            </a:pPr>
-            <a:r>
-              <a:rPr lang="en-US" sz="2000" dirty="0"/>
-              <a:t>Yes, resolve conflict.</a:t>
-            </a:r>
-          </a:p>
-          <a:p>
-            <a:pPr lvl="2">
-              <a:lnSpc>
-                <a:spcPct val="90000"/>
-              </a:lnSpc>
-            </a:pPr>
-            <a:r>
-              <a:rPr lang="en-US" sz="2000" dirty="0"/>
-              <a:t>No: live with default or specified conflict resolution (precedence, associativity)</a:t>
-            </a:r>
           </a:p>
         </p:txBody>
       </p:sp>
@@ -5435,7 +5381,7 @@
   <p:timing>
     <p:tnLst>
       <p:par>
-        <p:cTn xmlns:p14="http://schemas.microsoft.com/office/powerpoint/2010/main" id="1" dur="indefinite" restart="never" nodeType="tmRoot">
+        <p:cTn id="1" dur="indefinite" restart="never" nodeType="tmRoot">
           <p:childTnLst>
             <p:seq concurrent="1" nextAc="seek">
               <p:cTn id="2" dur="indefinite" nodeType="mainSeq">
@@ -5683,6 +5629,77 @@
       </p:grpSpPr>
       <p:sp>
         <p:nvSpPr>
+          <p:cNvPr id="355332" name="Rectangle 4"/>
+          <p:cNvSpPr>
+            <a:spLocks noGrp="1" noChangeArrowheads="1"/>
+          </p:cNvSpPr>
+          <p:nvPr>
+            <p:ph type="title"/>
+          </p:nvPr>
+        </p:nvSpPr>
+        <p:spPr/>
+        <p:txBody>
+          <a:bodyPr/>
+          <a:lstStyle/>
+          <a:p>
+            <a:r>
+              <a:rPr lang="en-US"/>
+              <a:t>Compiler (parser) compilers</a:t>
+            </a:r>
+          </a:p>
+        </p:txBody>
+      </p:sp>
+      <p:sp>
+        <p:nvSpPr>
+          <p:cNvPr id="355333" name="Rectangle 5"/>
+          <p:cNvSpPr>
+            <a:spLocks noGrp="1" noChangeArrowheads="1"/>
+          </p:cNvSpPr>
+          <p:nvPr>
+            <p:ph idx="1"/>
+          </p:nvPr>
+        </p:nvSpPr>
+        <p:spPr/>
+        <p:txBody>
+          <a:bodyPr/>
+          <a:lstStyle/>
+          <a:p>
+            <a:pPr>
+              <a:lnSpc>
+                <a:spcPct val="90000"/>
+              </a:lnSpc>
+            </a:pPr>
+            <a:r>
+              <a:rPr lang="en-US"/>
+              <a:t>Rather than build a parser for a particular grammar (e.g. recursive descent), write down a grammar as a text file</a:t>
+            </a:r>
+          </a:p>
+          <a:p>
+            <a:pPr>
+              <a:lnSpc>
+                <a:spcPct val="90000"/>
+              </a:lnSpc>
+            </a:pPr>
+            <a:r>
+              <a:rPr lang="en-US"/>
+              <a:t>Run through a compiler compiler which produces a parser for that grammar</a:t>
+            </a:r>
+          </a:p>
+          <a:p>
+            <a:pPr>
+              <a:lnSpc>
+                <a:spcPct val="90000"/>
+              </a:lnSpc>
+            </a:pPr>
+            <a:r>
+              <a:rPr lang="en-US"/>
+              <a:t>The parser is a program that can be compiled and accepts input strings and produces user-defined output</a:t>
+            </a:r>
+          </a:p>
+        </p:txBody>
+      </p:sp>
+      <p:sp>
+        <p:nvSpPr>
           <p:cNvPr id="5" name="Slide Number Placeholder 5"/>
           <p:cNvSpPr>
             <a:spLocks noGrp="1"/>
@@ -5705,89 +5722,11 @@
           </a:p>
         </p:txBody>
       </p:sp>
-      <p:sp>
-        <p:nvSpPr>
-          <p:cNvPr id="355332" name="Rectangle 4"/>
-          <p:cNvSpPr>
-            <a:spLocks noGrp="1" noChangeArrowheads="1"/>
-          </p:cNvSpPr>
-          <p:nvPr>
-            <p:ph type="title"/>
-          </p:nvPr>
-        </p:nvSpPr>
-        <p:spPr/>
-        <p:txBody>
-          <a:bodyPr/>
-          <a:lstStyle/>
-          <a:p>
-            <a:r>
-              <a:rPr lang="en-US"/>
-              <a:t>Compiler (parser) compilers</a:t>
-            </a:r>
-          </a:p>
-        </p:txBody>
-      </p:sp>
-      <p:sp>
-        <p:nvSpPr>
-          <p:cNvPr id="355333" name="Rectangle 5"/>
-          <p:cNvSpPr>
-            <a:spLocks noGrp="1" noChangeArrowheads="1"/>
-          </p:cNvSpPr>
-          <p:nvPr>
-            <p:ph type="body" idx="1"/>
-          </p:nvPr>
-        </p:nvSpPr>
-        <p:spPr/>
-        <p:txBody>
-          <a:bodyPr/>
-          <a:lstStyle/>
-          <a:p>
-            <a:pPr>
-              <a:lnSpc>
-                <a:spcPct val="90000"/>
-              </a:lnSpc>
-            </a:pPr>
-            <a:r>
-              <a:rPr lang="en-US"/>
-              <a:t>Rather than build a parser for a particular grammar (e.g. recursive descent), write down a grammar as a text file</a:t>
-            </a:r>
-          </a:p>
-          <a:p>
-            <a:pPr>
-              <a:lnSpc>
-                <a:spcPct val="90000"/>
-              </a:lnSpc>
-            </a:pPr>
-            <a:r>
-              <a:rPr lang="en-US"/>
-              <a:t>Run through a compiler compiler which produces a parser for that grammar</a:t>
-            </a:r>
-          </a:p>
-          <a:p>
-            <a:pPr>
-              <a:lnSpc>
-                <a:spcPct val="90000"/>
-              </a:lnSpc>
-            </a:pPr>
-            <a:r>
-              <a:rPr lang="en-US"/>
-              <a:t>The parser is a program that can be compiled and accepts input strings and produces user-defined output</a:t>
-            </a:r>
-          </a:p>
-        </p:txBody>
-      </p:sp>
     </p:spTree>
   </p:cSld>
   <p:clrMapOvr>
     <a:masterClrMapping/>
   </p:clrMapOvr>
-  <p:timing>
-    <p:tnLst>
-      <p:par>
-        <p:cTn xmlns:p14="http://schemas.microsoft.com/office/powerpoint/2010/main" id="1" dur="indefinite" restart="never" nodeType="tmRoot"/>
-      </p:par>
-    </p:tnLst>
-  </p:timing>
 </p:sld>
 </file>
 
@@ -5810,6 +5749,99 @@
       </p:grpSpPr>
       <p:sp>
         <p:nvSpPr>
+          <p:cNvPr id="356354" name="Rectangle 2"/>
+          <p:cNvSpPr>
+            <a:spLocks noGrp="1" noChangeArrowheads="1"/>
+          </p:cNvSpPr>
+          <p:nvPr>
+            <p:ph type="title"/>
+          </p:nvPr>
+        </p:nvSpPr>
+        <p:spPr/>
+        <p:txBody>
+          <a:bodyPr/>
+          <a:lstStyle/>
+          <a:p>
+            <a:r>
+              <a:rPr lang="en-US"/>
+              <a:t>Compiler (parser) compilers</a:t>
+            </a:r>
+          </a:p>
+        </p:txBody>
+      </p:sp>
+      <p:sp>
+        <p:nvSpPr>
+          <p:cNvPr id="356355" name="Rectangle 3"/>
+          <p:cNvSpPr>
+            <a:spLocks noGrp="1" noChangeArrowheads="1"/>
+          </p:cNvSpPr>
+          <p:nvPr>
+            <p:ph idx="1"/>
+          </p:nvPr>
+        </p:nvSpPr>
+        <p:spPr/>
+        <p:txBody>
+          <a:bodyPr/>
+          <a:lstStyle/>
+          <a:p>
+            <a:pPr>
+              <a:lnSpc>
+                <a:spcPct val="90000"/>
+              </a:lnSpc>
+            </a:pPr>
+            <a:r>
+              <a:rPr lang="en-US" sz="2800"/>
+              <a:t>For LR parsing, all it needs to do is produce action/goto table</a:t>
+            </a:r>
+          </a:p>
+          <a:p>
+            <a:pPr lvl="1">
+              <a:lnSpc>
+                <a:spcPct val="90000"/>
+              </a:lnSpc>
+            </a:pPr>
+            <a:r>
+              <a:rPr lang="en-US" sz="2400"/>
+              <a:t>Yacc (yet another compiler compiler) was distributed with Unix, the most popular tool. Uses LALR(1). </a:t>
+            </a:r>
+          </a:p>
+          <a:p>
+            <a:pPr lvl="1">
+              <a:lnSpc>
+                <a:spcPct val="90000"/>
+              </a:lnSpc>
+            </a:pPr>
+            <a:r>
+              <a:rPr lang="en-US" sz="2400"/>
+              <a:t>Many variants of yacc exist for many languages</a:t>
+            </a:r>
+          </a:p>
+          <a:p>
+            <a:pPr>
+              <a:lnSpc>
+                <a:spcPct val="90000"/>
+              </a:lnSpc>
+            </a:pPr>
+            <a:r>
+              <a:rPr lang="en-US" sz="2800"/>
+              <a:t>As we will see later, translation of the parse tree into machine code (or anything else) can also be written down with the grammar</a:t>
+            </a:r>
+          </a:p>
+          <a:p>
+            <a:pPr>
+              <a:lnSpc>
+                <a:spcPct val="90000"/>
+              </a:lnSpc>
+            </a:pPr>
+            <a:r>
+              <a:rPr lang="en-US" sz="2800"/>
+              <a:t>Handling errors and interaction with the lexical analyzer have to be precisely defined</a:t>
+            </a:r>
+          </a:p>
+        </p:txBody>
+      </p:sp>
+      <p:sp>
+        <p:nvSpPr>
           <p:cNvPr id="5" name="Slide Number Placeholder 5"/>
           <p:cNvSpPr>
             <a:spLocks noGrp="1"/>
@@ -5832,111 +5864,11 @@
           </a:p>
         </p:txBody>
       </p:sp>
-      <p:sp>
-        <p:nvSpPr>
-          <p:cNvPr id="356354" name="Rectangle 2"/>
-          <p:cNvSpPr>
-            <a:spLocks noGrp="1" noChangeArrowheads="1"/>
-          </p:cNvSpPr>
-          <p:nvPr>
-            <p:ph type="title"/>
-          </p:nvPr>
-        </p:nvSpPr>
-        <p:spPr/>
-        <p:txBody>
-          <a:bodyPr/>
-          <a:lstStyle/>
-          <a:p>
-            <a:r>
-              <a:rPr lang="en-US"/>
-              <a:t>Compiler (parser) compilers</a:t>
-            </a:r>
-          </a:p>
-        </p:txBody>
-      </p:sp>
-      <p:sp>
-        <p:nvSpPr>
-          <p:cNvPr id="356355" name="Rectangle 3"/>
-          <p:cNvSpPr>
-            <a:spLocks noGrp="1" noChangeArrowheads="1"/>
-          </p:cNvSpPr>
-          <p:nvPr>
-            <p:ph type="body" idx="1"/>
-          </p:nvPr>
-        </p:nvSpPr>
-        <p:spPr/>
-        <p:txBody>
-          <a:bodyPr/>
-          <a:lstStyle/>
-          <a:p>
-            <a:pPr>
-              <a:lnSpc>
-                <a:spcPct val="90000"/>
-              </a:lnSpc>
-            </a:pPr>
-            <a:r>
-              <a:rPr lang="en-US" sz="2800"/>
-              <a:t>For LR parsing, all it needs to do is produce action/goto table</a:t>
-            </a:r>
-          </a:p>
-          <a:p>
-            <a:pPr lvl="1">
-              <a:lnSpc>
-                <a:spcPct val="90000"/>
-              </a:lnSpc>
-            </a:pPr>
-            <a:r>
-              <a:rPr lang="en-US" sz="2400"/>
-              <a:t>Yacc (yet another compiler compiler) was distributed with Unix, the most popular tool. Uses LALR(1). </a:t>
-            </a:r>
-          </a:p>
-          <a:p>
-            <a:pPr lvl="1">
-              <a:lnSpc>
-                <a:spcPct val="90000"/>
-              </a:lnSpc>
-            </a:pPr>
-            <a:r>
-              <a:rPr lang="en-US" sz="2400"/>
-              <a:t>Many variants of yacc exist for many languages</a:t>
-            </a:r>
-          </a:p>
-          <a:p>
-            <a:pPr>
-              <a:lnSpc>
-                <a:spcPct val="90000"/>
-              </a:lnSpc>
-            </a:pPr>
-            <a:r>
-              <a:rPr lang="en-US" sz="2800"/>
-              <a:t>As we will see later, translation of the parse tree into machine code (or anything else) can also be written down with the grammar</a:t>
-            </a:r>
-          </a:p>
-          <a:p>
-            <a:pPr>
-              <a:lnSpc>
-                <a:spcPct val="90000"/>
-              </a:lnSpc>
-            </a:pPr>
-            <a:r>
-              <a:rPr lang="en-US" sz="2800"/>
-              <a:t>Handling errors and interaction with the lexical analyzer have to be precisely defined</a:t>
-            </a:r>
-          </a:p>
-        </p:txBody>
-      </p:sp>
     </p:spTree>
   </p:cSld>
   <p:clrMapOvr>
     <a:masterClrMapping/>
   </p:clrMapOvr>
-  <p:timing>
-    <p:tnLst>
-      <p:par>
-        <p:cTn xmlns:p14="http://schemas.microsoft.com/office/powerpoint/2010/main" id="1" dur="indefinite" restart="never" nodeType="tmRoot"/>
-      </p:par>
-    </p:tnLst>
-  </p:timing>
 </p:sld>
 </file>
 
@@ -5959,6 +5891,127 @@
       </p:grpSpPr>
       <p:sp>
         <p:nvSpPr>
+          <p:cNvPr id="321538" name="Rectangle 2"/>
+          <p:cNvSpPr>
+            <a:spLocks noGrp="1" noChangeArrowheads="1"/>
+          </p:cNvSpPr>
+          <p:nvPr>
+            <p:ph type="title"/>
+          </p:nvPr>
+        </p:nvSpPr>
+        <p:spPr/>
+        <p:txBody>
+          <a:bodyPr/>
+          <a:lstStyle/>
+          <a:p>
+            <a:r>
+              <a:rPr lang="en-US"/>
+              <a:t>Parsing - Summary</a:t>
+            </a:r>
+          </a:p>
+        </p:txBody>
+      </p:sp>
+      <p:sp>
+        <p:nvSpPr>
+          <p:cNvPr id="321539" name="Rectangle 3"/>
+          <p:cNvSpPr>
+            <a:spLocks noGrp="1" noChangeArrowheads="1"/>
+          </p:cNvSpPr>
+          <p:nvPr>
+            <p:ph idx="1"/>
+          </p:nvPr>
+        </p:nvSpPr>
+        <p:spPr/>
+        <p:txBody>
+          <a:bodyPr/>
+          <a:lstStyle/>
+          <a:p>
+            <a:r>
+              <a:rPr lang="en-US" sz="2800"/>
+              <a:t>Top-down vs. bottom-up</a:t>
+            </a:r>
+          </a:p>
+          <a:p>
+            <a:r>
+              <a:rPr lang="en-US" sz="2800"/>
+              <a:t>Lookahead: FIRST and FOLLOW sets</a:t>
+            </a:r>
+          </a:p>
+          <a:p>
+            <a:r>
+              <a:rPr lang="en-US" sz="2800"/>
+              <a:t>LL(1) – Parsing: </a:t>
+            </a:r>
+            <a:r>
+              <a:rPr lang="en-US" sz="2800" i="1"/>
+              <a:t>O</a:t>
+            </a:r>
+            <a:r>
+              <a:rPr lang="en-US" sz="2800"/>
+              <a:t>(</a:t>
+            </a:r>
+            <a:r>
+              <a:rPr lang="en-US" sz="2800" i="1"/>
+              <a:t>n</a:t>
+            </a:r>
+            <a:r>
+              <a:rPr lang="en-US" sz="2800"/>
+              <a:t>) time complexity</a:t>
+            </a:r>
+          </a:p>
+          <a:p>
+            <a:pPr lvl="1"/>
+            <a:r>
+              <a:rPr lang="en-US" sz="2400"/>
+              <a:t>recursive-descent and table-driven predictive parsing</a:t>
+            </a:r>
+          </a:p>
+          <a:p>
+            <a:r>
+              <a:rPr lang="en-US" sz="2800"/>
+              <a:t>LR(k) – Parsing : </a:t>
+            </a:r>
+            <a:r>
+              <a:rPr lang="en-US" sz="2800" i="1"/>
+              <a:t>O</a:t>
+            </a:r>
+            <a:r>
+              <a:rPr lang="en-US" sz="2800"/>
+              <a:t>(</a:t>
+            </a:r>
+            <a:r>
+              <a:rPr lang="en-US" sz="2800" i="1"/>
+              <a:t>n</a:t>
+            </a:r>
+            <a:r>
+              <a:rPr lang="en-US" sz="2800"/>
+              <a:t>) time complexity</a:t>
+            </a:r>
+          </a:p>
+          <a:p>
+            <a:pPr lvl="1"/>
+            <a:r>
+              <a:rPr lang="en-US" sz="2400"/>
+              <a:t>LR(0), SLR(1), LR(1), LALR(1)</a:t>
+            </a:r>
+          </a:p>
+          <a:p>
+            <a:r>
+              <a:rPr lang="en-US" sz="2800"/>
+              <a:t>Resolving shift/reduce conflicts</a:t>
+            </a:r>
+          </a:p>
+          <a:p>
+            <a:pPr lvl="1"/>
+            <a:r>
+              <a:rPr lang="en-US" sz="2400"/>
+              <a:t>using precedence, associativity</a:t>
+            </a:r>
+          </a:p>
+        </p:txBody>
+      </p:sp>
+      <p:sp>
+        <p:nvSpPr>
           <p:cNvPr id="5" name="Slide Number Placeholder 5"/>
           <p:cNvSpPr>
             <a:spLocks noGrp="1"/>
@@ -5978,127 +6031,6 @@
               <a:t>13</a:t>
             </a:fld>
             <a:endParaRPr lang="en-US"/>
-          </a:p>
-        </p:txBody>
-      </p:sp>
-      <p:sp>
-        <p:nvSpPr>
-          <p:cNvPr id="321538" name="Rectangle 2"/>
-          <p:cNvSpPr>
-            <a:spLocks noGrp="1" noChangeArrowheads="1"/>
-          </p:cNvSpPr>
-          <p:nvPr>
-            <p:ph type="title"/>
-          </p:nvPr>
-        </p:nvSpPr>
-        <p:spPr/>
-        <p:txBody>
-          <a:bodyPr/>
-          <a:lstStyle/>
-          <a:p>
-            <a:r>
-              <a:rPr lang="en-US"/>
-              <a:t>Parsing - Summary</a:t>
-            </a:r>
-          </a:p>
-        </p:txBody>
-      </p:sp>
-      <p:sp>
-        <p:nvSpPr>
-          <p:cNvPr id="321539" name="Rectangle 3"/>
-          <p:cNvSpPr>
-            <a:spLocks noGrp="1" noChangeArrowheads="1"/>
-          </p:cNvSpPr>
-          <p:nvPr>
-            <p:ph type="body" idx="1"/>
-          </p:nvPr>
-        </p:nvSpPr>
-        <p:spPr/>
-        <p:txBody>
-          <a:bodyPr/>
-          <a:lstStyle/>
-          <a:p>
-            <a:r>
-              <a:rPr lang="en-US" sz="2800"/>
-              <a:t>Top-down vs. bottom-up</a:t>
-            </a:r>
-          </a:p>
-          <a:p>
-            <a:r>
-              <a:rPr lang="en-US" sz="2800"/>
-              <a:t>Lookahead: FIRST and FOLLOW sets</a:t>
-            </a:r>
-          </a:p>
-          <a:p>
-            <a:r>
-              <a:rPr lang="en-US" sz="2800"/>
-              <a:t>LL(1) – Parsing: </a:t>
-            </a:r>
-            <a:r>
-              <a:rPr lang="en-US" sz="2800" i="1"/>
-              <a:t>O</a:t>
-            </a:r>
-            <a:r>
-              <a:rPr lang="en-US" sz="2800"/>
-              <a:t>(</a:t>
-            </a:r>
-            <a:r>
-              <a:rPr lang="en-US" sz="2800" i="1"/>
-              <a:t>n</a:t>
-            </a:r>
-            <a:r>
-              <a:rPr lang="en-US" sz="2800"/>
-              <a:t>) time complexity</a:t>
-            </a:r>
-          </a:p>
-          <a:p>
-            <a:pPr lvl="1"/>
-            <a:r>
-              <a:rPr lang="en-US" sz="2400"/>
-              <a:t>recursive-descent and table-driven predictive parsing</a:t>
-            </a:r>
-          </a:p>
-          <a:p>
-            <a:r>
-              <a:rPr lang="en-US" sz="2800"/>
-              <a:t>LR(k) – Parsing : </a:t>
-            </a:r>
-            <a:r>
-              <a:rPr lang="en-US" sz="2800" i="1"/>
-              <a:t>O</a:t>
-            </a:r>
-            <a:r>
-              <a:rPr lang="en-US" sz="2800"/>
-              <a:t>(</a:t>
-            </a:r>
-            <a:r>
-              <a:rPr lang="en-US" sz="2800" i="1"/>
-              <a:t>n</a:t>
-            </a:r>
-            <a:r>
-              <a:rPr lang="en-US" sz="2800"/>
-              <a:t>) time complexity</a:t>
-            </a:r>
-          </a:p>
-          <a:p>
-            <a:pPr lvl="1"/>
-            <a:r>
-              <a:rPr lang="en-US" sz="2400"/>
-              <a:t>LR(0), SLR(1), LR(1), LALR(1)</a:t>
-            </a:r>
-          </a:p>
-          <a:p>
-            <a:r>
-              <a:rPr lang="en-US" sz="2800"/>
-              <a:t>Resolving shift/reduce conflicts</a:t>
-            </a:r>
-          </a:p>
-          <a:p>
-            <a:pPr lvl="1"/>
-            <a:r>
-              <a:rPr lang="en-US" sz="2400"/>
-              <a:t>using precedence, associativity</a:t>
-            </a:r>
           </a:p>
         </p:txBody>
       </p:sp>
@@ -6110,7 +6042,7 @@
   <p:timing>
     <p:tnLst>
       <p:par>
-        <p:cTn xmlns:p14="http://schemas.microsoft.com/office/powerpoint/2010/main" id="1" dur="indefinite" restart="never" nodeType="tmRoot">
+        <p:cTn id="1" dur="indefinite" restart="never" nodeType="tmRoot">
           <p:childTnLst>
             <p:seq concurrent="1" nextAc="seek">
               <p:cTn id="2" dur="indefinite" nodeType="mainSeq">
@@ -6500,6 +6432,134 @@
       </p:grpSpPr>
       <p:sp>
         <p:nvSpPr>
+          <p:cNvPr id="199682" name="Rectangle 2"/>
+          <p:cNvSpPr>
+            <a:spLocks noGrp="1" noChangeArrowheads="1"/>
+          </p:cNvSpPr>
+          <p:nvPr>
+            <p:ph type="title"/>
+          </p:nvPr>
+        </p:nvSpPr>
+        <p:spPr/>
+        <p:txBody>
+          <a:bodyPr/>
+          <a:lstStyle/>
+          <a:p>
+            <a:r>
+              <a:rPr lang="en-US"/>
+              <a:t>S/R &amp; ambiguous grammars</a:t>
+            </a:r>
+          </a:p>
+        </p:txBody>
+      </p:sp>
+      <p:sp>
+        <p:nvSpPr>
+          <p:cNvPr id="199683" name="Rectangle 3"/>
+          <p:cNvSpPr>
+            <a:spLocks noGrp="1" noChangeArrowheads="1"/>
+          </p:cNvSpPr>
+          <p:nvPr>
+            <p:ph idx="1"/>
+          </p:nvPr>
+        </p:nvSpPr>
+        <p:spPr/>
+        <p:txBody>
+          <a:bodyPr/>
+          <a:lstStyle/>
+          <a:p>
+            <a:pPr>
+              <a:lnSpc>
+                <a:spcPct val="90000"/>
+              </a:lnSpc>
+            </a:pPr>
+            <a:r>
+              <a:rPr lang="en-US" sz="2800">
+                <a:sym typeface="Symbol" charset="2"/>
+              </a:rPr>
+              <a:t>Lx(k) Grammar vs. Language</a:t>
+            </a:r>
+          </a:p>
+          <a:p>
+            <a:pPr lvl="1">
+              <a:lnSpc>
+                <a:spcPct val="90000"/>
+              </a:lnSpc>
+            </a:pPr>
+            <a:r>
+              <a:rPr lang="en-US" sz="2400">
+                <a:sym typeface="Symbol" charset="2"/>
+              </a:rPr>
+              <a:t>Grammar is Lx(k) if it can be parsed by Lx(k) method – according to criteria that is specific to the method.</a:t>
+            </a:r>
+          </a:p>
+          <a:p>
+            <a:pPr lvl="1">
+              <a:lnSpc>
+                <a:spcPct val="90000"/>
+              </a:lnSpc>
+            </a:pPr>
+            <a:r>
+              <a:rPr lang="en-US" sz="2400">
+                <a:sym typeface="Symbol" charset="2"/>
+              </a:rPr>
+              <a:t>A Lx(k) grammar may or may not exist for a language.</a:t>
+            </a:r>
+          </a:p>
+          <a:p>
+            <a:pPr>
+              <a:lnSpc>
+                <a:spcPct val="90000"/>
+              </a:lnSpc>
+            </a:pPr>
+            <a:r>
+              <a:rPr lang="en-US" sz="2800">
+                <a:sym typeface="Symbol" charset="2"/>
+              </a:rPr>
+              <a:t>Even if a given grammar is not LR(k), shift/reduce parser can </a:t>
+            </a:r>
+            <a:r>
+              <a:rPr lang="en-US" sz="2800" i="1">
+                <a:sym typeface="Symbol" charset="2"/>
+              </a:rPr>
+              <a:t>sometimes</a:t>
+            </a:r>
+            <a:r>
+              <a:rPr lang="en-US" sz="2800">
+                <a:sym typeface="Symbol" charset="2"/>
+              </a:rPr>
+              <a:t> handle them by accounting for ambiguities</a:t>
+            </a:r>
+          </a:p>
+          <a:p>
+            <a:pPr lvl="1">
+              <a:lnSpc>
+                <a:spcPct val="90000"/>
+              </a:lnSpc>
+            </a:pPr>
+            <a:r>
+              <a:rPr lang="en-US" sz="2400">
+                <a:sym typeface="Symbol" charset="2"/>
+              </a:rPr>
+              <a:t>Example: ‘dangling’ else</a:t>
+            </a:r>
+          </a:p>
+          <a:p>
+            <a:pPr lvl="2">
+              <a:lnSpc>
+                <a:spcPct val="90000"/>
+              </a:lnSpc>
+            </a:pPr>
+            <a:r>
+              <a:rPr lang="en-US" sz="2000">
+                <a:sym typeface="Symbol" charset="2"/>
+              </a:rPr>
+              <a:t>Preferring shift to reduce means matching inner ‘if’</a:t>
+            </a:r>
+          </a:p>
+        </p:txBody>
+      </p:sp>
+      <p:sp>
+        <p:nvSpPr>
           <p:cNvPr id="5" name="Slide Number Placeholder 5"/>
           <p:cNvSpPr>
             <a:spLocks noGrp="1"/>
@@ -6519,134 +6579,6 @@
               <a:t>2</a:t>
             </a:fld>
             <a:endParaRPr lang="en-US"/>
-          </a:p>
-        </p:txBody>
-      </p:sp>
-      <p:sp>
-        <p:nvSpPr>
-          <p:cNvPr id="199682" name="Rectangle 2"/>
-          <p:cNvSpPr>
-            <a:spLocks noGrp="1" noChangeArrowheads="1"/>
-          </p:cNvSpPr>
-          <p:nvPr>
-            <p:ph type="title"/>
-          </p:nvPr>
-        </p:nvSpPr>
-        <p:spPr/>
-        <p:txBody>
-          <a:bodyPr/>
-          <a:lstStyle/>
-          <a:p>
-            <a:r>
-              <a:rPr lang="en-US"/>
-              <a:t>S/R &amp; ambiguous grammars</a:t>
-            </a:r>
-          </a:p>
-        </p:txBody>
-      </p:sp>
-      <p:sp>
-        <p:nvSpPr>
-          <p:cNvPr id="199683" name="Rectangle 3"/>
-          <p:cNvSpPr>
-            <a:spLocks noGrp="1" noChangeArrowheads="1"/>
-          </p:cNvSpPr>
-          <p:nvPr>
-            <p:ph type="body" idx="1"/>
-          </p:nvPr>
-        </p:nvSpPr>
-        <p:spPr/>
-        <p:txBody>
-          <a:bodyPr/>
-          <a:lstStyle/>
-          <a:p>
-            <a:pPr>
-              <a:lnSpc>
-                <a:spcPct val="90000"/>
-              </a:lnSpc>
-            </a:pPr>
-            <a:r>
-              <a:rPr lang="en-US" sz="2800">
-                <a:sym typeface="Symbol" charset="2"/>
-              </a:rPr>
-              <a:t>Lx(k) Grammar vs. Language</a:t>
-            </a:r>
-          </a:p>
-          <a:p>
-            <a:pPr lvl="1">
-              <a:lnSpc>
-                <a:spcPct val="90000"/>
-              </a:lnSpc>
-            </a:pPr>
-            <a:r>
-              <a:rPr lang="en-US" sz="2400">
-                <a:sym typeface="Symbol" charset="2"/>
-              </a:rPr>
-              <a:t>Grammar is Lx(k) if it can be parsed by Lx(k) method – according to criteria that is specific to the method.</a:t>
-            </a:r>
-          </a:p>
-          <a:p>
-            <a:pPr lvl="1">
-              <a:lnSpc>
-                <a:spcPct val="90000"/>
-              </a:lnSpc>
-            </a:pPr>
-            <a:r>
-              <a:rPr lang="en-US" sz="2400">
-                <a:sym typeface="Symbol" charset="2"/>
-              </a:rPr>
-              <a:t>A Lx(k) grammar may or may not exist for a language.</a:t>
-            </a:r>
-          </a:p>
-          <a:p>
-            <a:pPr>
-              <a:lnSpc>
-                <a:spcPct val="90000"/>
-              </a:lnSpc>
-            </a:pPr>
-            <a:r>
-              <a:rPr lang="en-US" sz="2800">
-                <a:sym typeface="Symbol" charset="2"/>
-              </a:rPr>
-              <a:t>Even if a given grammar is not LR(k), shift/reduce parser can </a:t>
-            </a:r>
-            <a:r>
-              <a:rPr lang="en-US" sz="2800" i="1">
-                <a:sym typeface="Symbol" charset="2"/>
-              </a:rPr>
-              <a:t>sometimes</a:t>
-            </a:r>
-            <a:r>
-              <a:rPr lang="en-US" sz="2800">
-                <a:sym typeface="Symbol" charset="2"/>
-              </a:rPr>
-              <a:t> handle them by accounting for ambiguities</a:t>
-            </a:r>
-          </a:p>
-          <a:p>
-            <a:pPr lvl="1">
-              <a:lnSpc>
-                <a:spcPct val="90000"/>
-              </a:lnSpc>
-            </a:pPr>
-            <a:r>
-              <a:rPr lang="en-US" sz="2400">
-                <a:sym typeface="Symbol" charset="2"/>
-              </a:rPr>
-              <a:t>Example: ‘dangling’ else</a:t>
-            </a:r>
-          </a:p>
-          <a:p>
-            <a:pPr lvl="2">
-              <a:lnSpc>
-                <a:spcPct val="90000"/>
-              </a:lnSpc>
-            </a:pPr>
-            <a:r>
-              <a:rPr lang="en-US" sz="2000">
-                <a:sym typeface="Symbol" charset="2"/>
-              </a:rPr>
-              <a:t>Preferring shift to reduce means matching inner ‘if’</a:t>
-            </a:r>
           </a:p>
         </p:txBody>
       </p:sp>
@@ -6658,7 +6590,7 @@
   <p:timing>
     <p:tnLst>
       <p:par>
-        <p:cTn xmlns:p14="http://schemas.microsoft.com/office/powerpoint/2010/main" id="1" dur="indefinite" restart="never" nodeType="tmRoot">
+        <p:cTn id="1" dur="indefinite" restart="never" nodeType="tmRoot">
           <p:childTnLst>
             <p:seq concurrent="1" nextAc="seek">
               <p:cTn id="2" dur="indefinite" nodeType="mainSeq">
@@ -6932,30 +6864,6 @@
       </p:grpSpPr>
       <p:sp>
         <p:nvSpPr>
-          <p:cNvPr id="5" name="Slide Number Placeholder 5"/>
-          <p:cNvSpPr>
-            <a:spLocks noGrp="1"/>
-          </p:cNvSpPr>
-          <p:nvPr>
-            <p:ph type="sldNum" sz="quarter" idx="12"/>
-          </p:nvPr>
-        </p:nvSpPr>
-        <p:spPr/>
-        <p:txBody>
-          <a:bodyPr/>
-          <a:lstStyle/>
-          <a:p>
-            <a:fld id="{F2CE1360-CC93-2E4E-B8A6-1D9A85ED5308}" type="slidenum">
-              <a:rPr lang="en-US"/>
-              <a:pPr/>
-              <a:t>3</a:t>
-            </a:fld>
-            <a:endParaRPr lang="en-US"/>
-          </a:p>
-        </p:txBody>
-      </p:sp>
-      <p:sp>
-        <p:nvSpPr>
           <p:cNvPr id="200706" name="Rectangle 2"/>
           <p:cNvSpPr>
             <a:spLocks noGrp="1" noChangeArrowheads="1"/>
@@ -6983,7 +6891,7 @@
             <a:spLocks noGrp="1" noChangeArrowheads="1"/>
           </p:cNvSpPr>
           <p:nvPr>
-            <p:ph type="body" idx="1"/>
+            <p:ph idx="1"/>
           </p:nvPr>
         </p:nvSpPr>
         <p:spPr/>
@@ -7105,6 +7013,30 @@
               </a:rPr>
               <a:t>NB: Ambiguity can be resolved, but there’s still no LR(k) grammar</a:t>
             </a:r>
+          </a:p>
+        </p:txBody>
+      </p:sp>
+      <p:sp>
+        <p:nvSpPr>
+          <p:cNvPr id="5" name="Slide Number Placeholder 5"/>
+          <p:cNvSpPr>
+            <a:spLocks noGrp="1"/>
+          </p:cNvSpPr>
+          <p:nvPr>
+            <p:ph type="sldNum" sz="quarter" idx="12"/>
+          </p:nvPr>
+        </p:nvSpPr>
+        <p:spPr/>
+        <p:txBody>
+          <a:bodyPr/>
+          <a:lstStyle/>
+          <a:p>
+            <a:fld id="{F2CE1360-CC93-2E4E-B8A6-1D9A85ED5308}" type="slidenum">
+              <a:rPr lang="en-US"/>
+              <a:pPr/>
+              <a:t>3</a:t>
+            </a:fld>
+            <a:endParaRPr lang="en-US"/>
           </a:p>
         </p:txBody>
       </p:sp>
@@ -7116,7 +7048,7 @@
   <p:timing>
     <p:tnLst>
       <p:par>
-        <p:cTn xmlns:p14="http://schemas.microsoft.com/office/powerpoint/2010/main" id="1" dur="indefinite" restart="never" nodeType="tmRoot">
+        <p:cTn id="1" dur="indefinite" restart="never" nodeType="tmRoot">
           <p:childTnLst>
             <p:seq concurrent="1" nextAc="seek">
               <p:cTn id="2" dur="indefinite" nodeType="mainSeq">
@@ -7524,6 +7456,50 @@
       </p:grpSpPr>
       <p:sp>
         <p:nvSpPr>
+          <p:cNvPr id="201730" name="Rectangle 2"/>
+          <p:cNvSpPr>
+            <a:spLocks noGrp="1" noChangeArrowheads="1"/>
+          </p:cNvSpPr>
+          <p:nvPr>
+            <p:ph type="title"/>
+          </p:nvPr>
+        </p:nvSpPr>
+        <p:spPr/>
+        <p:txBody>
+          <a:bodyPr/>
+          <a:lstStyle/>
+          <a:p>
+            <a:r>
+              <a:rPr lang="en-US"/>
+              <a:t>Precedence &amp; Associativity</a:t>
+            </a:r>
+          </a:p>
+        </p:txBody>
+      </p:sp>
+      <p:sp>
+        <p:nvSpPr>
+          <p:cNvPr id="201731" name="Rectangle 3"/>
+          <p:cNvSpPr>
+            <a:spLocks noGrp="1" noChangeArrowheads="1"/>
+          </p:cNvSpPr>
+          <p:nvPr>
+            <p:ph idx="1"/>
+          </p:nvPr>
+        </p:nvSpPr>
+        <p:spPr/>
+        <p:txBody>
+          <a:bodyPr/>
+          <a:lstStyle/>
+          <a:p>
+            <a:r>
+              <a:rPr lang="en-US"/>
+              <a:t>Consider </a:t>
+            </a:r>
+          </a:p>
+        </p:txBody>
+      </p:sp>
+      <p:sp>
+        <p:nvSpPr>
           <p:cNvPr id="46" name="Slide Number Placeholder 5"/>
           <p:cNvSpPr>
             <a:spLocks noGrp="1"/>
@@ -7543,50 +7519,6 @@
               <a:t>4</a:t>
             </a:fld>
             <a:endParaRPr lang="en-US"/>
-          </a:p>
-        </p:txBody>
-      </p:sp>
-      <p:sp>
-        <p:nvSpPr>
-          <p:cNvPr id="201730" name="Rectangle 2"/>
-          <p:cNvSpPr>
-            <a:spLocks noGrp="1" noChangeArrowheads="1"/>
-          </p:cNvSpPr>
-          <p:nvPr>
-            <p:ph type="title"/>
-          </p:nvPr>
-        </p:nvSpPr>
-        <p:spPr/>
-        <p:txBody>
-          <a:bodyPr/>
-          <a:lstStyle/>
-          <a:p>
-            <a:r>
-              <a:rPr lang="en-US"/>
-              <a:t>Precedence &amp; Associativity</a:t>
-            </a:r>
-          </a:p>
-        </p:txBody>
-      </p:sp>
-      <p:sp>
-        <p:nvSpPr>
-          <p:cNvPr id="201731" name="Rectangle 3"/>
-          <p:cNvSpPr>
-            <a:spLocks noGrp="1" noChangeArrowheads="1"/>
-          </p:cNvSpPr>
-          <p:nvPr>
-            <p:ph type="body" idx="1"/>
-          </p:nvPr>
-        </p:nvSpPr>
-        <p:spPr/>
-        <p:txBody>
-          <a:bodyPr/>
-          <a:lstStyle/>
-          <a:p>
-            <a:r>
-              <a:rPr lang="en-US"/>
-              <a:t>Consider </a:t>
-            </a:r>
           </a:p>
         </p:txBody>
       </p:sp>
@@ -7607,7 +7539,13 @@
             <a:tbl>
               <a:tblPr/>
               <a:tblGrid>
-                <a:gridCol w="4343400"/>
+                <a:gridCol w="4343400">
+                  <a:extLst>
+                    <a:ext uri="{9D8B030D-6E8A-4147-A177-3AD203B41FA5}">
+                      <a16:colId xmlns:a16="http://schemas.microsoft.com/office/drawing/2014/main" val="20000"/>
+                    </a:ext>
+                  </a:extLst>
+                </a:gridCol>
               </a:tblGrid>
               <a:tr h="533400">
                 <a:tc>
@@ -7708,6 +7646,11 @@
                     </a:solidFill>
                   </a:tcPr>
                 </a:tc>
+                <a:extLst>
+                  <a:ext uri="{0D108BD9-81ED-4DB2-BD59-A6C34878D82A}">
+                    <a16:rowId xmlns:a16="http://schemas.microsoft.com/office/drawing/2014/main" val="10000"/>
+                  </a:ext>
+                </a:extLst>
               </a:tr>
             </a:tbl>
           </a:graphicData>
@@ -9280,7 +9223,7 @@
   <p:timing>
     <p:tnLst>
       <p:par>
-        <p:cTn xmlns:p14="http://schemas.microsoft.com/office/powerpoint/2010/main" id="1" dur="indefinite" restart="never" nodeType="tmRoot">
+        <p:cTn id="1" dur="indefinite" restart="never" nodeType="tmRoot">
           <p:childTnLst>
             <p:seq concurrent="1" nextAc="seek">
               <p:cTn id="2" dur="indefinite" nodeType="mainSeq">
@@ -9554,6 +9497,219 @@
       </p:grpSpPr>
       <p:sp>
         <p:nvSpPr>
+          <p:cNvPr id="329730" name="Rectangle 2"/>
+          <p:cNvSpPr>
+            <a:spLocks noGrp="1" noChangeArrowheads="1"/>
+          </p:cNvSpPr>
+          <p:nvPr>
+            <p:ph type="title"/>
+          </p:nvPr>
+        </p:nvSpPr>
+        <p:spPr/>
+        <p:txBody>
+          <a:bodyPr/>
+          <a:lstStyle/>
+          <a:p>
+            <a:r>
+              <a:rPr lang="en-US"/>
+              <a:t>Precedence Relations</a:t>
+            </a:r>
+          </a:p>
+        </p:txBody>
+      </p:sp>
+      <p:sp>
+        <p:nvSpPr>
+          <p:cNvPr id="329731" name="Rectangle 3"/>
+          <p:cNvSpPr>
+            <a:spLocks noGrp="1" noChangeArrowheads="1"/>
+          </p:cNvSpPr>
+          <p:nvPr>
+            <p:ph idx="1"/>
+          </p:nvPr>
+        </p:nvSpPr>
+        <p:spPr/>
+        <p:txBody>
+          <a:bodyPr/>
+          <a:lstStyle/>
+          <a:p>
+            <a:r>
+              <a:rPr lang="en-US"/>
+              <a:t>Let A </a:t>
+            </a:r>
+            <a:r>
+              <a:rPr lang="en-US">
+                <a:sym typeface="Symbol" charset="2"/>
+              </a:rPr>
+              <a:t> </a:t>
+            </a:r>
+            <a:r>
+              <a:rPr lang="en-US" i="1">
+                <a:sym typeface="Symbol" charset="2"/>
+              </a:rPr>
+              <a:t>w</a:t>
+            </a:r>
+            <a:r>
+              <a:rPr lang="en-US">
+                <a:sym typeface="Symbol" charset="2"/>
+              </a:rPr>
+              <a:t> be a rule in the grammar</a:t>
+            </a:r>
+          </a:p>
+          <a:p>
+            <a:r>
+              <a:rPr lang="en-US">
+                <a:sym typeface="Symbol" charset="2"/>
+              </a:rPr>
+              <a:t>And </a:t>
+            </a:r>
+            <a:r>
+              <a:rPr lang="en-US" i="1">
+                <a:sym typeface="Symbol" charset="2"/>
+              </a:rPr>
+              <a:t>b</a:t>
+            </a:r>
+            <a:r>
+              <a:rPr lang="en-US">
+                <a:sym typeface="Symbol" charset="2"/>
+              </a:rPr>
+              <a:t> is a terminal</a:t>
+            </a:r>
+          </a:p>
+          <a:p>
+            <a:r>
+              <a:rPr lang="en-US">
+                <a:sym typeface="Symbol" charset="2"/>
+              </a:rPr>
+              <a:t>In some state </a:t>
+            </a:r>
+            <a:r>
+              <a:rPr lang="en-US" i="1">
+                <a:sym typeface="Symbol" charset="2"/>
+              </a:rPr>
+              <a:t>q</a:t>
+            </a:r>
+            <a:r>
+              <a:rPr lang="en-US">
+                <a:sym typeface="Symbol" charset="2"/>
+              </a:rPr>
+              <a:t> of the LR(1) parser there is a shift-reduce conflict: </a:t>
+            </a:r>
+          </a:p>
+          <a:p>
+            <a:pPr lvl="1"/>
+            <a:r>
+              <a:rPr lang="en-US">
+                <a:sym typeface="Symbol" charset="2"/>
+              </a:rPr>
+              <a:t>either reduce with </a:t>
+            </a:r>
+            <a:r>
+              <a:rPr lang="en-US"/>
+              <a:t>A </a:t>
+            </a:r>
+            <a:r>
+              <a:rPr lang="en-US">
+                <a:sym typeface="Symbol" charset="2"/>
+              </a:rPr>
+              <a:t> </a:t>
+            </a:r>
+            <a:r>
+              <a:rPr lang="en-US" i="1">
+                <a:sym typeface="Symbol" charset="2"/>
+              </a:rPr>
+              <a:t>w</a:t>
+            </a:r>
+            <a:r>
+              <a:rPr lang="en-US"/>
+              <a:t> or shift on </a:t>
+            </a:r>
+            <a:r>
+              <a:rPr lang="en-US" i="1"/>
+              <a:t>b</a:t>
+            </a:r>
+            <a:endParaRPr lang="en-US"/>
+          </a:p>
+          <a:p>
+            <a:r>
+              <a:rPr lang="en-US"/>
+              <a:t>Write down a rule, either: </a:t>
+            </a:r>
+          </a:p>
+          <a:p>
+            <a:pPr lvl="1">
+              <a:buFontTx/>
+              <a:buNone/>
+            </a:pPr>
+            <a:r>
+              <a:rPr lang="en-US"/>
+              <a:t>A </a:t>
+            </a:r>
+            <a:r>
+              <a:rPr lang="en-US">
+                <a:sym typeface="Symbol" charset="2"/>
+              </a:rPr>
+              <a:t> </a:t>
+            </a:r>
+            <a:r>
+              <a:rPr lang="en-US" i="1">
+                <a:sym typeface="Symbol" charset="2"/>
+              </a:rPr>
+              <a:t>w</a:t>
+            </a:r>
+            <a:r>
+              <a:rPr lang="en-US">
+                <a:sym typeface="Symbol" charset="2"/>
+              </a:rPr>
+              <a:t>, &lt; </a:t>
+            </a:r>
+            <a:r>
+              <a:rPr lang="en-US" i="1">
+                <a:sym typeface="Symbol" charset="2"/>
+              </a:rPr>
+              <a:t>b</a:t>
+            </a:r>
+            <a:r>
+              <a:rPr lang="en-US">
+                <a:sym typeface="Symbol" charset="2"/>
+              </a:rPr>
+              <a:t> or </a:t>
+            </a:r>
+            <a:r>
+              <a:rPr lang="en-US"/>
+              <a:t>A </a:t>
+            </a:r>
+            <a:r>
+              <a:rPr lang="en-US">
+                <a:sym typeface="Symbol" charset="2"/>
+              </a:rPr>
+              <a:t> </a:t>
+            </a:r>
+            <a:r>
+              <a:rPr lang="en-US" i="1">
+                <a:sym typeface="Symbol" charset="2"/>
+              </a:rPr>
+              <a:t>w</a:t>
+            </a:r>
+            <a:r>
+              <a:rPr lang="en-US">
+                <a:sym typeface="Symbol" charset="2"/>
+              </a:rPr>
+              <a:t>, &gt; </a:t>
+            </a:r>
+            <a:r>
+              <a:rPr lang="en-US" i="1">
+                <a:sym typeface="Symbol" charset="2"/>
+              </a:rPr>
+              <a:t>b</a:t>
+            </a:r>
+            <a:endParaRPr lang="en-US">
+              <a:sym typeface="Symbol" charset="2"/>
+            </a:endParaRPr>
+          </a:p>
+        </p:txBody>
+      </p:sp>
+      <p:sp>
+        <p:nvSpPr>
           <p:cNvPr id="5" name="Slide Number Placeholder 5"/>
           <p:cNvSpPr>
             <a:spLocks noGrp="1"/>
@@ -9576,231 +9732,11 @@
           </a:p>
         </p:txBody>
       </p:sp>
-      <p:sp>
-        <p:nvSpPr>
-          <p:cNvPr id="329730" name="Rectangle 2"/>
-          <p:cNvSpPr>
-            <a:spLocks noGrp="1" noChangeArrowheads="1"/>
-          </p:cNvSpPr>
-          <p:nvPr>
-            <p:ph type="title"/>
-          </p:nvPr>
-        </p:nvSpPr>
-        <p:spPr/>
-        <p:txBody>
-          <a:bodyPr/>
-          <a:lstStyle/>
-          <a:p>
-            <a:r>
-              <a:rPr lang="en-US"/>
-              <a:t>Precedence Relations</a:t>
-            </a:r>
-          </a:p>
-        </p:txBody>
-      </p:sp>
-      <p:sp>
-        <p:nvSpPr>
-          <p:cNvPr id="329731" name="Rectangle 3"/>
-          <p:cNvSpPr>
-            <a:spLocks noGrp="1" noChangeArrowheads="1"/>
-          </p:cNvSpPr>
-          <p:nvPr>
-            <p:ph type="body" idx="1"/>
-          </p:nvPr>
-        </p:nvSpPr>
-        <p:spPr/>
-        <p:txBody>
-          <a:bodyPr/>
-          <a:lstStyle/>
-          <a:p>
-            <a:r>
-              <a:rPr lang="en-US"/>
-              <a:t>Let A </a:t>
-            </a:r>
-            <a:r>
-              <a:rPr lang="en-US">
-                <a:sym typeface="Symbol" charset="2"/>
-              </a:rPr>
-              <a:t> </a:t>
-            </a:r>
-            <a:r>
-              <a:rPr lang="en-US" i="1">
-                <a:sym typeface="Symbol" charset="2"/>
-              </a:rPr>
-              <a:t>w</a:t>
-            </a:r>
-            <a:r>
-              <a:rPr lang="en-US">
-                <a:sym typeface="Symbol" charset="2"/>
-              </a:rPr>
-              <a:t> be a rule in the grammar</a:t>
-            </a:r>
-          </a:p>
-          <a:p>
-            <a:r>
-              <a:rPr lang="en-US">
-                <a:sym typeface="Symbol" charset="2"/>
-              </a:rPr>
-              <a:t>And </a:t>
-            </a:r>
-            <a:r>
-              <a:rPr lang="en-US" i="1">
-                <a:sym typeface="Symbol" charset="2"/>
-              </a:rPr>
-              <a:t>b</a:t>
-            </a:r>
-            <a:r>
-              <a:rPr lang="en-US">
-                <a:sym typeface="Symbol" charset="2"/>
-              </a:rPr>
-              <a:t> is a terminal</a:t>
-            </a:r>
-          </a:p>
-          <a:p>
-            <a:r>
-              <a:rPr lang="en-US">
-                <a:sym typeface="Symbol" charset="2"/>
-              </a:rPr>
-              <a:t>In some state </a:t>
-            </a:r>
-            <a:r>
-              <a:rPr lang="en-US" i="1">
-                <a:sym typeface="Symbol" charset="2"/>
-              </a:rPr>
-              <a:t>q</a:t>
-            </a:r>
-            <a:r>
-              <a:rPr lang="en-US">
-                <a:sym typeface="Symbol" charset="2"/>
-              </a:rPr>
-              <a:t> of the LR(1) parser there is a shift-reduce conflict: </a:t>
-            </a:r>
-          </a:p>
-          <a:p>
-            <a:pPr lvl="1"/>
-            <a:r>
-              <a:rPr lang="en-US">
-                <a:sym typeface="Symbol" charset="2"/>
-              </a:rPr>
-              <a:t>either reduce with </a:t>
-            </a:r>
-            <a:r>
-              <a:rPr lang="en-US"/>
-              <a:t>A </a:t>
-            </a:r>
-            <a:r>
-              <a:rPr lang="en-US">
-                <a:sym typeface="Symbol" charset="2"/>
-              </a:rPr>
-              <a:t> </a:t>
-            </a:r>
-            <a:r>
-              <a:rPr lang="en-US" i="1">
-                <a:sym typeface="Symbol" charset="2"/>
-              </a:rPr>
-              <a:t>w</a:t>
-            </a:r>
-            <a:r>
-              <a:rPr lang="en-US"/>
-              <a:t> or shift on </a:t>
-            </a:r>
-            <a:r>
-              <a:rPr lang="en-US" i="1"/>
-              <a:t>b</a:t>
-            </a:r>
-            <a:endParaRPr lang="en-US"/>
-          </a:p>
-          <a:p>
-            <a:r>
-              <a:rPr lang="en-US"/>
-              <a:t>Write down a rule, either: </a:t>
-            </a:r>
-          </a:p>
-          <a:p>
-            <a:pPr lvl="1">
-              <a:buFontTx/>
-              <a:buNone/>
-            </a:pPr>
-            <a:r>
-              <a:rPr lang="en-US"/>
-              <a:t>A </a:t>
-            </a:r>
-            <a:r>
-              <a:rPr lang="en-US">
-                <a:sym typeface="Symbol" charset="2"/>
-              </a:rPr>
-              <a:t> </a:t>
-            </a:r>
-            <a:r>
-              <a:rPr lang="en-US" i="1">
-                <a:sym typeface="Symbol" charset="2"/>
-              </a:rPr>
-              <a:t>w</a:t>
-            </a:r>
-            <a:r>
-              <a:rPr lang="en-US">
-                <a:sym typeface="Symbol" charset="2"/>
-              </a:rPr>
-              <a:t>, &lt; </a:t>
-            </a:r>
-            <a:r>
-              <a:rPr lang="en-US" i="1">
-                <a:sym typeface="Symbol" charset="2"/>
-              </a:rPr>
-              <a:t>b</a:t>
-            </a:r>
-            <a:r>
-              <a:rPr lang="en-US">
-                <a:sym typeface="Symbol" charset="2"/>
-              </a:rPr>
-              <a:t> or </a:t>
-            </a:r>
-            <a:r>
-              <a:rPr lang="en-US"/>
-              <a:t>A </a:t>
-            </a:r>
-            <a:r>
-              <a:rPr lang="en-US">
-                <a:sym typeface="Symbol" charset="2"/>
-              </a:rPr>
-              <a:t> </a:t>
-            </a:r>
-            <a:r>
-              <a:rPr lang="en-US" i="1">
-                <a:sym typeface="Symbol" charset="2"/>
-              </a:rPr>
-              <a:t>w</a:t>
-            </a:r>
-            <a:r>
-              <a:rPr lang="en-US">
-                <a:sym typeface="Symbol" charset="2"/>
-              </a:rPr>
-              <a:t>, &gt; </a:t>
-            </a:r>
-            <a:r>
-              <a:rPr lang="en-US" i="1">
-                <a:sym typeface="Symbol" charset="2"/>
-              </a:rPr>
-              <a:t>b</a:t>
-            </a:r>
-            <a:endParaRPr lang="en-US">
-              <a:sym typeface="Symbol" charset="2"/>
-            </a:endParaRPr>
-          </a:p>
-        </p:txBody>
-      </p:sp>
     </p:spTree>
   </p:cSld>
   <p:clrMapOvr>
     <a:masterClrMapping/>
   </p:clrMapOvr>
-  <p:timing>
-    <p:tnLst>
-      <p:par>
-        <p:cTn xmlns:p14="http://schemas.microsoft.com/office/powerpoint/2010/main" id="1" dur="indefinite" restart="never" nodeType="tmRoot"/>
-      </p:par>
-    </p:tnLst>
-  </p:timing>
 </p:sld>
 </file>
 
@@ -9823,30 +9759,6 @@
       </p:grpSpPr>
       <p:sp>
         <p:nvSpPr>
-          <p:cNvPr id="5" name="Slide Number Placeholder 5"/>
-          <p:cNvSpPr>
-            <a:spLocks noGrp="1"/>
-          </p:cNvSpPr>
-          <p:nvPr>
-            <p:ph type="sldNum" sz="quarter" idx="12"/>
-          </p:nvPr>
-        </p:nvSpPr>
-        <p:spPr/>
-        <p:txBody>
-          <a:bodyPr/>
-          <a:lstStyle/>
-          <a:p>
-            <a:fld id="{E9552085-1D87-154A-95B9-7091A451169B}" type="slidenum">
-              <a:rPr lang="en-US"/>
-              <a:pPr/>
-              <a:t>6</a:t>
-            </a:fld>
-            <a:endParaRPr lang="en-US"/>
-          </a:p>
-        </p:txBody>
-      </p:sp>
-      <p:sp>
-        <p:nvSpPr>
           <p:cNvPr id="330754" name="Rectangle 2"/>
           <p:cNvSpPr>
             <a:spLocks noGrp="1" noChangeArrowheads="1"/>
@@ -9874,7 +9786,7 @@
             <a:spLocks noGrp="1" noChangeArrowheads="1"/>
           </p:cNvSpPr>
           <p:nvPr>
-            <p:ph type="body" idx="1"/>
+            <p:ph idx="1"/>
           </p:nvPr>
         </p:nvSpPr>
         <p:spPr/>
@@ -10039,18 +9951,35 @@
           </a:p>
         </p:txBody>
       </p:sp>
+      <p:sp>
+        <p:nvSpPr>
+          <p:cNvPr id="5" name="Slide Number Placeholder 5"/>
+          <p:cNvSpPr>
+            <a:spLocks noGrp="1"/>
+          </p:cNvSpPr>
+          <p:nvPr>
+            <p:ph type="sldNum" sz="quarter" idx="12"/>
+          </p:nvPr>
+        </p:nvSpPr>
+        <p:spPr/>
+        <p:txBody>
+          <a:bodyPr/>
+          <a:lstStyle/>
+          <a:p>
+            <a:fld id="{E9552085-1D87-154A-95B9-7091A451169B}" type="slidenum">
+              <a:rPr lang="en-US"/>
+              <a:pPr/>
+              <a:t>6</a:t>
+            </a:fld>
+            <a:endParaRPr lang="en-US"/>
+          </a:p>
+        </p:txBody>
+      </p:sp>
     </p:spTree>
   </p:cSld>
   <p:clrMapOvr>
     <a:masterClrMapping/>
   </p:clrMapOvr>
-  <p:timing>
-    <p:tnLst>
-      <p:par>
-        <p:cTn xmlns:p14="http://schemas.microsoft.com/office/powerpoint/2010/main" id="1" dur="indefinite" restart="never" nodeType="tmRoot"/>
-      </p:par>
-    </p:tnLst>
-  </p:timing>
 </p:sld>
 </file>
 
@@ -10073,30 +10002,6 @@
       </p:grpSpPr>
       <p:sp>
         <p:nvSpPr>
-          <p:cNvPr id="5" name="Slide Number Placeholder 5"/>
-          <p:cNvSpPr>
-            <a:spLocks noGrp="1"/>
-          </p:cNvSpPr>
-          <p:nvPr>
-            <p:ph type="sldNum" sz="quarter" idx="12"/>
-          </p:nvPr>
-        </p:nvSpPr>
-        <p:spPr/>
-        <p:txBody>
-          <a:bodyPr/>
-          <a:lstStyle/>
-          <a:p>
-            <a:fld id="{FCC16FED-7674-0C4A-94EF-BB8E4335D7DF}" type="slidenum">
-              <a:rPr lang="en-US"/>
-              <a:pPr/>
-              <a:t>7</a:t>
-            </a:fld>
-            <a:endParaRPr lang="en-US"/>
-          </a:p>
-        </p:txBody>
-      </p:sp>
-      <p:sp>
-        <p:nvSpPr>
           <p:cNvPr id="331778" name="Rectangle 2"/>
           <p:cNvSpPr>
             <a:spLocks noGrp="1" noChangeArrowheads="1"/>
@@ -10124,7 +10029,7 @@
             <a:spLocks noGrp="1" noChangeArrowheads="1"/>
           </p:cNvSpPr>
           <p:nvPr>
-            <p:ph type="body" idx="1"/>
+            <p:ph idx="1"/>
           </p:nvPr>
         </p:nvSpPr>
         <p:spPr/>
@@ -10261,18 +10166,35 @@
           </a:p>
         </p:txBody>
       </p:sp>
+      <p:sp>
+        <p:nvSpPr>
+          <p:cNvPr id="5" name="Slide Number Placeholder 5"/>
+          <p:cNvSpPr>
+            <a:spLocks noGrp="1"/>
+          </p:cNvSpPr>
+          <p:nvPr>
+            <p:ph type="sldNum" sz="quarter" idx="12"/>
+          </p:nvPr>
+        </p:nvSpPr>
+        <p:spPr/>
+        <p:txBody>
+          <a:bodyPr/>
+          <a:lstStyle/>
+          <a:p>
+            <a:fld id="{FCC16FED-7674-0C4A-94EF-BB8E4335D7DF}" type="slidenum">
+              <a:rPr lang="en-US"/>
+              <a:pPr/>
+              <a:t>7</a:t>
+            </a:fld>
+            <a:endParaRPr lang="en-US"/>
+          </a:p>
+        </p:txBody>
+      </p:sp>
     </p:spTree>
   </p:cSld>
   <p:clrMapOvr>
     <a:masterClrMapping/>
   </p:clrMapOvr>
-  <p:timing>
-    <p:tnLst>
-      <p:par>
-        <p:cTn xmlns:p14="http://schemas.microsoft.com/office/powerpoint/2010/main" id="1" dur="indefinite" restart="never" nodeType="tmRoot"/>
-      </p:par>
-    </p:tnLst>
-  </p:timing>
 </p:sld>
 </file>
 
@@ -10295,12 +10217,34 @@
       </p:grpSpPr>
       <p:sp>
         <p:nvSpPr>
+          <p:cNvPr id="340994" name="Rectangle 2"/>
+          <p:cNvSpPr>
+            <a:spLocks noGrp="1" noChangeArrowheads="1"/>
+          </p:cNvSpPr>
+          <p:nvPr>
+            <p:ph type="title"/>
+          </p:nvPr>
+        </p:nvSpPr>
+        <p:spPr/>
+        <p:txBody>
+          <a:bodyPr/>
+          <a:lstStyle/>
+          <a:p>
+            <a:r>
+              <a:rPr lang="en-US"/>
+              <a:t>Precedence &amp; Associativity</a:t>
+            </a:r>
+          </a:p>
+        </p:txBody>
+      </p:sp>
+      <p:sp>
+        <p:nvSpPr>
           <p:cNvPr id="36" name="Slide Number Placeholder 4"/>
           <p:cNvSpPr>
             <a:spLocks noGrp="1"/>
           </p:cNvSpPr>
           <p:nvPr>
-            <p:ph type="sldNum" sz="quarter" idx="12"/>
+            <p:ph type="sldNum" sz="quarter" idx="11"/>
           </p:nvPr>
         </p:nvSpPr>
         <p:spPr/>
@@ -10405,28 +10349,6 @@
       </p:sp>
       <p:sp>
         <p:nvSpPr>
-          <p:cNvPr id="340994" name="Rectangle 2"/>
-          <p:cNvSpPr>
-            <a:spLocks noGrp="1" noChangeArrowheads="1"/>
-          </p:cNvSpPr>
-          <p:nvPr>
-            <p:ph type="title"/>
-          </p:nvPr>
-        </p:nvSpPr>
-        <p:spPr/>
-        <p:txBody>
-          <a:bodyPr/>
-          <a:lstStyle/>
-          <a:p>
-            <a:r>
-              <a:rPr lang="en-US"/>
-              <a:t>Precedence &amp; Associativity</a:t>
-            </a:r>
-          </a:p>
-        </p:txBody>
-      </p:sp>
-      <p:sp>
-        <p:nvSpPr>
           <p:cNvPr id="340997" name="Text Box 5"/>
           <p:cNvSpPr txBox="1">
             <a:spLocks noChangeArrowheads="1"/>
@@ -11826,7 +11748,7 @@
   <p:timing>
     <p:tnLst>
       <p:par>
-        <p:cTn xmlns:p14="http://schemas.microsoft.com/office/powerpoint/2010/main" id="1" dur="indefinite" restart="never" nodeType="tmRoot">
+        <p:cTn id="1" dur="indefinite" restart="never" nodeType="tmRoot">
           <p:childTnLst>
             <p:seq concurrent="1" nextAc="seek">
               <p:cTn id="2" dur="indefinite" nodeType="mainSeq">
@@ -12107,6 +12029,110 @@
       </p:grpSpPr>
       <p:sp>
         <p:nvSpPr>
+          <p:cNvPr id="202756" name="Rectangle 4"/>
+          <p:cNvSpPr>
+            <a:spLocks noGrp="1" noChangeArrowheads="1"/>
+          </p:cNvSpPr>
+          <p:nvPr>
+            <p:ph type="title"/>
+          </p:nvPr>
+        </p:nvSpPr>
+        <p:spPr/>
+        <p:txBody>
+          <a:bodyPr/>
+          <a:lstStyle/>
+          <a:p>
+            <a:r>
+              <a:rPr lang="en-US"/>
+              <a:t>Handling S/R &amp; R/R Conflicts</a:t>
+            </a:r>
+          </a:p>
+        </p:txBody>
+      </p:sp>
+      <p:sp>
+        <p:nvSpPr>
+          <p:cNvPr id="202757" name="Rectangle 5"/>
+          <p:cNvSpPr>
+            <a:spLocks noGrp="1" noChangeArrowheads="1"/>
+          </p:cNvSpPr>
+          <p:nvPr>
+            <p:ph idx="1"/>
+          </p:nvPr>
+        </p:nvSpPr>
+        <p:spPr/>
+        <p:txBody>
+          <a:bodyPr/>
+          <a:lstStyle/>
+          <a:p>
+            <a:pPr>
+              <a:lnSpc>
+                <a:spcPct val="90000"/>
+              </a:lnSpc>
+            </a:pPr>
+            <a:r>
+              <a:rPr lang="en-US"/>
+              <a:t>Have a conflict?</a:t>
+            </a:r>
+          </a:p>
+          <a:p>
+            <a:pPr lvl="1">
+              <a:lnSpc>
+                <a:spcPct val="90000"/>
+              </a:lnSpc>
+            </a:pPr>
+            <a:r>
+              <a:rPr lang="en-US"/>
+              <a:t>No? – Done, grammar is compliant.</a:t>
+            </a:r>
+          </a:p>
+          <a:p>
+            <a:pPr>
+              <a:lnSpc>
+                <a:spcPct val="90000"/>
+              </a:lnSpc>
+            </a:pPr>
+            <a:r>
+              <a:rPr lang="en-US"/>
+              <a:t>Already using most powerful parser available?</a:t>
+            </a:r>
+          </a:p>
+          <a:p>
+            <a:pPr lvl="1">
+              <a:lnSpc>
+                <a:spcPct val="90000"/>
+              </a:lnSpc>
+            </a:pPr>
+            <a:r>
+              <a:rPr lang="en-US"/>
+              <a:t>No? – Upgrade and goto 1</a:t>
+            </a:r>
+          </a:p>
+          <a:p>
+            <a:pPr>
+              <a:lnSpc>
+                <a:spcPct val="90000"/>
+              </a:lnSpc>
+            </a:pPr>
+            <a:r>
+              <a:rPr lang="en-US"/>
+              <a:t>Can the grammar be rearranged so that the conflict disappears?</a:t>
+            </a:r>
+          </a:p>
+          <a:p>
+            <a:pPr lvl="1">
+              <a:lnSpc>
+                <a:spcPct val="90000"/>
+              </a:lnSpc>
+            </a:pPr>
+            <a:r>
+              <a:rPr lang="en-US"/>
+              <a:t>While preserving the language!</a:t>
+            </a:r>
+          </a:p>
+        </p:txBody>
+      </p:sp>
+      <p:sp>
+        <p:nvSpPr>
           <p:cNvPr id="5" name="Slide Number Placeholder 5"/>
           <p:cNvSpPr>
             <a:spLocks noGrp="1"/>
@@ -12126,110 +12152,6 @@
               <a:t>9</a:t>
             </a:fld>
             <a:endParaRPr lang="en-US"/>
-          </a:p>
-        </p:txBody>
-      </p:sp>
-      <p:sp>
-        <p:nvSpPr>
-          <p:cNvPr id="202756" name="Rectangle 4"/>
-          <p:cNvSpPr>
-            <a:spLocks noGrp="1" noChangeArrowheads="1"/>
-          </p:cNvSpPr>
-          <p:nvPr>
-            <p:ph type="title"/>
-          </p:nvPr>
-        </p:nvSpPr>
-        <p:spPr/>
-        <p:txBody>
-          <a:bodyPr/>
-          <a:lstStyle/>
-          <a:p>
-            <a:r>
-              <a:rPr lang="en-US"/>
-              <a:t>Handling S/R &amp; R/R Conflicts</a:t>
-            </a:r>
-          </a:p>
-        </p:txBody>
-      </p:sp>
-      <p:sp>
-        <p:nvSpPr>
-          <p:cNvPr id="202757" name="Rectangle 5"/>
-          <p:cNvSpPr>
-            <a:spLocks noGrp="1" noChangeArrowheads="1"/>
-          </p:cNvSpPr>
-          <p:nvPr>
-            <p:ph type="body" idx="1"/>
-          </p:nvPr>
-        </p:nvSpPr>
-        <p:spPr/>
-        <p:txBody>
-          <a:bodyPr/>
-          <a:lstStyle/>
-          <a:p>
-            <a:pPr>
-              <a:lnSpc>
-                <a:spcPct val="90000"/>
-              </a:lnSpc>
-            </a:pPr>
-            <a:r>
-              <a:rPr lang="en-US"/>
-              <a:t>Have a conflict?</a:t>
-            </a:r>
-          </a:p>
-          <a:p>
-            <a:pPr lvl="1">
-              <a:lnSpc>
-                <a:spcPct val="90000"/>
-              </a:lnSpc>
-            </a:pPr>
-            <a:r>
-              <a:rPr lang="en-US"/>
-              <a:t>No? – Done, grammar is compliant.</a:t>
-            </a:r>
-          </a:p>
-          <a:p>
-            <a:pPr>
-              <a:lnSpc>
-                <a:spcPct val="90000"/>
-              </a:lnSpc>
-            </a:pPr>
-            <a:r>
-              <a:rPr lang="en-US"/>
-              <a:t>Already using most powerful parser available?</a:t>
-            </a:r>
-          </a:p>
-          <a:p>
-            <a:pPr lvl="1">
-              <a:lnSpc>
-                <a:spcPct val="90000"/>
-              </a:lnSpc>
-            </a:pPr>
-            <a:r>
-              <a:rPr lang="en-US"/>
-              <a:t>No? – Upgrade and goto 1</a:t>
-            </a:r>
-          </a:p>
-          <a:p>
-            <a:pPr>
-              <a:lnSpc>
-                <a:spcPct val="90000"/>
-              </a:lnSpc>
-            </a:pPr>
-            <a:r>
-              <a:rPr lang="en-US"/>
-              <a:t>Can the grammar be rearranged so that the conflict disappears?</a:t>
-            </a:r>
-          </a:p>
-          <a:p>
-            <a:pPr lvl="1">
-              <a:lnSpc>
-                <a:spcPct val="90000"/>
-              </a:lnSpc>
-            </a:pPr>
-            <a:r>
-              <a:rPr lang="en-US"/>
-              <a:t>While preserving the language!</a:t>
-            </a:r>
           </a:p>
         </p:txBody>
       </p:sp>
@@ -12241,7 +12163,7 @@
   <p:timing>
     <p:tnLst>
       <p:par>
-        <p:cTn xmlns:p14="http://schemas.microsoft.com/office/powerpoint/2010/main" id="1" dur="indefinite" restart="never" nodeType="tmRoot">
+        <p:cTn id="1" dur="indefinite" restart="never" nodeType="tmRoot">
           <p:childTnLst>
             <p:seq concurrent="1" nextAc="seek">
               <p:cTn id="2" dur="indefinite" nodeType="mainSeq">
@@ -12515,7 +12437,7 @@
 </file>
 
 <file path=ppt/theme/theme1.xml><?xml version="1.0" encoding="utf-8"?>
-<a:theme xmlns:a="http://schemas.openxmlformats.org/drawingml/2006/main" name="Blank Presentation">
+<a:theme xmlns:a="http://schemas.openxmlformats.org/drawingml/2006/main" name="1_Blank Presentation">
   <a:themeElements>
     <a:clrScheme name="Blank Presentation 1">
       <a:dk1>
@@ -12555,16 +12477,110 @@
         <a:srgbClr val="99CC00"/>
       </a:folHlink>
     </a:clrScheme>
-    <a:fontScheme name="Blank Presentation">
+    <a:fontScheme name="Office">
       <a:majorFont>
-        <a:latin typeface="Times"/>
+        <a:latin typeface="Calibri Light" panose="020F0302020204030204"/>
         <a:ea typeface=""/>
         <a:cs typeface=""/>
+        <a:font script="Jpan" typeface="游ゴシック Light"/>
+        <a:font script="Hang" typeface="맑은 고딕"/>
+        <a:font script="Hans" typeface="等线 Light"/>
+        <a:font script="Hant" typeface="新細明體"/>
+        <a:font script="Arab" typeface="Times New Roman"/>
+        <a:font script="Hebr" typeface="Times New Roman"/>
+        <a:font script="Thai" typeface="Angsana New"/>
+        <a:font script="Ethi" typeface="Nyala"/>
+        <a:font script="Beng" typeface="Vrinda"/>
+        <a:font script="Gujr" typeface="Shruti"/>
+        <a:font script="Khmr" typeface="MoolBoran"/>
+        <a:font script="Knda" typeface="Tunga"/>
+        <a:font script="Guru" typeface="Raavi"/>
+        <a:font script="Cans" typeface="Euphemia"/>
+        <a:font script="Cher" typeface="Plantagenet Cherokee"/>
+        <a:font script="Yiii" typeface="Microsoft Yi Baiti"/>
+        <a:font script="Tibt" typeface="Microsoft Himalaya"/>
+        <a:font script="Thaa" typeface="MV Boli"/>
+        <a:font script="Deva" typeface="Mangal"/>
+        <a:font script="Telu" typeface="Gautami"/>
+        <a:font script="Taml" typeface="Latha"/>
+        <a:font script="Syrc" typeface="Estrangelo Edessa"/>
+        <a:font script="Orya" typeface="Kalinga"/>
+        <a:font script="Mlym" typeface="Kartika"/>
+        <a:font script="Laoo" typeface="DokChampa"/>
+        <a:font script="Sinh" typeface="Iskoola Pota"/>
+        <a:font script="Mong" typeface="Mongolian Baiti"/>
+        <a:font script="Viet" typeface="Times New Roman"/>
+        <a:font script="Uigh" typeface="Microsoft Uighur"/>
+        <a:font script="Geor" typeface="Sylfaen"/>
+        <a:font script="Armn" typeface="Arial"/>
+        <a:font script="Bugi" typeface="Leelawadee UI"/>
+        <a:font script="Bopo" typeface="Microsoft JhengHei"/>
+        <a:font script="Java" typeface="Javanese Text"/>
+        <a:font script="Lisu" typeface="Segoe UI"/>
+        <a:font script="Mymr" typeface="Myanmar Text"/>
+        <a:font script="Nkoo" typeface="Ebrima"/>
+        <a:font script="Olck" typeface="Nirmala UI"/>
+        <a:font script="Osma" typeface="Ebrima"/>
+        <a:font script="Phag" typeface="Phagspa"/>
+        <a:font script="Syrn" typeface="Estrangelo Edessa"/>
+        <a:font script="Syrj" typeface="Estrangelo Edessa"/>
+        <a:font script="Syre" typeface="Estrangelo Edessa"/>
+        <a:font script="Sora" typeface="Nirmala UI"/>
+        <a:font script="Tale" typeface="Microsoft Tai Le"/>
+        <a:font script="Talu" typeface="Microsoft New Tai Lue"/>
+        <a:font script="Tfng" typeface="Ebrima"/>
       </a:majorFont>
       <a:minorFont>
-        <a:latin typeface="Times"/>
+        <a:latin typeface="Calibri" panose="020F0502020204030204"/>
         <a:ea typeface=""/>
         <a:cs typeface=""/>
+        <a:font script="Jpan" typeface="游ゴシック"/>
+        <a:font script="Hang" typeface="맑은 고딕"/>
+        <a:font script="Hans" typeface="等线"/>
+        <a:font script="Hant" typeface="新細明體"/>
+        <a:font script="Arab" typeface="Arial"/>
+        <a:font script="Hebr" typeface="Arial"/>
+        <a:font script="Thai" typeface="Cordia New"/>
+        <a:font script="Ethi" typeface="Nyala"/>
+        <a:font script="Beng" typeface="Vrinda"/>
+        <a:font script="Gujr" typeface="Shruti"/>
+        <a:font script="Khmr" typeface="DaunPenh"/>
+        <a:font script="Knda" typeface="Tunga"/>
+        <a:font script="Guru" typeface="Raavi"/>
+        <a:font script="Cans" typeface="Euphemia"/>
+        <a:font script="Cher" typeface="Plantagenet Cherokee"/>
+        <a:font script="Yiii" typeface="Microsoft Yi Baiti"/>
+        <a:font script="Tibt" typeface="Microsoft Himalaya"/>
+        <a:font script="Thaa" typeface="MV Boli"/>
+        <a:font script="Deva" typeface="Mangal"/>
+        <a:font script="Telu" typeface="Gautami"/>
+        <a:font script="Taml" typeface="Latha"/>
+        <a:font script="Syrc" typeface="Estrangelo Edessa"/>
+        <a:font script="Orya" typeface="Kalinga"/>
+        <a:font script="Mlym" typeface="Kartika"/>
+        <a:font script="Laoo" typeface="DokChampa"/>
+        <a:font script="Sinh" typeface="Iskoola Pota"/>
+        <a:font script="Mong" typeface="Mongolian Baiti"/>
+        <a:font script="Viet" typeface="Arial"/>
+        <a:font script="Uigh" typeface="Microsoft Uighur"/>
+        <a:font script="Geor" typeface="Sylfaen"/>
+        <a:font script="Armn" typeface="Arial"/>
+        <a:font script="Bugi" typeface="Leelawadee UI"/>
+        <a:font script="Bopo" typeface="Microsoft JhengHei"/>
+        <a:font script="Java" typeface="Javanese Text"/>
+        <a:font script="Lisu" typeface="Segoe UI"/>
+        <a:font script="Mymr" typeface="Myanmar Text"/>
+        <a:font script="Nkoo" typeface="Ebrima"/>
+        <a:font script="Olck" typeface="Nirmala UI"/>
+        <a:font script="Osma" typeface="Ebrima"/>
+        <a:font script="Phag" typeface="Phagspa"/>
+        <a:font script="Syrn" typeface="Estrangelo Edessa"/>
+        <a:font script="Syrj" typeface="Estrangelo Edessa"/>
+        <a:font script="Syre" typeface="Estrangelo Edessa"/>
+        <a:font script="Sora" typeface="Nirmala UI"/>
+        <a:font script="Tale" typeface="Microsoft Tai Le"/>
+        <a:font script="Talu" typeface="Microsoft New Tai Lue"/>
+        <a:font script="Tfng" typeface="Ebrima"/>
       </a:minorFont>
     </a:fontScheme>
     <a:fmtScheme name="Office">

--- a/assets/ppt/parsing/lr5-prec-assoc.pptx
+++ b/assets/ppt/parsing/lr5-prec-assoc.pptx
@@ -5,10 +5,10 @@
     <p:sldMasterId id="2147483660" r:id="rId1"/>
   </p:sldMasterIdLst>
   <p:notesMasterIdLst>
-    <p:notesMasterId r:id="rId15"/>
+    <p:notesMasterId r:id="rId11"/>
   </p:notesMasterIdLst>
   <p:handoutMasterIdLst>
-    <p:handoutMasterId r:id="rId16"/>
+    <p:handoutMasterId r:id="rId12"/>
   </p:handoutMasterIdLst>
   <p:sldIdLst>
     <p:sldId id="437" r:id="rId2"/>
@@ -19,11 +19,7 @@
     <p:sldId id="406" r:id="rId7"/>
     <p:sldId id="407" r:id="rId8"/>
     <p:sldId id="412" r:id="rId9"/>
-    <p:sldId id="377" r:id="rId10"/>
-    <p:sldId id="378" r:id="rId11"/>
-    <p:sldId id="416" r:id="rId12"/>
-    <p:sldId id="417" r:id="rId13"/>
-    <p:sldId id="401" r:id="rId14"/>
+    <p:sldId id="401" r:id="rId10"/>
   </p:sldIdLst>
   <p:sldSz cx="9144000" cy="6858000" type="screen4x3"/>
   <p:notesSz cx="6858000" cy="9144000"/>
@@ -253,7 +249,7 @@
           <a:p>
             <a:fld id="{8FB9796E-8218-104C-80DE-FD5737E53010}" type="datetimeFigureOut">
               <a:rPr lang="en-US" smtClean="0"/>
-              <a:t>6/13/19</a:t>
+              <a:t>7/4/19</a:t>
             </a:fld>
             <a:endParaRPr lang="en-US"/>
           </a:p>
@@ -875,382 +871,6 @@
 </p:notes>
 </file>
 
-<file path=ppt/notesSlides/notesSlide10.xml><?xml version="1.0" encoding="utf-8"?>
-<p:notes xmlns:a="http://schemas.openxmlformats.org/drawingml/2006/main" xmlns:r="http://schemas.openxmlformats.org/officeDocument/2006/relationships" xmlns:p="http://schemas.openxmlformats.org/presentationml/2006/main">
-  <p:cSld>
-    <p:spTree>
-      <p:nvGrpSpPr>
-        <p:cNvPr id="1" name=""/>
-        <p:cNvGrpSpPr/>
-        <p:nvPr/>
-      </p:nvGrpSpPr>
-      <p:grpSpPr>
-        <a:xfrm>
-          <a:off x="0" y="0"/>
-          <a:ext cx="0" cy="0"/>
-          <a:chOff x="0" y="0"/>
-          <a:chExt cx="0" cy="0"/>
-        </a:xfrm>
-      </p:grpSpPr>
-      <p:sp>
-        <p:nvSpPr>
-          <p:cNvPr id="7" name="Rectangle 7"/>
-          <p:cNvSpPr>
-            <a:spLocks noGrp="1" noChangeArrowheads="1"/>
-          </p:cNvSpPr>
-          <p:nvPr>
-            <p:ph type="sldNum" sz="quarter" idx="5"/>
-          </p:nvPr>
-        </p:nvSpPr>
-        <p:spPr>
-          <a:ln/>
-        </p:spPr>
-        <p:txBody>
-          <a:bodyPr/>
-          <a:lstStyle/>
-          <a:p>
-            <a:fld id="{AE7B044C-EC5C-0642-BA80-FD4C2A8C6091}" type="slidenum">
-              <a:rPr lang="en-US"/>
-              <a:pPr/>
-              <a:t>10</a:t>
-            </a:fld>
-            <a:endParaRPr lang="en-US"/>
-          </a:p>
-        </p:txBody>
-      </p:sp>
-      <p:sp>
-        <p:nvSpPr>
-          <p:cNvPr id="300034" name="Rectangle 2"/>
-          <p:cNvSpPr>
-            <a:spLocks noGrp="1" noRot="1" noChangeAspect="1" noChangeArrowheads="1" noTextEdit="1"/>
-          </p:cNvSpPr>
-          <p:nvPr>
-            <p:ph type="sldImg"/>
-          </p:nvPr>
-        </p:nvSpPr>
-        <p:spPr>
-          <a:ln/>
-        </p:spPr>
-      </p:sp>
-      <p:sp>
-        <p:nvSpPr>
-          <p:cNvPr id="300035" name="Rectangle 3"/>
-          <p:cNvSpPr>
-            <a:spLocks noGrp="1" noChangeArrowheads="1"/>
-          </p:cNvSpPr>
-          <p:nvPr>
-            <p:ph type="body" idx="1"/>
-          </p:nvPr>
-        </p:nvSpPr>
-        <p:spPr/>
-        <p:txBody>
-          <a:bodyPr/>
-          <a:lstStyle/>
-          <a:p>
-            <a:endParaRPr lang="en-US"/>
-          </a:p>
-        </p:txBody>
-      </p:sp>
-    </p:spTree>
-  </p:cSld>
-  <p:clrMapOvr>
-    <a:masterClrMapping/>
-  </p:clrMapOvr>
-</p:notes>
-</file>
-
-<file path=ppt/notesSlides/notesSlide11.xml><?xml version="1.0" encoding="utf-8"?>
-<p:notes xmlns:a="http://schemas.openxmlformats.org/drawingml/2006/main" xmlns:r="http://schemas.openxmlformats.org/officeDocument/2006/relationships" xmlns:p="http://schemas.openxmlformats.org/presentationml/2006/main">
-  <p:cSld>
-    <p:spTree>
-      <p:nvGrpSpPr>
-        <p:cNvPr id="1" name=""/>
-        <p:cNvGrpSpPr/>
-        <p:nvPr/>
-      </p:nvGrpSpPr>
-      <p:grpSpPr>
-        <a:xfrm>
-          <a:off x="0" y="0"/>
-          <a:ext cx="0" cy="0"/>
-          <a:chOff x="0" y="0"/>
-          <a:chExt cx="0" cy="0"/>
-        </a:xfrm>
-      </p:grpSpPr>
-      <p:sp>
-        <p:nvSpPr>
-          <p:cNvPr id="7" name="Rectangle 7"/>
-          <p:cNvSpPr>
-            <a:spLocks noGrp="1" noChangeArrowheads="1"/>
-          </p:cNvSpPr>
-          <p:nvPr>
-            <p:ph type="sldNum" sz="quarter" idx="5"/>
-          </p:nvPr>
-        </p:nvSpPr>
-        <p:spPr>
-          <a:ln/>
-        </p:spPr>
-        <p:txBody>
-          <a:bodyPr/>
-          <a:lstStyle/>
-          <a:p>
-            <a:fld id="{B943D961-3BCF-654B-A1F2-FA1B824D3104}" type="slidenum">
-              <a:rPr lang="en-US"/>
-              <a:pPr/>
-              <a:t>11</a:t>
-            </a:fld>
-            <a:endParaRPr lang="en-US"/>
-          </a:p>
-        </p:txBody>
-      </p:sp>
-      <p:sp>
-        <p:nvSpPr>
-          <p:cNvPr id="360450" name="Rectangle 2"/>
-          <p:cNvSpPr>
-            <a:spLocks noGrp="1" noRot="1" noChangeAspect="1" noChangeArrowheads="1" noTextEdit="1"/>
-          </p:cNvSpPr>
-          <p:nvPr>
-            <p:ph type="sldImg"/>
-          </p:nvPr>
-        </p:nvSpPr>
-        <p:spPr>
-          <a:ln/>
-        </p:spPr>
-      </p:sp>
-      <p:sp>
-        <p:nvSpPr>
-          <p:cNvPr id="360451" name="Rectangle 3"/>
-          <p:cNvSpPr>
-            <a:spLocks noGrp="1" noChangeArrowheads="1"/>
-          </p:cNvSpPr>
-          <p:nvPr>
-            <p:ph type="body" idx="1"/>
-          </p:nvPr>
-        </p:nvSpPr>
-        <p:spPr/>
-        <p:txBody>
-          <a:bodyPr/>
-          <a:lstStyle/>
-          <a:p>
-            <a:endParaRPr lang="en-US"/>
-          </a:p>
-        </p:txBody>
-      </p:sp>
-    </p:spTree>
-  </p:cSld>
-  <p:clrMapOvr>
-    <a:masterClrMapping/>
-  </p:clrMapOvr>
-</p:notes>
-</file>
-
-<file path=ppt/notesSlides/notesSlide12.xml><?xml version="1.0" encoding="utf-8"?>
-<p:notes xmlns:a="http://schemas.openxmlformats.org/drawingml/2006/main" xmlns:r="http://schemas.openxmlformats.org/officeDocument/2006/relationships" xmlns:p="http://schemas.openxmlformats.org/presentationml/2006/main">
-  <p:cSld>
-    <p:spTree>
-      <p:nvGrpSpPr>
-        <p:cNvPr id="1" name=""/>
-        <p:cNvGrpSpPr/>
-        <p:nvPr/>
-      </p:nvGrpSpPr>
-      <p:grpSpPr>
-        <a:xfrm>
-          <a:off x="0" y="0"/>
-          <a:ext cx="0" cy="0"/>
-          <a:chOff x="0" y="0"/>
-          <a:chExt cx="0" cy="0"/>
-        </a:xfrm>
-      </p:grpSpPr>
-      <p:sp>
-        <p:nvSpPr>
-          <p:cNvPr id="7" name="Rectangle 7"/>
-          <p:cNvSpPr>
-            <a:spLocks noGrp="1" noChangeArrowheads="1"/>
-          </p:cNvSpPr>
-          <p:nvPr>
-            <p:ph type="sldNum" sz="quarter" idx="5"/>
-          </p:nvPr>
-        </p:nvSpPr>
-        <p:spPr>
-          <a:ln/>
-        </p:spPr>
-        <p:txBody>
-          <a:bodyPr/>
-          <a:lstStyle/>
-          <a:p>
-            <a:fld id="{5BFE98B1-76D3-E745-9880-475333C76E2E}" type="slidenum">
-              <a:rPr lang="en-US"/>
-              <a:pPr/>
-              <a:t>12</a:t>
-            </a:fld>
-            <a:endParaRPr lang="en-US"/>
-          </a:p>
-        </p:txBody>
-      </p:sp>
-      <p:sp>
-        <p:nvSpPr>
-          <p:cNvPr id="361474" name="Rectangle 2"/>
-          <p:cNvSpPr>
-            <a:spLocks noGrp="1" noRot="1" noChangeAspect="1" noChangeArrowheads="1" noTextEdit="1"/>
-          </p:cNvSpPr>
-          <p:nvPr>
-            <p:ph type="sldImg"/>
-          </p:nvPr>
-        </p:nvSpPr>
-        <p:spPr>
-          <a:ln/>
-        </p:spPr>
-      </p:sp>
-      <p:sp>
-        <p:nvSpPr>
-          <p:cNvPr id="361475" name="Rectangle 3"/>
-          <p:cNvSpPr>
-            <a:spLocks noGrp="1" noChangeArrowheads="1"/>
-          </p:cNvSpPr>
-          <p:nvPr>
-            <p:ph type="body" idx="1"/>
-          </p:nvPr>
-        </p:nvSpPr>
-        <p:spPr/>
-        <p:txBody>
-          <a:bodyPr/>
-          <a:lstStyle/>
-          <a:p>
-            <a:endParaRPr lang="en-US"/>
-          </a:p>
-        </p:txBody>
-      </p:sp>
-    </p:spTree>
-  </p:cSld>
-  <p:clrMapOvr>
-    <a:masterClrMapping/>
-  </p:clrMapOvr>
-</p:notes>
-</file>
-
-<file path=ppt/notesSlides/notesSlide13.xml><?xml version="1.0" encoding="utf-8"?>
-<p:notes xmlns:a="http://schemas.openxmlformats.org/drawingml/2006/main" xmlns:r="http://schemas.openxmlformats.org/officeDocument/2006/relationships" xmlns:p="http://schemas.openxmlformats.org/presentationml/2006/main">
-  <p:cSld>
-    <p:spTree>
-      <p:nvGrpSpPr>
-        <p:cNvPr id="1" name=""/>
-        <p:cNvGrpSpPr/>
-        <p:nvPr/>
-      </p:nvGrpSpPr>
-      <p:grpSpPr>
-        <a:xfrm>
-          <a:off x="0" y="0"/>
-          <a:ext cx="0" cy="0"/>
-          <a:chOff x="0" y="0"/>
-          <a:chExt cx="0" cy="0"/>
-        </a:xfrm>
-      </p:grpSpPr>
-      <p:sp>
-        <p:nvSpPr>
-          <p:cNvPr id="7" name="Rectangle 7"/>
-          <p:cNvSpPr>
-            <a:spLocks noGrp="1" noChangeArrowheads="1"/>
-          </p:cNvSpPr>
-          <p:nvPr>
-            <p:ph type="sldNum" sz="quarter" idx="5"/>
-          </p:nvPr>
-        </p:nvSpPr>
-        <p:spPr>
-          <a:ln/>
-        </p:spPr>
-        <p:txBody>
-          <a:bodyPr/>
-          <a:lstStyle/>
-          <a:p>
-            <a:fld id="{547073D5-5905-E744-A8B1-34206A4D9A0E}" type="slidenum">
-              <a:rPr lang="en-US"/>
-              <a:pPr/>
-              <a:t>13</a:t>
-            </a:fld>
-            <a:endParaRPr lang="en-US"/>
-          </a:p>
-        </p:txBody>
-      </p:sp>
-      <p:sp>
-        <p:nvSpPr>
-          <p:cNvPr id="322562" name="Rectangle 2"/>
-          <p:cNvSpPr>
-            <a:spLocks noGrp="1" noRot="1" noChangeAspect="1" noChangeArrowheads="1"/>
-          </p:cNvSpPr>
-          <p:nvPr>
-            <p:ph type="sldImg"/>
-          </p:nvPr>
-        </p:nvSpPr>
-        <p:spPr bwMode="auto">
-          <a:xfrm>
-            <a:off x="1143000" y="685800"/>
-            <a:ext cx="4572000" cy="3429000"/>
-          </a:xfrm>
-          <a:prstGeom prst="rect">
-            <a:avLst/>
-          </a:prstGeom>
-          <a:solidFill>
-            <a:srgbClr val="FFFFFF"/>
-          </a:solidFill>
-          <a:ln>
-            <a:solidFill>
-              <a:srgbClr val="000000"/>
-            </a:solidFill>
-            <a:miter lim="800000"/>
-            <a:headEnd/>
-            <a:tailEnd/>
-          </a:ln>
-        </p:spPr>
-      </p:sp>
-      <p:sp>
-        <p:nvSpPr>
-          <p:cNvPr id="322563" name="Rectangle 3"/>
-          <p:cNvSpPr>
-            <a:spLocks noGrp="1" noChangeArrowheads="1"/>
-          </p:cNvSpPr>
-          <p:nvPr>
-            <p:ph type="body" idx="1"/>
-          </p:nvPr>
-        </p:nvSpPr>
-        <p:spPr bwMode="auto">
-          <a:xfrm>
-            <a:off x="914400" y="4343400"/>
-            <a:ext cx="5029200" cy="4114800"/>
-          </a:xfrm>
-          <a:prstGeom prst="rect">
-            <a:avLst/>
-          </a:prstGeom>
-          <a:solidFill>
-            <a:srgbClr val="FFFFFF"/>
-          </a:solidFill>
-          <a:ln>
-            <a:solidFill>
-              <a:srgbClr val="000000"/>
-            </a:solidFill>
-            <a:miter lim="800000"/>
-            <a:headEnd/>
-            <a:tailEnd/>
-          </a:ln>
-        </p:spPr>
-        <p:txBody>
-          <a:bodyPr>
-            <a:prstTxWarp prst="textNoShape">
-              <a:avLst/>
-            </a:prstTxWarp>
-          </a:bodyPr>
-          <a:lstStyle/>
-          <a:p>
-            <a:endParaRPr lang="en-US"/>
-          </a:p>
-        </p:txBody>
-      </p:sp>
-    </p:spTree>
-  </p:cSld>
-  <p:clrMapOvr>
-    <a:masterClrMapping/>
-  </p:clrMapOvr>
-</p:notes>
-</file>
-
 <file path=ppt/notesSlides/notesSlide2.xml><?xml version="1.0" encoding="utf-8"?>
 <p:notes xmlns:a="http://schemas.openxmlformats.org/drawingml/2006/main" xmlns:r="http://schemas.openxmlformats.org/officeDocument/2006/relationships" xmlns:p="http://schemas.openxmlformats.org/presentationml/2006/main">
   <p:cSld>
@@ -1873,7 +1493,7 @@
           <a:bodyPr/>
           <a:lstStyle/>
           <a:p>
-            <a:fld id="{84AC5126-69CC-A249-B5B2-DD67B3648291}" type="slidenum">
+            <a:fld id="{547073D5-5905-E744-A8B1-34206A4D9A0E}" type="slidenum">
               <a:rPr lang="en-US"/>
               <a:pPr/>
               <a:t>9</a:t>
@@ -1884,21 +1504,38 @@
       </p:sp>
       <p:sp>
         <p:nvSpPr>
-          <p:cNvPr id="299010" name="Rectangle 2"/>
+          <p:cNvPr id="322562" name="Rectangle 2"/>
           <p:cNvSpPr>
-            <a:spLocks noGrp="1" noRot="1" noChangeAspect="1" noChangeArrowheads="1" noTextEdit="1"/>
+            <a:spLocks noGrp="1" noRot="1" noChangeAspect="1" noChangeArrowheads="1"/>
           </p:cNvSpPr>
           <p:nvPr>
             <p:ph type="sldImg"/>
           </p:nvPr>
         </p:nvSpPr>
-        <p:spPr>
-          <a:ln/>
+        <p:spPr bwMode="auto">
+          <a:xfrm>
+            <a:off x="1143000" y="685800"/>
+            <a:ext cx="4572000" cy="3429000"/>
+          </a:xfrm>
+          <a:prstGeom prst="rect">
+            <a:avLst/>
+          </a:prstGeom>
+          <a:solidFill>
+            <a:srgbClr val="FFFFFF"/>
+          </a:solidFill>
+          <a:ln>
+            <a:solidFill>
+              <a:srgbClr val="000000"/>
+            </a:solidFill>
+            <a:miter lim="800000"/>
+            <a:headEnd/>
+            <a:tailEnd/>
+          </a:ln>
         </p:spPr>
       </p:sp>
       <p:sp>
         <p:nvSpPr>
-          <p:cNvPr id="299011" name="Rectangle 3"/>
+          <p:cNvPr id="322563" name="Rectangle 3"/>
           <p:cNvSpPr>
             <a:spLocks noGrp="1" noChangeArrowheads="1"/>
           </p:cNvSpPr>
@@ -1906,9 +1543,32 @@
             <p:ph type="body" idx="1"/>
           </p:nvPr>
         </p:nvSpPr>
-        <p:spPr/>
-        <p:txBody>
-          <a:bodyPr/>
+        <p:spPr bwMode="auto">
+          <a:xfrm>
+            <a:off x="914400" y="4343400"/>
+            <a:ext cx="5029200" cy="4114800"/>
+          </a:xfrm>
+          <a:prstGeom prst="rect">
+            <a:avLst/>
+          </a:prstGeom>
+          <a:solidFill>
+            <a:srgbClr val="FFFFFF"/>
+          </a:solidFill>
+          <a:ln>
+            <a:solidFill>
+              <a:srgbClr val="000000"/>
+            </a:solidFill>
+            <a:miter lim="800000"/>
+            <a:headEnd/>
+            <a:tailEnd/>
+          </a:ln>
+        </p:spPr>
+        <p:txBody>
+          <a:bodyPr>
+            <a:prstTxWarp prst="textNoShape">
+              <a:avLst/>
+            </a:prstTxWarp>
+          </a:bodyPr>
           <a:lstStyle/>
           <a:p>
             <a:endParaRPr lang="en-US"/>
@@ -5243,1173 +4903,6 @@
   <p:clrMapOvr>
     <a:masterClrMapping/>
   </p:clrMapOvr>
-</p:sld>
-</file>
-
-<file path=ppt/slides/slide10.xml><?xml version="1.0" encoding="utf-8"?>
-<p:sld xmlns:a="http://schemas.openxmlformats.org/drawingml/2006/main" xmlns:r="http://schemas.openxmlformats.org/officeDocument/2006/relationships" xmlns:p="http://schemas.openxmlformats.org/presentationml/2006/main">
-  <p:cSld>
-    <p:spTree>
-      <p:nvGrpSpPr>
-        <p:cNvPr id="1" name=""/>
-        <p:cNvGrpSpPr/>
-        <p:nvPr/>
-      </p:nvGrpSpPr>
-      <p:grpSpPr>
-        <a:xfrm>
-          <a:off x="0" y="0"/>
-          <a:ext cx="0" cy="0"/>
-          <a:chOff x="0" y="0"/>
-          <a:chExt cx="0" cy="0"/>
-        </a:xfrm>
-      </p:grpSpPr>
-      <p:sp>
-        <p:nvSpPr>
-          <p:cNvPr id="203780" name="Rectangle 4"/>
-          <p:cNvSpPr>
-            <a:spLocks noGrp="1" noChangeArrowheads="1"/>
-          </p:cNvSpPr>
-          <p:nvPr>
-            <p:ph type="title"/>
-          </p:nvPr>
-        </p:nvSpPr>
-        <p:spPr/>
-        <p:txBody>
-          <a:bodyPr/>
-          <a:lstStyle/>
-          <a:p>
-            <a:r>
-              <a:rPr lang="en-US"/>
-              <a:t>Conflicts revisited (cont’d)</a:t>
-            </a:r>
-          </a:p>
-        </p:txBody>
-      </p:sp>
-      <p:sp>
-        <p:nvSpPr>
-          <p:cNvPr id="203781" name="Rectangle 5"/>
-          <p:cNvSpPr>
-            <a:spLocks noGrp="1" noChangeArrowheads="1"/>
-          </p:cNvSpPr>
-          <p:nvPr>
-            <p:ph idx="1"/>
-          </p:nvPr>
-        </p:nvSpPr>
-        <p:spPr/>
-        <p:txBody>
-          <a:bodyPr/>
-          <a:lstStyle/>
-          <a:p>
-            <a:pPr>
-              <a:lnSpc>
-                <a:spcPct val="90000"/>
-              </a:lnSpc>
-            </a:pPr>
-            <a:r>
-              <a:rPr lang="en-US" sz="2800" dirty="0"/>
-              <a:t>Can the grammar be rearranged so that the conflict disappears? </a:t>
-            </a:r>
-          </a:p>
-          <a:p>
-            <a:pPr lvl="1">
-              <a:lnSpc>
-                <a:spcPct val="90000"/>
-              </a:lnSpc>
-            </a:pPr>
-            <a:r>
-              <a:rPr lang="en-US" sz="2400"/>
-              <a:t>Yes</a:t>
-            </a:r>
-            <a:r>
-              <a:rPr lang="en-US" sz="2400" dirty="0"/>
-              <a:t>:  Is it worth it?</a:t>
-            </a:r>
-          </a:p>
-          <a:p>
-            <a:pPr lvl="2">
-              <a:lnSpc>
-                <a:spcPct val="90000"/>
-              </a:lnSpc>
-            </a:pPr>
-            <a:r>
-              <a:rPr lang="en-US" sz="2000" dirty="0"/>
-              <a:t>Yes, resolve conflict.</a:t>
-            </a:r>
-          </a:p>
-          <a:p>
-            <a:pPr lvl="2">
-              <a:lnSpc>
-                <a:spcPct val="90000"/>
-              </a:lnSpc>
-            </a:pPr>
-            <a:r>
-              <a:rPr lang="en-US" sz="2000" dirty="0"/>
-              <a:t>No: live with default or specified conflict resolution (precedence, associativity)</a:t>
-            </a:r>
-          </a:p>
-        </p:txBody>
-      </p:sp>
-      <p:sp>
-        <p:nvSpPr>
-          <p:cNvPr id="5" name="Slide Number Placeholder 5"/>
-          <p:cNvSpPr>
-            <a:spLocks noGrp="1"/>
-          </p:cNvSpPr>
-          <p:nvPr>
-            <p:ph type="sldNum" sz="quarter" idx="12"/>
-          </p:nvPr>
-        </p:nvSpPr>
-        <p:spPr/>
-        <p:txBody>
-          <a:bodyPr/>
-          <a:lstStyle/>
-          <a:p>
-            <a:fld id="{AC22A79E-81E8-E34A-B0B5-024F0F08E679}" type="slidenum">
-              <a:rPr lang="en-US"/>
-              <a:pPr/>
-              <a:t>10</a:t>
-            </a:fld>
-            <a:endParaRPr lang="en-US"/>
-          </a:p>
-        </p:txBody>
-      </p:sp>
-    </p:spTree>
-  </p:cSld>
-  <p:clrMapOvr>
-    <a:masterClrMapping/>
-  </p:clrMapOvr>
-  <p:timing>
-    <p:tnLst>
-      <p:par>
-        <p:cTn id="1" dur="indefinite" restart="never" nodeType="tmRoot">
-          <p:childTnLst>
-            <p:seq concurrent="1" nextAc="seek">
-              <p:cTn id="2" dur="indefinite" nodeType="mainSeq">
-                <p:childTnLst>
-                  <p:par>
-                    <p:cTn id="3" fill="hold">
-                      <p:stCondLst>
-                        <p:cond delay="indefinite"/>
-                      </p:stCondLst>
-                      <p:childTnLst>
-                        <p:par>
-                          <p:cTn id="4" fill="hold">
-                            <p:stCondLst>
-                              <p:cond delay="0"/>
-                            </p:stCondLst>
-                            <p:childTnLst>
-                              <p:par>
-                                <p:cTn id="5" presetID="1" presetClass="entr" presetSubtype="0" fill="hold" grpId="0" nodeType="clickEffect">
-                                  <p:stCondLst>
-                                    <p:cond delay="0"/>
-                                  </p:stCondLst>
-                                  <p:childTnLst>
-                                    <p:set>
-                                      <p:cBhvr>
-                                        <p:cTn id="6" dur="1" fill="hold">
-                                          <p:stCondLst>
-                                            <p:cond delay="499"/>
-                                          </p:stCondLst>
-                                        </p:cTn>
-                                        <p:tgtEl>
-                                          <p:spTgt spid="203781">
-                                            <p:txEl>
-                                              <p:pRg st="0" end="0"/>
-                                            </p:txEl>
-                                          </p:spTgt>
-                                        </p:tgtEl>
-                                        <p:attrNameLst>
-                                          <p:attrName>style.visibility</p:attrName>
-                                        </p:attrNameLst>
-                                      </p:cBhvr>
-                                      <p:to>
-                                        <p:strVal val="visible"/>
-                                      </p:to>
-                                    </p:set>
-                                  </p:childTnLst>
-                                </p:cTn>
-                              </p:par>
-                            </p:childTnLst>
-                          </p:cTn>
-                        </p:par>
-                      </p:childTnLst>
-                    </p:cTn>
-                  </p:par>
-                  <p:par>
-                    <p:cTn id="7" fill="hold">
-                      <p:stCondLst>
-                        <p:cond delay="indefinite"/>
-                      </p:stCondLst>
-                      <p:childTnLst>
-                        <p:par>
-                          <p:cTn id="8" fill="hold">
-                            <p:stCondLst>
-                              <p:cond delay="0"/>
-                            </p:stCondLst>
-                            <p:childTnLst>
-                              <p:par>
-                                <p:cTn id="9" presetID="1" presetClass="entr" presetSubtype="0" fill="hold" grpId="0" nodeType="clickEffect">
-                                  <p:stCondLst>
-                                    <p:cond delay="0"/>
-                                  </p:stCondLst>
-                                  <p:childTnLst>
-                                    <p:set>
-                                      <p:cBhvr>
-                                        <p:cTn id="10" dur="1" fill="hold">
-                                          <p:stCondLst>
-                                            <p:cond delay="499"/>
-                                          </p:stCondLst>
-                                        </p:cTn>
-                                        <p:tgtEl>
-                                          <p:spTgt spid="203781">
-                                            <p:txEl>
-                                              <p:pRg st="1" end="1"/>
-                                            </p:txEl>
-                                          </p:spTgt>
-                                        </p:tgtEl>
-                                        <p:attrNameLst>
-                                          <p:attrName>style.visibility</p:attrName>
-                                        </p:attrNameLst>
-                                      </p:cBhvr>
-                                      <p:to>
-                                        <p:strVal val="visible"/>
-                                      </p:to>
-                                    </p:set>
-                                  </p:childTnLst>
-                                </p:cTn>
-                              </p:par>
-                            </p:childTnLst>
-                          </p:cTn>
-                        </p:par>
-                      </p:childTnLst>
-                    </p:cTn>
-                  </p:par>
-                  <p:par>
-                    <p:cTn id="11" fill="hold">
-                      <p:stCondLst>
-                        <p:cond delay="indefinite"/>
-                      </p:stCondLst>
-                      <p:childTnLst>
-                        <p:par>
-                          <p:cTn id="12" fill="hold">
-                            <p:stCondLst>
-                              <p:cond delay="0"/>
-                            </p:stCondLst>
-                            <p:childTnLst>
-                              <p:par>
-                                <p:cTn id="13" presetID="1" presetClass="entr" presetSubtype="0" fill="hold" grpId="0" nodeType="clickEffect">
-                                  <p:stCondLst>
-                                    <p:cond delay="0"/>
-                                  </p:stCondLst>
-                                  <p:childTnLst>
-                                    <p:set>
-                                      <p:cBhvr>
-                                        <p:cTn id="14" dur="1" fill="hold">
-                                          <p:stCondLst>
-                                            <p:cond delay="499"/>
-                                          </p:stCondLst>
-                                        </p:cTn>
-                                        <p:tgtEl>
-                                          <p:spTgt spid="203781">
-                                            <p:txEl>
-                                              <p:pRg st="2" end="2"/>
-                                            </p:txEl>
-                                          </p:spTgt>
-                                        </p:tgtEl>
-                                        <p:attrNameLst>
-                                          <p:attrName>style.visibility</p:attrName>
-                                        </p:attrNameLst>
-                                      </p:cBhvr>
-                                      <p:to>
-                                        <p:strVal val="visible"/>
-                                      </p:to>
-                                    </p:set>
-                                  </p:childTnLst>
-                                </p:cTn>
-                              </p:par>
-                            </p:childTnLst>
-                          </p:cTn>
-                        </p:par>
-                      </p:childTnLst>
-                    </p:cTn>
-                  </p:par>
-                  <p:par>
-                    <p:cTn id="15" fill="hold">
-                      <p:stCondLst>
-                        <p:cond delay="indefinite"/>
-                      </p:stCondLst>
-                      <p:childTnLst>
-                        <p:par>
-                          <p:cTn id="16" fill="hold">
-                            <p:stCondLst>
-                              <p:cond delay="0"/>
-                            </p:stCondLst>
-                            <p:childTnLst>
-                              <p:par>
-                                <p:cTn id="17" presetID="1" presetClass="entr" presetSubtype="0" fill="hold" grpId="0" nodeType="clickEffect">
-                                  <p:stCondLst>
-                                    <p:cond delay="0"/>
-                                  </p:stCondLst>
-                                  <p:childTnLst>
-                                    <p:set>
-                                      <p:cBhvr>
-                                        <p:cTn id="18" dur="1" fill="hold">
-                                          <p:stCondLst>
-                                            <p:cond delay="499"/>
-                                          </p:stCondLst>
-                                        </p:cTn>
-                                        <p:tgtEl>
-                                          <p:spTgt spid="203781">
-                                            <p:txEl>
-                                              <p:pRg st="3" end="3"/>
-                                            </p:txEl>
-                                          </p:spTgt>
-                                        </p:tgtEl>
-                                        <p:attrNameLst>
-                                          <p:attrName>style.visibility</p:attrName>
-                                        </p:attrNameLst>
-                                      </p:cBhvr>
-                                      <p:to>
-                                        <p:strVal val="visible"/>
-                                      </p:to>
-                                    </p:set>
-                                  </p:childTnLst>
-                                </p:cTn>
-                              </p:par>
-                            </p:childTnLst>
-                          </p:cTn>
-                        </p:par>
-                      </p:childTnLst>
-                    </p:cTn>
-                  </p:par>
-                </p:childTnLst>
-              </p:cTn>
-              <p:prevCondLst>
-                <p:cond evt="onPrev" delay="0">
-                  <p:tgtEl>
-                    <p:sldTgt/>
-                  </p:tgtEl>
-                </p:cond>
-              </p:prevCondLst>
-              <p:nextCondLst>
-                <p:cond evt="onNext" delay="0">
-                  <p:tgtEl>
-                    <p:sldTgt/>
-                  </p:tgtEl>
-                </p:cond>
-              </p:nextCondLst>
-            </p:seq>
-          </p:childTnLst>
-        </p:cTn>
-      </p:par>
-    </p:tnLst>
-    <p:bldLst>
-      <p:bldP spid="203781" grpId="0" build="p" bldLvl="3" autoUpdateAnimBg="0"/>
-    </p:bldLst>
-  </p:timing>
-</p:sld>
-</file>
-
-<file path=ppt/slides/slide11.xml><?xml version="1.0" encoding="utf-8"?>
-<p:sld xmlns:a="http://schemas.openxmlformats.org/drawingml/2006/main" xmlns:r="http://schemas.openxmlformats.org/officeDocument/2006/relationships" xmlns:p="http://schemas.openxmlformats.org/presentationml/2006/main">
-  <p:cSld>
-    <p:spTree>
-      <p:nvGrpSpPr>
-        <p:cNvPr id="1" name=""/>
-        <p:cNvGrpSpPr/>
-        <p:nvPr/>
-      </p:nvGrpSpPr>
-      <p:grpSpPr>
-        <a:xfrm>
-          <a:off x="0" y="0"/>
-          <a:ext cx="0" cy="0"/>
-          <a:chOff x="0" y="0"/>
-          <a:chExt cx="0" cy="0"/>
-        </a:xfrm>
-      </p:grpSpPr>
-      <p:sp>
-        <p:nvSpPr>
-          <p:cNvPr id="355332" name="Rectangle 4"/>
-          <p:cNvSpPr>
-            <a:spLocks noGrp="1" noChangeArrowheads="1"/>
-          </p:cNvSpPr>
-          <p:nvPr>
-            <p:ph type="title"/>
-          </p:nvPr>
-        </p:nvSpPr>
-        <p:spPr/>
-        <p:txBody>
-          <a:bodyPr/>
-          <a:lstStyle/>
-          <a:p>
-            <a:r>
-              <a:rPr lang="en-US"/>
-              <a:t>Compiler (parser) compilers</a:t>
-            </a:r>
-          </a:p>
-        </p:txBody>
-      </p:sp>
-      <p:sp>
-        <p:nvSpPr>
-          <p:cNvPr id="355333" name="Rectangle 5"/>
-          <p:cNvSpPr>
-            <a:spLocks noGrp="1" noChangeArrowheads="1"/>
-          </p:cNvSpPr>
-          <p:nvPr>
-            <p:ph idx="1"/>
-          </p:nvPr>
-        </p:nvSpPr>
-        <p:spPr/>
-        <p:txBody>
-          <a:bodyPr/>
-          <a:lstStyle/>
-          <a:p>
-            <a:pPr>
-              <a:lnSpc>
-                <a:spcPct val="90000"/>
-              </a:lnSpc>
-            </a:pPr>
-            <a:r>
-              <a:rPr lang="en-US"/>
-              <a:t>Rather than build a parser for a particular grammar (e.g. recursive descent), write down a grammar as a text file</a:t>
-            </a:r>
-          </a:p>
-          <a:p>
-            <a:pPr>
-              <a:lnSpc>
-                <a:spcPct val="90000"/>
-              </a:lnSpc>
-            </a:pPr>
-            <a:r>
-              <a:rPr lang="en-US"/>
-              <a:t>Run through a compiler compiler which produces a parser for that grammar</a:t>
-            </a:r>
-          </a:p>
-          <a:p>
-            <a:pPr>
-              <a:lnSpc>
-                <a:spcPct val="90000"/>
-              </a:lnSpc>
-            </a:pPr>
-            <a:r>
-              <a:rPr lang="en-US"/>
-              <a:t>The parser is a program that can be compiled and accepts input strings and produces user-defined output</a:t>
-            </a:r>
-          </a:p>
-        </p:txBody>
-      </p:sp>
-      <p:sp>
-        <p:nvSpPr>
-          <p:cNvPr id="5" name="Slide Number Placeholder 5"/>
-          <p:cNvSpPr>
-            <a:spLocks noGrp="1"/>
-          </p:cNvSpPr>
-          <p:nvPr>
-            <p:ph type="sldNum" sz="quarter" idx="12"/>
-          </p:nvPr>
-        </p:nvSpPr>
-        <p:spPr/>
-        <p:txBody>
-          <a:bodyPr/>
-          <a:lstStyle/>
-          <a:p>
-            <a:fld id="{58226EF5-9E27-8D48-9CE5-A75F4AB57B26}" type="slidenum">
-              <a:rPr lang="en-US"/>
-              <a:pPr/>
-              <a:t>11</a:t>
-            </a:fld>
-            <a:endParaRPr lang="en-US"/>
-          </a:p>
-        </p:txBody>
-      </p:sp>
-    </p:spTree>
-  </p:cSld>
-  <p:clrMapOvr>
-    <a:masterClrMapping/>
-  </p:clrMapOvr>
-</p:sld>
-</file>
-
-<file path=ppt/slides/slide12.xml><?xml version="1.0" encoding="utf-8"?>
-<p:sld xmlns:a="http://schemas.openxmlformats.org/drawingml/2006/main" xmlns:r="http://schemas.openxmlformats.org/officeDocument/2006/relationships" xmlns:p="http://schemas.openxmlformats.org/presentationml/2006/main">
-  <p:cSld>
-    <p:spTree>
-      <p:nvGrpSpPr>
-        <p:cNvPr id="1" name=""/>
-        <p:cNvGrpSpPr/>
-        <p:nvPr/>
-      </p:nvGrpSpPr>
-      <p:grpSpPr>
-        <a:xfrm>
-          <a:off x="0" y="0"/>
-          <a:ext cx="0" cy="0"/>
-          <a:chOff x="0" y="0"/>
-          <a:chExt cx="0" cy="0"/>
-        </a:xfrm>
-      </p:grpSpPr>
-      <p:sp>
-        <p:nvSpPr>
-          <p:cNvPr id="356354" name="Rectangle 2"/>
-          <p:cNvSpPr>
-            <a:spLocks noGrp="1" noChangeArrowheads="1"/>
-          </p:cNvSpPr>
-          <p:nvPr>
-            <p:ph type="title"/>
-          </p:nvPr>
-        </p:nvSpPr>
-        <p:spPr/>
-        <p:txBody>
-          <a:bodyPr/>
-          <a:lstStyle/>
-          <a:p>
-            <a:r>
-              <a:rPr lang="en-US"/>
-              <a:t>Compiler (parser) compilers</a:t>
-            </a:r>
-          </a:p>
-        </p:txBody>
-      </p:sp>
-      <p:sp>
-        <p:nvSpPr>
-          <p:cNvPr id="356355" name="Rectangle 3"/>
-          <p:cNvSpPr>
-            <a:spLocks noGrp="1" noChangeArrowheads="1"/>
-          </p:cNvSpPr>
-          <p:nvPr>
-            <p:ph idx="1"/>
-          </p:nvPr>
-        </p:nvSpPr>
-        <p:spPr/>
-        <p:txBody>
-          <a:bodyPr/>
-          <a:lstStyle/>
-          <a:p>
-            <a:pPr>
-              <a:lnSpc>
-                <a:spcPct val="90000"/>
-              </a:lnSpc>
-            </a:pPr>
-            <a:r>
-              <a:rPr lang="en-US" sz="2800"/>
-              <a:t>For LR parsing, all it needs to do is produce action/goto table</a:t>
-            </a:r>
-          </a:p>
-          <a:p>
-            <a:pPr lvl="1">
-              <a:lnSpc>
-                <a:spcPct val="90000"/>
-              </a:lnSpc>
-            </a:pPr>
-            <a:r>
-              <a:rPr lang="en-US" sz="2400"/>
-              <a:t>Yacc (yet another compiler compiler) was distributed with Unix, the most popular tool. Uses LALR(1). </a:t>
-            </a:r>
-          </a:p>
-          <a:p>
-            <a:pPr lvl="1">
-              <a:lnSpc>
-                <a:spcPct val="90000"/>
-              </a:lnSpc>
-            </a:pPr>
-            <a:r>
-              <a:rPr lang="en-US" sz="2400"/>
-              <a:t>Many variants of yacc exist for many languages</a:t>
-            </a:r>
-          </a:p>
-          <a:p>
-            <a:pPr>
-              <a:lnSpc>
-                <a:spcPct val="90000"/>
-              </a:lnSpc>
-            </a:pPr>
-            <a:r>
-              <a:rPr lang="en-US" sz="2800"/>
-              <a:t>As we will see later, translation of the parse tree into machine code (or anything else) can also be written down with the grammar</a:t>
-            </a:r>
-          </a:p>
-          <a:p>
-            <a:pPr>
-              <a:lnSpc>
-                <a:spcPct val="90000"/>
-              </a:lnSpc>
-            </a:pPr>
-            <a:r>
-              <a:rPr lang="en-US" sz="2800"/>
-              <a:t>Handling errors and interaction with the lexical analyzer have to be precisely defined</a:t>
-            </a:r>
-          </a:p>
-        </p:txBody>
-      </p:sp>
-      <p:sp>
-        <p:nvSpPr>
-          <p:cNvPr id="5" name="Slide Number Placeholder 5"/>
-          <p:cNvSpPr>
-            <a:spLocks noGrp="1"/>
-          </p:cNvSpPr>
-          <p:nvPr>
-            <p:ph type="sldNum" sz="quarter" idx="12"/>
-          </p:nvPr>
-        </p:nvSpPr>
-        <p:spPr/>
-        <p:txBody>
-          <a:bodyPr/>
-          <a:lstStyle/>
-          <a:p>
-            <a:fld id="{47B9252A-C43C-3A4E-B252-56E04C74C125}" type="slidenum">
-              <a:rPr lang="en-US"/>
-              <a:pPr/>
-              <a:t>12</a:t>
-            </a:fld>
-            <a:endParaRPr lang="en-US"/>
-          </a:p>
-        </p:txBody>
-      </p:sp>
-    </p:spTree>
-  </p:cSld>
-  <p:clrMapOvr>
-    <a:masterClrMapping/>
-  </p:clrMapOvr>
-</p:sld>
-</file>
-
-<file path=ppt/slides/slide13.xml><?xml version="1.0" encoding="utf-8"?>
-<p:sld xmlns:a="http://schemas.openxmlformats.org/drawingml/2006/main" xmlns:r="http://schemas.openxmlformats.org/officeDocument/2006/relationships" xmlns:p="http://schemas.openxmlformats.org/presentationml/2006/main">
-  <p:cSld>
-    <p:spTree>
-      <p:nvGrpSpPr>
-        <p:cNvPr id="1" name=""/>
-        <p:cNvGrpSpPr/>
-        <p:nvPr/>
-      </p:nvGrpSpPr>
-      <p:grpSpPr>
-        <a:xfrm>
-          <a:off x="0" y="0"/>
-          <a:ext cx="0" cy="0"/>
-          <a:chOff x="0" y="0"/>
-          <a:chExt cx="0" cy="0"/>
-        </a:xfrm>
-      </p:grpSpPr>
-      <p:sp>
-        <p:nvSpPr>
-          <p:cNvPr id="321538" name="Rectangle 2"/>
-          <p:cNvSpPr>
-            <a:spLocks noGrp="1" noChangeArrowheads="1"/>
-          </p:cNvSpPr>
-          <p:nvPr>
-            <p:ph type="title"/>
-          </p:nvPr>
-        </p:nvSpPr>
-        <p:spPr/>
-        <p:txBody>
-          <a:bodyPr/>
-          <a:lstStyle/>
-          <a:p>
-            <a:r>
-              <a:rPr lang="en-US"/>
-              <a:t>Parsing - Summary</a:t>
-            </a:r>
-          </a:p>
-        </p:txBody>
-      </p:sp>
-      <p:sp>
-        <p:nvSpPr>
-          <p:cNvPr id="321539" name="Rectangle 3"/>
-          <p:cNvSpPr>
-            <a:spLocks noGrp="1" noChangeArrowheads="1"/>
-          </p:cNvSpPr>
-          <p:nvPr>
-            <p:ph idx="1"/>
-          </p:nvPr>
-        </p:nvSpPr>
-        <p:spPr/>
-        <p:txBody>
-          <a:bodyPr/>
-          <a:lstStyle/>
-          <a:p>
-            <a:r>
-              <a:rPr lang="en-US" sz="2800"/>
-              <a:t>Top-down vs. bottom-up</a:t>
-            </a:r>
-          </a:p>
-          <a:p>
-            <a:r>
-              <a:rPr lang="en-US" sz="2800"/>
-              <a:t>Lookahead: FIRST and FOLLOW sets</a:t>
-            </a:r>
-          </a:p>
-          <a:p>
-            <a:r>
-              <a:rPr lang="en-US" sz="2800"/>
-              <a:t>LL(1) – Parsing: </a:t>
-            </a:r>
-            <a:r>
-              <a:rPr lang="en-US" sz="2800" i="1"/>
-              <a:t>O</a:t>
-            </a:r>
-            <a:r>
-              <a:rPr lang="en-US" sz="2800"/>
-              <a:t>(</a:t>
-            </a:r>
-            <a:r>
-              <a:rPr lang="en-US" sz="2800" i="1"/>
-              <a:t>n</a:t>
-            </a:r>
-            <a:r>
-              <a:rPr lang="en-US" sz="2800"/>
-              <a:t>) time complexity</a:t>
-            </a:r>
-          </a:p>
-          <a:p>
-            <a:pPr lvl="1"/>
-            <a:r>
-              <a:rPr lang="en-US" sz="2400"/>
-              <a:t>recursive-descent and table-driven predictive parsing</a:t>
-            </a:r>
-          </a:p>
-          <a:p>
-            <a:r>
-              <a:rPr lang="en-US" sz="2800"/>
-              <a:t>LR(k) – Parsing : </a:t>
-            </a:r>
-            <a:r>
-              <a:rPr lang="en-US" sz="2800" i="1"/>
-              <a:t>O</a:t>
-            </a:r>
-            <a:r>
-              <a:rPr lang="en-US" sz="2800"/>
-              <a:t>(</a:t>
-            </a:r>
-            <a:r>
-              <a:rPr lang="en-US" sz="2800" i="1"/>
-              <a:t>n</a:t>
-            </a:r>
-            <a:r>
-              <a:rPr lang="en-US" sz="2800"/>
-              <a:t>) time complexity</a:t>
-            </a:r>
-          </a:p>
-          <a:p>
-            <a:pPr lvl="1"/>
-            <a:r>
-              <a:rPr lang="en-US" sz="2400"/>
-              <a:t>LR(0), SLR(1), LR(1), LALR(1)</a:t>
-            </a:r>
-          </a:p>
-          <a:p>
-            <a:r>
-              <a:rPr lang="en-US" sz="2800"/>
-              <a:t>Resolving shift/reduce conflicts</a:t>
-            </a:r>
-          </a:p>
-          <a:p>
-            <a:pPr lvl="1"/>
-            <a:r>
-              <a:rPr lang="en-US" sz="2400"/>
-              <a:t>using precedence, associativity</a:t>
-            </a:r>
-          </a:p>
-        </p:txBody>
-      </p:sp>
-      <p:sp>
-        <p:nvSpPr>
-          <p:cNvPr id="5" name="Slide Number Placeholder 5"/>
-          <p:cNvSpPr>
-            <a:spLocks noGrp="1"/>
-          </p:cNvSpPr>
-          <p:nvPr>
-            <p:ph type="sldNum" sz="quarter" idx="12"/>
-          </p:nvPr>
-        </p:nvSpPr>
-        <p:spPr/>
-        <p:txBody>
-          <a:bodyPr/>
-          <a:lstStyle/>
-          <a:p>
-            <a:fld id="{1E9954E9-0610-7043-B023-2390B0BF7BBC}" type="slidenum">
-              <a:rPr lang="en-US"/>
-              <a:pPr/>
-              <a:t>13</a:t>
-            </a:fld>
-            <a:endParaRPr lang="en-US"/>
-          </a:p>
-        </p:txBody>
-      </p:sp>
-    </p:spTree>
-  </p:cSld>
-  <p:clrMapOvr>
-    <a:masterClrMapping/>
-  </p:clrMapOvr>
-  <p:timing>
-    <p:tnLst>
-      <p:par>
-        <p:cTn id="1" dur="indefinite" restart="never" nodeType="tmRoot">
-          <p:childTnLst>
-            <p:seq concurrent="1" nextAc="seek">
-              <p:cTn id="2" dur="indefinite" nodeType="mainSeq">
-                <p:childTnLst>
-                  <p:par>
-                    <p:cTn id="3" fill="hold">
-                      <p:stCondLst>
-                        <p:cond delay="indefinite"/>
-                      </p:stCondLst>
-                      <p:childTnLst>
-                        <p:par>
-                          <p:cTn id="4" fill="hold">
-                            <p:stCondLst>
-                              <p:cond delay="0"/>
-                            </p:stCondLst>
-                            <p:childTnLst>
-                              <p:par>
-                                <p:cTn id="5" presetID="1" presetClass="entr" presetSubtype="0" fill="hold" grpId="0" nodeType="clickEffect">
-                                  <p:stCondLst>
-                                    <p:cond delay="0"/>
-                                  </p:stCondLst>
-                                  <p:childTnLst>
-                                    <p:set>
-                                      <p:cBhvr>
-                                        <p:cTn id="6" dur="1" fill="hold">
-                                          <p:stCondLst>
-                                            <p:cond delay="499"/>
-                                          </p:stCondLst>
-                                        </p:cTn>
-                                        <p:tgtEl>
-                                          <p:spTgt spid="321539">
-                                            <p:txEl>
-                                              <p:pRg st="0" end="0"/>
-                                            </p:txEl>
-                                          </p:spTgt>
-                                        </p:tgtEl>
-                                        <p:attrNameLst>
-                                          <p:attrName>style.visibility</p:attrName>
-                                        </p:attrNameLst>
-                                      </p:cBhvr>
-                                      <p:to>
-                                        <p:strVal val="visible"/>
-                                      </p:to>
-                                    </p:set>
-                                  </p:childTnLst>
-                                </p:cTn>
-                              </p:par>
-                            </p:childTnLst>
-                          </p:cTn>
-                        </p:par>
-                      </p:childTnLst>
-                    </p:cTn>
-                  </p:par>
-                  <p:par>
-                    <p:cTn id="7" fill="hold">
-                      <p:stCondLst>
-                        <p:cond delay="indefinite"/>
-                      </p:stCondLst>
-                      <p:childTnLst>
-                        <p:par>
-                          <p:cTn id="8" fill="hold">
-                            <p:stCondLst>
-                              <p:cond delay="0"/>
-                            </p:stCondLst>
-                            <p:childTnLst>
-                              <p:par>
-                                <p:cTn id="9" presetID="1" presetClass="entr" presetSubtype="0" fill="hold" grpId="0" nodeType="clickEffect">
-                                  <p:stCondLst>
-                                    <p:cond delay="0"/>
-                                  </p:stCondLst>
-                                  <p:childTnLst>
-                                    <p:set>
-                                      <p:cBhvr>
-                                        <p:cTn id="10" dur="1" fill="hold">
-                                          <p:stCondLst>
-                                            <p:cond delay="499"/>
-                                          </p:stCondLst>
-                                        </p:cTn>
-                                        <p:tgtEl>
-                                          <p:spTgt spid="321539">
-                                            <p:txEl>
-                                              <p:pRg st="1" end="1"/>
-                                            </p:txEl>
-                                          </p:spTgt>
-                                        </p:tgtEl>
-                                        <p:attrNameLst>
-                                          <p:attrName>style.visibility</p:attrName>
-                                        </p:attrNameLst>
-                                      </p:cBhvr>
-                                      <p:to>
-                                        <p:strVal val="visible"/>
-                                      </p:to>
-                                    </p:set>
-                                  </p:childTnLst>
-                                </p:cTn>
-                              </p:par>
-                            </p:childTnLst>
-                          </p:cTn>
-                        </p:par>
-                      </p:childTnLst>
-                    </p:cTn>
-                  </p:par>
-                  <p:par>
-                    <p:cTn id="11" fill="hold">
-                      <p:stCondLst>
-                        <p:cond delay="indefinite"/>
-                      </p:stCondLst>
-                      <p:childTnLst>
-                        <p:par>
-                          <p:cTn id="12" fill="hold">
-                            <p:stCondLst>
-                              <p:cond delay="0"/>
-                            </p:stCondLst>
-                            <p:childTnLst>
-                              <p:par>
-                                <p:cTn id="13" presetID="1" presetClass="entr" presetSubtype="0" fill="hold" grpId="0" nodeType="clickEffect">
-                                  <p:stCondLst>
-                                    <p:cond delay="0"/>
-                                  </p:stCondLst>
-                                  <p:childTnLst>
-                                    <p:set>
-                                      <p:cBhvr>
-                                        <p:cTn id="14" dur="1" fill="hold">
-                                          <p:stCondLst>
-                                            <p:cond delay="499"/>
-                                          </p:stCondLst>
-                                        </p:cTn>
-                                        <p:tgtEl>
-                                          <p:spTgt spid="321539">
-                                            <p:txEl>
-                                              <p:pRg st="2" end="2"/>
-                                            </p:txEl>
-                                          </p:spTgt>
-                                        </p:tgtEl>
-                                        <p:attrNameLst>
-                                          <p:attrName>style.visibility</p:attrName>
-                                        </p:attrNameLst>
-                                      </p:cBhvr>
-                                      <p:to>
-                                        <p:strVal val="visible"/>
-                                      </p:to>
-                                    </p:set>
-                                  </p:childTnLst>
-                                </p:cTn>
-                              </p:par>
-                              <p:par>
-                                <p:cTn id="15" presetID="1" presetClass="entr" presetSubtype="0" fill="hold" grpId="0" nodeType="withEffect">
-                                  <p:stCondLst>
-                                    <p:cond delay="0"/>
-                                  </p:stCondLst>
-                                  <p:childTnLst>
-                                    <p:set>
-                                      <p:cBhvr>
-                                        <p:cTn id="16" dur="1" fill="hold">
-                                          <p:stCondLst>
-                                            <p:cond delay="499"/>
-                                          </p:stCondLst>
-                                        </p:cTn>
-                                        <p:tgtEl>
-                                          <p:spTgt spid="321539">
-                                            <p:txEl>
-                                              <p:pRg st="3" end="3"/>
-                                            </p:txEl>
-                                          </p:spTgt>
-                                        </p:tgtEl>
-                                        <p:attrNameLst>
-                                          <p:attrName>style.visibility</p:attrName>
-                                        </p:attrNameLst>
-                                      </p:cBhvr>
-                                      <p:to>
-                                        <p:strVal val="visible"/>
-                                      </p:to>
-                                    </p:set>
-                                  </p:childTnLst>
-                                </p:cTn>
-                              </p:par>
-                            </p:childTnLst>
-                          </p:cTn>
-                        </p:par>
-                      </p:childTnLst>
-                    </p:cTn>
-                  </p:par>
-                  <p:par>
-                    <p:cTn id="17" fill="hold">
-                      <p:stCondLst>
-                        <p:cond delay="indefinite"/>
-                      </p:stCondLst>
-                      <p:childTnLst>
-                        <p:par>
-                          <p:cTn id="18" fill="hold">
-                            <p:stCondLst>
-                              <p:cond delay="0"/>
-                            </p:stCondLst>
-                            <p:childTnLst>
-                              <p:par>
-                                <p:cTn id="19" presetID="1" presetClass="entr" presetSubtype="0" fill="hold" grpId="0" nodeType="clickEffect">
-                                  <p:stCondLst>
-                                    <p:cond delay="0"/>
-                                  </p:stCondLst>
-                                  <p:childTnLst>
-                                    <p:set>
-                                      <p:cBhvr>
-                                        <p:cTn id="20" dur="1" fill="hold">
-                                          <p:stCondLst>
-                                            <p:cond delay="499"/>
-                                          </p:stCondLst>
-                                        </p:cTn>
-                                        <p:tgtEl>
-                                          <p:spTgt spid="321539">
-                                            <p:txEl>
-                                              <p:pRg st="4" end="4"/>
-                                            </p:txEl>
-                                          </p:spTgt>
-                                        </p:tgtEl>
-                                        <p:attrNameLst>
-                                          <p:attrName>style.visibility</p:attrName>
-                                        </p:attrNameLst>
-                                      </p:cBhvr>
-                                      <p:to>
-                                        <p:strVal val="visible"/>
-                                      </p:to>
-                                    </p:set>
-                                  </p:childTnLst>
-                                </p:cTn>
-                              </p:par>
-                              <p:par>
-                                <p:cTn id="21" presetID="1" presetClass="entr" presetSubtype="0" fill="hold" grpId="0" nodeType="withEffect">
-                                  <p:stCondLst>
-                                    <p:cond delay="0"/>
-                                  </p:stCondLst>
-                                  <p:childTnLst>
-                                    <p:set>
-                                      <p:cBhvr>
-                                        <p:cTn id="22" dur="1" fill="hold">
-                                          <p:stCondLst>
-                                            <p:cond delay="499"/>
-                                          </p:stCondLst>
-                                        </p:cTn>
-                                        <p:tgtEl>
-                                          <p:spTgt spid="321539">
-                                            <p:txEl>
-                                              <p:pRg st="5" end="5"/>
-                                            </p:txEl>
-                                          </p:spTgt>
-                                        </p:tgtEl>
-                                        <p:attrNameLst>
-                                          <p:attrName>style.visibility</p:attrName>
-                                        </p:attrNameLst>
-                                      </p:cBhvr>
-                                      <p:to>
-                                        <p:strVal val="visible"/>
-                                      </p:to>
-                                    </p:set>
-                                  </p:childTnLst>
-                                </p:cTn>
-                              </p:par>
-                            </p:childTnLst>
-                          </p:cTn>
-                        </p:par>
-                      </p:childTnLst>
-                    </p:cTn>
-                  </p:par>
-                  <p:par>
-                    <p:cTn id="23" fill="hold">
-                      <p:stCondLst>
-                        <p:cond delay="indefinite"/>
-                      </p:stCondLst>
-                      <p:childTnLst>
-                        <p:par>
-                          <p:cTn id="24" fill="hold">
-                            <p:stCondLst>
-                              <p:cond delay="0"/>
-                            </p:stCondLst>
-                            <p:childTnLst>
-                              <p:par>
-                                <p:cTn id="25" presetID="1" presetClass="entr" presetSubtype="0" fill="hold" grpId="0" nodeType="clickEffect">
-                                  <p:stCondLst>
-                                    <p:cond delay="0"/>
-                                  </p:stCondLst>
-                                  <p:childTnLst>
-                                    <p:set>
-                                      <p:cBhvr>
-                                        <p:cTn id="26" dur="1" fill="hold">
-                                          <p:stCondLst>
-                                            <p:cond delay="499"/>
-                                          </p:stCondLst>
-                                        </p:cTn>
-                                        <p:tgtEl>
-                                          <p:spTgt spid="321539">
-                                            <p:txEl>
-                                              <p:pRg st="6" end="6"/>
-                                            </p:txEl>
-                                          </p:spTgt>
-                                        </p:tgtEl>
-                                        <p:attrNameLst>
-                                          <p:attrName>style.visibility</p:attrName>
-                                        </p:attrNameLst>
-                                      </p:cBhvr>
-                                      <p:to>
-                                        <p:strVal val="visible"/>
-                                      </p:to>
-                                    </p:set>
-                                  </p:childTnLst>
-                                </p:cTn>
-                              </p:par>
-                              <p:par>
-                                <p:cTn id="27" presetID="1" presetClass="entr" presetSubtype="0" fill="hold" grpId="0" nodeType="withEffect">
-                                  <p:stCondLst>
-                                    <p:cond delay="0"/>
-                                  </p:stCondLst>
-                                  <p:childTnLst>
-                                    <p:set>
-                                      <p:cBhvr>
-                                        <p:cTn id="28" dur="1" fill="hold">
-                                          <p:stCondLst>
-                                            <p:cond delay="499"/>
-                                          </p:stCondLst>
-                                        </p:cTn>
-                                        <p:tgtEl>
-                                          <p:spTgt spid="321539">
-                                            <p:txEl>
-                                              <p:pRg st="7" end="7"/>
-                                            </p:txEl>
-                                          </p:spTgt>
-                                        </p:tgtEl>
-                                        <p:attrNameLst>
-                                          <p:attrName>style.visibility</p:attrName>
-                                        </p:attrNameLst>
-                                      </p:cBhvr>
-                                      <p:to>
-                                        <p:strVal val="visible"/>
-                                      </p:to>
-                                    </p:set>
-                                  </p:childTnLst>
-                                </p:cTn>
-                              </p:par>
-                            </p:childTnLst>
-                          </p:cTn>
-                        </p:par>
-                      </p:childTnLst>
-                    </p:cTn>
-                  </p:par>
-                </p:childTnLst>
-              </p:cTn>
-              <p:prevCondLst>
-                <p:cond evt="onPrev" delay="0">
-                  <p:tgtEl>
-                    <p:sldTgt/>
-                  </p:tgtEl>
-                </p:cond>
-              </p:prevCondLst>
-              <p:nextCondLst>
-                <p:cond evt="onNext" delay="0">
-                  <p:tgtEl>
-                    <p:sldTgt/>
-                  </p:tgtEl>
-                </p:cond>
-              </p:nextCondLst>
-            </p:seq>
-          </p:childTnLst>
-        </p:cTn>
-      </p:par>
-    </p:tnLst>
-    <p:bldLst>
-      <p:bldP spid="321539" grpId="0" build="p" autoUpdateAnimBg="0"/>
-    </p:bldLst>
-  </p:timing>
 </p:sld>
 </file>
 
@@ -12029,7 +10522,7 @@
       </p:grpSpPr>
       <p:sp>
         <p:nvSpPr>
-          <p:cNvPr id="202756" name="Rectangle 4"/>
+          <p:cNvPr id="321538" name="Rectangle 2"/>
           <p:cNvSpPr>
             <a:spLocks noGrp="1" noChangeArrowheads="1"/>
           </p:cNvSpPr>
@@ -12044,14 +10537,14 @@
           <a:p>
             <a:r>
               <a:rPr lang="en-US"/>
-              <a:t>Handling S/R &amp; R/R Conflicts</a:t>
-            </a:r>
-          </a:p>
-        </p:txBody>
-      </p:sp>
-      <p:sp>
-        <p:nvSpPr>
-          <p:cNvPr id="202757" name="Rectangle 5"/>
+              <a:t>Parsing - Summary</a:t>
+            </a:r>
+          </a:p>
+        </p:txBody>
+      </p:sp>
+      <p:sp>
+        <p:nvSpPr>
+          <p:cNvPr id="321539" name="Rectangle 3"/>
           <p:cNvSpPr>
             <a:spLocks noGrp="1" noChangeArrowheads="1"/>
           </p:cNvSpPr>
@@ -12064,69 +10557,86 @@
           <a:bodyPr/>
           <a:lstStyle/>
           <a:p>
-            <a:pPr>
-              <a:lnSpc>
-                <a:spcPct val="90000"/>
-              </a:lnSpc>
-            </a:pPr>
-            <a:r>
-              <a:rPr lang="en-US"/>
-              <a:t>Have a conflict?</a:t>
-            </a:r>
-          </a:p>
-          <a:p>
-            <a:pPr lvl="1">
-              <a:lnSpc>
-                <a:spcPct val="90000"/>
-              </a:lnSpc>
-            </a:pPr>
-            <a:r>
-              <a:rPr lang="en-US"/>
-              <a:t>No? – Done, grammar is compliant.</a:t>
-            </a:r>
-          </a:p>
-          <a:p>
-            <a:pPr>
-              <a:lnSpc>
-                <a:spcPct val="90000"/>
-              </a:lnSpc>
-            </a:pPr>
-            <a:r>
-              <a:rPr lang="en-US"/>
-              <a:t>Already using most powerful parser available?</a:t>
-            </a:r>
-          </a:p>
-          <a:p>
-            <a:pPr lvl="1">
-              <a:lnSpc>
-                <a:spcPct val="90000"/>
-              </a:lnSpc>
-            </a:pPr>
-            <a:r>
-              <a:rPr lang="en-US"/>
-              <a:t>No? – Upgrade and goto 1</a:t>
-            </a:r>
-          </a:p>
-          <a:p>
-            <a:pPr>
-              <a:lnSpc>
-                <a:spcPct val="90000"/>
-              </a:lnSpc>
-            </a:pPr>
-            <a:r>
-              <a:rPr lang="en-US"/>
-              <a:t>Can the grammar be rearranged so that the conflict disappears?</a:t>
-            </a:r>
-          </a:p>
-          <a:p>
-            <a:pPr lvl="1">
-              <a:lnSpc>
-                <a:spcPct val="90000"/>
-              </a:lnSpc>
-            </a:pPr>
-            <a:r>
-              <a:rPr lang="en-US"/>
-              <a:t>While preserving the language!</a:t>
+            <a:r>
+              <a:rPr lang="en-US" sz="2800"/>
+              <a:t>Top-down vs. bottom-up</a:t>
+            </a:r>
+          </a:p>
+          <a:p>
+            <a:r>
+              <a:rPr lang="en-US" sz="2800"/>
+              <a:t>Lookahead: FIRST and FOLLOW sets</a:t>
+            </a:r>
+          </a:p>
+          <a:p>
+            <a:r>
+              <a:rPr lang="en-US" sz="2800"/>
+              <a:t>LL(1) – Parsing: </a:t>
+            </a:r>
+            <a:r>
+              <a:rPr lang="en-US" sz="2800" i="1"/>
+              <a:t>O</a:t>
+            </a:r>
+            <a:r>
+              <a:rPr lang="en-US" sz="2800"/>
+              <a:t>(</a:t>
+            </a:r>
+            <a:r>
+              <a:rPr lang="en-US" sz="2800" i="1"/>
+              <a:t>n</a:t>
+            </a:r>
+            <a:r>
+              <a:rPr lang="en-US" sz="2800"/>
+              <a:t>) time complexity</a:t>
+            </a:r>
+          </a:p>
+          <a:p>
+            <a:pPr lvl="1"/>
+            <a:r>
+              <a:rPr lang="en-US" sz="2400"/>
+              <a:t>recursive-descent and table-driven predictive parsing</a:t>
+            </a:r>
+          </a:p>
+          <a:p>
+            <a:r>
+              <a:rPr lang="en-US" sz="2800"/>
+              <a:t>LR(k) – Parsing : </a:t>
+            </a:r>
+            <a:r>
+              <a:rPr lang="en-US" sz="2800" i="1"/>
+              <a:t>O</a:t>
+            </a:r>
+            <a:r>
+              <a:rPr lang="en-US" sz="2800"/>
+              <a:t>(</a:t>
+            </a:r>
+            <a:r>
+              <a:rPr lang="en-US" sz="2800" i="1"/>
+              <a:t>n</a:t>
+            </a:r>
+            <a:r>
+              <a:rPr lang="en-US" sz="2800"/>
+              <a:t>) time complexity</a:t>
+            </a:r>
+          </a:p>
+          <a:p>
+            <a:pPr lvl="1"/>
+            <a:r>
+              <a:rPr lang="en-US" sz="2400"/>
+              <a:t>LR(0), SLR(1), LR(1), LALR(1)</a:t>
+            </a:r>
+          </a:p>
+          <a:p>
+            <a:r>
+              <a:rPr lang="en-US" sz="2800"/>
+              <a:t>Resolving shift/reduce conflicts</a:t>
+            </a:r>
+          </a:p>
+          <a:p>
+            <a:pPr lvl="1"/>
+            <a:r>
+              <a:rPr lang="en-US" sz="2400"/>
+              <a:t>using precedence, associativity</a:t>
             </a:r>
           </a:p>
         </p:txBody>
@@ -12146,7 +10656,7 @@
           <a:bodyPr/>
           <a:lstStyle/>
           <a:p>
-            <a:fld id="{F01605B4-FD9E-A14A-A43F-08C5F3B7DD8E}" type="slidenum">
+            <a:fld id="{1E9954E9-0610-7043-B023-2390B0BF7BBC}" type="slidenum">
               <a:rPr lang="en-US"/>
               <a:pPr/>
               <a:t>9</a:t>
@@ -12194,7 +10704,7 @@
                                           </p:stCondLst>
                                         </p:cTn>
                                         <p:tgtEl>
-                                          <p:spTgt spid="202757">
+                                          <p:spTgt spid="321539">
                                             <p:txEl>
                                               <p:pRg st="0" end="0"/>
                                             </p:txEl>
@@ -12211,21 +10721,39 @@
                                   </p:childTnLst>
                                 </p:cTn>
                               </p:par>
+                            </p:childTnLst>
+                          </p:cTn>
+                        </p:par>
+                      </p:childTnLst>
+                    </p:cTn>
+                  </p:par>
+                  <p:par>
+                    <p:cTn id="7" fill="hold">
+                      <p:stCondLst>
+                        <p:cond delay="indefinite"/>
+                      </p:stCondLst>
+                      <p:childTnLst>
+                        <p:par>
+                          <p:cTn id="8" fill="hold">
+                            <p:stCondLst>
+                              <p:cond delay="0"/>
+                            </p:stCondLst>
+                            <p:childTnLst>
                               <p:par>
-                                <p:cTn id="7" presetID="1" presetClass="entr" presetSubtype="0" fill="hold" grpId="0" nodeType="withEffect">
+                                <p:cTn id="9" presetID="1" presetClass="entr" presetSubtype="0" fill="hold" grpId="0" nodeType="clickEffect">
                                   <p:stCondLst>
                                     <p:cond delay="0"/>
                                   </p:stCondLst>
                                   <p:childTnLst>
                                     <p:set>
                                       <p:cBhvr>
-                                        <p:cTn id="8" dur="1" fill="hold">
+                                        <p:cTn id="10" dur="1" fill="hold">
                                           <p:stCondLst>
                                             <p:cond delay="499"/>
                                           </p:stCondLst>
                                         </p:cTn>
                                         <p:tgtEl>
-                                          <p:spTgt spid="202757">
+                                          <p:spTgt spid="321539">
                                             <p:txEl>
                                               <p:pRg st="1" end="1"/>
                                             </p:txEl>
@@ -12249,32 +10777,32 @@
                     </p:cTn>
                   </p:par>
                   <p:par>
-                    <p:cTn id="9" fill="hold">
+                    <p:cTn id="11" fill="hold">
                       <p:stCondLst>
                         <p:cond delay="indefinite"/>
                       </p:stCondLst>
                       <p:childTnLst>
                         <p:par>
-                          <p:cTn id="10" fill="hold">
+                          <p:cTn id="12" fill="hold">
                             <p:stCondLst>
                               <p:cond delay="0"/>
                             </p:stCondLst>
                             <p:childTnLst>
                               <p:par>
-                                <p:cTn id="11" presetID="1" presetClass="entr" presetSubtype="0" fill="hold" grpId="0" nodeType="clickEffect">
+                                <p:cTn id="13" presetID="1" presetClass="entr" presetSubtype="0" fill="hold" grpId="0" nodeType="clickEffect">
                                   <p:stCondLst>
                                     <p:cond delay="0"/>
                                   </p:stCondLst>
                                   <p:childTnLst>
                                     <p:set>
                                       <p:cBhvr>
-                                        <p:cTn id="12" dur="1" fill="hold">
+                                        <p:cTn id="14" dur="1" fill="hold">
                                           <p:stCondLst>
                                             <p:cond delay="499"/>
                                           </p:stCondLst>
                                         </p:cTn>
                                         <p:tgtEl>
-                                          <p:spTgt spid="202757">
+                                          <p:spTgt spid="321539">
                                             <p:txEl>
                                               <p:pRg st="2" end="2"/>
                                             </p:txEl>
@@ -12292,20 +10820,20 @@
                                 </p:cTn>
                               </p:par>
                               <p:par>
-                                <p:cTn id="13" presetID="1" presetClass="entr" presetSubtype="0" fill="hold" grpId="0" nodeType="withEffect">
+                                <p:cTn id="15" presetID="1" presetClass="entr" presetSubtype="0" fill="hold" grpId="0" nodeType="withEffect">
                                   <p:stCondLst>
                                     <p:cond delay="0"/>
                                   </p:stCondLst>
                                   <p:childTnLst>
                                     <p:set>
                                       <p:cBhvr>
-                                        <p:cTn id="14" dur="1" fill="hold">
+                                        <p:cTn id="16" dur="1" fill="hold">
                                           <p:stCondLst>
                                             <p:cond delay="499"/>
                                           </p:stCondLst>
                                         </p:cTn>
                                         <p:tgtEl>
-                                          <p:spTgt spid="202757">
+                                          <p:spTgt spid="321539">
                                             <p:txEl>
                                               <p:pRg st="3" end="3"/>
                                             </p:txEl>
@@ -12329,32 +10857,32 @@
                     </p:cTn>
                   </p:par>
                   <p:par>
-                    <p:cTn id="15" fill="hold">
+                    <p:cTn id="17" fill="hold">
                       <p:stCondLst>
                         <p:cond delay="indefinite"/>
                       </p:stCondLst>
                       <p:childTnLst>
                         <p:par>
-                          <p:cTn id="16" fill="hold">
+                          <p:cTn id="18" fill="hold">
                             <p:stCondLst>
                               <p:cond delay="0"/>
                             </p:stCondLst>
                             <p:childTnLst>
                               <p:par>
-                                <p:cTn id="17" presetID="1" presetClass="entr" presetSubtype="0" fill="hold" grpId="0" nodeType="clickEffect">
+                                <p:cTn id="19" presetID="1" presetClass="entr" presetSubtype="0" fill="hold" grpId="0" nodeType="clickEffect">
                                   <p:stCondLst>
                                     <p:cond delay="0"/>
                                   </p:stCondLst>
                                   <p:childTnLst>
                                     <p:set>
                                       <p:cBhvr>
-                                        <p:cTn id="18" dur="1" fill="hold">
+                                        <p:cTn id="20" dur="1" fill="hold">
                                           <p:stCondLst>
                                             <p:cond delay="499"/>
                                           </p:stCondLst>
                                         </p:cTn>
                                         <p:tgtEl>
-                                          <p:spTgt spid="202757">
+                                          <p:spTgt spid="321539">
                                             <p:txEl>
                                               <p:pRg st="4" end="4"/>
                                             </p:txEl>
@@ -12372,22 +10900,102 @@
                                 </p:cTn>
                               </p:par>
                               <p:par>
-                                <p:cTn id="19" presetID="1" presetClass="entr" presetSubtype="0" fill="hold" grpId="0" nodeType="withEffect">
+                                <p:cTn id="21" presetID="1" presetClass="entr" presetSubtype="0" fill="hold" grpId="0" nodeType="withEffect">
                                   <p:stCondLst>
                                     <p:cond delay="0"/>
                                   </p:stCondLst>
                                   <p:childTnLst>
                                     <p:set>
                                       <p:cBhvr>
-                                        <p:cTn id="20" dur="1" fill="hold">
+                                        <p:cTn id="22" dur="1" fill="hold">
                                           <p:stCondLst>
                                             <p:cond delay="499"/>
                                           </p:stCondLst>
                                         </p:cTn>
                                         <p:tgtEl>
-                                          <p:spTgt spid="202757">
+                                          <p:spTgt spid="321539">
                                             <p:txEl>
                                               <p:pRg st="5" end="5"/>
+                                            </p:txEl>
+                                          </p:spTgt>
+                                        </p:tgtEl>
+                                        <p:attrNameLst>
+                                          <p:attrName>style.visibility</p:attrName>
+                                        </p:attrNameLst>
+                                      </p:cBhvr>
+                                      <p:to>
+                                        <p:strVal val="visible"/>
+                                      </p:to>
+                                    </p:set>
+                                  </p:childTnLst>
+                                </p:cTn>
+                              </p:par>
+                            </p:childTnLst>
+                          </p:cTn>
+                        </p:par>
+                      </p:childTnLst>
+                    </p:cTn>
+                  </p:par>
+                  <p:par>
+                    <p:cTn id="23" fill="hold">
+                      <p:stCondLst>
+                        <p:cond delay="indefinite"/>
+                      </p:stCondLst>
+                      <p:childTnLst>
+                        <p:par>
+                          <p:cTn id="24" fill="hold">
+                            <p:stCondLst>
+                              <p:cond delay="0"/>
+                            </p:stCondLst>
+                            <p:childTnLst>
+                              <p:par>
+                                <p:cTn id="25" presetID="1" presetClass="entr" presetSubtype="0" fill="hold" grpId="0" nodeType="clickEffect">
+                                  <p:stCondLst>
+                                    <p:cond delay="0"/>
+                                  </p:stCondLst>
+                                  <p:childTnLst>
+                                    <p:set>
+                                      <p:cBhvr>
+                                        <p:cTn id="26" dur="1" fill="hold">
+                                          <p:stCondLst>
+                                            <p:cond delay="499"/>
+                                          </p:stCondLst>
+                                        </p:cTn>
+                                        <p:tgtEl>
+                                          <p:spTgt spid="321539">
+                                            <p:txEl>
+                                              <p:pRg st="6" end="6"/>
+                                            </p:txEl>
+                                          </p:spTgt>
+                                        </p:tgtEl>
+                                        <p:attrNameLst>
+                                          <p:attrName>style.visibility</p:attrName>
+                                        </p:attrNameLst>
+                                      </p:cBhvr>
+                                      <p:to>
+                                        <p:strVal val="visible"/>
+                                      </p:to>
+                                    </p:set>
+                                  </p:childTnLst>
+                                </p:cTn>
+                              </p:par>
+                              <p:par>
+                                <p:cTn id="27" presetID="1" presetClass="entr" presetSubtype="0" fill="hold" grpId="0" nodeType="withEffect">
+                                  <p:stCondLst>
+                                    <p:cond delay="0"/>
+                                  </p:stCondLst>
+                                  <p:childTnLst>
+                                    <p:set>
+                                      <p:cBhvr>
+                                        <p:cTn id="28" dur="1" fill="hold">
+                                          <p:stCondLst>
+                                            <p:cond delay="499"/>
+                                          </p:stCondLst>
+                                        </p:cTn>
+                                        <p:tgtEl>
+                                          <p:spTgt spid="321539">
+                                            <p:txEl>
+                                              <p:pRg st="7" end="7"/>
                                             </p:txEl>
                                           </p:spTgt>
                                         </p:tgtEl>
@@ -12430,7 +11038,7 @@
       </p:par>
     </p:tnLst>
     <p:bldLst>
-      <p:bldP spid="202757" grpId="0" build="p" autoUpdateAnimBg="0"/>
+      <p:bldP spid="321539" grpId="0" build="p" autoUpdateAnimBg="0"/>
     </p:bldLst>
   </p:timing>
 </p:sld>

--- a/assets/ppt/parsing/lr5-prec-assoc.pptx
+++ b/assets/ppt/parsing/lr5-prec-assoc.pptx
@@ -2,7 +2,7 @@
 <file path=ppt/presentation.xml><?xml version="1.0" encoding="utf-8"?>
 <p:presentation xmlns:a="http://schemas.openxmlformats.org/drawingml/2006/main" xmlns:r="http://schemas.openxmlformats.org/officeDocument/2006/relationships" xmlns:p="http://schemas.openxmlformats.org/presentationml/2006/main" strictFirstAndLastChars="0" saveSubsetFonts="1" autoCompressPictures="0">
   <p:sldMasterIdLst>
-    <p:sldMasterId id="2147483660" r:id="rId1"/>
+    <p:sldMasterId id="2147483672" r:id="rId1"/>
   </p:sldMasterIdLst>
   <p:notesMasterIdLst>
     <p:notesMasterId r:id="rId11"/>
@@ -21,7 +21,7 @@
     <p:sldId id="412" r:id="rId9"/>
     <p:sldId id="401" r:id="rId10"/>
   </p:sldIdLst>
-  <p:sldSz cx="9144000" cy="6858000" type="screen4x3"/>
+  <p:sldSz cx="9144000" cy="5143500" type="screen16x9"/>
   <p:notesSz cx="6858000" cy="9144000"/>
   <p:defaultTextStyle>
     <a:defPPr>
@@ -151,12 +151,12 @@
   <p:extLst>
     <p:ext uri="{EFAFB233-063F-42B5-8137-9DF3F51BA10A}">
       <p15:sldGuideLst xmlns:p15="http://schemas.microsoft.com/office/powerpoint/2012/main">
-        <p15:guide id="1" orient="horz" pos="2160">
+        <p15:guide id="1" orient="horz" pos="1620" userDrawn="1">
           <p15:clr>
             <a:srgbClr val="A4A3A4"/>
           </p15:clr>
         </p15:guide>
-        <p15:guide id="2" pos="2880">
+        <p15:guide id="2" pos="2880" userDrawn="1">
           <p15:clr>
             <a:srgbClr val="A4A3A4"/>
           </p15:clr>
@@ -249,7 +249,7 @@
           <a:p>
             <a:fld id="{8FB9796E-8218-104C-80DE-FD5737E53010}" type="datetimeFigureOut">
               <a:rPr lang="en-US" smtClean="0"/>
-              <a:t>7/4/19</a:t>
+              <a:t>10/12/20</a:t>
             </a:fld>
             <a:endParaRPr lang="en-US"/>
           </a:p>
@@ -456,8 +456,8 @@
         </p:nvSpPr>
         <p:spPr bwMode="auto">
           <a:xfrm>
-            <a:off x="1143000" y="685800"/>
-            <a:ext cx="4572000" cy="3429000"/>
+            <a:off x="381000" y="685800"/>
+            <a:ext cx="6096000" cy="3429000"/>
           </a:xfrm>
           <a:prstGeom prst="rect">
             <a:avLst/>
@@ -834,8 +834,8 @@
         </p:nvSpPr>
         <p:spPr>
           <a:xfrm>
-            <a:off x="1143000" y="685800"/>
-            <a:ext cx="4572000" cy="3429000"/>
+            <a:off x="381000" y="685800"/>
+            <a:ext cx="6096000" cy="3429000"/>
           </a:xfrm>
           <a:custGeom>
             <a:avLst/>
@@ -925,6 +925,10 @@
           </p:nvPr>
         </p:nvSpPr>
         <p:spPr>
+          <a:xfrm>
+            <a:off x="381000" y="685800"/>
+            <a:ext cx="6096000" cy="3429000"/>
+          </a:xfrm>
           <a:ln/>
         </p:spPr>
       </p:sp>
@@ -1009,6 +1013,10 @@
           </p:nvPr>
         </p:nvSpPr>
         <p:spPr>
+          <a:xfrm>
+            <a:off x="381000" y="685800"/>
+            <a:ext cx="6096000" cy="3429000"/>
+          </a:xfrm>
           <a:ln/>
         </p:spPr>
       </p:sp>
@@ -1093,6 +1101,10 @@
           </p:nvPr>
         </p:nvSpPr>
         <p:spPr>
+          <a:xfrm>
+            <a:off x="381000" y="685800"/>
+            <a:ext cx="6096000" cy="3429000"/>
+          </a:xfrm>
           <a:ln/>
         </p:spPr>
       </p:sp>
@@ -1177,6 +1189,10 @@
           </p:nvPr>
         </p:nvSpPr>
         <p:spPr>
+          <a:xfrm>
+            <a:off x="381000" y="685800"/>
+            <a:ext cx="6096000" cy="3429000"/>
+          </a:xfrm>
           <a:ln/>
         </p:spPr>
       </p:sp>
@@ -1261,6 +1277,10 @@
           </p:nvPr>
         </p:nvSpPr>
         <p:spPr>
+          <a:xfrm>
+            <a:off x="381000" y="685800"/>
+            <a:ext cx="6096000" cy="3429000"/>
+          </a:xfrm>
           <a:ln/>
         </p:spPr>
       </p:sp>
@@ -1345,6 +1365,10 @@
           </p:nvPr>
         </p:nvSpPr>
         <p:spPr>
+          <a:xfrm>
+            <a:off x="381000" y="685800"/>
+            <a:ext cx="6096000" cy="3429000"/>
+          </a:xfrm>
           <a:ln/>
         </p:spPr>
       </p:sp>
@@ -1429,6 +1453,10 @@
           </p:nvPr>
         </p:nvSpPr>
         <p:spPr>
+          <a:xfrm>
+            <a:off x="381000" y="685800"/>
+            <a:ext cx="6096000" cy="3429000"/>
+          </a:xfrm>
           <a:ln/>
         </p:spPr>
       </p:sp>
@@ -1514,8 +1542,8 @@
         </p:nvSpPr>
         <p:spPr bwMode="auto">
           <a:xfrm>
-            <a:off x="1143000" y="685800"/>
-            <a:ext cx="4572000" cy="3429000"/>
+            <a:off x="381000" y="685800"/>
+            <a:ext cx="6096000" cy="3429000"/>
           </a:xfrm>
           <a:prstGeom prst="rect">
             <a:avLst/>
@@ -1602,111 +1630,10 @@
       </p:grpSpPr>
       <p:sp>
         <p:nvSpPr>
-          <p:cNvPr id="2" name="Title 1"/>
-          <p:cNvSpPr>
-            <a:spLocks noGrp="1"/>
-          </p:cNvSpPr>
-          <p:nvPr>
-            <p:ph type="ctrTitle"/>
-          </p:nvPr>
-        </p:nvSpPr>
-        <p:spPr>
-          <a:xfrm>
-            <a:off x="685800" y="2130425"/>
-            <a:ext cx="7772400" cy="1470025"/>
-          </a:xfrm>
-        </p:spPr>
-        <p:txBody>
-          <a:bodyPr/>
-          <a:lstStyle>
-            <a:lvl1pPr>
-              <a:defRPr>
-                <a:latin typeface="+mj-lt"/>
-              </a:defRPr>
-            </a:lvl1pPr>
-          </a:lstStyle>
-          <a:p>
-            <a:r>
-              <a:rPr lang="en-CA" dirty="0"/>
-              <a:t>Click to edit Master title style</a:t>
-            </a:r>
-            <a:endParaRPr lang="en-US" dirty="0"/>
-          </a:p>
-        </p:txBody>
-      </p:sp>
-      <p:sp>
-        <p:nvSpPr>
-          <p:cNvPr id="3" name="Subtitle 2"/>
-          <p:cNvSpPr>
-            <a:spLocks noGrp="1"/>
-          </p:cNvSpPr>
-          <p:nvPr>
-            <p:ph type="subTitle" idx="1"/>
-          </p:nvPr>
-        </p:nvSpPr>
-        <p:spPr>
-          <a:xfrm>
-            <a:off x="1371600" y="3886200"/>
-            <a:ext cx="6400800" cy="1752600"/>
-          </a:xfrm>
-        </p:spPr>
-        <p:txBody>
-          <a:bodyPr/>
-          <a:lstStyle>
-            <a:lvl1pPr marL="0" indent="0" algn="ctr">
-              <a:buNone/>
-              <a:defRPr>
-                <a:latin typeface="+mn-lt"/>
-              </a:defRPr>
-            </a:lvl1pPr>
-            <a:lvl2pPr marL="457200" indent="0" algn="ctr">
-              <a:buNone/>
-              <a:defRPr/>
-            </a:lvl2pPr>
-            <a:lvl3pPr marL="914400" indent="0" algn="ctr">
-              <a:buNone/>
-              <a:defRPr/>
-            </a:lvl3pPr>
-            <a:lvl4pPr marL="1371600" indent="0" algn="ctr">
-              <a:buNone/>
-              <a:defRPr/>
-            </a:lvl4pPr>
-            <a:lvl5pPr marL="1828800" indent="0" algn="ctr">
-              <a:buNone/>
-              <a:defRPr/>
-            </a:lvl5pPr>
-            <a:lvl6pPr marL="2286000" indent="0" algn="ctr">
-              <a:buNone/>
-              <a:defRPr/>
-            </a:lvl6pPr>
-            <a:lvl7pPr marL="2743200" indent="0" algn="ctr">
-              <a:buNone/>
-              <a:defRPr/>
-            </a:lvl7pPr>
-            <a:lvl8pPr marL="3200400" indent="0" algn="ctr">
-              <a:buNone/>
-              <a:defRPr/>
-            </a:lvl8pPr>
-            <a:lvl9pPr marL="3657600" indent="0" algn="ctr">
-              <a:buNone/>
-              <a:defRPr/>
-            </a:lvl9pPr>
-          </a:lstStyle>
-          <a:p>
-            <a:r>
-              <a:rPr lang="en-CA" dirty="0"/>
-              <a:t>Click to edit Master subtitle style</a:t>
-            </a:r>
-            <a:endParaRPr lang="en-US" dirty="0"/>
-          </a:p>
-        </p:txBody>
-      </p:sp>
-      <p:sp>
-        <p:nvSpPr>
-          <p:cNvPr id="7" name="Footer Placeholder 6">
+          <p:cNvPr id="2" name="Title 1">
             <a:extLst>
               <a:ext uri="{FF2B5EF4-FFF2-40B4-BE49-F238E27FC236}">
-                <a16:creationId xmlns:a16="http://schemas.microsoft.com/office/drawing/2014/main" id="{CA57918C-4FEB-FC4B-889D-A7B37C602A61}"/>
+                <a16:creationId xmlns:a16="http://schemas.microsoft.com/office/drawing/2014/main" id="{A54806C3-0D37-1E4B-AB06-F67F2304BA48}"/>
               </a:ext>
             </a:extLst>
           </p:cNvPr>
@@ -1714,24 +1641,36 @@
             <a:spLocks noGrp="1"/>
           </p:cNvSpPr>
           <p:nvPr>
-            <p:ph type="ftr" sz="quarter" idx="10"/>
+            <p:ph type="ctrTitle"/>
           </p:nvPr>
         </p:nvSpPr>
-        <p:spPr/>
-        <p:txBody>
-          <a:bodyPr/>
-          <a:lstStyle/>
-          <a:p>
-            <a:endParaRPr lang="en-US"/>
-          </a:p>
-        </p:txBody>
-      </p:sp>
-      <p:sp>
-        <p:nvSpPr>
-          <p:cNvPr id="8" name="Slide Number Placeholder 7">
+        <p:spPr>
+          <a:xfrm>
+            <a:off x="1143000" y="841772"/>
+            <a:ext cx="6858000" cy="1790700"/>
+          </a:xfrm>
+        </p:spPr>
+        <p:txBody>
+          <a:bodyPr anchor="b"/>
+          <a:lstStyle>
+            <a:lvl1pPr algn="ctr">
+              <a:defRPr sz="4500"/>
+            </a:lvl1pPr>
+          </a:lstStyle>
+          <a:p>
+            <a:r>
+              <a:rPr lang="en-US"/>
+              <a:t>Click to edit Master title style</a:t>
+            </a:r>
+          </a:p>
+        </p:txBody>
+      </p:sp>
+      <p:sp>
+        <p:nvSpPr>
+          <p:cNvPr id="3" name="Subtitle 2">
             <a:extLst>
               <a:ext uri="{FF2B5EF4-FFF2-40B4-BE49-F238E27FC236}">
-                <a16:creationId xmlns:a16="http://schemas.microsoft.com/office/drawing/2014/main" id="{CE5DA644-BA1F-AA47-BA1C-083A9F7BC576}"/>
+                <a16:creationId xmlns:a16="http://schemas.microsoft.com/office/drawing/2014/main" id="{74474DE2-44F0-154B-9FE6-BCB6D1E865D0}"/>
               </a:ext>
             </a:extLst>
           </p:cNvPr>
@@ -1739,7 +1678,77 @@
             <a:spLocks noGrp="1"/>
           </p:cNvSpPr>
           <p:nvPr>
-            <p:ph type="sldNum" sz="quarter" idx="11"/>
+            <p:ph type="subTitle" idx="1"/>
+          </p:nvPr>
+        </p:nvSpPr>
+        <p:spPr>
+          <a:xfrm>
+            <a:off x="1143000" y="2701528"/>
+            <a:ext cx="6858000" cy="1241822"/>
+          </a:xfrm>
+        </p:spPr>
+        <p:txBody>
+          <a:bodyPr/>
+          <a:lstStyle>
+            <a:lvl1pPr marL="0" indent="0" algn="ctr">
+              <a:buNone/>
+              <a:defRPr sz="1800"/>
+            </a:lvl1pPr>
+            <a:lvl2pPr marL="342900" indent="0" algn="ctr">
+              <a:buNone/>
+              <a:defRPr sz="1500"/>
+            </a:lvl2pPr>
+            <a:lvl3pPr marL="685800" indent="0" algn="ctr">
+              <a:buNone/>
+              <a:defRPr sz="1350"/>
+            </a:lvl3pPr>
+            <a:lvl4pPr marL="1028700" indent="0" algn="ctr">
+              <a:buNone/>
+              <a:defRPr sz="1200"/>
+            </a:lvl4pPr>
+            <a:lvl5pPr marL="1371600" indent="0" algn="ctr">
+              <a:buNone/>
+              <a:defRPr sz="1200"/>
+            </a:lvl5pPr>
+            <a:lvl6pPr marL="1714500" indent="0" algn="ctr">
+              <a:buNone/>
+              <a:defRPr sz="1200"/>
+            </a:lvl6pPr>
+            <a:lvl7pPr marL="2057400" indent="0" algn="ctr">
+              <a:buNone/>
+              <a:defRPr sz="1200"/>
+            </a:lvl7pPr>
+            <a:lvl8pPr marL="2400300" indent="0" algn="ctr">
+              <a:buNone/>
+              <a:defRPr sz="1200"/>
+            </a:lvl8pPr>
+            <a:lvl9pPr marL="2743200" indent="0" algn="ctr">
+              <a:buNone/>
+              <a:defRPr sz="1200"/>
+            </a:lvl9pPr>
+          </a:lstStyle>
+          <a:p>
+            <a:r>
+              <a:rPr lang="en-US"/>
+              <a:t>Click to edit Master subtitle style</a:t>
+            </a:r>
+          </a:p>
+        </p:txBody>
+      </p:sp>
+      <p:sp>
+        <p:nvSpPr>
+          <p:cNvPr id="4" name="Date Placeholder 3">
+            <a:extLst>
+              <a:ext uri="{FF2B5EF4-FFF2-40B4-BE49-F238E27FC236}">
+                <a16:creationId xmlns:a16="http://schemas.microsoft.com/office/drawing/2014/main" id="{844E33B0-B879-9D40-9953-106C0922B8D7}"/>
+              </a:ext>
+            </a:extLst>
+          </p:cNvPr>
+          <p:cNvSpPr>
+            <a:spLocks noGrp="1"/>
+          </p:cNvSpPr>
+          <p:nvPr>
+            <p:ph type="dt" sz="half" idx="10"/>
           </p:nvPr>
         </p:nvSpPr>
         <p:spPr/>
@@ -1747,19 +1756,72 @@
           <a:bodyPr/>
           <a:lstStyle/>
           <a:p>
-            <a:fld id="{95FC67CD-6733-D04F-B9BE-AD105949F24E}" type="slidenum">
+            <a:fld id="{1B6DC762-1116-2146-A47C-D79A5A5DBAFD}" type="datetime1">
+              <a:rPr lang="en-CA" smtClean="0"/>
+              <a:t>2020-10-12</a:t>
+            </a:fld>
+            <a:endParaRPr lang="en-US"/>
+          </a:p>
+        </p:txBody>
+      </p:sp>
+      <p:sp>
+        <p:nvSpPr>
+          <p:cNvPr id="5" name="Footer Placeholder 4">
+            <a:extLst>
+              <a:ext uri="{FF2B5EF4-FFF2-40B4-BE49-F238E27FC236}">
+                <a16:creationId xmlns:a16="http://schemas.microsoft.com/office/drawing/2014/main" id="{8801F4B7-24D8-504D-91CD-3E8202E86F5F}"/>
+              </a:ext>
+            </a:extLst>
+          </p:cNvPr>
+          <p:cNvSpPr>
+            <a:spLocks noGrp="1"/>
+          </p:cNvSpPr>
+          <p:nvPr>
+            <p:ph type="ftr" sz="quarter" idx="11"/>
+          </p:nvPr>
+        </p:nvSpPr>
+        <p:spPr/>
+        <p:txBody>
+          <a:bodyPr/>
+          <a:lstStyle/>
+          <a:p>
+            <a:endParaRPr lang="en-US"/>
+          </a:p>
+        </p:txBody>
+      </p:sp>
+      <p:sp>
+        <p:nvSpPr>
+          <p:cNvPr id="6" name="Slide Number Placeholder 5">
+            <a:extLst>
+              <a:ext uri="{FF2B5EF4-FFF2-40B4-BE49-F238E27FC236}">
+                <a16:creationId xmlns:a16="http://schemas.microsoft.com/office/drawing/2014/main" id="{F3891076-2E3A-CF41-96E4-D4E77A0CF892}"/>
+              </a:ext>
+            </a:extLst>
+          </p:cNvPr>
+          <p:cNvSpPr>
+            <a:spLocks noGrp="1"/>
+          </p:cNvSpPr>
+          <p:nvPr>
+            <p:ph type="sldNum" sz="quarter" idx="12"/>
+          </p:nvPr>
+        </p:nvSpPr>
+        <p:spPr/>
+        <p:txBody>
+          <a:bodyPr/>
+          <a:lstStyle/>
+          <a:p>
+            <a:fld id="{7B252BF6-6A9C-D04A-BBE8-37A07D64A1C3}" type="slidenum">
               <a:rPr lang="en-US" smtClean="0"/>
-              <a:pPr/>
               <a:t>‹#›</a:t>
             </a:fld>
-            <a:endParaRPr lang="en-US" dirty="0"/>
+            <a:endParaRPr lang="en-US"/>
           </a:p>
         </p:txBody>
       </p:sp>
     </p:spTree>
     <p:extLst>
       <p:ext uri="{BB962C8B-B14F-4D97-AF65-F5344CB8AC3E}">
-        <p14:creationId xmlns:p14="http://schemas.microsoft.com/office/powerpoint/2010/main" val="2414818885"/>
+        <p14:creationId xmlns:p14="http://schemas.microsoft.com/office/powerpoint/2010/main" val="963845740"/>
       </p:ext>
     </p:extLst>
   </p:cSld>
@@ -1788,117 +1850,10 @@
       </p:grpSpPr>
       <p:sp>
         <p:nvSpPr>
-          <p:cNvPr id="2" name="Title 1"/>
-          <p:cNvSpPr>
-            <a:spLocks noGrp="1"/>
-          </p:cNvSpPr>
-          <p:nvPr>
-            <p:ph type="title"/>
-          </p:nvPr>
-        </p:nvSpPr>
-        <p:spPr/>
-        <p:txBody>
-          <a:bodyPr/>
-          <a:lstStyle>
-            <a:lvl1pPr>
-              <a:defRPr>
-                <a:latin typeface="+mj-lt"/>
-              </a:defRPr>
-            </a:lvl1pPr>
-          </a:lstStyle>
-          <a:p>
-            <a:r>
-              <a:rPr lang="en-CA" dirty="0"/>
-              <a:t>Click to edit Master title style</a:t>
-            </a:r>
-            <a:endParaRPr lang="en-US" dirty="0"/>
-          </a:p>
-        </p:txBody>
-      </p:sp>
-      <p:sp>
-        <p:nvSpPr>
-          <p:cNvPr id="3" name="Vertical Text Placeholder 2"/>
-          <p:cNvSpPr>
-            <a:spLocks noGrp="1"/>
-          </p:cNvSpPr>
-          <p:nvPr>
-            <p:ph type="body" orient="vert" idx="1"/>
-          </p:nvPr>
-        </p:nvSpPr>
-        <p:spPr/>
-        <p:txBody>
-          <a:bodyPr vert="eaVert"/>
-          <a:lstStyle>
-            <a:lvl1pPr>
-              <a:defRPr>
-                <a:latin typeface="+mn-lt"/>
-              </a:defRPr>
-            </a:lvl1pPr>
-            <a:lvl2pPr>
-              <a:defRPr>
-                <a:latin typeface="+mn-lt"/>
-              </a:defRPr>
-            </a:lvl2pPr>
-            <a:lvl3pPr>
-              <a:defRPr>
-                <a:latin typeface="+mn-lt"/>
-              </a:defRPr>
-            </a:lvl3pPr>
-            <a:lvl4pPr>
-              <a:defRPr>
-                <a:latin typeface="+mn-lt"/>
-              </a:defRPr>
-            </a:lvl4pPr>
-            <a:lvl5pPr>
-              <a:defRPr>
-                <a:latin typeface="+mn-lt"/>
-              </a:defRPr>
-            </a:lvl5pPr>
-          </a:lstStyle>
-          <a:p>
-            <a:pPr lvl="0"/>
-            <a:r>
-              <a:rPr lang="en-CA" dirty="0"/>
-              <a:t>Click to edit Master text styles</a:t>
-            </a:r>
-          </a:p>
-          <a:p>
-            <a:pPr lvl="1"/>
-            <a:r>
-              <a:rPr lang="en-CA" dirty="0"/>
-              <a:t>Second level</a:t>
-            </a:r>
-          </a:p>
-          <a:p>
-            <a:pPr lvl="2"/>
-            <a:r>
-              <a:rPr lang="en-CA" dirty="0"/>
-              <a:t>Third level</a:t>
-            </a:r>
-          </a:p>
-          <a:p>
-            <a:pPr lvl="3"/>
-            <a:r>
-              <a:rPr lang="en-CA" dirty="0"/>
-              <a:t>Fourth level</a:t>
-            </a:r>
-          </a:p>
-          <a:p>
-            <a:pPr lvl="4"/>
-            <a:r>
-              <a:rPr lang="en-CA" dirty="0"/>
-              <a:t>Fifth level</a:t>
-            </a:r>
-            <a:endParaRPr lang="en-US" dirty="0"/>
-          </a:p>
-        </p:txBody>
-      </p:sp>
-      <p:sp>
-        <p:nvSpPr>
-          <p:cNvPr id="7" name="Footer Placeholder 6">
+          <p:cNvPr id="2" name="Title 1">
             <a:extLst>
               <a:ext uri="{FF2B5EF4-FFF2-40B4-BE49-F238E27FC236}">
-                <a16:creationId xmlns:a16="http://schemas.microsoft.com/office/drawing/2014/main" id="{A94622E8-716D-2543-B902-025F35883533}"/>
+                <a16:creationId xmlns:a16="http://schemas.microsoft.com/office/drawing/2014/main" id="{02B4CE0D-89FC-894E-837F-75025627F131}"/>
               </a:ext>
             </a:extLst>
           </p:cNvPr>
@@ -1906,7 +1861,7 @@
             <a:spLocks noGrp="1"/>
           </p:cNvSpPr>
           <p:nvPr>
-            <p:ph type="ftr" sz="quarter" idx="10"/>
+            <p:ph type="title"/>
           </p:nvPr>
         </p:nvSpPr>
         <p:spPr/>
@@ -1914,16 +1869,19 @@
           <a:bodyPr/>
           <a:lstStyle/>
           <a:p>
-            <a:endParaRPr lang="en-US"/>
-          </a:p>
-        </p:txBody>
-      </p:sp>
-      <p:sp>
-        <p:nvSpPr>
-          <p:cNvPr id="8" name="Slide Number Placeholder 7">
+            <a:r>
+              <a:rPr lang="en-US"/>
+              <a:t>Click to edit Master title style</a:t>
+            </a:r>
+          </a:p>
+        </p:txBody>
+      </p:sp>
+      <p:sp>
+        <p:nvSpPr>
+          <p:cNvPr id="3" name="Vertical Text Placeholder 2">
             <a:extLst>
               <a:ext uri="{FF2B5EF4-FFF2-40B4-BE49-F238E27FC236}">
-                <a16:creationId xmlns:a16="http://schemas.microsoft.com/office/drawing/2014/main" id="{7524F093-4E36-C741-82AF-EEB7333B34DF}"/>
+                <a16:creationId xmlns:a16="http://schemas.microsoft.com/office/drawing/2014/main" id="{9380ACAA-2C0A-304E-83F1-4EB51F17E25D}"/>
               </a:ext>
             </a:extLst>
           </p:cNvPr>
@@ -1931,7 +1889,64 @@
             <a:spLocks noGrp="1"/>
           </p:cNvSpPr>
           <p:nvPr>
-            <p:ph type="sldNum" sz="quarter" idx="11"/>
+            <p:ph type="body" orient="vert" idx="1"/>
+          </p:nvPr>
+        </p:nvSpPr>
+        <p:spPr/>
+        <p:txBody>
+          <a:bodyPr vert="eaVert"/>
+          <a:lstStyle/>
+          <a:p>
+            <a:pPr lvl="0"/>
+            <a:r>
+              <a:rPr lang="en-US"/>
+              <a:t>Click to edit Master text styles</a:t>
+            </a:r>
+          </a:p>
+          <a:p>
+            <a:pPr lvl="1"/>
+            <a:r>
+              <a:rPr lang="en-US"/>
+              <a:t>Second level</a:t>
+            </a:r>
+          </a:p>
+          <a:p>
+            <a:pPr lvl="2"/>
+            <a:r>
+              <a:rPr lang="en-US"/>
+              <a:t>Third level</a:t>
+            </a:r>
+          </a:p>
+          <a:p>
+            <a:pPr lvl="3"/>
+            <a:r>
+              <a:rPr lang="en-US"/>
+              <a:t>Fourth level</a:t>
+            </a:r>
+          </a:p>
+          <a:p>
+            <a:pPr lvl="4"/>
+            <a:r>
+              <a:rPr lang="en-US"/>
+              <a:t>Fifth level</a:t>
+            </a:r>
+          </a:p>
+        </p:txBody>
+      </p:sp>
+      <p:sp>
+        <p:nvSpPr>
+          <p:cNvPr id="4" name="Date Placeholder 3">
+            <a:extLst>
+              <a:ext uri="{FF2B5EF4-FFF2-40B4-BE49-F238E27FC236}">
+                <a16:creationId xmlns:a16="http://schemas.microsoft.com/office/drawing/2014/main" id="{F7F2CE1A-ECCD-7C45-9EC1-935CBB996133}"/>
+              </a:ext>
+            </a:extLst>
+          </p:cNvPr>
+          <p:cNvSpPr>
+            <a:spLocks noGrp="1"/>
+          </p:cNvSpPr>
+          <p:nvPr>
+            <p:ph type="dt" sz="half" idx="10"/>
           </p:nvPr>
         </p:nvSpPr>
         <p:spPr/>
@@ -1939,19 +1954,72 @@
           <a:bodyPr/>
           <a:lstStyle/>
           <a:p>
-            <a:fld id="{95FC67CD-6733-D04F-B9BE-AD105949F24E}" type="slidenum">
+            <a:fld id="{725FEDD1-5A1B-2342-BAF0-F7C5511A73CE}" type="datetime1">
+              <a:rPr lang="en-CA" smtClean="0"/>
+              <a:t>2020-10-12</a:t>
+            </a:fld>
+            <a:endParaRPr lang="en-US"/>
+          </a:p>
+        </p:txBody>
+      </p:sp>
+      <p:sp>
+        <p:nvSpPr>
+          <p:cNvPr id="5" name="Footer Placeholder 4">
+            <a:extLst>
+              <a:ext uri="{FF2B5EF4-FFF2-40B4-BE49-F238E27FC236}">
+                <a16:creationId xmlns:a16="http://schemas.microsoft.com/office/drawing/2014/main" id="{61CB26C1-B795-194B-A2F7-B95309E54F38}"/>
+              </a:ext>
+            </a:extLst>
+          </p:cNvPr>
+          <p:cNvSpPr>
+            <a:spLocks noGrp="1"/>
+          </p:cNvSpPr>
+          <p:nvPr>
+            <p:ph type="ftr" sz="quarter" idx="11"/>
+          </p:nvPr>
+        </p:nvSpPr>
+        <p:spPr/>
+        <p:txBody>
+          <a:bodyPr/>
+          <a:lstStyle/>
+          <a:p>
+            <a:endParaRPr lang="en-US"/>
+          </a:p>
+        </p:txBody>
+      </p:sp>
+      <p:sp>
+        <p:nvSpPr>
+          <p:cNvPr id="6" name="Slide Number Placeholder 5">
+            <a:extLst>
+              <a:ext uri="{FF2B5EF4-FFF2-40B4-BE49-F238E27FC236}">
+                <a16:creationId xmlns:a16="http://schemas.microsoft.com/office/drawing/2014/main" id="{44243C09-DCC3-4E4C-AE13-B0962DDB7B7A}"/>
+              </a:ext>
+            </a:extLst>
+          </p:cNvPr>
+          <p:cNvSpPr>
+            <a:spLocks noGrp="1"/>
+          </p:cNvSpPr>
+          <p:nvPr>
+            <p:ph type="sldNum" sz="quarter" idx="12"/>
+          </p:nvPr>
+        </p:nvSpPr>
+        <p:spPr/>
+        <p:txBody>
+          <a:bodyPr/>
+          <a:lstStyle/>
+          <a:p>
+            <a:fld id="{7B252BF6-6A9C-D04A-BBE8-37A07D64A1C3}" type="slidenum">
               <a:rPr lang="en-US" smtClean="0"/>
-              <a:pPr/>
               <a:t>‹#›</a:t>
             </a:fld>
-            <a:endParaRPr lang="en-US" dirty="0"/>
+            <a:endParaRPr lang="en-US"/>
           </a:p>
         </p:txBody>
       </p:sp>
     </p:spTree>
     <p:extLst>
       <p:ext uri="{BB962C8B-B14F-4D97-AF65-F5344CB8AC3E}">
-        <p14:creationId xmlns:p14="http://schemas.microsoft.com/office/powerpoint/2010/main" val="265231579"/>
+        <p14:creationId xmlns:p14="http://schemas.microsoft.com/office/powerpoint/2010/main" val="3111999661"/>
       </p:ext>
     </p:extLst>
   </p:cSld>
@@ -1980,127 +2048,10 @@
       </p:grpSpPr>
       <p:sp>
         <p:nvSpPr>
-          <p:cNvPr id="2" name="Vertical Title 1"/>
-          <p:cNvSpPr>
-            <a:spLocks noGrp="1"/>
-          </p:cNvSpPr>
-          <p:nvPr>
-            <p:ph type="title" orient="vert"/>
-          </p:nvPr>
-        </p:nvSpPr>
-        <p:spPr>
-          <a:xfrm>
-            <a:off x="6515100" y="609600"/>
-            <a:ext cx="1943100" cy="5486400"/>
-          </a:xfrm>
-        </p:spPr>
-        <p:txBody>
-          <a:bodyPr vert="eaVert"/>
-          <a:lstStyle>
-            <a:lvl1pPr>
-              <a:defRPr>
-                <a:latin typeface="+mj-lt"/>
-              </a:defRPr>
-            </a:lvl1pPr>
-          </a:lstStyle>
-          <a:p>
-            <a:r>
-              <a:rPr lang="en-CA" dirty="0"/>
-              <a:t>Click to edit Master title style</a:t>
-            </a:r>
-            <a:endParaRPr lang="en-US" dirty="0"/>
-          </a:p>
-        </p:txBody>
-      </p:sp>
-      <p:sp>
-        <p:nvSpPr>
-          <p:cNvPr id="3" name="Vertical Text Placeholder 2"/>
-          <p:cNvSpPr>
-            <a:spLocks noGrp="1"/>
-          </p:cNvSpPr>
-          <p:nvPr>
-            <p:ph type="body" orient="vert" idx="1"/>
-          </p:nvPr>
-        </p:nvSpPr>
-        <p:spPr>
-          <a:xfrm>
-            <a:off x="685800" y="609600"/>
-            <a:ext cx="5676900" cy="5486400"/>
-          </a:xfrm>
-        </p:spPr>
-        <p:txBody>
-          <a:bodyPr vert="eaVert"/>
-          <a:lstStyle>
-            <a:lvl1pPr>
-              <a:defRPr>
-                <a:latin typeface="+mn-lt"/>
-              </a:defRPr>
-            </a:lvl1pPr>
-            <a:lvl2pPr>
-              <a:defRPr>
-                <a:latin typeface="+mn-lt"/>
-              </a:defRPr>
-            </a:lvl2pPr>
-            <a:lvl3pPr>
-              <a:defRPr>
-                <a:latin typeface="+mn-lt"/>
-              </a:defRPr>
-            </a:lvl3pPr>
-            <a:lvl4pPr>
-              <a:defRPr>
-                <a:latin typeface="+mn-lt"/>
-              </a:defRPr>
-            </a:lvl4pPr>
-            <a:lvl5pPr>
-              <a:defRPr>
-                <a:latin typeface="+mn-lt"/>
-              </a:defRPr>
-            </a:lvl5pPr>
-          </a:lstStyle>
-          <a:p>
-            <a:pPr lvl="0"/>
-            <a:r>
-              <a:rPr lang="en-CA" dirty="0"/>
-              <a:t>Click to edit Master text styles</a:t>
-            </a:r>
-          </a:p>
-          <a:p>
-            <a:pPr lvl="1"/>
-            <a:r>
-              <a:rPr lang="en-CA" dirty="0"/>
-              <a:t>Second level</a:t>
-            </a:r>
-          </a:p>
-          <a:p>
-            <a:pPr lvl="2"/>
-            <a:r>
-              <a:rPr lang="en-CA" dirty="0"/>
-              <a:t>Third level</a:t>
-            </a:r>
-          </a:p>
-          <a:p>
-            <a:pPr lvl="3"/>
-            <a:r>
-              <a:rPr lang="en-CA" dirty="0"/>
-              <a:t>Fourth level</a:t>
-            </a:r>
-          </a:p>
-          <a:p>
-            <a:pPr lvl="4"/>
-            <a:r>
-              <a:rPr lang="en-CA" dirty="0"/>
-              <a:t>Fifth level</a:t>
-            </a:r>
-            <a:endParaRPr lang="en-US" dirty="0"/>
-          </a:p>
-        </p:txBody>
-      </p:sp>
-      <p:sp>
-        <p:nvSpPr>
-          <p:cNvPr id="7" name="Footer Placeholder 6">
+          <p:cNvPr id="2" name="Vertical Title 1">
             <a:extLst>
               <a:ext uri="{FF2B5EF4-FFF2-40B4-BE49-F238E27FC236}">
-                <a16:creationId xmlns:a16="http://schemas.microsoft.com/office/drawing/2014/main" id="{AB010344-6C51-EF4E-81B3-87005283EB16}"/>
+                <a16:creationId xmlns:a16="http://schemas.microsoft.com/office/drawing/2014/main" id="{E7684669-9A93-654D-9A2F-8081C8778423}"/>
               </a:ext>
             </a:extLst>
           </p:cNvPr>
@@ -2108,24 +2059,32 @@
             <a:spLocks noGrp="1"/>
           </p:cNvSpPr>
           <p:nvPr>
-            <p:ph type="ftr" sz="quarter" idx="10"/>
+            <p:ph type="title" orient="vert"/>
           </p:nvPr>
         </p:nvSpPr>
-        <p:spPr/>
-        <p:txBody>
-          <a:bodyPr/>
+        <p:spPr>
+          <a:xfrm>
+            <a:off x="6543675" y="273844"/>
+            <a:ext cx="1971675" cy="4358879"/>
+          </a:xfrm>
+        </p:spPr>
+        <p:txBody>
+          <a:bodyPr vert="eaVert"/>
           <a:lstStyle/>
           <a:p>
-            <a:endParaRPr lang="en-US"/>
-          </a:p>
-        </p:txBody>
-      </p:sp>
-      <p:sp>
-        <p:nvSpPr>
-          <p:cNvPr id="8" name="Slide Number Placeholder 7">
+            <a:r>
+              <a:rPr lang="en-US"/>
+              <a:t>Click to edit Master title style</a:t>
+            </a:r>
+          </a:p>
+        </p:txBody>
+      </p:sp>
+      <p:sp>
+        <p:nvSpPr>
+          <p:cNvPr id="3" name="Vertical Text Placeholder 2">
             <a:extLst>
               <a:ext uri="{FF2B5EF4-FFF2-40B4-BE49-F238E27FC236}">
-                <a16:creationId xmlns:a16="http://schemas.microsoft.com/office/drawing/2014/main" id="{5ED49F94-3724-5E4A-B082-D0D7C38EC60C}"/>
+                <a16:creationId xmlns:a16="http://schemas.microsoft.com/office/drawing/2014/main" id="{0AAB22E1-C8CF-4B47-B5A2-1EE8384A2CFB}"/>
               </a:ext>
             </a:extLst>
           </p:cNvPr>
@@ -2133,7 +2092,69 @@
             <a:spLocks noGrp="1"/>
           </p:cNvSpPr>
           <p:nvPr>
-            <p:ph type="sldNum" sz="quarter" idx="11"/>
+            <p:ph type="body" orient="vert" idx="1"/>
+          </p:nvPr>
+        </p:nvSpPr>
+        <p:spPr>
+          <a:xfrm>
+            <a:off x="628650" y="273844"/>
+            <a:ext cx="5800725" cy="4358879"/>
+          </a:xfrm>
+        </p:spPr>
+        <p:txBody>
+          <a:bodyPr vert="eaVert"/>
+          <a:lstStyle/>
+          <a:p>
+            <a:pPr lvl="0"/>
+            <a:r>
+              <a:rPr lang="en-US"/>
+              <a:t>Click to edit Master text styles</a:t>
+            </a:r>
+          </a:p>
+          <a:p>
+            <a:pPr lvl="1"/>
+            <a:r>
+              <a:rPr lang="en-US"/>
+              <a:t>Second level</a:t>
+            </a:r>
+          </a:p>
+          <a:p>
+            <a:pPr lvl="2"/>
+            <a:r>
+              <a:rPr lang="en-US"/>
+              <a:t>Third level</a:t>
+            </a:r>
+          </a:p>
+          <a:p>
+            <a:pPr lvl="3"/>
+            <a:r>
+              <a:rPr lang="en-US"/>
+              <a:t>Fourth level</a:t>
+            </a:r>
+          </a:p>
+          <a:p>
+            <a:pPr lvl="4"/>
+            <a:r>
+              <a:rPr lang="en-US"/>
+              <a:t>Fifth level</a:t>
+            </a:r>
+          </a:p>
+        </p:txBody>
+      </p:sp>
+      <p:sp>
+        <p:nvSpPr>
+          <p:cNvPr id="4" name="Date Placeholder 3">
+            <a:extLst>
+              <a:ext uri="{FF2B5EF4-FFF2-40B4-BE49-F238E27FC236}">
+                <a16:creationId xmlns:a16="http://schemas.microsoft.com/office/drawing/2014/main" id="{C80452BC-8E3F-AD42-BB94-46241CB0D03E}"/>
+              </a:ext>
+            </a:extLst>
+          </p:cNvPr>
+          <p:cNvSpPr>
+            <a:spLocks noGrp="1"/>
+          </p:cNvSpPr>
+          <p:nvPr>
+            <p:ph type="dt" sz="half" idx="10"/>
           </p:nvPr>
         </p:nvSpPr>
         <p:spPr/>
@@ -2141,19 +2162,1318 @@
           <a:bodyPr/>
           <a:lstStyle/>
           <a:p>
-            <a:fld id="{95FC67CD-6733-D04F-B9BE-AD105949F24E}" type="slidenum">
+            <a:fld id="{F09E59AE-0AE1-4048-8BD6-D39FC0EBB194}" type="datetime1">
+              <a:rPr lang="en-CA" smtClean="0"/>
+              <a:t>2020-10-12</a:t>
+            </a:fld>
+            <a:endParaRPr lang="en-US"/>
+          </a:p>
+        </p:txBody>
+      </p:sp>
+      <p:sp>
+        <p:nvSpPr>
+          <p:cNvPr id="5" name="Footer Placeholder 4">
+            <a:extLst>
+              <a:ext uri="{FF2B5EF4-FFF2-40B4-BE49-F238E27FC236}">
+                <a16:creationId xmlns:a16="http://schemas.microsoft.com/office/drawing/2014/main" id="{3C62FCD2-719C-FC4A-8ADE-C7C90A064A41}"/>
+              </a:ext>
+            </a:extLst>
+          </p:cNvPr>
+          <p:cNvSpPr>
+            <a:spLocks noGrp="1"/>
+          </p:cNvSpPr>
+          <p:nvPr>
+            <p:ph type="ftr" sz="quarter" idx="11"/>
+          </p:nvPr>
+        </p:nvSpPr>
+        <p:spPr/>
+        <p:txBody>
+          <a:bodyPr/>
+          <a:lstStyle/>
+          <a:p>
+            <a:endParaRPr lang="en-US"/>
+          </a:p>
+        </p:txBody>
+      </p:sp>
+      <p:sp>
+        <p:nvSpPr>
+          <p:cNvPr id="6" name="Slide Number Placeholder 5">
+            <a:extLst>
+              <a:ext uri="{FF2B5EF4-FFF2-40B4-BE49-F238E27FC236}">
+                <a16:creationId xmlns:a16="http://schemas.microsoft.com/office/drawing/2014/main" id="{A291E3A0-1E32-BB4E-B406-C124789314DA}"/>
+              </a:ext>
+            </a:extLst>
+          </p:cNvPr>
+          <p:cNvSpPr>
+            <a:spLocks noGrp="1"/>
+          </p:cNvSpPr>
+          <p:nvPr>
+            <p:ph type="sldNum" sz="quarter" idx="12"/>
+          </p:nvPr>
+        </p:nvSpPr>
+        <p:spPr/>
+        <p:txBody>
+          <a:bodyPr/>
+          <a:lstStyle/>
+          <a:p>
+            <a:fld id="{7B252BF6-6A9C-D04A-BBE8-37A07D64A1C3}" type="slidenum">
               <a:rPr lang="en-US" smtClean="0"/>
-              <a:pPr/>
               <a:t>‹#›</a:t>
             </a:fld>
-            <a:endParaRPr lang="en-US" dirty="0"/>
+            <a:endParaRPr lang="en-US"/>
           </a:p>
         </p:txBody>
       </p:sp>
     </p:spTree>
     <p:extLst>
       <p:ext uri="{BB962C8B-B14F-4D97-AF65-F5344CB8AC3E}">
-        <p14:creationId xmlns:p14="http://schemas.microsoft.com/office/powerpoint/2010/main" val="605757230"/>
+        <p14:creationId xmlns:p14="http://schemas.microsoft.com/office/powerpoint/2010/main" val="3193338950"/>
+      </p:ext>
+    </p:extLst>
+  </p:cSld>
+  <p:clrMapOvr>
+    <a:masterClrMapping/>
+  </p:clrMapOvr>
+</p:sldLayout>
+</file>
+
+<file path=ppt/slideLayouts/slideLayout12.xml><?xml version="1.0" encoding="utf-8"?>
+<p:sldLayout xmlns:a="http://schemas.openxmlformats.org/drawingml/2006/main" xmlns:r="http://schemas.openxmlformats.org/officeDocument/2006/relationships" xmlns:p="http://schemas.openxmlformats.org/presentationml/2006/main" type="secHead" preserve="1">
+  <p:cSld name="1_Section header">
+    <p:spTree>
+      <p:nvGrpSpPr>
+        <p:cNvPr id="1" name="Shape 17"/>
+        <p:cNvGrpSpPr/>
+        <p:nvPr/>
+      </p:nvGrpSpPr>
+      <p:grpSpPr>
+        <a:xfrm>
+          <a:off x="0" y="0"/>
+          <a:ext cx="0" cy="0"/>
+          <a:chOff x="0" y="0"/>
+          <a:chExt cx="0" cy="0"/>
+        </a:xfrm>
+      </p:grpSpPr>
+      <p:sp>
+        <p:nvSpPr>
+          <p:cNvPr id="18" name="Shape 18"/>
+          <p:cNvSpPr txBox="1">
+            <a:spLocks noGrp="1"/>
+          </p:cNvSpPr>
+          <p:nvPr>
+            <p:ph type="title"/>
+          </p:nvPr>
+        </p:nvSpPr>
+        <p:spPr>
+          <a:xfrm>
+            <a:off x="311700" y="2150850"/>
+            <a:ext cx="8520600" cy="841725"/>
+          </a:xfrm>
+          <a:prstGeom prst="rect">
+            <a:avLst/>
+          </a:prstGeom>
+        </p:spPr>
+        <p:txBody>
+          <a:bodyPr lIns="91425" tIns="91425" rIns="91425" bIns="91425" anchor="ctr" anchorCtr="0"/>
+          <a:lstStyle>
+            <a:lvl1pPr lvl="0" algn="ctr">
+              <a:spcBef>
+                <a:spcPts val="0"/>
+              </a:spcBef>
+              <a:buSzPct val="100000"/>
+              <a:defRPr sz="2700"/>
+            </a:lvl1pPr>
+            <a:lvl2pPr lvl="1" algn="ctr">
+              <a:spcBef>
+                <a:spcPts val="0"/>
+              </a:spcBef>
+              <a:buSzPct val="100000"/>
+              <a:defRPr sz="2700"/>
+            </a:lvl2pPr>
+            <a:lvl3pPr lvl="2" algn="ctr">
+              <a:spcBef>
+                <a:spcPts val="0"/>
+              </a:spcBef>
+              <a:buSzPct val="100000"/>
+              <a:defRPr sz="2700"/>
+            </a:lvl3pPr>
+            <a:lvl4pPr lvl="3" algn="ctr">
+              <a:spcBef>
+                <a:spcPts val="0"/>
+              </a:spcBef>
+              <a:buSzPct val="100000"/>
+              <a:defRPr sz="2700"/>
+            </a:lvl4pPr>
+            <a:lvl5pPr lvl="4" algn="ctr">
+              <a:spcBef>
+                <a:spcPts val="0"/>
+              </a:spcBef>
+              <a:buSzPct val="100000"/>
+              <a:defRPr sz="2700"/>
+            </a:lvl5pPr>
+            <a:lvl6pPr lvl="5" algn="ctr">
+              <a:spcBef>
+                <a:spcPts val="0"/>
+              </a:spcBef>
+              <a:buSzPct val="100000"/>
+              <a:defRPr sz="2700"/>
+            </a:lvl6pPr>
+            <a:lvl7pPr lvl="6" algn="ctr">
+              <a:spcBef>
+                <a:spcPts val="0"/>
+              </a:spcBef>
+              <a:buSzPct val="100000"/>
+              <a:defRPr sz="2700"/>
+            </a:lvl7pPr>
+            <a:lvl8pPr lvl="7" algn="ctr">
+              <a:spcBef>
+                <a:spcPts val="0"/>
+              </a:spcBef>
+              <a:buSzPct val="100000"/>
+              <a:defRPr sz="2700"/>
+            </a:lvl8pPr>
+            <a:lvl9pPr lvl="8" algn="ctr">
+              <a:spcBef>
+                <a:spcPts val="0"/>
+              </a:spcBef>
+              <a:buSzPct val="100000"/>
+              <a:defRPr sz="2700"/>
+            </a:lvl9pPr>
+          </a:lstStyle>
+          <a:p>
+            <a:endParaRPr/>
+          </a:p>
+        </p:txBody>
+      </p:sp>
+    </p:spTree>
+    <p:extLst>
+      <p:ext uri="{BB962C8B-B14F-4D97-AF65-F5344CB8AC3E}">
+        <p14:creationId xmlns:p14="http://schemas.microsoft.com/office/powerpoint/2010/main" val="1128359117"/>
+      </p:ext>
+    </p:extLst>
+  </p:cSld>
+  <p:clrMapOvr>
+    <a:masterClrMapping/>
+  </p:clrMapOvr>
+</p:sldLayout>
+</file>
+
+<file path=ppt/slideLayouts/slideLayout13.xml><?xml version="1.0" encoding="utf-8"?>
+<p:sldLayout xmlns:a="http://schemas.openxmlformats.org/drawingml/2006/main" xmlns:r="http://schemas.openxmlformats.org/officeDocument/2006/relationships" xmlns:p="http://schemas.openxmlformats.org/presentationml/2006/main" type="txAndObj" preserve="1">
+  <p:cSld name="Title, Text, and Content">
+    <p:spTree>
+      <p:nvGrpSpPr>
+        <p:cNvPr id="1" name="Shape 32"/>
+        <p:cNvGrpSpPr/>
+        <p:nvPr/>
+      </p:nvGrpSpPr>
+      <p:grpSpPr>
+        <a:xfrm>
+          <a:off x="0" y="0"/>
+          <a:ext cx="0" cy="0"/>
+          <a:chOff x="0" y="0"/>
+          <a:chExt cx="0" cy="0"/>
+        </a:xfrm>
+      </p:grpSpPr>
+      <p:sp>
+        <p:nvSpPr>
+          <p:cNvPr id="33" name="Shape 33"/>
+          <p:cNvSpPr txBox="1">
+            <a:spLocks noGrp="1"/>
+          </p:cNvSpPr>
+          <p:nvPr>
+            <p:ph type="title"/>
+          </p:nvPr>
+        </p:nvSpPr>
+        <p:spPr>
+          <a:xfrm>
+            <a:off x="685800" y="457200"/>
+            <a:ext cx="7772400" cy="857250"/>
+          </a:xfrm>
+          <a:prstGeom prst="rect">
+            <a:avLst/>
+          </a:prstGeom>
+          <a:noFill/>
+          <a:ln>
+            <a:noFill/>
+          </a:ln>
+        </p:spPr>
+        <p:txBody>
+          <a:bodyPr lIns="91425" tIns="91425" rIns="91425" bIns="91425" anchor="ctr" anchorCtr="0"/>
+          <a:lstStyle>
+            <a:lvl1pPr marL="0" marR="0" lvl="0" indent="0" algn="ctr" rtl="0">
+              <a:spcBef>
+                <a:spcPts val="0"/>
+              </a:spcBef>
+              <a:spcAft>
+                <a:spcPts val="0"/>
+              </a:spcAft>
+              <a:buNone/>
+              <a:defRPr sz="3300" b="0" i="0" u="none" strike="noStrike" cap="none">
+                <a:solidFill>
+                  <a:schemeClr val="dk2"/>
+                </a:solidFill>
+                <a:latin typeface="Calibri"/>
+                <a:ea typeface="Calibri"/>
+                <a:cs typeface="Calibri"/>
+                <a:sym typeface="Calibri"/>
+              </a:defRPr>
+            </a:lvl1pPr>
+            <a:lvl2pPr marL="0" marR="0" lvl="1" indent="0" algn="ctr" rtl="0">
+              <a:spcBef>
+                <a:spcPts val="0"/>
+              </a:spcBef>
+              <a:spcAft>
+                <a:spcPts val="0"/>
+              </a:spcAft>
+              <a:buNone/>
+              <a:defRPr sz="3300" b="0" i="0" u="none" strike="noStrike" cap="none">
+                <a:solidFill>
+                  <a:schemeClr val="dk2"/>
+                </a:solidFill>
+                <a:latin typeface="Times New Roman"/>
+                <a:ea typeface="Times New Roman"/>
+                <a:cs typeface="Times New Roman"/>
+                <a:sym typeface="Times New Roman"/>
+              </a:defRPr>
+            </a:lvl2pPr>
+            <a:lvl3pPr marL="0" marR="0" lvl="2" indent="0" algn="ctr" rtl="0">
+              <a:spcBef>
+                <a:spcPts val="0"/>
+              </a:spcBef>
+              <a:spcAft>
+                <a:spcPts val="0"/>
+              </a:spcAft>
+              <a:buNone/>
+              <a:defRPr sz="3300" b="0" i="0" u="none" strike="noStrike" cap="none">
+                <a:solidFill>
+                  <a:schemeClr val="dk2"/>
+                </a:solidFill>
+                <a:latin typeface="Times New Roman"/>
+                <a:ea typeface="Times New Roman"/>
+                <a:cs typeface="Times New Roman"/>
+                <a:sym typeface="Times New Roman"/>
+              </a:defRPr>
+            </a:lvl3pPr>
+            <a:lvl4pPr marL="0" marR="0" lvl="3" indent="0" algn="ctr" rtl="0">
+              <a:spcBef>
+                <a:spcPts val="0"/>
+              </a:spcBef>
+              <a:spcAft>
+                <a:spcPts val="0"/>
+              </a:spcAft>
+              <a:buNone/>
+              <a:defRPr sz="3300" b="0" i="0" u="none" strike="noStrike" cap="none">
+                <a:solidFill>
+                  <a:schemeClr val="dk2"/>
+                </a:solidFill>
+                <a:latin typeface="Times New Roman"/>
+                <a:ea typeface="Times New Roman"/>
+                <a:cs typeface="Times New Roman"/>
+                <a:sym typeface="Times New Roman"/>
+              </a:defRPr>
+            </a:lvl4pPr>
+            <a:lvl5pPr marL="0" marR="0" lvl="4" indent="0" algn="ctr" rtl="0">
+              <a:spcBef>
+                <a:spcPts val="0"/>
+              </a:spcBef>
+              <a:spcAft>
+                <a:spcPts val="0"/>
+              </a:spcAft>
+              <a:buNone/>
+              <a:defRPr sz="3300" b="0" i="0" u="none" strike="noStrike" cap="none">
+                <a:solidFill>
+                  <a:schemeClr val="dk2"/>
+                </a:solidFill>
+                <a:latin typeface="Times New Roman"/>
+                <a:ea typeface="Times New Roman"/>
+                <a:cs typeface="Times New Roman"/>
+                <a:sym typeface="Times New Roman"/>
+              </a:defRPr>
+            </a:lvl5pPr>
+            <a:lvl6pPr marL="342900" marR="0" lvl="5" indent="0" algn="ctr" rtl="0">
+              <a:spcBef>
+                <a:spcPts val="0"/>
+              </a:spcBef>
+              <a:spcAft>
+                <a:spcPts val="0"/>
+              </a:spcAft>
+              <a:buNone/>
+              <a:defRPr sz="3300" b="0" i="0" u="none" strike="noStrike" cap="none">
+                <a:solidFill>
+                  <a:schemeClr val="dk2"/>
+                </a:solidFill>
+                <a:latin typeface="Times New Roman"/>
+                <a:ea typeface="Times New Roman"/>
+                <a:cs typeface="Times New Roman"/>
+                <a:sym typeface="Times New Roman"/>
+              </a:defRPr>
+            </a:lvl6pPr>
+            <a:lvl7pPr marL="685800" marR="0" lvl="6" indent="0" algn="ctr" rtl="0">
+              <a:spcBef>
+                <a:spcPts val="0"/>
+              </a:spcBef>
+              <a:spcAft>
+                <a:spcPts val="0"/>
+              </a:spcAft>
+              <a:buNone/>
+              <a:defRPr sz="3300" b="0" i="0" u="none" strike="noStrike" cap="none">
+                <a:solidFill>
+                  <a:schemeClr val="dk2"/>
+                </a:solidFill>
+                <a:latin typeface="Times New Roman"/>
+                <a:ea typeface="Times New Roman"/>
+                <a:cs typeface="Times New Roman"/>
+                <a:sym typeface="Times New Roman"/>
+              </a:defRPr>
+            </a:lvl7pPr>
+            <a:lvl8pPr marL="1028700" marR="0" lvl="7" indent="0" algn="ctr" rtl="0">
+              <a:spcBef>
+                <a:spcPts val="0"/>
+              </a:spcBef>
+              <a:spcAft>
+                <a:spcPts val="0"/>
+              </a:spcAft>
+              <a:buNone/>
+              <a:defRPr sz="3300" b="0" i="0" u="none" strike="noStrike" cap="none">
+                <a:solidFill>
+                  <a:schemeClr val="dk2"/>
+                </a:solidFill>
+                <a:latin typeface="Times New Roman"/>
+                <a:ea typeface="Times New Roman"/>
+                <a:cs typeface="Times New Roman"/>
+                <a:sym typeface="Times New Roman"/>
+              </a:defRPr>
+            </a:lvl8pPr>
+            <a:lvl9pPr marL="1371600" marR="0" lvl="8" indent="0" algn="ctr" rtl="0">
+              <a:spcBef>
+                <a:spcPts val="0"/>
+              </a:spcBef>
+              <a:spcAft>
+                <a:spcPts val="0"/>
+              </a:spcAft>
+              <a:buNone/>
+              <a:defRPr sz="3300" b="0" i="0" u="none" strike="noStrike" cap="none">
+                <a:solidFill>
+                  <a:schemeClr val="dk2"/>
+                </a:solidFill>
+                <a:latin typeface="Times New Roman"/>
+                <a:ea typeface="Times New Roman"/>
+                <a:cs typeface="Times New Roman"/>
+                <a:sym typeface="Times New Roman"/>
+              </a:defRPr>
+            </a:lvl9pPr>
+          </a:lstStyle>
+          <a:p>
+            <a:endParaRPr/>
+          </a:p>
+        </p:txBody>
+      </p:sp>
+      <p:sp>
+        <p:nvSpPr>
+          <p:cNvPr id="34" name="Shape 34"/>
+          <p:cNvSpPr txBox="1">
+            <a:spLocks noGrp="1"/>
+          </p:cNvSpPr>
+          <p:nvPr>
+            <p:ph type="body" idx="1"/>
+          </p:nvPr>
+        </p:nvSpPr>
+        <p:spPr>
+          <a:xfrm>
+            <a:off x="685801" y="1485900"/>
+            <a:ext cx="3809999" cy="3086100"/>
+          </a:xfrm>
+          <a:prstGeom prst="rect">
+            <a:avLst/>
+          </a:prstGeom>
+          <a:noFill/>
+          <a:ln>
+            <a:noFill/>
+          </a:ln>
+        </p:spPr>
+        <p:txBody>
+          <a:bodyPr lIns="91425" tIns="91425" rIns="91425" bIns="91425" anchor="t" anchorCtr="0"/>
+          <a:lstStyle>
+            <a:lvl1pPr marL="257175" marR="0" lvl="0" indent="-104775" algn="l" rtl="0">
+              <a:spcBef>
+                <a:spcPts val="480"/>
+              </a:spcBef>
+              <a:spcAft>
+                <a:spcPts val="0"/>
+              </a:spcAft>
+              <a:buClr>
+                <a:schemeClr val="dk1"/>
+              </a:buClr>
+              <a:buSzPct val="100000"/>
+              <a:buFont typeface="Calibri"/>
+              <a:buChar char="•"/>
+              <a:defRPr sz="2400" b="0" i="0" u="none" strike="noStrike" cap="none">
+                <a:solidFill>
+                  <a:schemeClr val="dk1"/>
+                </a:solidFill>
+                <a:latin typeface="Calibri"/>
+                <a:ea typeface="Calibri"/>
+                <a:cs typeface="Calibri"/>
+                <a:sym typeface="Calibri"/>
+              </a:defRPr>
+            </a:lvl1pPr>
+            <a:lvl2pPr marL="557213" marR="0" lvl="1" indent="-80963" algn="l" rtl="0">
+              <a:spcBef>
+                <a:spcPts val="420"/>
+              </a:spcBef>
+              <a:spcAft>
+                <a:spcPts val="0"/>
+              </a:spcAft>
+              <a:buClr>
+                <a:schemeClr val="dk1"/>
+              </a:buClr>
+              <a:buSzPct val="100000"/>
+              <a:buFont typeface="Calibri"/>
+              <a:buChar char="–"/>
+              <a:defRPr sz="2100" b="0" i="0" u="none" strike="noStrike" cap="none">
+                <a:solidFill>
+                  <a:schemeClr val="dk1"/>
+                </a:solidFill>
+                <a:latin typeface="Calibri"/>
+                <a:ea typeface="Calibri"/>
+                <a:cs typeface="Calibri"/>
+                <a:sym typeface="Calibri"/>
+              </a:defRPr>
+            </a:lvl2pPr>
+            <a:lvl3pPr marL="857250" marR="0" lvl="2" indent="-57150" algn="l" rtl="0">
+              <a:spcBef>
+                <a:spcPts val="360"/>
+              </a:spcBef>
+              <a:spcAft>
+                <a:spcPts val="0"/>
+              </a:spcAft>
+              <a:buClr>
+                <a:schemeClr val="dk1"/>
+              </a:buClr>
+              <a:buSzPct val="100000"/>
+              <a:buFont typeface="Calibri"/>
+              <a:buChar char="•"/>
+              <a:defRPr sz="1800" b="0" i="0" u="none" strike="noStrike" cap="none">
+                <a:solidFill>
+                  <a:schemeClr val="dk1"/>
+                </a:solidFill>
+                <a:latin typeface="Calibri"/>
+                <a:ea typeface="Calibri"/>
+                <a:cs typeface="Calibri"/>
+                <a:sym typeface="Calibri"/>
+              </a:defRPr>
+            </a:lvl3pPr>
+            <a:lvl4pPr marL="1200150" marR="0" lvl="3" indent="-76200" algn="l" rtl="0">
+              <a:spcBef>
+                <a:spcPts val="300"/>
+              </a:spcBef>
+              <a:spcAft>
+                <a:spcPts val="0"/>
+              </a:spcAft>
+              <a:buClr>
+                <a:schemeClr val="dk1"/>
+              </a:buClr>
+              <a:buSzPct val="100000"/>
+              <a:buFont typeface="Calibri"/>
+              <a:buChar char="–"/>
+              <a:defRPr sz="1500" b="0" i="0" u="none" strike="noStrike" cap="none">
+                <a:solidFill>
+                  <a:schemeClr val="dk1"/>
+                </a:solidFill>
+                <a:latin typeface="Calibri"/>
+                <a:ea typeface="Calibri"/>
+                <a:cs typeface="Calibri"/>
+                <a:sym typeface="Calibri"/>
+              </a:defRPr>
+            </a:lvl4pPr>
+            <a:lvl5pPr marL="1543050" marR="0" lvl="4" indent="-76200" algn="l" rtl="0">
+              <a:spcBef>
+                <a:spcPts val="300"/>
+              </a:spcBef>
+              <a:spcAft>
+                <a:spcPts val="0"/>
+              </a:spcAft>
+              <a:buClr>
+                <a:schemeClr val="dk1"/>
+              </a:buClr>
+              <a:buSzPct val="100000"/>
+              <a:buFont typeface="Calibri"/>
+              <a:buChar char="»"/>
+              <a:defRPr sz="1500" b="0" i="0" u="none" strike="noStrike" cap="none">
+                <a:solidFill>
+                  <a:schemeClr val="dk1"/>
+                </a:solidFill>
+                <a:latin typeface="Calibri"/>
+                <a:ea typeface="Calibri"/>
+                <a:cs typeface="Calibri"/>
+                <a:sym typeface="Calibri"/>
+              </a:defRPr>
+            </a:lvl5pPr>
+            <a:lvl6pPr marL="1885950" marR="0" lvl="5" indent="-76200" algn="l" rtl="0">
+              <a:spcBef>
+                <a:spcPts val="300"/>
+              </a:spcBef>
+              <a:spcAft>
+                <a:spcPts val="0"/>
+              </a:spcAft>
+              <a:buClr>
+                <a:schemeClr val="dk1"/>
+              </a:buClr>
+              <a:buSzPct val="100000"/>
+              <a:buFont typeface="Times New Roman"/>
+              <a:buChar char="»"/>
+              <a:defRPr sz="1500" b="0" i="0" u="none" strike="noStrike" cap="none">
+                <a:solidFill>
+                  <a:schemeClr val="dk1"/>
+                </a:solidFill>
+                <a:latin typeface="Times New Roman"/>
+                <a:ea typeface="Times New Roman"/>
+                <a:cs typeface="Times New Roman"/>
+                <a:sym typeface="Times New Roman"/>
+              </a:defRPr>
+            </a:lvl6pPr>
+            <a:lvl7pPr marL="2228850" marR="0" lvl="6" indent="-76200" algn="l" rtl="0">
+              <a:spcBef>
+                <a:spcPts val="300"/>
+              </a:spcBef>
+              <a:spcAft>
+                <a:spcPts val="0"/>
+              </a:spcAft>
+              <a:buClr>
+                <a:schemeClr val="dk1"/>
+              </a:buClr>
+              <a:buSzPct val="100000"/>
+              <a:buFont typeface="Times New Roman"/>
+              <a:buChar char="»"/>
+              <a:defRPr sz="1500" b="0" i="0" u="none" strike="noStrike" cap="none">
+                <a:solidFill>
+                  <a:schemeClr val="dk1"/>
+                </a:solidFill>
+                <a:latin typeface="Times New Roman"/>
+                <a:ea typeface="Times New Roman"/>
+                <a:cs typeface="Times New Roman"/>
+                <a:sym typeface="Times New Roman"/>
+              </a:defRPr>
+            </a:lvl7pPr>
+            <a:lvl8pPr marL="2571750" marR="0" lvl="7" indent="-76200" algn="l" rtl="0">
+              <a:spcBef>
+                <a:spcPts val="300"/>
+              </a:spcBef>
+              <a:spcAft>
+                <a:spcPts val="0"/>
+              </a:spcAft>
+              <a:buClr>
+                <a:schemeClr val="dk1"/>
+              </a:buClr>
+              <a:buSzPct val="100000"/>
+              <a:buFont typeface="Times New Roman"/>
+              <a:buChar char="»"/>
+              <a:defRPr sz="1500" b="0" i="0" u="none" strike="noStrike" cap="none">
+                <a:solidFill>
+                  <a:schemeClr val="dk1"/>
+                </a:solidFill>
+                <a:latin typeface="Times New Roman"/>
+                <a:ea typeface="Times New Roman"/>
+                <a:cs typeface="Times New Roman"/>
+                <a:sym typeface="Times New Roman"/>
+              </a:defRPr>
+            </a:lvl8pPr>
+            <a:lvl9pPr marL="2914650" marR="0" lvl="8" indent="-76200" algn="l" rtl="0">
+              <a:spcBef>
+                <a:spcPts val="300"/>
+              </a:spcBef>
+              <a:spcAft>
+                <a:spcPts val="0"/>
+              </a:spcAft>
+              <a:buClr>
+                <a:schemeClr val="dk1"/>
+              </a:buClr>
+              <a:buSzPct val="100000"/>
+              <a:buFont typeface="Times New Roman"/>
+              <a:buChar char="»"/>
+              <a:defRPr sz="1500" b="0" i="0" u="none" strike="noStrike" cap="none">
+                <a:solidFill>
+                  <a:schemeClr val="dk1"/>
+                </a:solidFill>
+                <a:latin typeface="Times New Roman"/>
+                <a:ea typeface="Times New Roman"/>
+                <a:cs typeface="Times New Roman"/>
+                <a:sym typeface="Times New Roman"/>
+              </a:defRPr>
+            </a:lvl9pPr>
+          </a:lstStyle>
+          <a:p>
+            <a:endParaRPr/>
+          </a:p>
+        </p:txBody>
+      </p:sp>
+      <p:sp>
+        <p:nvSpPr>
+          <p:cNvPr id="35" name="Shape 35"/>
+          <p:cNvSpPr txBox="1">
+            <a:spLocks noGrp="1"/>
+          </p:cNvSpPr>
+          <p:nvPr>
+            <p:ph type="body" idx="2"/>
+          </p:nvPr>
+        </p:nvSpPr>
+        <p:spPr>
+          <a:xfrm>
+            <a:off x="4648201" y="1485900"/>
+            <a:ext cx="3809999" cy="3086100"/>
+          </a:xfrm>
+          <a:prstGeom prst="rect">
+            <a:avLst/>
+          </a:prstGeom>
+          <a:noFill/>
+          <a:ln>
+            <a:noFill/>
+          </a:ln>
+        </p:spPr>
+        <p:txBody>
+          <a:bodyPr lIns="91425" tIns="91425" rIns="91425" bIns="91425" anchor="t" anchorCtr="0"/>
+          <a:lstStyle>
+            <a:lvl1pPr marL="257175" marR="0" lvl="0" indent="-104775" algn="l" rtl="0">
+              <a:spcBef>
+                <a:spcPts val="480"/>
+              </a:spcBef>
+              <a:spcAft>
+                <a:spcPts val="0"/>
+              </a:spcAft>
+              <a:buClr>
+                <a:schemeClr val="dk1"/>
+              </a:buClr>
+              <a:buSzPct val="100000"/>
+              <a:buFont typeface="Calibri"/>
+              <a:buChar char="•"/>
+              <a:defRPr sz="2400" b="0" i="0" u="none" strike="noStrike" cap="none">
+                <a:solidFill>
+                  <a:schemeClr val="dk1"/>
+                </a:solidFill>
+                <a:latin typeface="Calibri"/>
+                <a:ea typeface="Calibri"/>
+                <a:cs typeface="Calibri"/>
+                <a:sym typeface="Calibri"/>
+              </a:defRPr>
+            </a:lvl1pPr>
+            <a:lvl2pPr marL="557213" marR="0" lvl="1" indent="-80963" algn="l" rtl="0">
+              <a:spcBef>
+                <a:spcPts val="420"/>
+              </a:spcBef>
+              <a:spcAft>
+                <a:spcPts val="0"/>
+              </a:spcAft>
+              <a:buClr>
+                <a:schemeClr val="dk1"/>
+              </a:buClr>
+              <a:buSzPct val="100000"/>
+              <a:buFont typeface="Calibri"/>
+              <a:buChar char="–"/>
+              <a:defRPr sz="2100" b="0" i="0" u="none" strike="noStrike" cap="none">
+                <a:solidFill>
+                  <a:schemeClr val="dk1"/>
+                </a:solidFill>
+                <a:latin typeface="Calibri"/>
+                <a:ea typeface="Calibri"/>
+                <a:cs typeface="Calibri"/>
+                <a:sym typeface="Calibri"/>
+              </a:defRPr>
+            </a:lvl2pPr>
+            <a:lvl3pPr marL="857250" marR="0" lvl="2" indent="-57150" algn="l" rtl="0">
+              <a:spcBef>
+                <a:spcPts val="360"/>
+              </a:spcBef>
+              <a:spcAft>
+                <a:spcPts val="0"/>
+              </a:spcAft>
+              <a:buClr>
+                <a:schemeClr val="dk1"/>
+              </a:buClr>
+              <a:buSzPct val="100000"/>
+              <a:buFont typeface="Calibri"/>
+              <a:buChar char="•"/>
+              <a:defRPr sz="1800" b="0" i="0" u="none" strike="noStrike" cap="none">
+                <a:solidFill>
+                  <a:schemeClr val="dk1"/>
+                </a:solidFill>
+                <a:latin typeface="Calibri"/>
+                <a:ea typeface="Calibri"/>
+                <a:cs typeface="Calibri"/>
+                <a:sym typeface="Calibri"/>
+              </a:defRPr>
+            </a:lvl3pPr>
+            <a:lvl4pPr marL="1200150" marR="0" lvl="3" indent="-76200" algn="l" rtl="0">
+              <a:spcBef>
+                <a:spcPts val="300"/>
+              </a:spcBef>
+              <a:spcAft>
+                <a:spcPts val="0"/>
+              </a:spcAft>
+              <a:buClr>
+                <a:schemeClr val="dk1"/>
+              </a:buClr>
+              <a:buSzPct val="100000"/>
+              <a:buFont typeface="Calibri"/>
+              <a:buChar char="–"/>
+              <a:defRPr sz="1500" b="0" i="0" u="none" strike="noStrike" cap="none">
+                <a:solidFill>
+                  <a:schemeClr val="dk1"/>
+                </a:solidFill>
+                <a:latin typeface="Calibri"/>
+                <a:ea typeface="Calibri"/>
+                <a:cs typeface="Calibri"/>
+                <a:sym typeface="Calibri"/>
+              </a:defRPr>
+            </a:lvl4pPr>
+            <a:lvl5pPr marL="1543050" marR="0" lvl="4" indent="-76200" algn="l" rtl="0">
+              <a:spcBef>
+                <a:spcPts val="300"/>
+              </a:spcBef>
+              <a:spcAft>
+                <a:spcPts val="0"/>
+              </a:spcAft>
+              <a:buClr>
+                <a:schemeClr val="dk1"/>
+              </a:buClr>
+              <a:buSzPct val="100000"/>
+              <a:buFont typeface="Calibri"/>
+              <a:buChar char="»"/>
+              <a:defRPr sz="1500" b="0" i="0" u="none" strike="noStrike" cap="none">
+                <a:solidFill>
+                  <a:schemeClr val="dk1"/>
+                </a:solidFill>
+                <a:latin typeface="Calibri"/>
+                <a:ea typeface="Calibri"/>
+                <a:cs typeface="Calibri"/>
+                <a:sym typeface="Calibri"/>
+              </a:defRPr>
+            </a:lvl5pPr>
+            <a:lvl6pPr marL="1885950" marR="0" lvl="5" indent="-76200" algn="l" rtl="0">
+              <a:spcBef>
+                <a:spcPts val="300"/>
+              </a:spcBef>
+              <a:spcAft>
+                <a:spcPts val="0"/>
+              </a:spcAft>
+              <a:buClr>
+                <a:schemeClr val="dk1"/>
+              </a:buClr>
+              <a:buSzPct val="100000"/>
+              <a:buFont typeface="Times New Roman"/>
+              <a:buChar char="»"/>
+              <a:defRPr sz="1500" b="0" i="0" u="none" strike="noStrike" cap="none">
+                <a:solidFill>
+                  <a:schemeClr val="dk1"/>
+                </a:solidFill>
+                <a:latin typeface="Times New Roman"/>
+                <a:ea typeface="Times New Roman"/>
+                <a:cs typeface="Times New Roman"/>
+                <a:sym typeface="Times New Roman"/>
+              </a:defRPr>
+            </a:lvl6pPr>
+            <a:lvl7pPr marL="2228850" marR="0" lvl="6" indent="-76200" algn="l" rtl="0">
+              <a:spcBef>
+                <a:spcPts val="300"/>
+              </a:spcBef>
+              <a:spcAft>
+                <a:spcPts val="0"/>
+              </a:spcAft>
+              <a:buClr>
+                <a:schemeClr val="dk1"/>
+              </a:buClr>
+              <a:buSzPct val="100000"/>
+              <a:buFont typeface="Times New Roman"/>
+              <a:buChar char="»"/>
+              <a:defRPr sz="1500" b="0" i="0" u="none" strike="noStrike" cap="none">
+                <a:solidFill>
+                  <a:schemeClr val="dk1"/>
+                </a:solidFill>
+                <a:latin typeface="Times New Roman"/>
+                <a:ea typeface="Times New Roman"/>
+                <a:cs typeface="Times New Roman"/>
+                <a:sym typeface="Times New Roman"/>
+              </a:defRPr>
+            </a:lvl7pPr>
+            <a:lvl8pPr marL="2571750" marR="0" lvl="7" indent="-76200" algn="l" rtl="0">
+              <a:spcBef>
+                <a:spcPts val="300"/>
+              </a:spcBef>
+              <a:spcAft>
+                <a:spcPts val="0"/>
+              </a:spcAft>
+              <a:buClr>
+                <a:schemeClr val="dk1"/>
+              </a:buClr>
+              <a:buSzPct val="100000"/>
+              <a:buFont typeface="Times New Roman"/>
+              <a:buChar char="»"/>
+              <a:defRPr sz="1500" b="0" i="0" u="none" strike="noStrike" cap="none">
+                <a:solidFill>
+                  <a:schemeClr val="dk1"/>
+                </a:solidFill>
+                <a:latin typeface="Times New Roman"/>
+                <a:ea typeface="Times New Roman"/>
+                <a:cs typeface="Times New Roman"/>
+                <a:sym typeface="Times New Roman"/>
+              </a:defRPr>
+            </a:lvl8pPr>
+            <a:lvl9pPr marL="2914650" marR="0" lvl="8" indent="-76200" algn="l" rtl="0">
+              <a:spcBef>
+                <a:spcPts val="300"/>
+              </a:spcBef>
+              <a:spcAft>
+                <a:spcPts val="0"/>
+              </a:spcAft>
+              <a:buClr>
+                <a:schemeClr val="dk1"/>
+              </a:buClr>
+              <a:buSzPct val="100000"/>
+              <a:buFont typeface="Times New Roman"/>
+              <a:buChar char="»"/>
+              <a:defRPr sz="1500" b="0" i="0" u="none" strike="noStrike" cap="none">
+                <a:solidFill>
+                  <a:schemeClr val="dk1"/>
+                </a:solidFill>
+                <a:latin typeface="Times New Roman"/>
+                <a:ea typeface="Times New Roman"/>
+                <a:cs typeface="Times New Roman"/>
+                <a:sym typeface="Times New Roman"/>
+              </a:defRPr>
+            </a:lvl9pPr>
+          </a:lstStyle>
+          <a:p>
+            <a:endParaRPr/>
+          </a:p>
+        </p:txBody>
+      </p:sp>
+      <p:sp>
+        <p:nvSpPr>
+          <p:cNvPr id="36" name="Shape 36"/>
+          <p:cNvSpPr txBox="1">
+            <a:spLocks noGrp="1"/>
+          </p:cNvSpPr>
+          <p:nvPr>
+            <p:ph type="dt" idx="10"/>
+          </p:nvPr>
+        </p:nvSpPr>
+        <p:spPr>
+          <a:xfrm>
+            <a:off x="685801" y="4686300"/>
+            <a:ext cx="1904999" cy="342900"/>
+          </a:xfrm>
+          <a:prstGeom prst="rect">
+            <a:avLst/>
+          </a:prstGeom>
+          <a:noFill/>
+          <a:ln>
+            <a:noFill/>
+          </a:ln>
+        </p:spPr>
+        <p:txBody>
+          <a:bodyPr lIns="91425" tIns="91425" rIns="91425" bIns="91425" anchor="t" anchorCtr="0"/>
+          <a:lstStyle>
+            <a:lvl1pPr marL="0" marR="0" lvl="0" indent="0" algn="l" rtl="0">
+              <a:spcBef>
+                <a:spcPts val="0"/>
+              </a:spcBef>
+              <a:spcAft>
+                <a:spcPts val="0"/>
+              </a:spcAft>
+              <a:buNone/>
+              <a:defRPr sz="1050" b="0" i="0" u="none" strike="noStrike" cap="none">
+                <a:solidFill>
+                  <a:schemeClr val="dk1"/>
+                </a:solidFill>
+                <a:latin typeface="Calibri"/>
+                <a:ea typeface="Calibri"/>
+                <a:cs typeface="Calibri"/>
+                <a:sym typeface="Calibri"/>
+              </a:defRPr>
+            </a:lvl1pPr>
+            <a:lvl2pPr marL="342900" marR="0" lvl="1" indent="0" algn="l" rtl="0">
+              <a:spcBef>
+                <a:spcPts val="0"/>
+              </a:spcBef>
+              <a:spcAft>
+                <a:spcPts val="0"/>
+              </a:spcAft>
+              <a:buNone/>
+              <a:defRPr sz="1800" b="0" i="0" u="none" strike="noStrike" cap="none">
+                <a:solidFill>
+                  <a:schemeClr val="dk1"/>
+                </a:solidFill>
+                <a:latin typeface="Times New Roman"/>
+                <a:ea typeface="Times New Roman"/>
+                <a:cs typeface="Times New Roman"/>
+                <a:sym typeface="Times New Roman"/>
+              </a:defRPr>
+            </a:lvl2pPr>
+            <a:lvl3pPr marL="685800" marR="0" lvl="2" indent="0" algn="l" rtl="0">
+              <a:spcBef>
+                <a:spcPts val="0"/>
+              </a:spcBef>
+              <a:spcAft>
+                <a:spcPts val="0"/>
+              </a:spcAft>
+              <a:buNone/>
+              <a:defRPr sz="1800" b="0" i="0" u="none" strike="noStrike" cap="none">
+                <a:solidFill>
+                  <a:schemeClr val="dk1"/>
+                </a:solidFill>
+                <a:latin typeface="Times New Roman"/>
+                <a:ea typeface="Times New Roman"/>
+                <a:cs typeface="Times New Roman"/>
+                <a:sym typeface="Times New Roman"/>
+              </a:defRPr>
+            </a:lvl3pPr>
+            <a:lvl4pPr marL="1028700" marR="0" lvl="3" indent="0" algn="l" rtl="0">
+              <a:spcBef>
+                <a:spcPts val="0"/>
+              </a:spcBef>
+              <a:spcAft>
+                <a:spcPts val="0"/>
+              </a:spcAft>
+              <a:buNone/>
+              <a:defRPr sz="1800" b="0" i="0" u="none" strike="noStrike" cap="none">
+                <a:solidFill>
+                  <a:schemeClr val="dk1"/>
+                </a:solidFill>
+                <a:latin typeface="Times New Roman"/>
+                <a:ea typeface="Times New Roman"/>
+                <a:cs typeface="Times New Roman"/>
+                <a:sym typeface="Times New Roman"/>
+              </a:defRPr>
+            </a:lvl4pPr>
+            <a:lvl5pPr marL="1371600" marR="0" lvl="4" indent="0" algn="l" rtl="0">
+              <a:spcBef>
+                <a:spcPts val="0"/>
+              </a:spcBef>
+              <a:spcAft>
+                <a:spcPts val="0"/>
+              </a:spcAft>
+              <a:buNone/>
+              <a:defRPr sz="1800" b="0" i="0" u="none" strike="noStrike" cap="none">
+                <a:solidFill>
+                  <a:schemeClr val="dk1"/>
+                </a:solidFill>
+                <a:latin typeface="Times New Roman"/>
+                <a:ea typeface="Times New Roman"/>
+                <a:cs typeface="Times New Roman"/>
+                <a:sym typeface="Times New Roman"/>
+              </a:defRPr>
+            </a:lvl5pPr>
+            <a:lvl6pPr marL="1714500" marR="0" lvl="5" indent="0" algn="l" rtl="0">
+              <a:spcBef>
+                <a:spcPts val="0"/>
+              </a:spcBef>
+              <a:buNone/>
+              <a:defRPr sz="1800" b="0" i="0" u="none" strike="noStrike" cap="none">
+                <a:solidFill>
+                  <a:schemeClr val="dk1"/>
+                </a:solidFill>
+                <a:latin typeface="Times New Roman"/>
+                <a:ea typeface="Times New Roman"/>
+                <a:cs typeface="Times New Roman"/>
+                <a:sym typeface="Times New Roman"/>
+              </a:defRPr>
+            </a:lvl6pPr>
+            <a:lvl7pPr marL="2057400" marR="0" lvl="6" indent="0" algn="l" rtl="0">
+              <a:spcBef>
+                <a:spcPts val="0"/>
+              </a:spcBef>
+              <a:buNone/>
+              <a:defRPr sz="1800" b="0" i="0" u="none" strike="noStrike" cap="none">
+                <a:solidFill>
+                  <a:schemeClr val="dk1"/>
+                </a:solidFill>
+                <a:latin typeface="Times New Roman"/>
+                <a:ea typeface="Times New Roman"/>
+                <a:cs typeface="Times New Roman"/>
+                <a:sym typeface="Times New Roman"/>
+              </a:defRPr>
+            </a:lvl7pPr>
+            <a:lvl8pPr marL="2400300" marR="0" lvl="7" indent="0" algn="l" rtl="0">
+              <a:spcBef>
+                <a:spcPts val="0"/>
+              </a:spcBef>
+              <a:buNone/>
+              <a:defRPr sz="1800" b="0" i="0" u="none" strike="noStrike" cap="none">
+                <a:solidFill>
+                  <a:schemeClr val="dk1"/>
+                </a:solidFill>
+                <a:latin typeface="Times New Roman"/>
+                <a:ea typeface="Times New Roman"/>
+                <a:cs typeface="Times New Roman"/>
+                <a:sym typeface="Times New Roman"/>
+              </a:defRPr>
+            </a:lvl8pPr>
+            <a:lvl9pPr marL="2743200" marR="0" lvl="8" indent="0" algn="l" rtl="0">
+              <a:spcBef>
+                <a:spcPts val="0"/>
+              </a:spcBef>
+              <a:buNone/>
+              <a:defRPr sz="1800" b="0" i="0" u="none" strike="noStrike" cap="none">
+                <a:solidFill>
+                  <a:schemeClr val="dk1"/>
+                </a:solidFill>
+                <a:latin typeface="Times New Roman"/>
+                <a:ea typeface="Times New Roman"/>
+                <a:cs typeface="Times New Roman"/>
+                <a:sym typeface="Times New Roman"/>
+              </a:defRPr>
+            </a:lvl9pPr>
+          </a:lstStyle>
+          <a:p>
+            <a:endParaRPr/>
+          </a:p>
+        </p:txBody>
+      </p:sp>
+      <p:sp>
+        <p:nvSpPr>
+          <p:cNvPr id="37" name="Shape 37"/>
+          <p:cNvSpPr txBox="1">
+            <a:spLocks noGrp="1"/>
+          </p:cNvSpPr>
+          <p:nvPr>
+            <p:ph type="ftr" idx="11"/>
+          </p:nvPr>
+        </p:nvSpPr>
+        <p:spPr>
+          <a:xfrm>
+            <a:off x="3124200" y="4686300"/>
+            <a:ext cx="2895600" cy="342900"/>
+          </a:xfrm>
+          <a:prstGeom prst="rect">
+            <a:avLst/>
+          </a:prstGeom>
+          <a:noFill/>
+          <a:ln>
+            <a:noFill/>
+          </a:ln>
+        </p:spPr>
+        <p:txBody>
+          <a:bodyPr lIns="91425" tIns="91425" rIns="91425" bIns="91425" anchor="t" anchorCtr="0"/>
+          <a:lstStyle>
+            <a:lvl1pPr marL="0" marR="0" lvl="0" indent="0" algn="ctr" rtl="0">
+              <a:spcBef>
+                <a:spcPts val="0"/>
+              </a:spcBef>
+              <a:spcAft>
+                <a:spcPts val="0"/>
+              </a:spcAft>
+              <a:buNone/>
+              <a:defRPr sz="1050" b="0" i="0" u="none" strike="noStrike" cap="none">
+                <a:solidFill>
+                  <a:schemeClr val="dk1"/>
+                </a:solidFill>
+                <a:latin typeface="Calibri"/>
+                <a:ea typeface="Calibri"/>
+                <a:cs typeface="Calibri"/>
+                <a:sym typeface="Calibri"/>
+              </a:defRPr>
+            </a:lvl1pPr>
+            <a:lvl2pPr marL="342900" marR="0" lvl="1" indent="0" algn="l" rtl="0">
+              <a:spcBef>
+                <a:spcPts val="0"/>
+              </a:spcBef>
+              <a:spcAft>
+                <a:spcPts val="0"/>
+              </a:spcAft>
+              <a:buNone/>
+              <a:defRPr sz="1800" b="0" i="0" u="none" strike="noStrike" cap="none">
+                <a:solidFill>
+                  <a:schemeClr val="dk1"/>
+                </a:solidFill>
+                <a:latin typeface="Times New Roman"/>
+                <a:ea typeface="Times New Roman"/>
+                <a:cs typeface="Times New Roman"/>
+                <a:sym typeface="Times New Roman"/>
+              </a:defRPr>
+            </a:lvl2pPr>
+            <a:lvl3pPr marL="685800" marR="0" lvl="2" indent="0" algn="l" rtl="0">
+              <a:spcBef>
+                <a:spcPts val="0"/>
+              </a:spcBef>
+              <a:spcAft>
+                <a:spcPts val="0"/>
+              </a:spcAft>
+              <a:buNone/>
+              <a:defRPr sz="1800" b="0" i="0" u="none" strike="noStrike" cap="none">
+                <a:solidFill>
+                  <a:schemeClr val="dk1"/>
+                </a:solidFill>
+                <a:latin typeface="Times New Roman"/>
+                <a:ea typeface="Times New Roman"/>
+                <a:cs typeface="Times New Roman"/>
+                <a:sym typeface="Times New Roman"/>
+              </a:defRPr>
+            </a:lvl3pPr>
+            <a:lvl4pPr marL="1028700" marR="0" lvl="3" indent="0" algn="l" rtl="0">
+              <a:spcBef>
+                <a:spcPts val="0"/>
+              </a:spcBef>
+              <a:spcAft>
+                <a:spcPts val="0"/>
+              </a:spcAft>
+              <a:buNone/>
+              <a:defRPr sz="1800" b="0" i="0" u="none" strike="noStrike" cap="none">
+                <a:solidFill>
+                  <a:schemeClr val="dk1"/>
+                </a:solidFill>
+                <a:latin typeface="Times New Roman"/>
+                <a:ea typeface="Times New Roman"/>
+                <a:cs typeface="Times New Roman"/>
+                <a:sym typeface="Times New Roman"/>
+              </a:defRPr>
+            </a:lvl4pPr>
+            <a:lvl5pPr marL="1371600" marR="0" lvl="4" indent="0" algn="l" rtl="0">
+              <a:spcBef>
+                <a:spcPts val="0"/>
+              </a:spcBef>
+              <a:spcAft>
+                <a:spcPts val="0"/>
+              </a:spcAft>
+              <a:buNone/>
+              <a:defRPr sz="1800" b="0" i="0" u="none" strike="noStrike" cap="none">
+                <a:solidFill>
+                  <a:schemeClr val="dk1"/>
+                </a:solidFill>
+                <a:latin typeface="Times New Roman"/>
+                <a:ea typeface="Times New Roman"/>
+                <a:cs typeface="Times New Roman"/>
+                <a:sym typeface="Times New Roman"/>
+              </a:defRPr>
+            </a:lvl5pPr>
+            <a:lvl6pPr marL="1714500" marR="0" lvl="5" indent="0" algn="l" rtl="0">
+              <a:spcBef>
+                <a:spcPts val="0"/>
+              </a:spcBef>
+              <a:buNone/>
+              <a:defRPr sz="1800" b="0" i="0" u="none" strike="noStrike" cap="none">
+                <a:solidFill>
+                  <a:schemeClr val="dk1"/>
+                </a:solidFill>
+                <a:latin typeface="Times New Roman"/>
+                <a:ea typeface="Times New Roman"/>
+                <a:cs typeface="Times New Roman"/>
+                <a:sym typeface="Times New Roman"/>
+              </a:defRPr>
+            </a:lvl6pPr>
+            <a:lvl7pPr marL="2057400" marR="0" lvl="6" indent="0" algn="l" rtl="0">
+              <a:spcBef>
+                <a:spcPts val="0"/>
+              </a:spcBef>
+              <a:buNone/>
+              <a:defRPr sz="1800" b="0" i="0" u="none" strike="noStrike" cap="none">
+                <a:solidFill>
+                  <a:schemeClr val="dk1"/>
+                </a:solidFill>
+                <a:latin typeface="Times New Roman"/>
+                <a:ea typeface="Times New Roman"/>
+                <a:cs typeface="Times New Roman"/>
+                <a:sym typeface="Times New Roman"/>
+              </a:defRPr>
+            </a:lvl7pPr>
+            <a:lvl8pPr marL="2400300" marR="0" lvl="7" indent="0" algn="l" rtl="0">
+              <a:spcBef>
+                <a:spcPts val="0"/>
+              </a:spcBef>
+              <a:buNone/>
+              <a:defRPr sz="1800" b="0" i="0" u="none" strike="noStrike" cap="none">
+                <a:solidFill>
+                  <a:schemeClr val="dk1"/>
+                </a:solidFill>
+                <a:latin typeface="Times New Roman"/>
+                <a:ea typeface="Times New Roman"/>
+                <a:cs typeface="Times New Roman"/>
+                <a:sym typeface="Times New Roman"/>
+              </a:defRPr>
+            </a:lvl8pPr>
+            <a:lvl9pPr marL="2743200" marR="0" lvl="8" indent="0" algn="l" rtl="0">
+              <a:spcBef>
+                <a:spcPts val="0"/>
+              </a:spcBef>
+              <a:buNone/>
+              <a:defRPr sz="1800" b="0" i="0" u="none" strike="noStrike" cap="none">
+                <a:solidFill>
+                  <a:schemeClr val="dk1"/>
+                </a:solidFill>
+                <a:latin typeface="Times New Roman"/>
+                <a:ea typeface="Times New Roman"/>
+                <a:cs typeface="Times New Roman"/>
+                <a:sym typeface="Times New Roman"/>
+              </a:defRPr>
+            </a:lvl9pPr>
+          </a:lstStyle>
+          <a:p>
+            <a:endParaRPr/>
+          </a:p>
+        </p:txBody>
+      </p:sp>
+      <p:sp>
+        <p:nvSpPr>
+          <p:cNvPr id="38" name="Shape 38"/>
+          <p:cNvSpPr txBox="1">
+            <a:spLocks noGrp="1"/>
+          </p:cNvSpPr>
+          <p:nvPr>
+            <p:ph type="sldNum" idx="12"/>
+          </p:nvPr>
+        </p:nvSpPr>
+        <p:spPr>
+          <a:xfrm>
+            <a:off x="6553201" y="4686300"/>
+            <a:ext cx="1904999" cy="342900"/>
+          </a:xfrm>
+          <a:prstGeom prst="rect">
+            <a:avLst/>
+          </a:prstGeom>
+          <a:noFill/>
+          <a:ln>
+            <a:noFill/>
+          </a:ln>
+        </p:spPr>
+        <p:txBody>
+          <a:bodyPr lIns="91425" tIns="45700" rIns="91425" bIns="45700" anchor="t" anchorCtr="0">
+            <a:noAutofit/>
+          </a:bodyPr>
+          <a:lstStyle/>
+          <a:p>
+            <a:pPr algn="r">
+              <a:buSzPct val="25000"/>
+            </a:pPr>
+            <a:fld id="{00000000-1234-1234-1234-123412341234}" type="slidenum">
+              <a:rPr lang="en-US" sz="1050" smtClean="0">
+                <a:solidFill>
+                  <a:schemeClr val="dk1"/>
+                </a:solidFill>
+                <a:latin typeface="Calibri"/>
+                <a:ea typeface="Calibri"/>
+                <a:cs typeface="Calibri"/>
+                <a:sym typeface="Calibri"/>
+              </a:rPr>
+              <a:pPr algn="r">
+                <a:buSzPct val="25000"/>
+              </a:pPr>
+              <a:t>‹#›</a:t>
+            </a:fld>
+            <a:endParaRPr lang="en-US" sz="1050">
+              <a:solidFill>
+                <a:schemeClr val="dk1"/>
+              </a:solidFill>
+              <a:latin typeface="Calibri"/>
+              <a:ea typeface="Calibri"/>
+              <a:cs typeface="Calibri"/>
+              <a:sym typeface="Calibri"/>
+            </a:endParaRPr>
+          </a:p>
+        </p:txBody>
+      </p:sp>
+    </p:spTree>
+    <p:extLst>
+      <p:ext uri="{BB962C8B-B14F-4D97-AF65-F5344CB8AC3E}">
+        <p14:creationId xmlns:p14="http://schemas.microsoft.com/office/powerpoint/2010/main" val="4269197911"/>
       </p:ext>
     </p:extLst>
   </p:cSld>
@@ -2182,7 +3502,13 @@
       </p:grpSpPr>
       <p:sp>
         <p:nvSpPr>
-          <p:cNvPr id="2" name="Title 1"/>
+          <p:cNvPr id="2" name="Title 1">
+            <a:extLst>
+              <a:ext uri="{FF2B5EF4-FFF2-40B4-BE49-F238E27FC236}">
+                <a16:creationId xmlns:a16="http://schemas.microsoft.com/office/drawing/2014/main" id="{76D10978-DDE8-6144-A6B8-517FFF2E3CB7}"/>
+              </a:ext>
+            </a:extLst>
+          </p:cNvPr>
           <p:cNvSpPr>
             <a:spLocks noGrp="1"/>
           </p:cNvSpPr>
@@ -2193,25 +3519,24 @@
         <p:spPr/>
         <p:txBody>
           <a:bodyPr/>
-          <a:lstStyle>
-            <a:lvl1pPr>
-              <a:defRPr>
-                <a:latin typeface="+mj-lt"/>
-              </a:defRPr>
-            </a:lvl1pPr>
-          </a:lstStyle>
-          <a:p>
-            <a:r>
-              <a:rPr lang="en-CA" dirty="0"/>
+          <a:lstStyle/>
+          <a:p>
+            <a:r>
+              <a:rPr lang="en-US"/>
               <a:t>Click to edit Master title style</a:t>
             </a:r>
-            <a:endParaRPr lang="en-US" dirty="0"/>
-          </a:p>
-        </p:txBody>
-      </p:sp>
-      <p:sp>
-        <p:nvSpPr>
-          <p:cNvPr id="3" name="Content Placeholder 2"/>
+          </a:p>
+        </p:txBody>
+      </p:sp>
+      <p:sp>
+        <p:nvSpPr>
+          <p:cNvPr id="3" name="Content Placeholder 2">
+            <a:extLst>
+              <a:ext uri="{FF2B5EF4-FFF2-40B4-BE49-F238E27FC236}">
+                <a16:creationId xmlns:a16="http://schemas.microsoft.com/office/drawing/2014/main" id="{C5A37744-5627-D646-9036-52ED7E568A44}"/>
+              </a:ext>
+            </a:extLst>
+          </p:cNvPr>
           <p:cNvSpPr>
             <a:spLocks noGrp="1"/>
           </p:cNvSpPr>
@@ -2224,72 +3549,111 @@
           <a:bodyPr/>
           <a:lstStyle>
             <a:lvl1pPr>
-              <a:defRPr>
-                <a:latin typeface="+mn-lt"/>
-              </a:defRPr>
+              <a:spcAft>
+                <a:spcPts val="600"/>
+              </a:spcAft>
+              <a:defRPr/>
             </a:lvl1pPr>
             <a:lvl2pPr>
-              <a:defRPr>
-                <a:latin typeface="+mn-lt"/>
-              </a:defRPr>
+              <a:spcAft>
+                <a:spcPts val="600"/>
+              </a:spcAft>
+              <a:defRPr/>
             </a:lvl2pPr>
             <a:lvl3pPr>
-              <a:defRPr>
-                <a:latin typeface="+mn-lt"/>
-              </a:defRPr>
+              <a:spcAft>
+                <a:spcPts val="600"/>
+              </a:spcAft>
+              <a:defRPr/>
             </a:lvl3pPr>
             <a:lvl4pPr>
-              <a:defRPr>
-                <a:latin typeface="+mn-lt"/>
-              </a:defRPr>
+              <a:spcAft>
+                <a:spcPts val="600"/>
+              </a:spcAft>
+              <a:defRPr/>
             </a:lvl4pPr>
             <a:lvl5pPr>
-              <a:defRPr>
-                <a:latin typeface="+mn-lt"/>
-              </a:defRPr>
+              <a:spcAft>
+                <a:spcPts val="600"/>
+              </a:spcAft>
+              <a:defRPr/>
             </a:lvl5pPr>
           </a:lstStyle>
           <a:p>
             <a:pPr lvl="0"/>
             <a:r>
-              <a:rPr lang="en-CA" dirty="0"/>
+              <a:rPr lang="en-US" dirty="0"/>
               <a:t>Click to edit Master text styles</a:t>
             </a:r>
           </a:p>
           <a:p>
             <a:pPr lvl="1"/>
             <a:r>
-              <a:rPr lang="en-CA" dirty="0"/>
+              <a:rPr lang="en-US" dirty="0"/>
               <a:t>Second level</a:t>
             </a:r>
           </a:p>
           <a:p>
             <a:pPr lvl="2"/>
             <a:r>
-              <a:rPr lang="en-CA" dirty="0"/>
+              <a:rPr lang="en-US" dirty="0"/>
               <a:t>Third level</a:t>
             </a:r>
           </a:p>
           <a:p>
             <a:pPr lvl="3"/>
             <a:r>
-              <a:rPr lang="en-CA" dirty="0"/>
+              <a:rPr lang="en-US" dirty="0"/>
               <a:t>Fourth level</a:t>
             </a:r>
           </a:p>
           <a:p>
             <a:pPr lvl="4"/>
             <a:r>
-              <a:rPr lang="en-CA" dirty="0"/>
+              <a:rPr lang="en-US" dirty="0"/>
               <a:t>Fifth level</a:t>
             </a:r>
-            <a:endParaRPr lang="en-US" dirty="0"/>
-          </a:p>
-        </p:txBody>
-      </p:sp>
-      <p:sp>
-        <p:nvSpPr>
-          <p:cNvPr id="5" name="Footer Placeholder 4"/>
+          </a:p>
+        </p:txBody>
+      </p:sp>
+      <p:sp>
+        <p:nvSpPr>
+          <p:cNvPr id="4" name="Date Placeholder 3">
+            <a:extLst>
+              <a:ext uri="{FF2B5EF4-FFF2-40B4-BE49-F238E27FC236}">
+                <a16:creationId xmlns:a16="http://schemas.microsoft.com/office/drawing/2014/main" id="{F7D0F3F8-FC0C-1B43-BB73-11800B42E6D9}"/>
+              </a:ext>
+            </a:extLst>
+          </p:cNvPr>
+          <p:cNvSpPr>
+            <a:spLocks noGrp="1"/>
+          </p:cNvSpPr>
+          <p:nvPr>
+            <p:ph type="dt" sz="half" idx="10"/>
+          </p:nvPr>
+        </p:nvSpPr>
+        <p:spPr/>
+        <p:txBody>
+          <a:bodyPr/>
+          <a:lstStyle/>
+          <a:p>
+            <a:fld id="{A2849525-9B7D-5945-A782-775278635E42}" type="datetime1">
+              <a:rPr lang="en-CA" smtClean="0"/>
+              <a:t>2020-10-12</a:t>
+            </a:fld>
+            <a:endParaRPr lang="en-US"/>
+          </a:p>
+        </p:txBody>
+      </p:sp>
+      <p:sp>
+        <p:nvSpPr>
+          <p:cNvPr id="5" name="Footer Placeholder 4">
+            <a:extLst>
+              <a:ext uri="{FF2B5EF4-FFF2-40B4-BE49-F238E27FC236}">
+                <a16:creationId xmlns:a16="http://schemas.microsoft.com/office/drawing/2014/main" id="{8300E874-E612-CA46-B18E-0C8FA220608A}"/>
+              </a:ext>
+            </a:extLst>
+          </p:cNvPr>
           <p:cNvSpPr>
             <a:spLocks noGrp="1"/>
           </p:cNvSpPr>
@@ -2297,22 +3661,10 @@
             <p:ph type="ftr" sz="quarter" idx="11"/>
           </p:nvPr>
         </p:nvSpPr>
-        <p:spPr>
-          <a:xfrm>
-            <a:off x="3124200" y="6248400"/>
-            <a:ext cx="2895600" cy="457200"/>
-          </a:xfrm>
-          <a:prstGeom prst="rect">
-            <a:avLst/>
-          </a:prstGeom>
-        </p:spPr>
+        <p:spPr/>
         <p:txBody>
           <a:bodyPr/>
-          <a:lstStyle>
-            <a:lvl1pPr>
-              <a:defRPr/>
-            </a:lvl1pPr>
-          </a:lstStyle>
+          <a:lstStyle/>
           <a:p>
             <a:endParaRPr lang="en-US"/>
           </a:p>
@@ -2320,7 +3672,13 @@
       </p:sp>
       <p:sp>
         <p:nvSpPr>
-          <p:cNvPr id="6" name="Slide Number Placeholder 5"/>
+          <p:cNvPr id="6" name="Slide Number Placeholder 5">
+            <a:extLst>
+              <a:ext uri="{FF2B5EF4-FFF2-40B4-BE49-F238E27FC236}">
+                <a16:creationId xmlns:a16="http://schemas.microsoft.com/office/drawing/2014/main" id="{4F77269F-A49C-1948-BC2E-ABADCE191108}"/>
+              </a:ext>
+            </a:extLst>
+          </p:cNvPr>
           <p:cNvSpPr>
             <a:spLocks noGrp="1"/>
           </p:cNvSpPr>
@@ -2331,15 +3689,10 @@
         <p:spPr/>
         <p:txBody>
           <a:bodyPr/>
-          <a:lstStyle>
-            <a:lvl1pPr>
-              <a:defRPr smtClean="0"/>
-            </a:lvl1pPr>
-          </a:lstStyle>
-          <a:p>
-            <a:fld id="{D94201BD-6681-B946-ACD9-A8F6D28AC38D}" type="slidenum">
-              <a:rPr lang="en-US"/>
-              <a:pPr/>
+          <a:lstStyle/>
+          <a:p>
+            <a:fld id="{7B252BF6-6A9C-D04A-BBE8-37A07D64A1C3}" type="slidenum">
+              <a:rPr lang="en-US" smtClean="0"/>
               <a:t>‹#›</a:t>
             </a:fld>
             <a:endParaRPr lang="en-US"/>
@@ -2349,7 +3702,7 @@
     </p:spTree>
     <p:extLst>
       <p:ext uri="{BB962C8B-B14F-4D97-AF65-F5344CB8AC3E}">
-        <p14:creationId xmlns:p14="http://schemas.microsoft.com/office/powerpoint/2010/main" val="1429793757"/>
+        <p14:creationId xmlns:p14="http://schemas.microsoft.com/office/powerpoint/2010/main" val="1501469222"/>
       </p:ext>
     </p:extLst>
   </p:cSld>
@@ -2378,111 +3731,10 @@
       </p:grpSpPr>
       <p:sp>
         <p:nvSpPr>
-          <p:cNvPr id="2" name="Title 1"/>
-          <p:cNvSpPr>
-            <a:spLocks noGrp="1"/>
-          </p:cNvSpPr>
-          <p:nvPr>
-            <p:ph type="title"/>
-          </p:nvPr>
-        </p:nvSpPr>
-        <p:spPr>
-          <a:xfrm>
-            <a:off x="722313" y="4406900"/>
-            <a:ext cx="7772400" cy="1362075"/>
-          </a:xfrm>
-        </p:spPr>
-        <p:txBody>
-          <a:bodyPr anchor="t"/>
-          <a:lstStyle>
-            <a:lvl1pPr algn="l">
-              <a:defRPr sz="4000" b="1" cap="all">
-                <a:latin typeface="+mj-lt"/>
-              </a:defRPr>
-            </a:lvl1pPr>
-          </a:lstStyle>
-          <a:p>
-            <a:r>
-              <a:rPr lang="en-CA" dirty="0"/>
-              <a:t>Click to edit Master title style</a:t>
-            </a:r>
-            <a:endParaRPr lang="en-US" dirty="0"/>
-          </a:p>
-        </p:txBody>
-      </p:sp>
-      <p:sp>
-        <p:nvSpPr>
-          <p:cNvPr id="3" name="Text Placeholder 2"/>
-          <p:cNvSpPr>
-            <a:spLocks noGrp="1"/>
-          </p:cNvSpPr>
-          <p:nvPr>
-            <p:ph type="body" idx="1"/>
-          </p:nvPr>
-        </p:nvSpPr>
-        <p:spPr>
-          <a:xfrm>
-            <a:off x="722313" y="2906713"/>
-            <a:ext cx="7772400" cy="1500187"/>
-          </a:xfrm>
-        </p:spPr>
-        <p:txBody>
-          <a:bodyPr anchor="b"/>
-          <a:lstStyle>
-            <a:lvl1pPr marL="0" indent="0">
-              <a:buNone/>
-              <a:defRPr sz="2000">
-                <a:latin typeface="+mn-lt"/>
-              </a:defRPr>
-            </a:lvl1pPr>
-            <a:lvl2pPr marL="457200" indent="0">
-              <a:buNone/>
-              <a:defRPr sz="1800"/>
-            </a:lvl2pPr>
-            <a:lvl3pPr marL="914400" indent="0">
-              <a:buNone/>
-              <a:defRPr sz="1600"/>
-            </a:lvl3pPr>
-            <a:lvl4pPr marL="1371600" indent="0">
-              <a:buNone/>
-              <a:defRPr sz="1400"/>
-            </a:lvl4pPr>
-            <a:lvl5pPr marL="1828800" indent="0">
-              <a:buNone/>
-              <a:defRPr sz="1400"/>
-            </a:lvl5pPr>
-            <a:lvl6pPr marL="2286000" indent="0">
-              <a:buNone/>
-              <a:defRPr sz="1400"/>
-            </a:lvl6pPr>
-            <a:lvl7pPr marL="2743200" indent="0">
-              <a:buNone/>
-              <a:defRPr sz="1400"/>
-            </a:lvl7pPr>
-            <a:lvl8pPr marL="3200400" indent="0">
-              <a:buNone/>
-              <a:defRPr sz="1400"/>
-            </a:lvl8pPr>
-            <a:lvl9pPr marL="3657600" indent="0">
-              <a:buNone/>
-              <a:defRPr sz="1400"/>
-            </a:lvl9pPr>
-          </a:lstStyle>
-          <a:p>
-            <a:pPr lvl="0"/>
-            <a:r>
-              <a:rPr lang="en-CA" dirty="0"/>
-              <a:t>Click to edit Master text styles</a:t>
-            </a:r>
-          </a:p>
-        </p:txBody>
-      </p:sp>
-      <p:sp>
-        <p:nvSpPr>
-          <p:cNvPr id="7" name="Footer Placeholder 6">
+          <p:cNvPr id="2" name="Title 1">
             <a:extLst>
               <a:ext uri="{FF2B5EF4-FFF2-40B4-BE49-F238E27FC236}">
-                <a16:creationId xmlns:a16="http://schemas.microsoft.com/office/drawing/2014/main" id="{2B039AA2-523D-0546-920D-E32D1313510F}"/>
+                <a16:creationId xmlns:a16="http://schemas.microsoft.com/office/drawing/2014/main" id="{146B0754-0214-DF47-9D67-A716F6494DC7}"/>
               </a:ext>
             </a:extLst>
           </p:cNvPr>
@@ -2490,24 +3742,36 @@
             <a:spLocks noGrp="1"/>
           </p:cNvSpPr>
           <p:nvPr>
-            <p:ph type="ftr" sz="quarter" idx="10"/>
+            <p:ph type="title"/>
           </p:nvPr>
         </p:nvSpPr>
-        <p:spPr/>
-        <p:txBody>
-          <a:bodyPr/>
-          <a:lstStyle/>
-          <a:p>
-            <a:endParaRPr lang="en-US"/>
-          </a:p>
-        </p:txBody>
-      </p:sp>
-      <p:sp>
-        <p:nvSpPr>
-          <p:cNvPr id="8" name="Slide Number Placeholder 7">
+        <p:spPr>
+          <a:xfrm>
+            <a:off x="623888" y="1282304"/>
+            <a:ext cx="7886700" cy="2139553"/>
+          </a:xfrm>
+        </p:spPr>
+        <p:txBody>
+          <a:bodyPr anchor="b"/>
+          <a:lstStyle>
+            <a:lvl1pPr>
+              <a:defRPr sz="4500"/>
+            </a:lvl1pPr>
+          </a:lstStyle>
+          <a:p>
+            <a:r>
+              <a:rPr lang="en-US"/>
+              <a:t>Click to edit Master title style</a:t>
+            </a:r>
+          </a:p>
+        </p:txBody>
+      </p:sp>
+      <p:sp>
+        <p:nvSpPr>
+          <p:cNvPr id="3" name="Text Placeholder 2">
             <a:extLst>
               <a:ext uri="{FF2B5EF4-FFF2-40B4-BE49-F238E27FC236}">
-                <a16:creationId xmlns:a16="http://schemas.microsoft.com/office/drawing/2014/main" id="{F86BC01E-DD3B-5E4B-95A4-DD35BF84807C}"/>
+                <a16:creationId xmlns:a16="http://schemas.microsoft.com/office/drawing/2014/main" id="{50234BCA-78F6-F745-9EBE-EE525CDE7A5C}"/>
               </a:ext>
             </a:extLst>
           </p:cNvPr>
@@ -2515,7 +3779,132 @@
             <a:spLocks noGrp="1"/>
           </p:cNvSpPr>
           <p:nvPr>
-            <p:ph type="sldNum" sz="quarter" idx="11"/>
+            <p:ph type="body" idx="1"/>
+          </p:nvPr>
+        </p:nvSpPr>
+        <p:spPr>
+          <a:xfrm>
+            <a:off x="623888" y="3442098"/>
+            <a:ext cx="7886700" cy="1125140"/>
+          </a:xfrm>
+        </p:spPr>
+        <p:txBody>
+          <a:bodyPr/>
+          <a:lstStyle>
+            <a:lvl1pPr marL="0" indent="0">
+              <a:buNone/>
+              <a:defRPr sz="1800">
+                <a:solidFill>
+                  <a:schemeClr val="tx1">
+                    <a:tint val="75000"/>
+                  </a:schemeClr>
+                </a:solidFill>
+              </a:defRPr>
+            </a:lvl1pPr>
+            <a:lvl2pPr marL="342900" indent="0">
+              <a:buNone/>
+              <a:defRPr sz="1500">
+                <a:solidFill>
+                  <a:schemeClr val="tx1">
+                    <a:tint val="75000"/>
+                  </a:schemeClr>
+                </a:solidFill>
+              </a:defRPr>
+            </a:lvl2pPr>
+            <a:lvl3pPr marL="685800" indent="0">
+              <a:buNone/>
+              <a:defRPr sz="1350">
+                <a:solidFill>
+                  <a:schemeClr val="tx1">
+                    <a:tint val="75000"/>
+                  </a:schemeClr>
+                </a:solidFill>
+              </a:defRPr>
+            </a:lvl3pPr>
+            <a:lvl4pPr marL="1028700" indent="0">
+              <a:buNone/>
+              <a:defRPr sz="1200">
+                <a:solidFill>
+                  <a:schemeClr val="tx1">
+                    <a:tint val="75000"/>
+                  </a:schemeClr>
+                </a:solidFill>
+              </a:defRPr>
+            </a:lvl4pPr>
+            <a:lvl5pPr marL="1371600" indent="0">
+              <a:buNone/>
+              <a:defRPr sz="1200">
+                <a:solidFill>
+                  <a:schemeClr val="tx1">
+                    <a:tint val="75000"/>
+                  </a:schemeClr>
+                </a:solidFill>
+              </a:defRPr>
+            </a:lvl5pPr>
+            <a:lvl6pPr marL="1714500" indent="0">
+              <a:buNone/>
+              <a:defRPr sz="1200">
+                <a:solidFill>
+                  <a:schemeClr val="tx1">
+                    <a:tint val="75000"/>
+                  </a:schemeClr>
+                </a:solidFill>
+              </a:defRPr>
+            </a:lvl6pPr>
+            <a:lvl7pPr marL="2057400" indent="0">
+              <a:buNone/>
+              <a:defRPr sz="1200">
+                <a:solidFill>
+                  <a:schemeClr val="tx1">
+                    <a:tint val="75000"/>
+                  </a:schemeClr>
+                </a:solidFill>
+              </a:defRPr>
+            </a:lvl7pPr>
+            <a:lvl8pPr marL="2400300" indent="0">
+              <a:buNone/>
+              <a:defRPr sz="1200">
+                <a:solidFill>
+                  <a:schemeClr val="tx1">
+                    <a:tint val="75000"/>
+                  </a:schemeClr>
+                </a:solidFill>
+              </a:defRPr>
+            </a:lvl8pPr>
+            <a:lvl9pPr marL="2743200" indent="0">
+              <a:buNone/>
+              <a:defRPr sz="1200">
+                <a:solidFill>
+                  <a:schemeClr val="tx1">
+                    <a:tint val="75000"/>
+                  </a:schemeClr>
+                </a:solidFill>
+              </a:defRPr>
+            </a:lvl9pPr>
+          </a:lstStyle>
+          <a:p>
+            <a:pPr lvl="0"/>
+            <a:r>
+              <a:rPr lang="en-US"/>
+              <a:t>Click to edit Master text styles</a:t>
+            </a:r>
+          </a:p>
+        </p:txBody>
+      </p:sp>
+      <p:sp>
+        <p:nvSpPr>
+          <p:cNvPr id="4" name="Date Placeholder 3">
+            <a:extLst>
+              <a:ext uri="{FF2B5EF4-FFF2-40B4-BE49-F238E27FC236}">
+                <a16:creationId xmlns:a16="http://schemas.microsoft.com/office/drawing/2014/main" id="{10D707FE-6251-4E4B-BDFF-5C0B1706BE99}"/>
+              </a:ext>
+            </a:extLst>
+          </p:cNvPr>
+          <p:cNvSpPr>
+            <a:spLocks noGrp="1"/>
+          </p:cNvSpPr>
+          <p:nvPr>
+            <p:ph type="dt" sz="half" idx="10"/>
           </p:nvPr>
         </p:nvSpPr>
         <p:spPr/>
@@ -2523,19 +3912,72 @@
           <a:bodyPr/>
           <a:lstStyle/>
           <a:p>
-            <a:fld id="{95FC67CD-6733-D04F-B9BE-AD105949F24E}" type="slidenum">
+            <a:fld id="{D05E1499-BDD1-6940-8C79-13A8B8E63D57}" type="datetime1">
+              <a:rPr lang="en-CA" smtClean="0"/>
+              <a:t>2020-10-12</a:t>
+            </a:fld>
+            <a:endParaRPr lang="en-US"/>
+          </a:p>
+        </p:txBody>
+      </p:sp>
+      <p:sp>
+        <p:nvSpPr>
+          <p:cNvPr id="5" name="Footer Placeholder 4">
+            <a:extLst>
+              <a:ext uri="{FF2B5EF4-FFF2-40B4-BE49-F238E27FC236}">
+                <a16:creationId xmlns:a16="http://schemas.microsoft.com/office/drawing/2014/main" id="{112AF015-083F-9840-9A9E-9E31B7D7BE22}"/>
+              </a:ext>
+            </a:extLst>
+          </p:cNvPr>
+          <p:cNvSpPr>
+            <a:spLocks noGrp="1"/>
+          </p:cNvSpPr>
+          <p:nvPr>
+            <p:ph type="ftr" sz="quarter" idx="11"/>
+          </p:nvPr>
+        </p:nvSpPr>
+        <p:spPr/>
+        <p:txBody>
+          <a:bodyPr/>
+          <a:lstStyle/>
+          <a:p>
+            <a:endParaRPr lang="en-US"/>
+          </a:p>
+        </p:txBody>
+      </p:sp>
+      <p:sp>
+        <p:nvSpPr>
+          <p:cNvPr id="6" name="Slide Number Placeholder 5">
+            <a:extLst>
+              <a:ext uri="{FF2B5EF4-FFF2-40B4-BE49-F238E27FC236}">
+                <a16:creationId xmlns:a16="http://schemas.microsoft.com/office/drawing/2014/main" id="{64A0E270-7D4E-DB45-B70B-D033519BA83D}"/>
+              </a:ext>
+            </a:extLst>
+          </p:cNvPr>
+          <p:cNvSpPr>
+            <a:spLocks noGrp="1"/>
+          </p:cNvSpPr>
+          <p:nvPr>
+            <p:ph type="sldNum" sz="quarter" idx="12"/>
+          </p:nvPr>
+        </p:nvSpPr>
+        <p:spPr/>
+        <p:txBody>
+          <a:bodyPr/>
+          <a:lstStyle/>
+          <a:p>
+            <a:fld id="{7B252BF6-6A9C-D04A-BBE8-37A07D64A1C3}" type="slidenum">
               <a:rPr lang="en-US" smtClean="0"/>
-              <a:pPr/>
               <a:t>‹#›</a:t>
             </a:fld>
-            <a:endParaRPr lang="en-US" dirty="0"/>
+            <a:endParaRPr lang="en-US"/>
           </a:p>
         </p:txBody>
       </p:sp>
     </p:spTree>
     <p:extLst>
       <p:ext uri="{BB962C8B-B14F-4D97-AF65-F5344CB8AC3E}">
-        <p14:creationId xmlns:p14="http://schemas.microsoft.com/office/powerpoint/2010/main" val="476248167"/>
+        <p14:creationId xmlns:p14="http://schemas.microsoft.com/office/powerpoint/2010/main" val="513137460"/>
       </p:ext>
     </p:extLst>
   </p:cSld>
@@ -2564,229 +4006,10 @@
       </p:grpSpPr>
       <p:sp>
         <p:nvSpPr>
-          <p:cNvPr id="2" name="Title 1"/>
-          <p:cNvSpPr>
-            <a:spLocks noGrp="1"/>
-          </p:cNvSpPr>
-          <p:nvPr>
-            <p:ph type="title"/>
-          </p:nvPr>
-        </p:nvSpPr>
-        <p:spPr/>
-        <p:txBody>
-          <a:bodyPr/>
-          <a:lstStyle>
-            <a:lvl1pPr>
-              <a:defRPr>
-                <a:latin typeface="+mj-lt"/>
-              </a:defRPr>
-            </a:lvl1pPr>
-          </a:lstStyle>
-          <a:p>
-            <a:r>
-              <a:rPr lang="en-CA" dirty="0"/>
-              <a:t>Click to edit Master title style</a:t>
-            </a:r>
-            <a:endParaRPr lang="en-US" dirty="0"/>
-          </a:p>
-        </p:txBody>
-      </p:sp>
-      <p:sp>
-        <p:nvSpPr>
-          <p:cNvPr id="3" name="Content Placeholder 2"/>
-          <p:cNvSpPr>
-            <a:spLocks noGrp="1"/>
-          </p:cNvSpPr>
-          <p:nvPr>
-            <p:ph sz="half" idx="1"/>
-          </p:nvPr>
-        </p:nvSpPr>
-        <p:spPr>
-          <a:xfrm>
-            <a:off x="685800" y="1981200"/>
-            <a:ext cx="3810000" cy="4114800"/>
-          </a:xfrm>
-        </p:spPr>
-        <p:txBody>
-          <a:bodyPr/>
-          <a:lstStyle>
-            <a:lvl1pPr>
-              <a:defRPr sz="2800">
-                <a:latin typeface="+mn-lt"/>
-              </a:defRPr>
-            </a:lvl1pPr>
-            <a:lvl2pPr>
-              <a:defRPr sz="2400">
-                <a:latin typeface="+mn-lt"/>
-              </a:defRPr>
-            </a:lvl2pPr>
-            <a:lvl3pPr>
-              <a:defRPr sz="2000">
-                <a:latin typeface="+mn-lt"/>
-              </a:defRPr>
-            </a:lvl3pPr>
-            <a:lvl4pPr>
-              <a:defRPr sz="1800">
-                <a:latin typeface="+mn-lt"/>
-              </a:defRPr>
-            </a:lvl4pPr>
-            <a:lvl5pPr>
-              <a:defRPr sz="1800">
-                <a:latin typeface="+mn-lt"/>
-              </a:defRPr>
-            </a:lvl5pPr>
-            <a:lvl6pPr>
-              <a:defRPr sz="1800"/>
-            </a:lvl6pPr>
-            <a:lvl7pPr>
-              <a:defRPr sz="1800"/>
-            </a:lvl7pPr>
-            <a:lvl8pPr>
-              <a:defRPr sz="1800"/>
-            </a:lvl8pPr>
-            <a:lvl9pPr>
-              <a:defRPr sz="1800"/>
-            </a:lvl9pPr>
-          </a:lstStyle>
-          <a:p>
-            <a:pPr lvl="0"/>
-            <a:r>
-              <a:rPr lang="en-CA" dirty="0"/>
-              <a:t>Click to edit Master text styles</a:t>
-            </a:r>
-          </a:p>
-          <a:p>
-            <a:pPr lvl="1"/>
-            <a:r>
-              <a:rPr lang="en-CA" dirty="0"/>
-              <a:t>Second level</a:t>
-            </a:r>
-          </a:p>
-          <a:p>
-            <a:pPr lvl="2"/>
-            <a:r>
-              <a:rPr lang="en-CA" dirty="0"/>
-              <a:t>Third level</a:t>
-            </a:r>
-          </a:p>
-          <a:p>
-            <a:pPr lvl="3"/>
-            <a:r>
-              <a:rPr lang="en-CA" dirty="0"/>
-              <a:t>Fourth level</a:t>
-            </a:r>
-          </a:p>
-          <a:p>
-            <a:pPr lvl="4"/>
-            <a:r>
-              <a:rPr lang="en-CA" dirty="0"/>
-              <a:t>Fifth level</a:t>
-            </a:r>
-            <a:endParaRPr lang="en-US" dirty="0"/>
-          </a:p>
-        </p:txBody>
-      </p:sp>
-      <p:sp>
-        <p:nvSpPr>
-          <p:cNvPr id="4" name="Content Placeholder 3"/>
-          <p:cNvSpPr>
-            <a:spLocks noGrp="1"/>
-          </p:cNvSpPr>
-          <p:nvPr>
-            <p:ph sz="half" idx="2"/>
-          </p:nvPr>
-        </p:nvSpPr>
-        <p:spPr>
-          <a:xfrm>
-            <a:off x="4648200" y="1981200"/>
-            <a:ext cx="3810000" cy="4114800"/>
-          </a:xfrm>
-        </p:spPr>
-        <p:txBody>
-          <a:bodyPr/>
-          <a:lstStyle>
-            <a:lvl1pPr>
-              <a:defRPr sz="2800">
-                <a:latin typeface="+mn-lt"/>
-              </a:defRPr>
-            </a:lvl1pPr>
-            <a:lvl2pPr>
-              <a:defRPr sz="2400">
-                <a:latin typeface="+mn-lt"/>
-              </a:defRPr>
-            </a:lvl2pPr>
-            <a:lvl3pPr>
-              <a:defRPr sz="2000">
-                <a:latin typeface="+mn-lt"/>
-              </a:defRPr>
-            </a:lvl3pPr>
-            <a:lvl4pPr>
-              <a:defRPr sz="1800">
-                <a:latin typeface="+mn-lt"/>
-              </a:defRPr>
-            </a:lvl4pPr>
-            <a:lvl5pPr>
-              <a:defRPr sz="1800">
-                <a:latin typeface="+mn-lt"/>
-              </a:defRPr>
-            </a:lvl5pPr>
-            <a:lvl6pPr>
-              <a:defRPr sz="1800"/>
-            </a:lvl6pPr>
-            <a:lvl7pPr>
-              <a:defRPr sz="1800"/>
-            </a:lvl7pPr>
-            <a:lvl8pPr>
-              <a:defRPr sz="1800"/>
-            </a:lvl8pPr>
-            <a:lvl9pPr>
-              <a:defRPr sz="1800"/>
-            </a:lvl9pPr>
-          </a:lstStyle>
-          <a:p>
-            <a:pPr lvl="0"/>
-            <a:r>
-              <a:rPr lang="en-CA" dirty="0"/>
-              <a:t>Click to edit Master text styles</a:t>
-            </a:r>
-          </a:p>
-          <a:p>
-            <a:pPr lvl="1"/>
-            <a:r>
-              <a:rPr lang="en-CA" dirty="0"/>
-              <a:t>Second level</a:t>
-            </a:r>
-          </a:p>
-          <a:p>
-            <a:pPr lvl="2"/>
-            <a:r>
-              <a:rPr lang="en-CA" dirty="0"/>
-              <a:t>Third level</a:t>
-            </a:r>
-          </a:p>
-          <a:p>
-            <a:pPr lvl="3"/>
-            <a:r>
-              <a:rPr lang="en-CA" dirty="0"/>
-              <a:t>Fourth level</a:t>
-            </a:r>
-          </a:p>
-          <a:p>
-            <a:pPr lvl="4"/>
-            <a:r>
-              <a:rPr lang="en-CA" dirty="0"/>
-              <a:t>Fifth level</a:t>
-            </a:r>
-            <a:endParaRPr lang="en-US" dirty="0"/>
-          </a:p>
-        </p:txBody>
-      </p:sp>
-      <p:sp>
-        <p:nvSpPr>
-          <p:cNvPr id="8" name="Footer Placeholder 7">
+          <p:cNvPr id="2" name="Title 1">
             <a:extLst>
               <a:ext uri="{FF2B5EF4-FFF2-40B4-BE49-F238E27FC236}">
-                <a16:creationId xmlns:a16="http://schemas.microsoft.com/office/drawing/2014/main" id="{DA945EC4-37BF-4E43-B2AD-837601045EC0}"/>
+                <a16:creationId xmlns:a16="http://schemas.microsoft.com/office/drawing/2014/main" id="{1DE48785-840A-474A-B8BA-27207C013959}"/>
               </a:ext>
             </a:extLst>
           </p:cNvPr>
@@ -2794,7 +4017,7 @@
             <a:spLocks noGrp="1"/>
           </p:cNvSpPr>
           <p:nvPr>
-            <p:ph type="ftr" sz="quarter" idx="10"/>
+            <p:ph type="title"/>
           </p:nvPr>
         </p:nvSpPr>
         <p:spPr/>
@@ -2802,16 +4025,19 @@
           <a:bodyPr/>
           <a:lstStyle/>
           <a:p>
-            <a:endParaRPr lang="en-US"/>
-          </a:p>
-        </p:txBody>
-      </p:sp>
-      <p:sp>
-        <p:nvSpPr>
-          <p:cNvPr id="9" name="Slide Number Placeholder 8">
+            <a:r>
+              <a:rPr lang="en-US"/>
+              <a:t>Click to edit Master title style</a:t>
+            </a:r>
+          </a:p>
+        </p:txBody>
+      </p:sp>
+      <p:sp>
+        <p:nvSpPr>
+          <p:cNvPr id="3" name="Content Placeholder 2">
             <a:extLst>
               <a:ext uri="{FF2B5EF4-FFF2-40B4-BE49-F238E27FC236}">
-                <a16:creationId xmlns:a16="http://schemas.microsoft.com/office/drawing/2014/main" id="{BEFEF4CF-D098-9549-A3AC-4A120E0BFA05}"/>
+                <a16:creationId xmlns:a16="http://schemas.microsoft.com/office/drawing/2014/main" id="{CE3C8B25-A9AD-F143-AD1A-17A95F44E09D}"/>
               </a:ext>
             </a:extLst>
           </p:cNvPr>
@@ -2819,27 +4045,204 @@
             <a:spLocks noGrp="1"/>
           </p:cNvSpPr>
           <p:nvPr>
-            <p:ph type="sldNum" sz="quarter" idx="11"/>
+            <p:ph sz="half" idx="1"/>
           </p:nvPr>
         </p:nvSpPr>
-        <p:spPr/>
+        <p:spPr>
+          <a:xfrm>
+            <a:off x="628650" y="1369219"/>
+            <a:ext cx="3886200" cy="3263504"/>
+          </a:xfrm>
+        </p:spPr>
         <p:txBody>
           <a:bodyPr/>
           <a:lstStyle/>
           <a:p>
-            <a:fld id="{95FC67CD-6733-D04F-B9BE-AD105949F24E}" type="slidenum">
+            <a:pPr lvl="0"/>
+            <a:r>
+              <a:rPr lang="en-US"/>
+              <a:t>Click to edit Master text styles</a:t>
+            </a:r>
+          </a:p>
+          <a:p>
+            <a:pPr lvl="1"/>
+            <a:r>
+              <a:rPr lang="en-US"/>
+              <a:t>Second level</a:t>
+            </a:r>
+          </a:p>
+          <a:p>
+            <a:pPr lvl="2"/>
+            <a:r>
+              <a:rPr lang="en-US"/>
+              <a:t>Third level</a:t>
+            </a:r>
+          </a:p>
+          <a:p>
+            <a:pPr lvl="3"/>
+            <a:r>
+              <a:rPr lang="en-US"/>
+              <a:t>Fourth level</a:t>
+            </a:r>
+          </a:p>
+          <a:p>
+            <a:pPr lvl="4"/>
+            <a:r>
+              <a:rPr lang="en-US"/>
+              <a:t>Fifth level</a:t>
+            </a:r>
+          </a:p>
+        </p:txBody>
+      </p:sp>
+      <p:sp>
+        <p:nvSpPr>
+          <p:cNvPr id="4" name="Content Placeholder 3">
+            <a:extLst>
+              <a:ext uri="{FF2B5EF4-FFF2-40B4-BE49-F238E27FC236}">
+                <a16:creationId xmlns:a16="http://schemas.microsoft.com/office/drawing/2014/main" id="{174209DA-22E0-B146-A689-48B1E9D38312}"/>
+              </a:ext>
+            </a:extLst>
+          </p:cNvPr>
+          <p:cNvSpPr>
+            <a:spLocks noGrp="1"/>
+          </p:cNvSpPr>
+          <p:nvPr>
+            <p:ph sz="half" idx="2"/>
+          </p:nvPr>
+        </p:nvSpPr>
+        <p:spPr>
+          <a:xfrm>
+            <a:off x="4629150" y="1369219"/>
+            <a:ext cx="3886200" cy="3263504"/>
+          </a:xfrm>
+        </p:spPr>
+        <p:txBody>
+          <a:bodyPr/>
+          <a:lstStyle/>
+          <a:p>
+            <a:pPr lvl="0"/>
+            <a:r>
+              <a:rPr lang="en-US"/>
+              <a:t>Click to edit Master text styles</a:t>
+            </a:r>
+          </a:p>
+          <a:p>
+            <a:pPr lvl="1"/>
+            <a:r>
+              <a:rPr lang="en-US"/>
+              <a:t>Second level</a:t>
+            </a:r>
+          </a:p>
+          <a:p>
+            <a:pPr lvl="2"/>
+            <a:r>
+              <a:rPr lang="en-US"/>
+              <a:t>Third level</a:t>
+            </a:r>
+          </a:p>
+          <a:p>
+            <a:pPr lvl="3"/>
+            <a:r>
+              <a:rPr lang="en-US"/>
+              <a:t>Fourth level</a:t>
+            </a:r>
+          </a:p>
+          <a:p>
+            <a:pPr lvl="4"/>
+            <a:r>
+              <a:rPr lang="en-US"/>
+              <a:t>Fifth level</a:t>
+            </a:r>
+          </a:p>
+        </p:txBody>
+      </p:sp>
+      <p:sp>
+        <p:nvSpPr>
+          <p:cNvPr id="5" name="Date Placeholder 4">
+            <a:extLst>
+              <a:ext uri="{FF2B5EF4-FFF2-40B4-BE49-F238E27FC236}">
+                <a16:creationId xmlns:a16="http://schemas.microsoft.com/office/drawing/2014/main" id="{52A82A87-E151-8641-8C5C-327C5209D63B}"/>
+              </a:ext>
+            </a:extLst>
+          </p:cNvPr>
+          <p:cNvSpPr>
+            <a:spLocks noGrp="1"/>
+          </p:cNvSpPr>
+          <p:nvPr>
+            <p:ph type="dt" sz="half" idx="10"/>
+          </p:nvPr>
+        </p:nvSpPr>
+        <p:spPr/>
+        <p:txBody>
+          <a:bodyPr/>
+          <a:lstStyle/>
+          <a:p>
+            <a:fld id="{17E70EF3-18A7-4644-8DA2-1EB9CA66C736}" type="datetime1">
+              <a:rPr lang="en-CA" smtClean="0"/>
+              <a:t>2020-10-12</a:t>
+            </a:fld>
+            <a:endParaRPr lang="en-US"/>
+          </a:p>
+        </p:txBody>
+      </p:sp>
+      <p:sp>
+        <p:nvSpPr>
+          <p:cNvPr id="6" name="Footer Placeholder 5">
+            <a:extLst>
+              <a:ext uri="{FF2B5EF4-FFF2-40B4-BE49-F238E27FC236}">
+                <a16:creationId xmlns:a16="http://schemas.microsoft.com/office/drawing/2014/main" id="{54432E4D-CFE1-864C-892F-C0510CC3CFA4}"/>
+              </a:ext>
+            </a:extLst>
+          </p:cNvPr>
+          <p:cNvSpPr>
+            <a:spLocks noGrp="1"/>
+          </p:cNvSpPr>
+          <p:nvPr>
+            <p:ph type="ftr" sz="quarter" idx="11"/>
+          </p:nvPr>
+        </p:nvSpPr>
+        <p:spPr/>
+        <p:txBody>
+          <a:bodyPr/>
+          <a:lstStyle/>
+          <a:p>
+            <a:endParaRPr lang="en-US"/>
+          </a:p>
+        </p:txBody>
+      </p:sp>
+      <p:sp>
+        <p:nvSpPr>
+          <p:cNvPr id="7" name="Slide Number Placeholder 6">
+            <a:extLst>
+              <a:ext uri="{FF2B5EF4-FFF2-40B4-BE49-F238E27FC236}">
+                <a16:creationId xmlns:a16="http://schemas.microsoft.com/office/drawing/2014/main" id="{BE737C13-4A25-3440-9E41-0DB773459711}"/>
+              </a:ext>
+            </a:extLst>
+          </p:cNvPr>
+          <p:cNvSpPr>
+            <a:spLocks noGrp="1"/>
+          </p:cNvSpPr>
+          <p:nvPr>
+            <p:ph type="sldNum" sz="quarter" idx="12"/>
+          </p:nvPr>
+        </p:nvSpPr>
+        <p:spPr/>
+        <p:txBody>
+          <a:bodyPr/>
+          <a:lstStyle/>
+          <a:p>
+            <a:fld id="{7B252BF6-6A9C-D04A-BBE8-37A07D64A1C3}" type="slidenum">
               <a:rPr lang="en-US" smtClean="0"/>
-              <a:pPr/>
               <a:t>‹#›</a:t>
             </a:fld>
-            <a:endParaRPr lang="en-US" dirty="0"/>
+            <a:endParaRPr lang="en-US"/>
           </a:p>
         </p:txBody>
       </p:sp>
     </p:spTree>
     <p:extLst>
       <p:ext uri="{BB962C8B-B14F-4D97-AF65-F5344CB8AC3E}">
-        <p14:creationId xmlns:p14="http://schemas.microsoft.com/office/powerpoint/2010/main" val="3814520194"/>
+        <p14:creationId xmlns:p14="http://schemas.microsoft.com/office/powerpoint/2010/main" val="149022077"/>
       </p:ext>
     </p:extLst>
   </p:cSld>
@@ -2868,368 +4271,10 @@
       </p:grpSpPr>
       <p:sp>
         <p:nvSpPr>
-          <p:cNvPr id="2" name="Title 1"/>
-          <p:cNvSpPr>
-            <a:spLocks noGrp="1"/>
-          </p:cNvSpPr>
-          <p:nvPr>
-            <p:ph type="title"/>
-          </p:nvPr>
-        </p:nvSpPr>
-        <p:spPr>
-          <a:xfrm>
-            <a:off x="457200" y="274638"/>
-            <a:ext cx="8229600" cy="1143000"/>
-          </a:xfrm>
-        </p:spPr>
-        <p:txBody>
-          <a:bodyPr/>
-          <a:lstStyle>
-            <a:lvl1pPr>
-              <a:defRPr>
-                <a:latin typeface="+mj-lt"/>
-              </a:defRPr>
-            </a:lvl1pPr>
-          </a:lstStyle>
-          <a:p>
-            <a:r>
-              <a:rPr lang="en-CA" dirty="0"/>
-              <a:t>Click to edit Master title style</a:t>
-            </a:r>
-            <a:endParaRPr lang="en-US" dirty="0"/>
-          </a:p>
-        </p:txBody>
-      </p:sp>
-      <p:sp>
-        <p:nvSpPr>
-          <p:cNvPr id="3" name="Text Placeholder 2"/>
-          <p:cNvSpPr>
-            <a:spLocks noGrp="1"/>
-          </p:cNvSpPr>
-          <p:nvPr>
-            <p:ph type="body" idx="1"/>
-          </p:nvPr>
-        </p:nvSpPr>
-        <p:spPr>
-          <a:xfrm>
-            <a:off x="457200" y="1535113"/>
-            <a:ext cx="4040188" cy="639762"/>
-          </a:xfrm>
-        </p:spPr>
-        <p:txBody>
-          <a:bodyPr anchor="b"/>
-          <a:lstStyle>
-            <a:lvl1pPr marL="0" indent="0">
-              <a:buNone/>
-              <a:defRPr sz="2400" b="1">
-                <a:latin typeface="+mj-lt"/>
-              </a:defRPr>
-            </a:lvl1pPr>
-            <a:lvl2pPr marL="457200" indent="0">
-              <a:buNone/>
-              <a:defRPr sz="2000" b="1"/>
-            </a:lvl2pPr>
-            <a:lvl3pPr marL="914400" indent="0">
-              <a:buNone/>
-              <a:defRPr sz="1800" b="1"/>
-            </a:lvl3pPr>
-            <a:lvl4pPr marL="1371600" indent="0">
-              <a:buNone/>
-              <a:defRPr sz="1600" b="1"/>
-            </a:lvl4pPr>
-            <a:lvl5pPr marL="1828800" indent="0">
-              <a:buNone/>
-              <a:defRPr sz="1600" b="1"/>
-            </a:lvl5pPr>
-            <a:lvl6pPr marL="2286000" indent="0">
-              <a:buNone/>
-              <a:defRPr sz="1600" b="1"/>
-            </a:lvl6pPr>
-            <a:lvl7pPr marL="2743200" indent="0">
-              <a:buNone/>
-              <a:defRPr sz="1600" b="1"/>
-            </a:lvl7pPr>
-            <a:lvl8pPr marL="3200400" indent="0">
-              <a:buNone/>
-              <a:defRPr sz="1600" b="1"/>
-            </a:lvl8pPr>
-            <a:lvl9pPr marL="3657600" indent="0">
-              <a:buNone/>
-              <a:defRPr sz="1600" b="1"/>
-            </a:lvl9pPr>
-          </a:lstStyle>
-          <a:p>
-            <a:pPr lvl="0"/>
-            <a:r>
-              <a:rPr lang="en-CA" dirty="0"/>
-              <a:t>Click to edit Master text styles</a:t>
-            </a:r>
-          </a:p>
-        </p:txBody>
-      </p:sp>
-      <p:sp>
-        <p:nvSpPr>
-          <p:cNvPr id="4" name="Content Placeholder 3"/>
-          <p:cNvSpPr>
-            <a:spLocks noGrp="1"/>
-          </p:cNvSpPr>
-          <p:nvPr>
-            <p:ph sz="half" idx="2"/>
-          </p:nvPr>
-        </p:nvSpPr>
-        <p:spPr>
-          <a:xfrm>
-            <a:off x="457200" y="2174875"/>
-            <a:ext cx="4040188" cy="3951288"/>
-          </a:xfrm>
-        </p:spPr>
-        <p:txBody>
-          <a:bodyPr/>
-          <a:lstStyle>
-            <a:lvl1pPr>
-              <a:defRPr sz="2400">
-                <a:latin typeface="+mn-lt"/>
-              </a:defRPr>
-            </a:lvl1pPr>
-            <a:lvl2pPr>
-              <a:defRPr sz="2000">
-                <a:latin typeface="+mn-lt"/>
-              </a:defRPr>
-            </a:lvl2pPr>
-            <a:lvl3pPr>
-              <a:defRPr sz="1800">
-                <a:latin typeface="+mn-lt"/>
-              </a:defRPr>
-            </a:lvl3pPr>
-            <a:lvl4pPr>
-              <a:defRPr sz="1600">
-                <a:latin typeface="+mn-lt"/>
-              </a:defRPr>
-            </a:lvl4pPr>
-            <a:lvl5pPr>
-              <a:defRPr sz="1600">
-                <a:latin typeface="+mn-lt"/>
-              </a:defRPr>
-            </a:lvl5pPr>
-            <a:lvl6pPr>
-              <a:defRPr sz="1600"/>
-            </a:lvl6pPr>
-            <a:lvl7pPr>
-              <a:defRPr sz="1600"/>
-            </a:lvl7pPr>
-            <a:lvl8pPr>
-              <a:defRPr sz="1600"/>
-            </a:lvl8pPr>
-            <a:lvl9pPr>
-              <a:defRPr sz="1600"/>
-            </a:lvl9pPr>
-          </a:lstStyle>
-          <a:p>
-            <a:pPr lvl="0"/>
-            <a:r>
-              <a:rPr lang="en-CA" dirty="0"/>
-              <a:t>Click to edit Master text styles</a:t>
-            </a:r>
-          </a:p>
-          <a:p>
-            <a:pPr lvl="1"/>
-            <a:r>
-              <a:rPr lang="en-CA" dirty="0"/>
-              <a:t>Second level</a:t>
-            </a:r>
-          </a:p>
-          <a:p>
-            <a:pPr lvl="2"/>
-            <a:r>
-              <a:rPr lang="en-CA" dirty="0"/>
-              <a:t>Third level</a:t>
-            </a:r>
-          </a:p>
-          <a:p>
-            <a:pPr lvl="3"/>
-            <a:r>
-              <a:rPr lang="en-CA" dirty="0"/>
-              <a:t>Fourth level</a:t>
-            </a:r>
-          </a:p>
-          <a:p>
-            <a:pPr lvl="4"/>
-            <a:r>
-              <a:rPr lang="en-CA" dirty="0"/>
-              <a:t>Fifth level</a:t>
-            </a:r>
-            <a:endParaRPr lang="en-US" dirty="0"/>
-          </a:p>
-        </p:txBody>
-      </p:sp>
-      <p:sp>
-        <p:nvSpPr>
-          <p:cNvPr id="5" name="Text Placeholder 4"/>
-          <p:cNvSpPr>
-            <a:spLocks noGrp="1"/>
-          </p:cNvSpPr>
-          <p:nvPr>
-            <p:ph type="body" sz="quarter" idx="3"/>
-          </p:nvPr>
-        </p:nvSpPr>
-        <p:spPr>
-          <a:xfrm>
-            <a:off x="4645025" y="1535113"/>
-            <a:ext cx="4041775" cy="639762"/>
-          </a:xfrm>
-        </p:spPr>
-        <p:txBody>
-          <a:bodyPr anchor="b"/>
-          <a:lstStyle>
-            <a:lvl1pPr marL="0" indent="0">
-              <a:buNone/>
-              <a:defRPr sz="2400" b="1">
-                <a:latin typeface="+mj-lt"/>
-              </a:defRPr>
-            </a:lvl1pPr>
-            <a:lvl2pPr marL="457200" indent="0">
-              <a:buNone/>
-              <a:defRPr sz="2000" b="1"/>
-            </a:lvl2pPr>
-            <a:lvl3pPr marL="914400" indent="0">
-              <a:buNone/>
-              <a:defRPr sz="1800" b="1"/>
-            </a:lvl3pPr>
-            <a:lvl4pPr marL="1371600" indent="0">
-              <a:buNone/>
-              <a:defRPr sz="1600" b="1"/>
-            </a:lvl4pPr>
-            <a:lvl5pPr marL="1828800" indent="0">
-              <a:buNone/>
-              <a:defRPr sz="1600" b="1"/>
-            </a:lvl5pPr>
-            <a:lvl6pPr marL="2286000" indent="0">
-              <a:buNone/>
-              <a:defRPr sz="1600" b="1"/>
-            </a:lvl6pPr>
-            <a:lvl7pPr marL="2743200" indent="0">
-              <a:buNone/>
-              <a:defRPr sz="1600" b="1"/>
-            </a:lvl7pPr>
-            <a:lvl8pPr marL="3200400" indent="0">
-              <a:buNone/>
-              <a:defRPr sz="1600" b="1"/>
-            </a:lvl8pPr>
-            <a:lvl9pPr marL="3657600" indent="0">
-              <a:buNone/>
-              <a:defRPr sz="1600" b="1"/>
-            </a:lvl9pPr>
-          </a:lstStyle>
-          <a:p>
-            <a:pPr lvl="0"/>
-            <a:r>
-              <a:rPr lang="en-CA" dirty="0"/>
-              <a:t>Click to edit Master text styles</a:t>
-            </a:r>
-          </a:p>
-        </p:txBody>
-      </p:sp>
-      <p:sp>
-        <p:nvSpPr>
-          <p:cNvPr id="6" name="Content Placeholder 5"/>
-          <p:cNvSpPr>
-            <a:spLocks noGrp="1"/>
-          </p:cNvSpPr>
-          <p:nvPr>
-            <p:ph sz="quarter" idx="4"/>
-          </p:nvPr>
-        </p:nvSpPr>
-        <p:spPr>
-          <a:xfrm>
-            <a:off x="4645025" y="2174875"/>
-            <a:ext cx="4041775" cy="3951288"/>
-          </a:xfrm>
-        </p:spPr>
-        <p:txBody>
-          <a:bodyPr/>
-          <a:lstStyle>
-            <a:lvl1pPr>
-              <a:defRPr sz="2400">
-                <a:latin typeface="+mn-lt"/>
-              </a:defRPr>
-            </a:lvl1pPr>
-            <a:lvl2pPr>
-              <a:defRPr sz="2000">
-                <a:latin typeface="+mn-lt"/>
-              </a:defRPr>
-            </a:lvl2pPr>
-            <a:lvl3pPr>
-              <a:defRPr sz="1800">
-                <a:latin typeface="+mn-lt"/>
-              </a:defRPr>
-            </a:lvl3pPr>
-            <a:lvl4pPr>
-              <a:defRPr sz="1600">
-                <a:latin typeface="+mn-lt"/>
-              </a:defRPr>
-            </a:lvl4pPr>
-            <a:lvl5pPr>
-              <a:defRPr sz="1600">
-                <a:latin typeface="+mn-lt"/>
-              </a:defRPr>
-            </a:lvl5pPr>
-            <a:lvl6pPr>
-              <a:defRPr sz="1600"/>
-            </a:lvl6pPr>
-            <a:lvl7pPr>
-              <a:defRPr sz="1600"/>
-            </a:lvl7pPr>
-            <a:lvl8pPr>
-              <a:defRPr sz="1600"/>
-            </a:lvl8pPr>
-            <a:lvl9pPr>
-              <a:defRPr sz="1600"/>
-            </a:lvl9pPr>
-          </a:lstStyle>
-          <a:p>
-            <a:pPr lvl="0"/>
-            <a:r>
-              <a:rPr lang="en-CA" dirty="0"/>
-              <a:t>Click to edit Master text styles</a:t>
-            </a:r>
-          </a:p>
-          <a:p>
-            <a:pPr lvl="1"/>
-            <a:r>
-              <a:rPr lang="en-CA" dirty="0"/>
-              <a:t>Second level</a:t>
-            </a:r>
-          </a:p>
-          <a:p>
-            <a:pPr lvl="2"/>
-            <a:r>
-              <a:rPr lang="en-CA" dirty="0"/>
-              <a:t>Third level</a:t>
-            </a:r>
-          </a:p>
-          <a:p>
-            <a:pPr lvl="3"/>
-            <a:r>
-              <a:rPr lang="en-CA" dirty="0"/>
-              <a:t>Fourth level</a:t>
-            </a:r>
-          </a:p>
-          <a:p>
-            <a:pPr lvl="4"/>
-            <a:r>
-              <a:rPr lang="en-CA" dirty="0"/>
-              <a:t>Fifth level</a:t>
-            </a:r>
-            <a:endParaRPr lang="en-US" dirty="0"/>
-          </a:p>
-        </p:txBody>
-      </p:sp>
-      <p:sp>
-        <p:nvSpPr>
-          <p:cNvPr id="10" name="Footer Placeholder 9">
+          <p:cNvPr id="2" name="Title 1">
             <a:extLst>
               <a:ext uri="{FF2B5EF4-FFF2-40B4-BE49-F238E27FC236}">
-                <a16:creationId xmlns:a16="http://schemas.microsoft.com/office/drawing/2014/main" id="{0912E499-92DE-AB4A-A5B0-FD67B2273F7D}"/>
+                <a16:creationId xmlns:a16="http://schemas.microsoft.com/office/drawing/2014/main" id="{135B1DBC-EEEB-1C44-A4C7-02D9BB9CB01B}"/>
               </a:ext>
             </a:extLst>
           </p:cNvPr>
@@ -3237,24 +4282,32 @@
             <a:spLocks noGrp="1"/>
           </p:cNvSpPr>
           <p:nvPr>
-            <p:ph type="ftr" sz="quarter" idx="10"/>
+            <p:ph type="title"/>
           </p:nvPr>
         </p:nvSpPr>
-        <p:spPr/>
+        <p:spPr>
+          <a:xfrm>
+            <a:off x="629841" y="273844"/>
+            <a:ext cx="7886700" cy="994172"/>
+          </a:xfrm>
+        </p:spPr>
         <p:txBody>
           <a:bodyPr/>
           <a:lstStyle/>
           <a:p>
-            <a:endParaRPr lang="en-US"/>
-          </a:p>
-        </p:txBody>
-      </p:sp>
-      <p:sp>
-        <p:nvSpPr>
-          <p:cNvPr id="11" name="Slide Number Placeholder 10">
+            <a:r>
+              <a:rPr lang="en-US"/>
+              <a:t>Click to edit Master title style</a:t>
+            </a:r>
+          </a:p>
+        </p:txBody>
+      </p:sp>
+      <p:sp>
+        <p:nvSpPr>
+          <p:cNvPr id="3" name="Text Placeholder 2">
             <a:extLst>
               <a:ext uri="{FF2B5EF4-FFF2-40B4-BE49-F238E27FC236}">
-                <a16:creationId xmlns:a16="http://schemas.microsoft.com/office/drawing/2014/main" id="{80D4789F-B319-FB45-8996-99D418A3599C}"/>
+                <a16:creationId xmlns:a16="http://schemas.microsoft.com/office/drawing/2014/main" id="{695D77D7-D2B1-0841-9C20-538058B42963}"/>
               </a:ext>
             </a:extLst>
           </p:cNvPr>
@@ -3262,27 +4315,346 @@
             <a:spLocks noGrp="1"/>
           </p:cNvSpPr>
           <p:nvPr>
-            <p:ph type="sldNum" sz="quarter" idx="11"/>
+            <p:ph type="body" idx="1"/>
           </p:nvPr>
         </p:nvSpPr>
-        <p:spPr/>
+        <p:spPr>
+          <a:xfrm>
+            <a:off x="629842" y="1260872"/>
+            <a:ext cx="3868340" cy="617934"/>
+          </a:xfrm>
+        </p:spPr>
+        <p:txBody>
+          <a:bodyPr anchor="b"/>
+          <a:lstStyle>
+            <a:lvl1pPr marL="0" indent="0">
+              <a:buNone/>
+              <a:defRPr sz="1800" b="1"/>
+            </a:lvl1pPr>
+            <a:lvl2pPr marL="342900" indent="0">
+              <a:buNone/>
+              <a:defRPr sz="1500" b="1"/>
+            </a:lvl2pPr>
+            <a:lvl3pPr marL="685800" indent="0">
+              <a:buNone/>
+              <a:defRPr sz="1350" b="1"/>
+            </a:lvl3pPr>
+            <a:lvl4pPr marL="1028700" indent="0">
+              <a:buNone/>
+              <a:defRPr sz="1200" b="1"/>
+            </a:lvl4pPr>
+            <a:lvl5pPr marL="1371600" indent="0">
+              <a:buNone/>
+              <a:defRPr sz="1200" b="1"/>
+            </a:lvl5pPr>
+            <a:lvl6pPr marL="1714500" indent="0">
+              <a:buNone/>
+              <a:defRPr sz="1200" b="1"/>
+            </a:lvl6pPr>
+            <a:lvl7pPr marL="2057400" indent="0">
+              <a:buNone/>
+              <a:defRPr sz="1200" b="1"/>
+            </a:lvl7pPr>
+            <a:lvl8pPr marL="2400300" indent="0">
+              <a:buNone/>
+              <a:defRPr sz="1200" b="1"/>
+            </a:lvl8pPr>
+            <a:lvl9pPr marL="2743200" indent="0">
+              <a:buNone/>
+              <a:defRPr sz="1200" b="1"/>
+            </a:lvl9pPr>
+          </a:lstStyle>
+          <a:p>
+            <a:pPr lvl="0"/>
+            <a:r>
+              <a:rPr lang="en-US"/>
+              <a:t>Click to edit Master text styles</a:t>
+            </a:r>
+          </a:p>
+        </p:txBody>
+      </p:sp>
+      <p:sp>
+        <p:nvSpPr>
+          <p:cNvPr id="4" name="Content Placeholder 3">
+            <a:extLst>
+              <a:ext uri="{FF2B5EF4-FFF2-40B4-BE49-F238E27FC236}">
+                <a16:creationId xmlns:a16="http://schemas.microsoft.com/office/drawing/2014/main" id="{A60D616F-C61F-5B43-8094-DFDD05AE6B47}"/>
+              </a:ext>
+            </a:extLst>
+          </p:cNvPr>
+          <p:cNvSpPr>
+            <a:spLocks noGrp="1"/>
+          </p:cNvSpPr>
+          <p:nvPr>
+            <p:ph sz="half" idx="2"/>
+          </p:nvPr>
+        </p:nvSpPr>
+        <p:spPr>
+          <a:xfrm>
+            <a:off x="629842" y="1878806"/>
+            <a:ext cx="3868340" cy="2763441"/>
+          </a:xfrm>
+        </p:spPr>
         <p:txBody>
           <a:bodyPr/>
           <a:lstStyle/>
           <a:p>
-            <a:fld id="{95FC67CD-6733-D04F-B9BE-AD105949F24E}" type="slidenum">
+            <a:pPr lvl="0"/>
+            <a:r>
+              <a:rPr lang="en-US"/>
+              <a:t>Click to edit Master text styles</a:t>
+            </a:r>
+          </a:p>
+          <a:p>
+            <a:pPr lvl="1"/>
+            <a:r>
+              <a:rPr lang="en-US"/>
+              <a:t>Second level</a:t>
+            </a:r>
+          </a:p>
+          <a:p>
+            <a:pPr lvl="2"/>
+            <a:r>
+              <a:rPr lang="en-US"/>
+              <a:t>Third level</a:t>
+            </a:r>
+          </a:p>
+          <a:p>
+            <a:pPr lvl="3"/>
+            <a:r>
+              <a:rPr lang="en-US"/>
+              <a:t>Fourth level</a:t>
+            </a:r>
+          </a:p>
+          <a:p>
+            <a:pPr lvl="4"/>
+            <a:r>
+              <a:rPr lang="en-US"/>
+              <a:t>Fifth level</a:t>
+            </a:r>
+          </a:p>
+        </p:txBody>
+      </p:sp>
+      <p:sp>
+        <p:nvSpPr>
+          <p:cNvPr id="5" name="Text Placeholder 4">
+            <a:extLst>
+              <a:ext uri="{FF2B5EF4-FFF2-40B4-BE49-F238E27FC236}">
+                <a16:creationId xmlns:a16="http://schemas.microsoft.com/office/drawing/2014/main" id="{DCAAF8CD-147D-0A4A-BE13-69AAC57DB7FC}"/>
+              </a:ext>
+            </a:extLst>
+          </p:cNvPr>
+          <p:cNvSpPr>
+            <a:spLocks noGrp="1"/>
+          </p:cNvSpPr>
+          <p:nvPr>
+            <p:ph type="body" sz="quarter" idx="3"/>
+          </p:nvPr>
+        </p:nvSpPr>
+        <p:spPr>
+          <a:xfrm>
+            <a:off x="4629150" y="1260872"/>
+            <a:ext cx="3887391" cy="617934"/>
+          </a:xfrm>
+        </p:spPr>
+        <p:txBody>
+          <a:bodyPr anchor="b"/>
+          <a:lstStyle>
+            <a:lvl1pPr marL="0" indent="0">
+              <a:buNone/>
+              <a:defRPr sz="1800" b="1"/>
+            </a:lvl1pPr>
+            <a:lvl2pPr marL="342900" indent="0">
+              <a:buNone/>
+              <a:defRPr sz="1500" b="1"/>
+            </a:lvl2pPr>
+            <a:lvl3pPr marL="685800" indent="0">
+              <a:buNone/>
+              <a:defRPr sz="1350" b="1"/>
+            </a:lvl3pPr>
+            <a:lvl4pPr marL="1028700" indent="0">
+              <a:buNone/>
+              <a:defRPr sz="1200" b="1"/>
+            </a:lvl4pPr>
+            <a:lvl5pPr marL="1371600" indent="0">
+              <a:buNone/>
+              <a:defRPr sz="1200" b="1"/>
+            </a:lvl5pPr>
+            <a:lvl6pPr marL="1714500" indent="0">
+              <a:buNone/>
+              <a:defRPr sz="1200" b="1"/>
+            </a:lvl6pPr>
+            <a:lvl7pPr marL="2057400" indent="0">
+              <a:buNone/>
+              <a:defRPr sz="1200" b="1"/>
+            </a:lvl7pPr>
+            <a:lvl8pPr marL="2400300" indent="0">
+              <a:buNone/>
+              <a:defRPr sz="1200" b="1"/>
+            </a:lvl8pPr>
+            <a:lvl9pPr marL="2743200" indent="0">
+              <a:buNone/>
+              <a:defRPr sz="1200" b="1"/>
+            </a:lvl9pPr>
+          </a:lstStyle>
+          <a:p>
+            <a:pPr lvl="0"/>
+            <a:r>
+              <a:rPr lang="en-US"/>
+              <a:t>Click to edit Master text styles</a:t>
+            </a:r>
+          </a:p>
+        </p:txBody>
+      </p:sp>
+      <p:sp>
+        <p:nvSpPr>
+          <p:cNvPr id="6" name="Content Placeholder 5">
+            <a:extLst>
+              <a:ext uri="{FF2B5EF4-FFF2-40B4-BE49-F238E27FC236}">
+                <a16:creationId xmlns:a16="http://schemas.microsoft.com/office/drawing/2014/main" id="{22EBD089-7443-DF4A-B93B-FC32F414CA76}"/>
+              </a:ext>
+            </a:extLst>
+          </p:cNvPr>
+          <p:cNvSpPr>
+            <a:spLocks noGrp="1"/>
+          </p:cNvSpPr>
+          <p:nvPr>
+            <p:ph sz="quarter" idx="4"/>
+          </p:nvPr>
+        </p:nvSpPr>
+        <p:spPr>
+          <a:xfrm>
+            <a:off x="4629150" y="1878806"/>
+            <a:ext cx="3887391" cy="2763441"/>
+          </a:xfrm>
+        </p:spPr>
+        <p:txBody>
+          <a:bodyPr/>
+          <a:lstStyle/>
+          <a:p>
+            <a:pPr lvl="0"/>
+            <a:r>
+              <a:rPr lang="en-US"/>
+              <a:t>Click to edit Master text styles</a:t>
+            </a:r>
+          </a:p>
+          <a:p>
+            <a:pPr lvl="1"/>
+            <a:r>
+              <a:rPr lang="en-US"/>
+              <a:t>Second level</a:t>
+            </a:r>
+          </a:p>
+          <a:p>
+            <a:pPr lvl="2"/>
+            <a:r>
+              <a:rPr lang="en-US"/>
+              <a:t>Third level</a:t>
+            </a:r>
+          </a:p>
+          <a:p>
+            <a:pPr lvl="3"/>
+            <a:r>
+              <a:rPr lang="en-US"/>
+              <a:t>Fourth level</a:t>
+            </a:r>
+          </a:p>
+          <a:p>
+            <a:pPr lvl="4"/>
+            <a:r>
+              <a:rPr lang="en-US"/>
+              <a:t>Fifth level</a:t>
+            </a:r>
+          </a:p>
+        </p:txBody>
+      </p:sp>
+      <p:sp>
+        <p:nvSpPr>
+          <p:cNvPr id="7" name="Date Placeholder 6">
+            <a:extLst>
+              <a:ext uri="{FF2B5EF4-FFF2-40B4-BE49-F238E27FC236}">
+                <a16:creationId xmlns:a16="http://schemas.microsoft.com/office/drawing/2014/main" id="{D4C8830C-AD3A-A446-BF5B-7A77BA98B6EC}"/>
+              </a:ext>
+            </a:extLst>
+          </p:cNvPr>
+          <p:cNvSpPr>
+            <a:spLocks noGrp="1"/>
+          </p:cNvSpPr>
+          <p:nvPr>
+            <p:ph type="dt" sz="half" idx="10"/>
+          </p:nvPr>
+        </p:nvSpPr>
+        <p:spPr/>
+        <p:txBody>
+          <a:bodyPr/>
+          <a:lstStyle/>
+          <a:p>
+            <a:fld id="{54538FC1-2481-FB4A-91E5-87F3422DE2D5}" type="datetime1">
+              <a:rPr lang="en-CA" smtClean="0"/>
+              <a:t>2020-10-12</a:t>
+            </a:fld>
+            <a:endParaRPr lang="en-US"/>
+          </a:p>
+        </p:txBody>
+      </p:sp>
+      <p:sp>
+        <p:nvSpPr>
+          <p:cNvPr id="8" name="Footer Placeholder 7">
+            <a:extLst>
+              <a:ext uri="{FF2B5EF4-FFF2-40B4-BE49-F238E27FC236}">
+                <a16:creationId xmlns:a16="http://schemas.microsoft.com/office/drawing/2014/main" id="{DEAAD4C6-8A32-E04D-85DA-373916480462}"/>
+              </a:ext>
+            </a:extLst>
+          </p:cNvPr>
+          <p:cNvSpPr>
+            <a:spLocks noGrp="1"/>
+          </p:cNvSpPr>
+          <p:nvPr>
+            <p:ph type="ftr" sz="quarter" idx="11"/>
+          </p:nvPr>
+        </p:nvSpPr>
+        <p:spPr/>
+        <p:txBody>
+          <a:bodyPr/>
+          <a:lstStyle/>
+          <a:p>
+            <a:endParaRPr lang="en-US"/>
+          </a:p>
+        </p:txBody>
+      </p:sp>
+      <p:sp>
+        <p:nvSpPr>
+          <p:cNvPr id="9" name="Slide Number Placeholder 8">
+            <a:extLst>
+              <a:ext uri="{FF2B5EF4-FFF2-40B4-BE49-F238E27FC236}">
+                <a16:creationId xmlns:a16="http://schemas.microsoft.com/office/drawing/2014/main" id="{FF150648-37B9-F641-A809-40BEBE4CD124}"/>
+              </a:ext>
+            </a:extLst>
+          </p:cNvPr>
+          <p:cNvSpPr>
+            <a:spLocks noGrp="1"/>
+          </p:cNvSpPr>
+          <p:nvPr>
+            <p:ph type="sldNum" sz="quarter" idx="12"/>
+          </p:nvPr>
+        </p:nvSpPr>
+        <p:spPr/>
+        <p:txBody>
+          <a:bodyPr/>
+          <a:lstStyle/>
+          <a:p>
+            <a:fld id="{7B252BF6-6A9C-D04A-BBE8-37A07D64A1C3}" type="slidenum">
               <a:rPr lang="en-US" smtClean="0"/>
-              <a:pPr/>
               <a:t>‹#›</a:t>
             </a:fld>
-            <a:endParaRPr lang="en-US" dirty="0"/>
+            <a:endParaRPr lang="en-US"/>
           </a:p>
         </p:txBody>
       </p:sp>
     </p:spTree>
     <p:extLst>
       <p:ext uri="{BB962C8B-B14F-4D97-AF65-F5344CB8AC3E}">
-        <p14:creationId xmlns:p14="http://schemas.microsoft.com/office/powerpoint/2010/main" val="2508543383"/>
+        <p14:creationId xmlns:p14="http://schemas.microsoft.com/office/powerpoint/2010/main" val="3509944626"/>
       </p:ext>
     </p:extLst>
   </p:cSld>
@@ -3311,39 +4683,10 @@
       </p:grpSpPr>
       <p:sp>
         <p:nvSpPr>
-          <p:cNvPr id="2" name="Title 1"/>
-          <p:cNvSpPr>
-            <a:spLocks noGrp="1"/>
-          </p:cNvSpPr>
-          <p:nvPr>
-            <p:ph type="title"/>
-          </p:nvPr>
-        </p:nvSpPr>
-        <p:spPr/>
-        <p:txBody>
-          <a:bodyPr/>
-          <a:lstStyle>
-            <a:lvl1pPr>
-              <a:defRPr>
-                <a:latin typeface="+mj-lt"/>
-              </a:defRPr>
-            </a:lvl1pPr>
-          </a:lstStyle>
-          <a:p>
-            <a:r>
-              <a:rPr lang="en-CA" dirty="0"/>
-              <a:t>Click to edit Master title style</a:t>
-            </a:r>
-            <a:endParaRPr lang="en-US" dirty="0"/>
-          </a:p>
-        </p:txBody>
-      </p:sp>
-      <p:sp>
-        <p:nvSpPr>
-          <p:cNvPr id="6" name="Footer Placeholder 5">
+          <p:cNvPr id="2" name="Title 1">
             <a:extLst>
               <a:ext uri="{FF2B5EF4-FFF2-40B4-BE49-F238E27FC236}">
-                <a16:creationId xmlns:a16="http://schemas.microsoft.com/office/drawing/2014/main" id="{96BDBB7E-298A-4445-97E1-4B099A07ED3A}"/>
+                <a16:creationId xmlns:a16="http://schemas.microsoft.com/office/drawing/2014/main" id="{3302026B-B6A3-EF4D-842B-9C96C95EBC43}"/>
               </a:ext>
             </a:extLst>
           </p:cNvPr>
@@ -3351,7 +4694,7 @@
             <a:spLocks noGrp="1"/>
           </p:cNvSpPr>
           <p:nvPr>
-            <p:ph type="ftr" sz="quarter" idx="10"/>
+            <p:ph type="title"/>
           </p:nvPr>
         </p:nvSpPr>
         <p:spPr/>
@@ -3359,16 +4702,19 @@
           <a:bodyPr/>
           <a:lstStyle/>
           <a:p>
-            <a:endParaRPr lang="en-US"/>
-          </a:p>
-        </p:txBody>
-      </p:sp>
-      <p:sp>
-        <p:nvSpPr>
-          <p:cNvPr id="7" name="Slide Number Placeholder 6">
+            <a:r>
+              <a:rPr lang="en-US"/>
+              <a:t>Click to edit Master title style</a:t>
+            </a:r>
+          </a:p>
+        </p:txBody>
+      </p:sp>
+      <p:sp>
+        <p:nvSpPr>
+          <p:cNvPr id="3" name="Date Placeholder 2">
             <a:extLst>
               <a:ext uri="{FF2B5EF4-FFF2-40B4-BE49-F238E27FC236}">
-                <a16:creationId xmlns:a16="http://schemas.microsoft.com/office/drawing/2014/main" id="{A7895EC8-D916-8648-B520-23F9FC802EB0}"/>
+                <a16:creationId xmlns:a16="http://schemas.microsoft.com/office/drawing/2014/main" id="{A9B243C6-3123-ED41-BC4A-2F8A58F1AD28}"/>
               </a:ext>
             </a:extLst>
           </p:cNvPr>
@@ -3376,7 +4722,7 @@
             <a:spLocks noGrp="1"/>
           </p:cNvSpPr>
           <p:nvPr>
-            <p:ph type="sldNum" sz="quarter" idx="11"/>
+            <p:ph type="dt" sz="half" idx="10"/>
           </p:nvPr>
         </p:nvSpPr>
         <p:spPr/>
@@ -3384,19 +4730,72 @@
           <a:bodyPr/>
           <a:lstStyle/>
           <a:p>
-            <a:fld id="{95FC67CD-6733-D04F-B9BE-AD105949F24E}" type="slidenum">
+            <a:fld id="{93D5C515-1622-C840-89B2-A4A55D34866A}" type="datetime1">
+              <a:rPr lang="en-CA" smtClean="0"/>
+              <a:t>2020-10-12</a:t>
+            </a:fld>
+            <a:endParaRPr lang="en-US"/>
+          </a:p>
+        </p:txBody>
+      </p:sp>
+      <p:sp>
+        <p:nvSpPr>
+          <p:cNvPr id="4" name="Footer Placeholder 3">
+            <a:extLst>
+              <a:ext uri="{FF2B5EF4-FFF2-40B4-BE49-F238E27FC236}">
+                <a16:creationId xmlns:a16="http://schemas.microsoft.com/office/drawing/2014/main" id="{688FF4D9-A959-C943-9751-31FDE7548C41}"/>
+              </a:ext>
+            </a:extLst>
+          </p:cNvPr>
+          <p:cNvSpPr>
+            <a:spLocks noGrp="1"/>
+          </p:cNvSpPr>
+          <p:nvPr>
+            <p:ph type="ftr" sz="quarter" idx="11"/>
+          </p:nvPr>
+        </p:nvSpPr>
+        <p:spPr/>
+        <p:txBody>
+          <a:bodyPr/>
+          <a:lstStyle/>
+          <a:p>
+            <a:endParaRPr lang="en-US"/>
+          </a:p>
+        </p:txBody>
+      </p:sp>
+      <p:sp>
+        <p:nvSpPr>
+          <p:cNvPr id="5" name="Slide Number Placeholder 4">
+            <a:extLst>
+              <a:ext uri="{FF2B5EF4-FFF2-40B4-BE49-F238E27FC236}">
+                <a16:creationId xmlns:a16="http://schemas.microsoft.com/office/drawing/2014/main" id="{3908D117-E466-BD48-A108-6422DCF148CF}"/>
+              </a:ext>
+            </a:extLst>
+          </p:cNvPr>
+          <p:cNvSpPr>
+            <a:spLocks noGrp="1"/>
+          </p:cNvSpPr>
+          <p:nvPr>
+            <p:ph type="sldNum" sz="quarter" idx="12"/>
+          </p:nvPr>
+        </p:nvSpPr>
+        <p:spPr/>
+        <p:txBody>
+          <a:bodyPr/>
+          <a:lstStyle/>
+          <a:p>
+            <a:fld id="{7B252BF6-6A9C-D04A-BBE8-37A07D64A1C3}" type="slidenum">
               <a:rPr lang="en-US" smtClean="0"/>
-              <a:pPr/>
               <a:t>‹#›</a:t>
             </a:fld>
-            <a:endParaRPr lang="en-US" dirty="0"/>
+            <a:endParaRPr lang="en-US"/>
           </a:p>
         </p:txBody>
       </p:sp>
     </p:spTree>
     <p:extLst>
       <p:ext uri="{BB962C8B-B14F-4D97-AF65-F5344CB8AC3E}">
-        <p14:creationId xmlns:p14="http://schemas.microsoft.com/office/powerpoint/2010/main" val="1291185469"/>
+        <p14:creationId xmlns:p14="http://schemas.microsoft.com/office/powerpoint/2010/main" val="335536951"/>
       </p:ext>
     </p:extLst>
   </p:cSld>
@@ -3425,10 +4824,10 @@
       </p:grpSpPr>
       <p:sp>
         <p:nvSpPr>
-          <p:cNvPr id="5" name="Footer Placeholder 4">
+          <p:cNvPr id="2" name="Date Placeholder 1">
             <a:extLst>
               <a:ext uri="{FF2B5EF4-FFF2-40B4-BE49-F238E27FC236}">
-                <a16:creationId xmlns:a16="http://schemas.microsoft.com/office/drawing/2014/main" id="{5DF03754-C429-BF4B-85C9-F1D1C975E80F}"/>
+                <a16:creationId xmlns:a16="http://schemas.microsoft.com/office/drawing/2014/main" id="{161BBCE3-E514-D54F-B044-7DF10F00B6F0}"/>
               </a:ext>
             </a:extLst>
           </p:cNvPr>
@@ -3436,7 +4835,7 @@
             <a:spLocks noGrp="1"/>
           </p:cNvSpPr>
           <p:nvPr>
-            <p:ph type="ftr" sz="quarter" idx="10"/>
+            <p:ph type="dt" sz="half" idx="10"/>
           </p:nvPr>
         </p:nvSpPr>
         <p:spPr/>
@@ -3444,16 +4843,20 @@
           <a:bodyPr/>
           <a:lstStyle/>
           <a:p>
+            <a:fld id="{B9077E75-6C88-BB47-AC6F-0DCA859E7113}" type="datetime1">
+              <a:rPr lang="en-CA" smtClean="0"/>
+              <a:t>2020-10-12</a:t>
+            </a:fld>
             <a:endParaRPr lang="en-US"/>
           </a:p>
         </p:txBody>
       </p:sp>
       <p:sp>
         <p:nvSpPr>
-          <p:cNvPr id="6" name="Slide Number Placeholder 5">
+          <p:cNvPr id="3" name="Footer Placeholder 2">
             <a:extLst>
               <a:ext uri="{FF2B5EF4-FFF2-40B4-BE49-F238E27FC236}">
-                <a16:creationId xmlns:a16="http://schemas.microsoft.com/office/drawing/2014/main" id="{53E846D2-4831-1148-91F0-086A1F9C711D}"/>
+                <a16:creationId xmlns:a16="http://schemas.microsoft.com/office/drawing/2014/main" id="{FE219DF5-0E3C-2C40-BDE6-94E98A9F37A8}"/>
               </a:ext>
             </a:extLst>
           </p:cNvPr>
@@ -3461,7 +4864,7 @@
             <a:spLocks noGrp="1"/>
           </p:cNvSpPr>
           <p:nvPr>
-            <p:ph type="sldNum" sz="quarter" idx="11"/>
+            <p:ph type="ftr" sz="quarter" idx="11"/>
           </p:nvPr>
         </p:nvSpPr>
         <p:spPr/>
@@ -3469,19 +4872,43 @@
           <a:bodyPr/>
           <a:lstStyle/>
           <a:p>
-            <a:fld id="{95FC67CD-6733-D04F-B9BE-AD105949F24E}" type="slidenum">
+            <a:endParaRPr lang="en-US"/>
+          </a:p>
+        </p:txBody>
+      </p:sp>
+      <p:sp>
+        <p:nvSpPr>
+          <p:cNvPr id="4" name="Slide Number Placeholder 3">
+            <a:extLst>
+              <a:ext uri="{FF2B5EF4-FFF2-40B4-BE49-F238E27FC236}">
+                <a16:creationId xmlns:a16="http://schemas.microsoft.com/office/drawing/2014/main" id="{A275E4FB-2E36-024F-9776-AFED77F03E06}"/>
+              </a:ext>
+            </a:extLst>
+          </p:cNvPr>
+          <p:cNvSpPr>
+            <a:spLocks noGrp="1"/>
+          </p:cNvSpPr>
+          <p:nvPr>
+            <p:ph type="sldNum" sz="quarter" idx="12"/>
+          </p:nvPr>
+        </p:nvSpPr>
+        <p:spPr/>
+        <p:txBody>
+          <a:bodyPr/>
+          <a:lstStyle/>
+          <a:p>
+            <a:fld id="{7B252BF6-6A9C-D04A-BBE8-37A07D64A1C3}" type="slidenum">
               <a:rPr lang="en-US" smtClean="0"/>
-              <a:pPr/>
               <a:t>‹#›</a:t>
             </a:fld>
-            <a:endParaRPr lang="en-US" dirty="0"/>
+            <a:endParaRPr lang="en-US"/>
           </a:p>
         </p:txBody>
       </p:sp>
     </p:spTree>
     <p:extLst>
       <p:ext uri="{BB962C8B-B14F-4D97-AF65-F5344CB8AC3E}">
-        <p14:creationId xmlns:p14="http://schemas.microsoft.com/office/powerpoint/2010/main" val="2861689009"/>
+        <p14:creationId xmlns:p14="http://schemas.microsoft.com/office/powerpoint/2010/main" val="2417021612"/>
       </p:ext>
     </p:extLst>
   </p:cSld>
@@ -3510,206 +4937,10 @@
       </p:grpSpPr>
       <p:sp>
         <p:nvSpPr>
-          <p:cNvPr id="2" name="Title 1"/>
-          <p:cNvSpPr>
-            <a:spLocks noGrp="1"/>
-          </p:cNvSpPr>
-          <p:nvPr>
-            <p:ph type="title"/>
-          </p:nvPr>
-        </p:nvSpPr>
-        <p:spPr>
-          <a:xfrm>
-            <a:off x="457200" y="273050"/>
-            <a:ext cx="3008313" cy="1162050"/>
-          </a:xfrm>
-        </p:spPr>
-        <p:txBody>
-          <a:bodyPr anchor="b"/>
-          <a:lstStyle>
-            <a:lvl1pPr algn="l">
-              <a:defRPr sz="2000" b="1">
-                <a:latin typeface="+mj-lt"/>
-              </a:defRPr>
-            </a:lvl1pPr>
-          </a:lstStyle>
-          <a:p>
-            <a:r>
-              <a:rPr lang="en-CA" dirty="0"/>
-              <a:t>Click to edit Master title style</a:t>
-            </a:r>
-            <a:endParaRPr lang="en-US" dirty="0"/>
-          </a:p>
-        </p:txBody>
-      </p:sp>
-      <p:sp>
-        <p:nvSpPr>
-          <p:cNvPr id="3" name="Content Placeholder 2"/>
-          <p:cNvSpPr>
-            <a:spLocks noGrp="1"/>
-          </p:cNvSpPr>
-          <p:nvPr>
-            <p:ph idx="1"/>
-          </p:nvPr>
-        </p:nvSpPr>
-        <p:spPr>
-          <a:xfrm>
-            <a:off x="3575050" y="273050"/>
-            <a:ext cx="5111750" cy="5853113"/>
-          </a:xfrm>
-        </p:spPr>
-        <p:txBody>
-          <a:bodyPr/>
-          <a:lstStyle>
-            <a:lvl1pPr>
-              <a:defRPr sz="3200">
-                <a:latin typeface="+mn-lt"/>
-              </a:defRPr>
-            </a:lvl1pPr>
-            <a:lvl2pPr>
-              <a:defRPr sz="2800">
-                <a:latin typeface="+mn-lt"/>
-              </a:defRPr>
-            </a:lvl2pPr>
-            <a:lvl3pPr>
-              <a:defRPr sz="2400">
-                <a:latin typeface="+mn-lt"/>
-              </a:defRPr>
-            </a:lvl3pPr>
-            <a:lvl4pPr>
-              <a:defRPr sz="2000">
-                <a:latin typeface="+mn-lt"/>
-              </a:defRPr>
-            </a:lvl4pPr>
-            <a:lvl5pPr>
-              <a:defRPr sz="2000">
-                <a:latin typeface="+mn-lt"/>
-              </a:defRPr>
-            </a:lvl5pPr>
-            <a:lvl6pPr>
-              <a:defRPr sz="2000"/>
-            </a:lvl6pPr>
-            <a:lvl7pPr>
-              <a:defRPr sz="2000"/>
-            </a:lvl7pPr>
-            <a:lvl8pPr>
-              <a:defRPr sz="2000"/>
-            </a:lvl8pPr>
-            <a:lvl9pPr>
-              <a:defRPr sz="2000"/>
-            </a:lvl9pPr>
-          </a:lstStyle>
-          <a:p>
-            <a:pPr lvl="0"/>
-            <a:r>
-              <a:rPr lang="en-CA" dirty="0"/>
-              <a:t>Click to edit Master text styles</a:t>
-            </a:r>
-          </a:p>
-          <a:p>
-            <a:pPr lvl="1"/>
-            <a:r>
-              <a:rPr lang="en-CA" dirty="0"/>
-              <a:t>Second level</a:t>
-            </a:r>
-          </a:p>
-          <a:p>
-            <a:pPr lvl="2"/>
-            <a:r>
-              <a:rPr lang="en-CA" dirty="0"/>
-              <a:t>Third level</a:t>
-            </a:r>
-          </a:p>
-          <a:p>
-            <a:pPr lvl="3"/>
-            <a:r>
-              <a:rPr lang="en-CA" dirty="0"/>
-              <a:t>Fourth level</a:t>
-            </a:r>
-          </a:p>
-          <a:p>
-            <a:pPr lvl="4"/>
-            <a:r>
-              <a:rPr lang="en-CA" dirty="0"/>
-              <a:t>Fifth level</a:t>
-            </a:r>
-            <a:endParaRPr lang="en-US" dirty="0"/>
-          </a:p>
-        </p:txBody>
-      </p:sp>
-      <p:sp>
-        <p:nvSpPr>
-          <p:cNvPr id="4" name="Text Placeholder 3"/>
-          <p:cNvSpPr>
-            <a:spLocks noGrp="1"/>
-          </p:cNvSpPr>
-          <p:nvPr>
-            <p:ph type="body" sz="half" idx="2"/>
-          </p:nvPr>
-        </p:nvSpPr>
-        <p:spPr>
-          <a:xfrm>
-            <a:off x="457200" y="1435100"/>
-            <a:ext cx="3008313" cy="4691063"/>
-          </a:xfrm>
-        </p:spPr>
-        <p:txBody>
-          <a:bodyPr/>
-          <a:lstStyle>
-            <a:lvl1pPr marL="0" indent="0">
-              <a:buNone/>
-              <a:defRPr sz="1400">
-                <a:latin typeface="+mn-lt"/>
-              </a:defRPr>
-            </a:lvl1pPr>
-            <a:lvl2pPr marL="457200" indent="0">
-              <a:buNone/>
-              <a:defRPr sz="1200"/>
-            </a:lvl2pPr>
-            <a:lvl3pPr marL="914400" indent="0">
-              <a:buNone/>
-              <a:defRPr sz="1000"/>
-            </a:lvl3pPr>
-            <a:lvl4pPr marL="1371600" indent="0">
-              <a:buNone/>
-              <a:defRPr sz="900"/>
-            </a:lvl4pPr>
-            <a:lvl5pPr marL="1828800" indent="0">
-              <a:buNone/>
-              <a:defRPr sz="900"/>
-            </a:lvl5pPr>
-            <a:lvl6pPr marL="2286000" indent="0">
-              <a:buNone/>
-              <a:defRPr sz="900"/>
-            </a:lvl6pPr>
-            <a:lvl7pPr marL="2743200" indent="0">
-              <a:buNone/>
-              <a:defRPr sz="900"/>
-            </a:lvl7pPr>
-            <a:lvl8pPr marL="3200400" indent="0">
-              <a:buNone/>
-              <a:defRPr sz="900"/>
-            </a:lvl8pPr>
-            <a:lvl9pPr marL="3657600" indent="0">
-              <a:buNone/>
-              <a:defRPr sz="900"/>
-            </a:lvl9pPr>
-          </a:lstStyle>
-          <a:p>
-            <a:pPr lvl="0"/>
-            <a:r>
-              <a:rPr lang="en-CA" dirty="0"/>
-              <a:t>Click to edit Master text styles</a:t>
-            </a:r>
-          </a:p>
-        </p:txBody>
-      </p:sp>
-      <p:sp>
-        <p:nvSpPr>
-          <p:cNvPr id="8" name="Footer Placeholder 7">
+          <p:cNvPr id="2" name="Title 1">
             <a:extLst>
               <a:ext uri="{FF2B5EF4-FFF2-40B4-BE49-F238E27FC236}">
-                <a16:creationId xmlns:a16="http://schemas.microsoft.com/office/drawing/2014/main" id="{1FB8657E-D33B-074B-AE26-E7CBD7232F89}"/>
+                <a16:creationId xmlns:a16="http://schemas.microsoft.com/office/drawing/2014/main" id="{EDB621DF-5A92-D94F-88C5-5DB1A968359D}"/>
               </a:ext>
             </a:extLst>
           </p:cNvPr>
@@ -3717,24 +4948,36 @@
             <a:spLocks noGrp="1"/>
           </p:cNvSpPr>
           <p:nvPr>
-            <p:ph type="ftr" sz="quarter" idx="10"/>
+            <p:ph type="title"/>
           </p:nvPr>
         </p:nvSpPr>
-        <p:spPr/>
-        <p:txBody>
-          <a:bodyPr/>
-          <a:lstStyle/>
-          <a:p>
-            <a:endParaRPr lang="en-US"/>
-          </a:p>
-        </p:txBody>
-      </p:sp>
-      <p:sp>
-        <p:nvSpPr>
-          <p:cNvPr id="9" name="Slide Number Placeholder 8">
+        <p:spPr>
+          <a:xfrm>
+            <a:off x="629841" y="342900"/>
+            <a:ext cx="2949178" cy="1200150"/>
+          </a:xfrm>
+        </p:spPr>
+        <p:txBody>
+          <a:bodyPr anchor="b"/>
+          <a:lstStyle>
+            <a:lvl1pPr>
+              <a:defRPr sz="2400"/>
+            </a:lvl1pPr>
+          </a:lstStyle>
+          <a:p>
+            <a:r>
+              <a:rPr lang="en-US"/>
+              <a:t>Click to edit Master title style</a:t>
+            </a:r>
+          </a:p>
+        </p:txBody>
+      </p:sp>
+      <p:sp>
+        <p:nvSpPr>
+          <p:cNvPr id="3" name="Content Placeholder 2">
             <a:extLst>
               <a:ext uri="{FF2B5EF4-FFF2-40B4-BE49-F238E27FC236}">
-                <a16:creationId xmlns:a16="http://schemas.microsoft.com/office/drawing/2014/main" id="{212E3D66-C201-A64A-A27B-A535DB26C750}"/>
+                <a16:creationId xmlns:a16="http://schemas.microsoft.com/office/drawing/2014/main" id="{9C5DA461-75EB-C94E-A41A-1280134B9015}"/>
               </a:ext>
             </a:extLst>
           </p:cNvPr>
@@ -3742,7 +4985,168 @@
             <a:spLocks noGrp="1"/>
           </p:cNvSpPr>
           <p:nvPr>
-            <p:ph type="sldNum" sz="quarter" idx="11"/>
+            <p:ph idx="1"/>
+          </p:nvPr>
+        </p:nvSpPr>
+        <p:spPr>
+          <a:xfrm>
+            <a:off x="3887391" y="740569"/>
+            <a:ext cx="4629150" cy="3655219"/>
+          </a:xfrm>
+        </p:spPr>
+        <p:txBody>
+          <a:bodyPr/>
+          <a:lstStyle>
+            <a:lvl1pPr>
+              <a:defRPr sz="2400"/>
+            </a:lvl1pPr>
+            <a:lvl2pPr>
+              <a:defRPr sz="2100"/>
+            </a:lvl2pPr>
+            <a:lvl3pPr>
+              <a:defRPr sz="1800"/>
+            </a:lvl3pPr>
+            <a:lvl4pPr>
+              <a:defRPr sz="1500"/>
+            </a:lvl4pPr>
+            <a:lvl5pPr>
+              <a:defRPr sz="1500"/>
+            </a:lvl5pPr>
+            <a:lvl6pPr>
+              <a:defRPr sz="1500"/>
+            </a:lvl6pPr>
+            <a:lvl7pPr>
+              <a:defRPr sz="1500"/>
+            </a:lvl7pPr>
+            <a:lvl8pPr>
+              <a:defRPr sz="1500"/>
+            </a:lvl8pPr>
+            <a:lvl9pPr>
+              <a:defRPr sz="1500"/>
+            </a:lvl9pPr>
+          </a:lstStyle>
+          <a:p>
+            <a:pPr lvl="0"/>
+            <a:r>
+              <a:rPr lang="en-US"/>
+              <a:t>Click to edit Master text styles</a:t>
+            </a:r>
+          </a:p>
+          <a:p>
+            <a:pPr lvl="1"/>
+            <a:r>
+              <a:rPr lang="en-US"/>
+              <a:t>Second level</a:t>
+            </a:r>
+          </a:p>
+          <a:p>
+            <a:pPr lvl="2"/>
+            <a:r>
+              <a:rPr lang="en-US"/>
+              <a:t>Third level</a:t>
+            </a:r>
+          </a:p>
+          <a:p>
+            <a:pPr lvl="3"/>
+            <a:r>
+              <a:rPr lang="en-US"/>
+              <a:t>Fourth level</a:t>
+            </a:r>
+          </a:p>
+          <a:p>
+            <a:pPr lvl="4"/>
+            <a:r>
+              <a:rPr lang="en-US"/>
+              <a:t>Fifth level</a:t>
+            </a:r>
+          </a:p>
+        </p:txBody>
+      </p:sp>
+      <p:sp>
+        <p:nvSpPr>
+          <p:cNvPr id="4" name="Text Placeholder 3">
+            <a:extLst>
+              <a:ext uri="{FF2B5EF4-FFF2-40B4-BE49-F238E27FC236}">
+                <a16:creationId xmlns:a16="http://schemas.microsoft.com/office/drawing/2014/main" id="{1A1D39AE-0AA2-2B40-B6F4-B24A10D9AA54}"/>
+              </a:ext>
+            </a:extLst>
+          </p:cNvPr>
+          <p:cNvSpPr>
+            <a:spLocks noGrp="1"/>
+          </p:cNvSpPr>
+          <p:nvPr>
+            <p:ph type="body" sz="half" idx="2"/>
+          </p:nvPr>
+        </p:nvSpPr>
+        <p:spPr>
+          <a:xfrm>
+            <a:off x="629841" y="1543050"/>
+            <a:ext cx="2949178" cy="2858691"/>
+          </a:xfrm>
+        </p:spPr>
+        <p:txBody>
+          <a:bodyPr/>
+          <a:lstStyle>
+            <a:lvl1pPr marL="0" indent="0">
+              <a:buNone/>
+              <a:defRPr sz="1200"/>
+            </a:lvl1pPr>
+            <a:lvl2pPr marL="342900" indent="0">
+              <a:buNone/>
+              <a:defRPr sz="1050"/>
+            </a:lvl2pPr>
+            <a:lvl3pPr marL="685800" indent="0">
+              <a:buNone/>
+              <a:defRPr sz="900"/>
+            </a:lvl3pPr>
+            <a:lvl4pPr marL="1028700" indent="0">
+              <a:buNone/>
+              <a:defRPr sz="750"/>
+            </a:lvl4pPr>
+            <a:lvl5pPr marL="1371600" indent="0">
+              <a:buNone/>
+              <a:defRPr sz="750"/>
+            </a:lvl5pPr>
+            <a:lvl6pPr marL="1714500" indent="0">
+              <a:buNone/>
+              <a:defRPr sz="750"/>
+            </a:lvl6pPr>
+            <a:lvl7pPr marL="2057400" indent="0">
+              <a:buNone/>
+              <a:defRPr sz="750"/>
+            </a:lvl7pPr>
+            <a:lvl8pPr marL="2400300" indent="0">
+              <a:buNone/>
+              <a:defRPr sz="750"/>
+            </a:lvl8pPr>
+            <a:lvl9pPr marL="2743200" indent="0">
+              <a:buNone/>
+              <a:defRPr sz="750"/>
+            </a:lvl9pPr>
+          </a:lstStyle>
+          <a:p>
+            <a:pPr lvl="0"/>
+            <a:r>
+              <a:rPr lang="en-US"/>
+              <a:t>Click to edit Master text styles</a:t>
+            </a:r>
+          </a:p>
+        </p:txBody>
+      </p:sp>
+      <p:sp>
+        <p:nvSpPr>
+          <p:cNvPr id="5" name="Date Placeholder 4">
+            <a:extLst>
+              <a:ext uri="{FF2B5EF4-FFF2-40B4-BE49-F238E27FC236}">
+                <a16:creationId xmlns:a16="http://schemas.microsoft.com/office/drawing/2014/main" id="{D7593C8F-B5C1-0D4A-8556-73269A2E3E55}"/>
+              </a:ext>
+            </a:extLst>
+          </p:cNvPr>
+          <p:cNvSpPr>
+            <a:spLocks noGrp="1"/>
+          </p:cNvSpPr>
+          <p:nvPr>
+            <p:ph type="dt" sz="half" idx="10"/>
           </p:nvPr>
         </p:nvSpPr>
         <p:spPr/>
@@ -3750,19 +5154,72 @@
           <a:bodyPr/>
           <a:lstStyle/>
           <a:p>
-            <a:fld id="{95FC67CD-6733-D04F-B9BE-AD105949F24E}" type="slidenum">
+            <a:fld id="{1AD12F8B-7E05-A047-BAC3-EE71BEBBE5BE}" type="datetime1">
+              <a:rPr lang="en-CA" smtClean="0"/>
+              <a:t>2020-10-12</a:t>
+            </a:fld>
+            <a:endParaRPr lang="en-US"/>
+          </a:p>
+        </p:txBody>
+      </p:sp>
+      <p:sp>
+        <p:nvSpPr>
+          <p:cNvPr id="6" name="Footer Placeholder 5">
+            <a:extLst>
+              <a:ext uri="{FF2B5EF4-FFF2-40B4-BE49-F238E27FC236}">
+                <a16:creationId xmlns:a16="http://schemas.microsoft.com/office/drawing/2014/main" id="{A19A6773-21F3-7040-BF77-4C1D0B809C23}"/>
+              </a:ext>
+            </a:extLst>
+          </p:cNvPr>
+          <p:cNvSpPr>
+            <a:spLocks noGrp="1"/>
+          </p:cNvSpPr>
+          <p:nvPr>
+            <p:ph type="ftr" sz="quarter" idx="11"/>
+          </p:nvPr>
+        </p:nvSpPr>
+        <p:spPr/>
+        <p:txBody>
+          <a:bodyPr/>
+          <a:lstStyle/>
+          <a:p>
+            <a:endParaRPr lang="en-US"/>
+          </a:p>
+        </p:txBody>
+      </p:sp>
+      <p:sp>
+        <p:nvSpPr>
+          <p:cNvPr id="7" name="Slide Number Placeholder 6">
+            <a:extLst>
+              <a:ext uri="{FF2B5EF4-FFF2-40B4-BE49-F238E27FC236}">
+                <a16:creationId xmlns:a16="http://schemas.microsoft.com/office/drawing/2014/main" id="{60652BF5-D92E-A14D-B1B8-704532D275D8}"/>
+              </a:ext>
+            </a:extLst>
+          </p:cNvPr>
+          <p:cNvSpPr>
+            <a:spLocks noGrp="1"/>
+          </p:cNvSpPr>
+          <p:nvPr>
+            <p:ph type="sldNum" sz="quarter" idx="12"/>
+          </p:nvPr>
+        </p:nvSpPr>
+        <p:spPr/>
+        <p:txBody>
+          <a:bodyPr/>
+          <a:lstStyle/>
+          <a:p>
+            <a:fld id="{7B252BF6-6A9C-D04A-BBE8-37A07D64A1C3}" type="slidenum">
               <a:rPr lang="en-US" smtClean="0"/>
-              <a:pPr/>
               <a:t>‹#›</a:t>
             </a:fld>
-            <a:endParaRPr lang="en-US" dirty="0"/>
+            <a:endParaRPr lang="en-US"/>
           </a:p>
         </p:txBody>
       </p:sp>
     </p:spTree>
     <p:extLst>
       <p:ext uri="{BB962C8B-B14F-4D97-AF65-F5344CB8AC3E}">
-        <p14:creationId xmlns:p14="http://schemas.microsoft.com/office/powerpoint/2010/main" val="537987499"/>
+        <p14:creationId xmlns:p14="http://schemas.microsoft.com/office/powerpoint/2010/main" val="2968822870"/>
       </p:ext>
     </p:extLst>
   </p:cSld>
@@ -3791,172 +5248,10 @@
       </p:grpSpPr>
       <p:sp>
         <p:nvSpPr>
-          <p:cNvPr id="2" name="Title 1"/>
-          <p:cNvSpPr>
-            <a:spLocks noGrp="1"/>
-          </p:cNvSpPr>
-          <p:nvPr>
-            <p:ph type="title"/>
-          </p:nvPr>
-        </p:nvSpPr>
-        <p:spPr>
-          <a:xfrm>
-            <a:off x="1792288" y="4800600"/>
-            <a:ext cx="5486400" cy="566738"/>
-          </a:xfrm>
-        </p:spPr>
-        <p:txBody>
-          <a:bodyPr anchor="b"/>
-          <a:lstStyle>
-            <a:lvl1pPr algn="l">
-              <a:defRPr sz="2000" b="1">
-                <a:latin typeface="+mj-lt"/>
-              </a:defRPr>
-            </a:lvl1pPr>
-          </a:lstStyle>
-          <a:p>
-            <a:r>
-              <a:rPr lang="en-CA" dirty="0"/>
-              <a:t>Click to edit Master title style</a:t>
-            </a:r>
-            <a:endParaRPr lang="en-US" dirty="0"/>
-          </a:p>
-        </p:txBody>
-      </p:sp>
-      <p:sp>
-        <p:nvSpPr>
-          <p:cNvPr id="3" name="Picture Placeholder 2"/>
-          <p:cNvSpPr>
-            <a:spLocks noGrp="1"/>
-          </p:cNvSpPr>
-          <p:nvPr>
-            <p:ph type="pic" idx="1"/>
-          </p:nvPr>
-        </p:nvSpPr>
-        <p:spPr>
-          <a:xfrm>
-            <a:off x="1792288" y="612775"/>
-            <a:ext cx="5486400" cy="4114800"/>
-          </a:xfrm>
-        </p:spPr>
-        <p:txBody>
-          <a:bodyPr/>
-          <a:lstStyle>
-            <a:lvl1pPr marL="0" indent="0">
-              <a:buNone/>
-              <a:defRPr sz="3200"/>
-            </a:lvl1pPr>
-            <a:lvl2pPr marL="457200" indent="0">
-              <a:buNone/>
-              <a:defRPr sz="2800"/>
-            </a:lvl2pPr>
-            <a:lvl3pPr marL="914400" indent="0">
-              <a:buNone/>
-              <a:defRPr sz="2400"/>
-            </a:lvl3pPr>
-            <a:lvl4pPr marL="1371600" indent="0">
-              <a:buNone/>
-              <a:defRPr sz="2000"/>
-            </a:lvl4pPr>
-            <a:lvl5pPr marL="1828800" indent="0">
-              <a:buNone/>
-              <a:defRPr sz="2000"/>
-            </a:lvl5pPr>
-            <a:lvl6pPr marL="2286000" indent="0">
-              <a:buNone/>
-              <a:defRPr sz="2000"/>
-            </a:lvl6pPr>
-            <a:lvl7pPr marL="2743200" indent="0">
-              <a:buNone/>
-              <a:defRPr sz="2000"/>
-            </a:lvl7pPr>
-            <a:lvl8pPr marL="3200400" indent="0">
-              <a:buNone/>
-              <a:defRPr sz="2000"/>
-            </a:lvl8pPr>
-            <a:lvl9pPr marL="3657600" indent="0">
-              <a:buNone/>
-              <a:defRPr sz="2000"/>
-            </a:lvl9pPr>
-          </a:lstStyle>
-          <a:p>
-            <a:endParaRPr lang="en-US" dirty="0"/>
-          </a:p>
-        </p:txBody>
-      </p:sp>
-      <p:sp>
-        <p:nvSpPr>
-          <p:cNvPr id="4" name="Text Placeholder 3"/>
-          <p:cNvSpPr>
-            <a:spLocks noGrp="1"/>
-          </p:cNvSpPr>
-          <p:nvPr>
-            <p:ph type="body" sz="half" idx="2"/>
-          </p:nvPr>
-        </p:nvSpPr>
-        <p:spPr>
-          <a:xfrm>
-            <a:off x="1792288" y="5367338"/>
-            <a:ext cx="5486400" cy="804862"/>
-          </a:xfrm>
-        </p:spPr>
-        <p:txBody>
-          <a:bodyPr/>
-          <a:lstStyle>
-            <a:lvl1pPr marL="0" indent="0">
-              <a:buNone/>
-              <a:defRPr sz="1400">
-                <a:latin typeface="+mn-lt"/>
-              </a:defRPr>
-            </a:lvl1pPr>
-            <a:lvl2pPr marL="457200" indent="0">
-              <a:buNone/>
-              <a:defRPr sz="1200"/>
-            </a:lvl2pPr>
-            <a:lvl3pPr marL="914400" indent="0">
-              <a:buNone/>
-              <a:defRPr sz="1000"/>
-            </a:lvl3pPr>
-            <a:lvl4pPr marL="1371600" indent="0">
-              <a:buNone/>
-              <a:defRPr sz="900"/>
-            </a:lvl4pPr>
-            <a:lvl5pPr marL="1828800" indent="0">
-              <a:buNone/>
-              <a:defRPr sz="900"/>
-            </a:lvl5pPr>
-            <a:lvl6pPr marL="2286000" indent="0">
-              <a:buNone/>
-              <a:defRPr sz="900"/>
-            </a:lvl6pPr>
-            <a:lvl7pPr marL="2743200" indent="0">
-              <a:buNone/>
-              <a:defRPr sz="900"/>
-            </a:lvl7pPr>
-            <a:lvl8pPr marL="3200400" indent="0">
-              <a:buNone/>
-              <a:defRPr sz="900"/>
-            </a:lvl8pPr>
-            <a:lvl9pPr marL="3657600" indent="0">
-              <a:buNone/>
-              <a:defRPr sz="900"/>
-            </a:lvl9pPr>
-          </a:lstStyle>
-          <a:p>
-            <a:pPr lvl="0"/>
-            <a:r>
-              <a:rPr lang="en-CA" dirty="0"/>
-              <a:t>Click to edit Master text styles</a:t>
-            </a:r>
-          </a:p>
-        </p:txBody>
-      </p:sp>
-      <p:sp>
-        <p:nvSpPr>
-          <p:cNvPr id="8" name="Footer Placeholder 7">
+          <p:cNvPr id="2" name="Title 1">
             <a:extLst>
               <a:ext uri="{FF2B5EF4-FFF2-40B4-BE49-F238E27FC236}">
-                <a16:creationId xmlns:a16="http://schemas.microsoft.com/office/drawing/2014/main" id="{B5BB785B-8CD1-0040-A247-EDEF010C15C9}"/>
+                <a16:creationId xmlns:a16="http://schemas.microsoft.com/office/drawing/2014/main" id="{D6DFB85D-520A-BD48-A297-F7A9EDDB9380}"/>
               </a:ext>
             </a:extLst>
           </p:cNvPr>
@@ -3964,24 +5259,36 @@
             <a:spLocks noGrp="1"/>
           </p:cNvSpPr>
           <p:nvPr>
-            <p:ph type="ftr" sz="quarter" idx="10"/>
+            <p:ph type="title"/>
           </p:nvPr>
         </p:nvSpPr>
-        <p:spPr/>
-        <p:txBody>
-          <a:bodyPr/>
-          <a:lstStyle/>
-          <a:p>
-            <a:endParaRPr lang="en-US"/>
-          </a:p>
-        </p:txBody>
-      </p:sp>
-      <p:sp>
-        <p:nvSpPr>
-          <p:cNvPr id="9" name="Slide Number Placeholder 8">
+        <p:spPr>
+          <a:xfrm>
+            <a:off x="629841" y="342900"/>
+            <a:ext cx="2949178" cy="1200150"/>
+          </a:xfrm>
+        </p:spPr>
+        <p:txBody>
+          <a:bodyPr anchor="b"/>
+          <a:lstStyle>
+            <a:lvl1pPr>
+              <a:defRPr sz="2400"/>
+            </a:lvl1pPr>
+          </a:lstStyle>
+          <a:p>
+            <a:r>
+              <a:rPr lang="en-US"/>
+              <a:t>Click to edit Master title style</a:t>
+            </a:r>
+          </a:p>
+        </p:txBody>
+      </p:sp>
+      <p:sp>
+        <p:nvSpPr>
+          <p:cNvPr id="3" name="Picture Placeholder 2">
             <a:extLst>
               <a:ext uri="{FF2B5EF4-FFF2-40B4-BE49-F238E27FC236}">
-                <a16:creationId xmlns:a16="http://schemas.microsoft.com/office/drawing/2014/main" id="{A1275E30-5B29-BD43-B756-3D1D1E7E12BD}"/>
+                <a16:creationId xmlns:a16="http://schemas.microsoft.com/office/drawing/2014/main" id="{2A2093CD-6667-AD4E-93F7-F3B21EF98B7C}"/>
               </a:ext>
             </a:extLst>
           </p:cNvPr>
@@ -3989,7 +5296,145 @@
             <a:spLocks noGrp="1"/>
           </p:cNvSpPr>
           <p:nvPr>
-            <p:ph type="sldNum" sz="quarter" idx="11"/>
+            <p:ph type="pic" idx="1"/>
+          </p:nvPr>
+        </p:nvSpPr>
+        <p:spPr>
+          <a:xfrm>
+            <a:off x="3887391" y="740569"/>
+            <a:ext cx="4629150" cy="3655219"/>
+          </a:xfrm>
+        </p:spPr>
+        <p:txBody>
+          <a:bodyPr/>
+          <a:lstStyle>
+            <a:lvl1pPr marL="0" indent="0">
+              <a:buNone/>
+              <a:defRPr sz="2400"/>
+            </a:lvl1pPr>
+            <a:lvl2pPr marL="342900" indent="0">
+              <a:buNone/>
+              <a:defRPr sz="2100"/>
+            </a:lvl2pPr>
+            <a:lvl3pPr marL="685800" indent="0">
+              <a:buNone/>
+              <a:defRPr sz="1800"/>
+            </a:lvl3pPr>
+            <a:lvl4pPr marL="1028700" indent="0">
+              <a:buNone/>
+              <a:defRPr sz="1500"/>
+            </a:lvl4pPr>
+            <a:lvl5pPr marL="1371600" indent="0">
+              <a:buNone/>
+              <a:defRPr sz="1500"/>
+            </a:lvl5pPr>
+            <a:lvl6pPr marL="1714500" indent="0">
+              <a:buNone/>
+              <a:defRPr sz="1500"/>
+            </a:lvl6pPr>
+            <a:lvl7pPr marL="2057400" indent="0">
+              <a:buNone/>
+              <a:defRPr sz="1500"/>
+            </a:lvl7pPr>
+            <a:lvl8pPr marL="2400300" indent="0">
+              <a:buNone/>
+              <a:defRPr sz="1500"/>
+            </a:lvl8pPr>
+            <a:lvl9pPr marL="2743200" indent="0">
+              <a:buNone/>
+              <a:defRPr sz="1500"/>
+            </a:lvl9pPr>
+          </a:lstStyle>
+          <a:p>
+            <a:endParaRPr lang="en-US"/>
+          </a:p>
+        </p:txBody>
+      </p:sp>
+      <p:sp>
+        <p:nvSpPr>
+          <p:cNvPr id="4" name="Text Placeholder 3">
+            <a:extLst>
+              <a:ext uri="{FF2B5EF4-FFF2-40B4-BE49-F238E27FC236}">
+                <a16:creationId xmlns:a16="http://schemas.microsoft.com/office/drawing/2014/main" id="{55DCED6C-F32A-6A44-B857-EBD308B3E75E}"/>
+              </a:ext>
+            </a:extLst>
+          </p:cNvPr>
+          <p:cNvSpPr>
+            <a:spLocks noGrp="1"/>
+          </p:cNvSpPr>
+          <p:nvPr>
+            <p:ph type="body" sz="half" idx="2"/>
+          </p:nvPr>
+        </p:nvSpPr>
+        <p:spPr>
+          <a:xfrm>
+            <a:off x="629841" y="1543050"/>
+            <a:ext cx="2949178" cy="2858691"/>
+          </a:xfrm>
+        </p:spPr>
+        <p:txBody>
+          <a:bodyPr/>
+          <a:lstStyle>
+            <a:lvl1pPr marL="0" indent="0">
+              <a:buNone/>
+              <a:defRPr sz="1200"/>
+            </a:lvl1pPr>
+            <a:lvl2pPr marL="342900" indent="0">
+              <a:buNone/>
+              <a:defRPr sz="1050"/>
+            </a:lvl2pPr>
+            <a:lvl3pPr marL="685800" indent="0">
+              <a:buNone/>
+              <a:defRPr sz="900"/>
+            </a:lvl3pPr>
+            <a:lvl4pPr marL="1028700" indent="0">
+              <a:buNone/>
+              <a:defRPr sz="750"/>
+            </a:lvl4pPr>
+            <a:lvl5pPr marL="1371600" indent="0">
+              <a:buNone/>
+              <a:defRPr sz="750"/>
+            </a:lvl5pPr>
+            <a:lvl6pPr marL="1714500" indent="0">
+              <a:buNone/>
+              <a:defRPr sz="750"/>
+            </a:lvl6pPr>
+            <a:lvl7pPr marL="2057400" indent="0">
+              <a:buNone/>
+              <a:defRPr sz="750"/>
+            </a:lvl7pPr>
+            <a:lvl8pPr marL="2400300" indent="0">
+              <a:buNone/>
+              <a:defRPr sz="750"/>
+            </a:lvl8pPr>
+            <a:lvl9pPr marL="2743200" indent="0">
+              <a:buNone/>
+              <a:defRPr sz="750"/>
+            </a:lvl9pPr>
+          </a:lstStyle>
+          <a:p>
+            <a:pPr lvl="0"/>
+            <a:r>
+              <a:rPr lang="en-US"/>
+              <a:t>Click to edit Master text styles</a:t>
+            </a:r>
+          </a:p>
+        </p:txBody>
+      </p:sp>
+      <p:sp>
+        <p:nvSpPr>
+          <p:cNvPr id="5" name="Date Placeholder 4">
+            <a:extLst>
+              <a:ext uri="{FF2B5EF4-FFF2-40B4-BE49-F238E27FC236}">
+                <a16:creationId xmlns:a16="http://schemas.microsoft.com/office/drawing/2014/main" id="{36F4EDF9-2E61-C346-AEC1-C5515D5109D5}"/>
+              </a:ext>
+            </a:extLst>
+          </p:cNvPr>
+          <p:cNvSpPr>
+            <a:spLocks noGrp="1"/>
+          </p:cNvSpPr>
+          <p:nvPr>
+            <p:ph type="dt" sz="half" idx="10"/>
           </p:nvPr>
         </p:nvSpPr>
         <p:spPr/>
@@ -3997,19 +5442,72 @@
           <a:bodyPr/>
           <a:lstStyle/>
           <a:p>
-            <a:fld id="{95FC67CD-6733-D04F-B9BE-AD105949F24E}" type="slidenum">
+            <a:fld id="{C1D9F72A-E93E-B546-8268-6408A6E1DA62}" type="datetime1">
+              <a:rPr lang="en-CA" smtClean="0"/>
+              <a:t>2020-10-12</a:t>
+            </a:fld>
+            <a:endParaRPr lang="en-US"/>
+          </a:p>
+        </p:txBody>
+      </p:sp>
+      <p:sp>
+        <p:nvSpPr>
+          <p:cNvPr id="6" name="Footer Placeholder 5">
+            <a:extLst>
+              <a:ext uri="{FF2B5EF4-FFF2-40B4-BE49-F238E27FC236}">
+                <a16:creationId xmlns:a16="http://schemas.microsoft.com/office/drawing/2014/main" id="{908F289B-5706-A047-960A-6FDB1750F2C8}"/>
+              </a:ext>
+            </a:extLst>
+          </p:cNvPr>
+          <p:cNvSpPr>
+            <a:spLocks noGrp="1"/>
+          </p:cNvSpPr>
+          <p:nvPr>
+            <p:ph type="ftr" sz="quarter" idx="11"/>
+          </p:nvPr>
+        </p:nvSpPr>
+        <p:spPr/>
+        <p:txBody>
+          <a:bodyPr/>
+          <a:lstStyle/>
+          <a:p>
+            <a:endParaRPr lang="en-US"/>
+          </a:p>
+        </p:txBody>
+      </p:sp>
+      <p:sp>
+        <p:nvSpPr>
+          <p:cNvPr id="7" name="Slide Number Placeholder 6">
+            <a:extLst>
+              <a:ext uri="{FF2B5EF4-FFF2-40B4-BE49-F238E27FC236}">
+                <a16:creationId xmlns:a16="http://schemas.microsoft.com/office/drawing/2014/main" id="{C2612078-4758-934E-BFE9-86E98A44EE91}"/>
+              </a:ext>
+            </a:extLst>
+          </p:cNvPr>
+          <p:cNvSpPr>
+            <a:spLocks noGrp="1"/>
+          </p:cNvSpPr>
+          <p:nvPr>
+            <p:ph type="sldNum" sz="quarter" idx="12"/>
+          </p:nvPr>
+        </p:nvSpPr>
+        <p:spPr/>
+        <p:txBody>
+          <a:bodyPr/>
+          <a:lstStyle/>
+          <a:p>
+            <a:fld id="{7B252BF6-6A9C-D04A-BBE8-37A07D64A1C3}" type="slidenum">
               <a:rPr lang="en-US" smtClean="0"/>
-              <a:pPr/>
               <a:t>‹#›</a:t>
             </a:fld>
-            <a:endParaRPr lang="en-US" dirty="0"/>
+            <a:endParaRPr lang="en-US"/>
           </a:p>
         </p:txBody>
       </p:sp>
     </p:spTree>
     <p:extLst>
       <p:ext uri="{BB962C8B-B14F-4D97-AF65-F5344CB8AC3E}">
-        <p14:creationId xmlns:p14="http://schemas.microsoft.com/office/powerpoint/2010/main" val="4115213723"/>
+        <p14:creationId xmlns:p14="http://schemas.microsoft.com/office/powerpoint/2010/main" val="2532778598"/>
       </p:ext>
     </p:extLst>
   </p:cSld>
@@ -4023,12 +5521,9 @@
 <p:sldMaster xmlns:a="http://schemas.openxmlformats.org/drawingml/2006/main" xmlns:r="http://schemas.openxmlformats.org/officeDocument/2006/relationships" xmlns:p="http://schemas.openxmlformats.org/presentationml/2006/main" preserve="1">
   <p:cSld>
     <p:bg>
-      <p:bgPr>
-        <a:solidFill>
-          <a:schemeClr val="bg1"/>
-        </a:solidFill>
-        <a:effectLst/>
-      </p:bgPr>
+      <p:bgRef idx="1001">
+        <a:schemeClr val="bg1"/>
+      </p:bgRef>
     </p:bg>
     <p:spTree>
       <p:nvGrpSpPr>
@@ -4046,40 +5541,35 @@
       </p:grpSpPr>
       <p:sp>
         <p:nvSpPr>
-          <p:cNvPr id="1026" name="Rectangle 2"/>
+          <p:cNvPr id="2" name="Title Placeholder 1">
+            <a:extLst>
+              <a:ext uri="{FF2B5EF4-FFF2-40B4-BE49-F238E27FC236}">
+                <a16:creationId xmlns:a16="http://schemas.microsoft.com/office/drawing/2014/main" id="{405FBF36-3AE9-6F4F-9D44-FDF1EDE69171}"/>
+              </a:ext>
+            </a:extLst>
+          </p:cNvPr>
           <p:cNvSpPr>
-            <a:spLocks noGrp="1" noChangeArrowheads="1"/>
+            <a:spLocks noGrp="1"/>
           </p:cNvSpPr>
           <p:nvPr>
             <p:ph type="title"/>
           </p:nvPr>
         </p:nvSpPr>
-        <p:spPr bwMode="auto">
+        <p:spPr>
           <a:xfrm>
-            <a:off x="685800" y="609600"/>
-            <a:ext cx="7772400" cy="1143000"/>
+            <a:off x="628650" y="273844"/>
+            <a:ext cx="7886700" cy="994172"/>
           </a:xfrm>
           <a:prstGeom prst="rect">
             <a:avLst/>
           </a:prstGeom>
-          <a:noFill/>
-          <a:ln w="9525">
-            <a:noFill/>
-            <a:miter lim="800000"/>
-            <a:headEnd/>
-            <a:tailEnd/>
-          </a:ln>
-          <a:effectLst/>
         </p:spPr>
         <p:txBody>
-          <a:bodyPr vert="horz" wrap="square" lIns="91440" tIns="45720" rIns="91440" bIns="45720" numCol="1" anchor="ctr" anchorCtr="0" compatLnSpc="1">
-            <a:prstTxWarp prst="textNoShape">
-              <a:avLst/>
-            </a:prstTxWarp>
+          <a:bodyPr vert="horz" lIns="91440" tIns="45720" rIns="91440" bIns="45720" rtlCol="0" anchor="ctr">
+            <a:normAutofit/>
           </a:bodyPr>
           <a:lstStyle/>
           <a:p>
-            <a:pPr lvl="0"/>
             <a:r>
               <a:rPr lang="en-US" dirty="0"/>
               <a:t>Click to edit Master title style</a:t>
@@ -4089,70 +5579,66 @@
       </p:sp>
       <p:sp>
         <p:nvSpPr>
-          <p:cNvPr id="1027" name="Rectangle 3"/>
+          <p:cNvPr id="3" name="Text Placeholder 2">
+            <a:extLst>
+              <a:ext uri="{FF2B5EF4-FFF2-40B4-BE49-F238E27FC236}">
+                <a16:creationId xmlns:a16="http://schemas.microsoft.com/office/drawing/2014/main" id="{B7433E42-24FB-9E4C-A197-FBE95A39782A}"/>
+              </a:ext>
+            </a:extLst>
+          </p:cNvPr>
           <p:cNvSpPr>
-            <a:spLocks noGrp="1" noChangeArrowheads="1"/>
+            <a:spLocks noGrp="1"/>
           </p:cNvSpPr>
           <p:nvPr>
             <p:ph type="body" idx="1"/>
           </p:nvPr>
         </p:nvSpPr>
-        <p:spPr bwMode="auto">
+        <p:spPr>
           <a:xfrm>
-            <a:off x="685800" y="1981200"/>
-            <a:ext cx="7772400" cy="4114800"/>
+            <a:off x="628650" y="1369219"/>
+            <a:ext cx="7886700" cy="3263504"/>
           </a:xfrm>
           <a:prstGeom prst="rect">
             <a:avLst/>
           </a:prstGeom>
-          <a:noFill/>
-          <a:ln w="9525">
-            <a:noFill/>
-            <a:miter lim="800000"/>
-            <a:headEnd/>
-            <a:tailEnd/>
-          </a:ln>
-          <a:effectLst/>
         </p:spPr>
         <p:txBody>
-          <a:bodyPr vert="horz" wrap="square" lIns="91440" tIns="45720" rIns="91440" bIns="45720" numCol="1" anchor="t" anchorCtr="0" compatLnSpc="1">
-            <a:prstTxWarp prst="textNoShape">
-              <a:avLst/>
-            </a:prstTxWarp>
+          <a:bodyPr vert="horz" lIns="91440" tIns="45720" rIns="91440" bIns="45720" rtlCol="0">
+            <a:normAutofit/>
           </a:bodyPr>
           <a:lstStyle/>
           <a:p>
             <a:pPr lvl="0"/>
             <a:r>
-              <a:rPr lang="en-US" dirty="0"/>
+              <a:rPr lang="en-US"/>
               <a:t>Click to edit Master text styles</a:t>
             </a:r>
           </a:p>
           <a:p>
             <a:pPr lvl="1"/>
             <a:r>
-              <a:rPr lang="en-US" dirty="0"/>
+              <a:rPr lang="en-US"/>
               <a:t>Second level</a:t>
             </a:r>
           </a:p>
           <a:p>
             <a:pPr lvl="2"/>
             <a:r>
-              <a:rPr lang="en-US" dirty="0"/>
+              <a:rPr lang="en-US"/>
               <a:t>Third level</a:t>
             </a:r>
           </a:p>
           <a:p>
             <a:pPr lvl="3"/>
             <a:r>
-              <a:rPr lang="en-US" dirty="0"/>
+              <a:rPr lang="en-US"/>
               <a:t>Fourth level</a:t>
             </a:r>
           </a:p>
           <a:p>
             <a:pPr lvl="4"/>
             <a:r>
-              <a:rPr lang="en-US" dirty="0"/>
+              <a:rPr lang="en-US"/>
               <a:t>Fifth level</a:t>
             </a:r>
           </a:p>
@@ -4160,47 +5646,138 @@
       </p:sp>
       <p:sp>
         <p:nvSpPr>
-          <p:cNvPr id="1030" name="Rectangle 6"/>
+          <p:cNvPr id="4" name="Date Placeholder 3">
+            <a:extLst>
+              <a:ext uri="{FF2B5EF4-FFF2-40B4-BE49-F238E27FC236}">
+                <a16:creationId xmlns:a16="http://schemas.microsoft.com/office/drawing/2014/main" id="{C1A9F3E4-CCFD-A546-BD98-34B6A6B34CAC}"/>
+              </a:ext>
+            </a:extLst>
+          </p:cNvPr>
           <p:cNvSpPr>
-            <a:spLocks noGrp="1" noChangeArrowheads="1"/>
+            <a:spLocks noGrp="1"/>
           </p:cNvSpPr>
           <p:nvPr>
-            <p:ph type="sldNum" sz="quarter" idx="4"/>
+            <p:ph type="dt" sz="half" idx="2"/>
           </p:nvPr>
         </p:nvSpPr>
-        <p:spPr bwMode="auto">
+        <p:spPr>
           <a:xfrm>
-            <a:off x="6553200" y="6248400"/>
-            <a:ext cx="1905000" cy="457200"/>
+            <a:off x="628650" y="4767263"/>
+            <a:ext cx="2057400" cy="273844"/>
           </a:xfrm>
           <a:prstGeom prst="rect">
             <a:avLst/>
           </a:prstGeom>
-          <a:noFill/>
-          <a:ln w="9525">
-            <a:noFill/>
-            <a:miter lim="800000"/>
-            <a:headEnd/>
-            <a:tailEnd/>
-          </a:ln>
-          <a:effectLst/>
         </p:spPr>
         <p:txBody>
-          <a:bodyPr vert="horz" wrap="square" lIns="91440" tIns="45720" rIns="91440" bIns="45720" numCol="1" anchor="t" anchorCtr="0" compatLnSpc="1">
-            <a:prstTxWarp prst="textNoShape">
-              <a:avLst/>
-            </a:prstTxWarp>
-          </a:bodyPr>
+          <a:bodyPr vert="horz" lIns="91440" tIns="45720" rIns="91440" bIns="45720" rtlCol="0" anchor="ctr"/>
           <a:lstStyle>
-            <a:lvl1pPr algn="r">
-              <a:defRPr sz="1400">
-                <a:latin typeface="+mn-lt"/>
-                <a:cs typeface="Candara"/>
+            <a:lvl1pPr algn="l">
+              <a:defRPr sz="900" b="0" i="0">
+                <a:solidFill>
+                  <a:schemeClr val="tx1">
+                    <a:tint val="75000"/>
+                  </a:schemeClr>
+                </a:solidFill>
+                <a:latin typeface="Calibri" panose="020F0502020204030204" pitchFamily="34" charset="0"/>
               </a:defRPr>
             </a:lvl1pPr>
           </a:lstStyle>
           <a:p>
-            <a:fld id="{95FC67CD-6733-D04F-B9BE-AD105949F24E}" type="slidenum">
+            <a:fld id="{97DF4AC7-DB73-7444-A2A7-FD79FE1A2B2B}" type="datetime1">
+              <a:rPr lang="en-CA" smtClean="0"/>
+              <a:pPr/>
+              <a:t>2020-10-12</a:t>
+            </a:fld>
+            <a:endParaRPr lang="en-US" dirty="0"/>
+          </a:p>
+        </p:txBody>
+      </p:sp>
+      <p:sp>
+        <p:nvSpPr>
+          <p:cNvPr id="5" name="Footer Placeholder 4">
+            <a:extLst>
+              <a:ext uri="{FF2B5EF4-FFF2-40B4-BE49-F238E27FC236}">
+                <a16:creationId xmlns:a16="http://schemas.microsoft.com/office/drawing/2014/main" id="{E88AAA39-D2DE-7B4A-BB24-AAC6C28B6F7B}"/>
+              </a:ext>
+            </a:extLst>
+          </p:cNvPr>
+          <p:cNvSpPr>
+            <a:spLocks noGrp="1"/>
+          </p:cNvSpPr>
+          <p:nvPr>
+            <p:ph type="ftr" sz="quarter" idx="3"/>
+          </p:nvPr>
+        </p:nvSpPr>
+        <p:spPr>
+          <a:xfrm>
+            <a:off x="3028950" y="4767263"/>
+            <a:ext cx="3086100" cy="273844"/>
+          </a:xfrm>
+          <a:prstGeom prst="rect">
+            <a:avLst/>
+          </a:prstGeom>
+        </p:spPr>
+        <p:txBody>
+          <a:bodyPr vert="horz" lIns="91440" tIns="45720" rIns="91440" bIns="45720" rtlCol="0" anchor="ctr"/>
+          <a:lstStyle>
+            <a:lvl1pPr algn="ctr">
+              <a:defRPr sz="900" b="0" i="0">
+                <a:solidFill>
+                  <a:schemeClr val="tx1">
+                    <a:tint val="75000"/>
+                  </a:schemeClr>
+                </a:solidFill>
+                <a:latin typeface="Calibri" panose="020F0502020204030204" pitchFamily="34" charset="0"/>
+              </a:defRPr>
+            </a:lvl1pPr>
+          </a:lstStyle>
+          <a:p>
+            <a:endParaRPr lang="en-US" dirty="0"/>
+          </a:p>
+        </p:txBody>
+      </p:sp>
+      <p:sp>
+        <p:nvSpPr>
+          <p:cNvPr id="6" name="Slide Number Placeholder 5">
+            <a:extLst>
+              <a:ext uri="{FF2B5EF4-FFF2-40B4-BE49-F238E27FC236}">
+                <a16:creationId xmlns:a16="http://schemas.microsoft.com/office/drawing/2014/main" id="{5E61F2AD-686E-E445-9758-B74AC410CE64}"/>
+              </a:ext>
+            </a:extLst>
+          </p:cNvPr>
+          <p:cNvSpPr>
+            <a:spLocks noGrp="1"/>
+          </p:cNvSpPr>
+          <p:nvPr>
+            <p:ph type="sldNum" sz="quarter" idx="4"/>
+          </p:nvPr>
+        </p:nvSpPr>
+        <p:spPr>
+          <a:xfrm>
+            <a:off x="6457950" y="4767263"/>
+            <a:ext cx="2057400" cy="273844"/>
+          </a:xfrm>
+          <a:prstGeom prst="rect">
+            <a:avLst/>
+          </a:prstGeom>
+        </p:spPr>
+        <p:txBody>
+          <a:bodyPr vert="horz" lIns="91440" tIns="45720" rIns="91440" bIns="45720" rtlCol="0" anchor="ctr"/>
+          <a:lstStyle>
+            <a:lvl1pPr algn="r">
+              <a:defRPr sz="900" b="0" i="0">
+                <a:solidFill>
+                  <a:schemeClr val="tx1">
+                    <a:tint val="75000"/>
+                  </a:schemeClr>
+                </a:solidFill>
+                <a:latin typeface="Calibri" panose="020F0502020204030204" pitchFamily="34" charset="0"/>
+              </a:defRPr>
+            </a:lvl1pPr>
+          </a:lstStyle>
+          <a:p>
+            <a:fld id="{7B252BF6-6A9C-D04A-BBE8-37A07D64A1C3}" type="slidenum">
               <a:rPr lang="en-US" smtClean="0"/>
               <a:pPr/>
               <a:t>‹#›</a:t>
@@ -4209,359 +5786,61 @@
           </a:p>
         </p:txBody>
       </p:sp>
-      <p:sp>
-        <p:nvSpPr>
-          <p:cNvPr id="2" name="Footer Placeholder 1">
-            <a:extLst>
-              <a:ext uri="{FF2B5EF4-FFF2-40B4-BE49-F238E27FC236}">
-                <a16:creationId xmlns:a16="http://schemas.microsoft.com/office/drawing/2014/main" id="{20CEA516-DB0A-A54B-8590-B485BCFD422E}"/>
-              </a:ext>
-            </a:extLst>
-          </p:cNvPr>
-          <p:cNvSpPr>
-            <a:spLocks noGrp="1"/>
-          </p:cNvSpPr>
-          <p:nvPr>
-            <p:ph type="ftr" sz="quarter" idx="3"/>
-          </p:nvPr>
-        </p:nvSpPr>
-        <p:spPr>
-          <a:xfrm>
-            <a:off x="3028950" y="6356350"/>
-            <a:ext cx="3086100" cy="365125"/>
-          </a:xfrm>
-          <a:prstGeom prst="rect">
-            <a:avLst/>
-          </a:prstGeom>
-        </p:spPr>
-        <p:txBody>
-          <a:bodyPr vert="horz" lIns="91440" tIns="45720" rIns="91440" bIns="45720" rtlCol="0" anchor="ctr"/>
-          <a:lstStyle>
-            <a:lvl1pPr algn="ctr">
-              <a:defRPr sz="1200">
-                <a:solidFill>
-                  <a:schemeClr val="tx1">
-                    <a:tint val="75000"/>
-                  </a:schemeClr>
-                </a:solidFill>
-              </a:defRPr>
-            </a:lvl1pPr>
-          </a:lstStyle>
-          <a:p>
-            <a:endParaRPr lang="en-US"/>
-          </a:p>
-        </p:txBody>
-      </p:sp>
     </p:spTree>
     <p:extLst>
       <p:ext uri="{BB962C8B-B14F-4D97-AF65-F5344CB8AC3E}">
-        <p14:creationId xmlns:p14="http://schemas.microsoft.com/office/powerpoint/2010/main" val="181084157"/>
+        <p14:creationId xmlns:p14="http://schemas.microsoft.com/office/powerpoint/2010/main" val="3895121646"/>
       </p:ext>
     </p:extLst>
   </p:cSld>
   <p:clrMap bg1="lt1" tx1="dk1" bg2="lt2" tx2="dk2" accent1="accent1" accent2="accent2" accent3="accent3" accent4="accent4" accent5="accent5" accent6="accent6" hlink="hlink" folHlink="folHlink"/>
   <p:sldLayoutIdLst>
-    <p:sldLayoutId id="2147483661" r:id="rId1"/>
-    <p:sldLayoutId id="2147483662" r:id="rId2"/>
-    <p:sldLayoutId id="2147483663" r:id="rId3"/>
-    <p:sldLayoutId id="2147483664" r:id="rId4"/>
-    <p:sldLayoutId id="2147483665" r:id="rId5"/>
-    <p:sldLayoutId id="2147483666" r:id="rId6"/>
-    <p:sldLayoutId id="2147483667" r:id="rId7"/>
-    <p:sldLayoutId id="2147483668" r:id="rId8"/>
-    <p:sldLayoutId id="2147483669" r:id="rId9"/>
-    <p:sldLayoutId id="2147483670" r:id="rId10"/>
-    <p:sldLayoutId id="2147483671" r:id="rId11"/>
+    <p:sldLayoutId id="2147483673" r:id="rId1"/>
+    <p:sldLayoutId id="2147483674" r:id="rId2"/>
+    <p:sldLayoutId id="2147483675" r:id="rId3"/>
+    <p:sldLayoutId id="2147483676" r:id="rId4"/>
+    <p:sldLayoutId id="2147483677" r:id="rId5"/>
+    <p:sldLayoutId id="2147483678" r:id="rId6"/>
+    <p:sldLayoutId id="2147483679" r:id="rId7"/>
+    <p:sldLayoutId id="2147483680" r:id="rId8"/>
+    <p:sldLayoutId id="2147483681" r:id="rId9"/>
+    <p:sldLayoutId id="2147483682" r:id="rId10"/>
+    <p:sldLayoutId id="2147483683" r:id="rId11"/>
+    <p:sldLayoutId id="2147483684" r:id="rId12"/>
+    <p:sldLayoutId id="2147483685" r:id="rId13"/>
   </p:sldLayoutIdLst>
-  <p:hf hdr="0" ftr="0"/>
+  <p:hf hdr="0" ftr="0" dt="0"/>
   <p:txStyles>
     <p:titleStyle>
-      <a:lvl1pPr algn="ctr" rtl="0" fontAlgn="base">
+      <a:lvl1pPr algn="l" defTabSz="685800" rtl="0" eaLnBrk="1" latinLnBrk="0" hangingPunct="1">
+        <a:lnSpc>
+          <a:spcPct val="90000"/>
+        </a:lnSpc>
         <a:spcBef>
           <a:spcPct val="0"/>
         </a:spcBef>
-        <a:spcAft>
-          <a:spcPct val="0"/>
-        </a:spcAft>
-        <a:defRPr sz="4400">
+        <a:buNone/>
+        <a:defRPr sz="3300" kern="1200">
           <a:solidFill>
-            <a:schemeClr val="tx2"/>
+            <a:schemeClr val="tx1"/>
           </a:solidFill>
           <a:latin typeface="+mj-lt"/>
           <a:ea typeface="+mj-ea"/>
-          <a:cs typeface="Candara"/>
+          <a:cs typeface="+mj-cs"/>
         </a:defRPr>
       </a:lvl1pPr>
-      <a:lvl2pPr algn="ctr" rtl="0" fontAlgn="base">
-        <a:spcBef>
-          <a:spcPct val="0"/>
-        </a:spcBef>
-        <a:spcAft>
-          <a:spcPct val="0"/>
-        </a:spcAft>
-        <a:defRPr sz="4400">
-          <a:solidFill>
-            <a:schemeClr val="tx2"/>
-          </a:solidFill>
-          <a:latin typeface="Times" charset="0"/>
-        </a:defRPr>
-      </a:lvl2pPr>
-      <a:lvl3pPr algn="ctr" rtl="0" fontAlgn="base">
-        <a:spcBef>
-          <a:spcPct val="0"/>
-        </a:spcBef>
-        <a:spcAft>
-          <a:spcPct val="0"/>
-        </a:spcAft>
-        <a:defRPr sz="4400">
-          <a:solidFill>
-            <a:schemeClr val="tx2"/>
-          </a:solidFill>
-          <a:latin typeface="Times" charset="0"/>
-        </a:defRPr>
-      </a:lvl3pPr>
-      <a:lvl4pPr algn="ctr" rtl="0" fontAlgn="base">
-        <a:spcBef>
-          <a:spcPct val="0"/>
-        </a:spcBef>
-        <a:spcAft>
-          <a:spcPct val="0"/>
-        </a:spcAft>
-        <a:defRPr sz="4400">
-          <a:solidFill>
-            <a:schemeClr val="tx2"/>
-          </a:solidFill>
-          <a:latin typeface="Times" charset="0"/>
-        </a:defRPr>
-      </a:lvl4pPr>
-      <a:lvl5pPr algn="ctr" rtl="0" fontAlgn="base">
-        <a:spcBef>
-          <a:spcPct val="0"/>
-        </a:spcBef>
-        <a:spcAft>
-          <a:spcPct val="0"/>
-        </a:spcAft>
-        <a:defRPr sz="4400">
-          <a:solidFill>
-            <a:schemeClr val="tx2"/>
-          </a:solidFill>
-          <a:latin typeface="Times" charset="0"/>
-        </a:defRPr>
-      </a:lvl5pPr>
-      <a:lvl6pPr marL="457200" algn="ctr" rtl="0" fontAlgn="base">
-        <a:spcBef>
-          <a:spcPct val="0"/>
-        </a:spcBef>
-        <a:spcAft>
-          <a:spcPct val="0"/>
-        </a:spcAft>
-        <a:defRPr sz="4400">
-          <a:solidFill>
-            <a:schemeClr val="tx2"/>
-          </a:solidFill>
-          <a:latin typeface="Times" charset="0"/>
-        </a:defRPr>
-      </a:lvl6pPr>
-      <a:lvl7pPr marL="914400" algn="ctr" rtl="0" fontAlgn="base">
-        <a:spcBef>
-          <a:spcPct val="0"/>
-        </a:spcBef>
-        <a:spcAft>
-          <a:spcPct val="0"/>
-        </a:spcAft>
-        <a:defRPr sz="4400">
-          <a:solidFill>
-            <a:schemeClr val="tx2"/>
-          </a:solidFill>
-          <a:latin typeface="Times" charset="0"/>
-        </a:defRPr>
-      </a:lvl7pPr>
-      <a:lvl8pPr marL="1371600" algn="ctr" rtl="0" fontAlgn="base">
-        <a:spcBef>
-          <a:spcPct val="0"/>
-        </a:spcBef>
-        <a:spcAft>
-          <a:spcPct val="0"/>
-        </a:spcAft>
-        <a:defRPr sz="4400">
-          <a:solidFill>
-            <a:schemeClr val="tx2"/>
-          </a:solidFill>
-          <a:latin typeface="Times" charset="0"/>
-        </a:defRPr>
-      </a:lvl8pPr>
-      <a:lvl9pPr marL="1828800" algn="ctr" rtl="0" fontAlgn="base">
-        <a:spcBef>
-          <a:spcPct val="0"/>
-        </a:spcBef>
-        <a:spcAft>
-          <a:spcPct val="0"/>
-        </a:spcAft>
-        <a:defRPr sz="4400">
-          <a:solidFill>
-            <a:schemeClr val="tx2"/>
-          </a:solidFill>
-          <a:latin typeface="Times" charset="0"/>
-        </a:defRPr>
-      </a:lvl9pPr>
     </p:titleStyle>
     <p:bodyStyle>
-      <a:lvl1pPr marL="342900" indent="-342900" algn="l" rtl="0" fontAlgn="base">
+      <a:lvl1pPr marL="171450" indent="-171450" algn="l" defTabSz="685800" rtl="0" eaLnBrk="1" latinLnBrk="0" hangingPunct="1">
+        <a:lnSpc>
+          <a:spcPct val="90000"/>
+        </a:lnSpc>
         <a:spcBef>
-          <a:spcPct val="20000"/>
+          <a:spcPts val="750"/>
         </a:spcBef>
-        <a:spcAft>
-          <a:spcPct val="0"/>
-        </a:spcAft>
+        <a:buFont typeface="Arial" panose="020B0604020202020204" pitchFamily="34" charset="0"/>
         <a:buChar char="•"/>
-        <a:defRPr sz="3200">
-          <a:solidFill>
-            <a:schemeClr val="tx1"/>
-          </a:solidFill>
-          <a:latin typeface="+mn-lt"/>
-          <a:ea typeface="+mn-ea"/>
-          <a:cs typeface="Candara"/>
-        </a:defRPr>
-      </a:lvl1pPr>
-      <a:lvl2pPr marL="742950" indent="-285750" algn="l" rtl="0" fontAlgn="base">
-        <a:spcBef>
-          <a:spcPct val="20000"/>
-        </a:spcBef>
-        <a:spcAft>
-          <a:spcPct val="0"/>
-        </a:spcAft>
-        <a:buChar char="–"/>
-        <a:defRPr sz="2800">
-          <a:solidFill>
-            <a:schemeClr val="tx1"/>
-          </a:solidFill>
-          <a:latin typeface="+mn-lt"/>
-          <a:ea typeface="ＭＳ Ｐゴシック" charset="-128"/>
-          <a:cs typeface="Candara"/>
-        </a:defRPr>
-      </a:lvl2pPr>
-      <a:lvl3pPr marL="1143000" indent="-228600" algn="l" rtl="0" fontAlgn="base">
-        <a:spcBef>
-          <a:spcPct val="20000"/>
-        </a:spcBef>
-        <a:spcAft>
-          <a:spcPct val="0"/>
-        </a:spcAft>
-        <a:buChar char="•"/>
-        <a:defRPr sz="2400">
-          <a:solidFill>
-            <a:schemeClr val="tx1"/>
-          </a:solidFill>
-          <a:latin typeface="+mn-lt"/>
-          <a:ea typeface="ＭＳ Ｐゴシック" charset="-128"/>
-          <a:cs typeface="Candara"/>
-        </a:defRPr>
-      </a:lvl3pPr>
-      <a:lvl4pPr marL="1600200" indent="-228600" algn="l" rtl="0" fontAlgn="base">
-        <a:spcBef>
-          <a:spcPct val="20000"/>
-        </a:spcBef>
-        <a:spcAft>
-          <a:spcPct val="0"/>
-        </a:spcAft>
-        <a:buChar char="–"/>
-        <a:defRPr sz="2000">
-          <a:solidFill>
-            <a:schemeClr val="tx1"/>
-          </a:solidFill>
-          <a:latin typeface="+mn-lt"/>
-          <a:ea typeface="ＭＳ Ｐゴシック" charset="-128"/>
-          <a:cs typeface="Candara"/>
-        </a:defRPr>
-      </a:lvl4pPr>
-      <a:lvl5pPr marL="2057400" indent="-228600" algn="l" rtl="0" fontAlgn="base">
-        <a:spcBef>
-          <a:spcPct val="20000"/>
-        </a:spcBef>
-        <a:spcAft>
-          <a:spcPct val="0"/>
-        </a:spcAft>
-        <a:buChar char="»"/>
-        <a:defRPr sz="2000">
-          <a:solidFill>
-            <a:schemeClr val="tx1"/>
-          </a:solidFill>
-          <a:latin typeface="+mn-lt"/>
-          <a:ea typeface="ＭＳ Ｐゴシック" charset="-128"/>
-          <a:cs typeface="Candara"/>
-        </a:defRPr>
-      </a:lvl5pPr>
-      <a:lvl6pPr marL="2514600" indent="-228600" algn="l" rtl="0" fontAlgn="base">
-        <a:spcBef>
-          <a:spcPct val="20000"/>
-        </a:spcBef>
-        <a:spcAft>
-          <a:spcPct val="0"/>
-        </a:spcAft>
-        <a:buChar char="»"/>
-        <a:defRPr sz="2000">
-          <a:solidFill>
-            <a:schemeClr val="tx1"/>
-          </a:solidFill>
-          <a:latin typeface="+mn-lt"/>
-          <a:ea typeface="ＭＳ Ｐゴシック" charset="-128"/>
-        </a:defRPr>
-      </a:lvl6pPr>
-      <a:lvl7pPr marL="2971800" indent="-228600" algn="l" rtl="0" fontAlgn="base">
-        <a:spcBef>
-          <a:spcPct val="20000"/>
-        </a:spcBef>
-        <a:spcAft>
-          <a:spcPct val="0"/>
-        </a:spcAft>
-        <a:buChar char="»"/>
-        <a:defRPr sz="2000">
-          <a:solidFill>
-            <a:schemeClr val="tx1"/>
-          </a:solidFill>
-          <a:latin typeface="+mn-lt"/>
-          <a:ea typeface="ＭＳ Ｐゴシック" charset="-128"/>
-        </a:defRPr>
-      </a:lvl7pPr>
-      <a:lvl8pPr marL="3429000" indent="-228600" algn="l" rtl="0" fontAlgn="base">
-        <a:spcBef>
-          <a:spcPct val="20000"/>
-        </a:spcBef>
-        <a:spcAft>
-          <a:spcPct val="0"/>
-        </a:spcAft>
-        <a:buChar char="»"/>
-        <a:defRPr sz="2000">
-          <a:solidFill>
-            <a:schemeClr val="tx1"/>
-          </a:solidFill>
-          <a:latin typeface="+mn-lt"/>
-          <a:ea typeface="ＭＳ Ｐゴシック" charset="-128"/>
-        </a:defRPr>
-      </a:lvl8pPr>
-      <a:lvl9pPr marL="3886200" indent="-228600" algn="l" rtl="0" fontAlgn="base">
-        <a:spcBef>
-          <a:spcPct val="20000"/>
-        </a:spcBef>
-        <a:spcAft>
-          <a:spcPct val="0"/>
-        </a:spcAft>
-        <a:buChar char="»"/>
-        <a:defRPr sz="2000">
-          <a:solidFill>
-            <a:schemeClr val="tx1"/>
-          </a:solidFill>
-          <a:latin typeface="+mn-lt"/>
-          <a:ea typeface="ＭＳ Ｐゴシック" charset="-128"/>
-        </a:defRPr>
-      </a:lvl9pPr>
-    </p:bodyStyle>
-    <p:otherStyle>
-      <a:defPPr>
-        <a:defRPr lang="en-US"/>
-      </a:defPPr>
-      <a:lvl1pPr marL="0" algn="l" defTabSz="457200" rtl="0" eaLnBrk="1" latinLnBrk="0" hangingPunct="1">
-        <a:defRPr sz="1800" kern="1200">
+        <a:defRPr sz="2100" kern="1200">
           <a:solidFill>
             <a:schemeClr val="tx1"/>
           </a:solidFill>
@@ -4570,7 +5849,15 @@
           <a:cs typeface="+mn-cs"/>
         </a:defRPr>
       </a:lvl1pPr>
-      <a:lvl2pPr marL="457200" algn="l" defTabSz="457200" rtl="0" eaLnBrk="1" latinLnBrk="0" hangingPunct="1">
+      <a:lvl2pPr marL="514350" indent="-171450" algn="l" defTabSz="685800" rtl="0" eaLnBrk="1" latinLnBrk="0" hangingPunct="1">
+        <a:lnSpc>
+          <a:spcPct val="90000"/>
+        </a:lnSpc>
+        <a:spcBef>
+          <a:spcPts val="375"/>
+        </a:spcBef>
+        <a:buFont typeface="Arial" panose="020B0604020202020204" pitchFamily="34" charset="0"/>
+        <a:buChar char="•"/>
         <a:defRPr sz="1800" kern="1200">
           <a:solidFill>
             <a:schemeClr val="tx1"/>
@@ -4580,8 +5867,16 @@
           <a:cs typeface="+mn-cs"/>
         </a:defRPr>
       </a:lvl2pPr>
-      <a:lvl3pPr marL="914400" algn="l" defTabSz="457200" rtl="0" eaLnBrk="1" latinLnBrk="0" hangingPunct="1">
-        <a:defRPr sz="1800" kern="1200">
+      <a:lvl3pPr marL="857250" indent="-171450" algn="l" defTabSz="685800" rtl="0" eaLnBrk="1" latinLnBrk="0" hangingPunct="1">
+        <a:lnSpc>
+          <a:spcPct val="90000"/>
+        </a:lnSpc>
+        <a:spcBef>
+          <a:spcPts val="375"/>
+        </a:spcBef>
+        <a:buFont typeface="Arial" panose="020B0604020202020204" pitchFamily="34" charset="0"/>
+        <a:buChar char="•"/>
+        <a:defRPr sz="1500" kern="1200">
           <a:solidFill>
             <a:schemeClr val="tx1"/>
           </a:solidFill>
@@ -4590,8 +5885,16 @@
           <a:cs typeface="+mn-cs"/>
         </a:defRPr>
       </a:lvl3pPr>
-      <a:lvl4pPr marL="1371600" algn="l" defTabSz="457200" rtl="0" eaLnBrk="1" latinLnBrk="0" hangingPunct="1">
-        <a:defRPr sz="1800" kern="1200">
+      <a:lvl4pPr marL="1200150" indent="-171450" algn="l" defTabSz="685800" rtl="0" eaLnBrk="1" latinLnBrk="0" hangingPunct="1">
+        <a:lnSpc>
+          <a:spcPct val="90000"/>
+        </a:lnSpc>
+        <a:spcBef>
+          <a:spcPts val="375"/>
+        </a:spcBef>
+        <a:buFont typeface="Arial" panose="020B0604020202020204" pitchFamily="34" charset="0"/>
+        <a:buChar char="•"/>
+        <a:defRPr sz="1350" kern="1200">
           <a:solidFill>
             <a:schemeClr val="tx1"/>
           </a:solidFill>
@@ -4600,8 +5903,16 @@
           <a:cs typeface="+mn-cs"/>
         </a:defRPr>
       </a:lvl4pPr>
-      <a:lvl5pPr marL="1828800" algn="l" defTabSz="457200" rtl="0" eaLnBrk="1" latinLnBrk="0" hangingPunct="1">
-        <a:defRPr sz="1800" kern="1200">
+      <a:lvl5pPr marL="1543050" indent="-171450" algn="l" defTabSz="685800" rtl="0" eaLnBrk="1" latinLnBrk="0" hangingPunct="1">
+        <a:lnSpc>
+          <a:spcPct val="90000"/>
+        </a:lnSpc>
+        <a:spcBef>
+          <a:spcPts val="375"/>
+        </a:spcBef>
+        <a:buFont typeface="Arial" panose="020B0604020202020204" pitchFamily="34" charset="0"/>
+        <a:buChar char="•"/>
+        <a:defRPr sz="1350" kern="1200">
           <a:solidFill>
             <a:schemeClr val="tx1"/>
           </a:solidFill>
@@ -4610,8 +5921,16 @@
           <a:cs typeface="+mn-cs"/>
         </a:defRPr>
       </a:lvl5pPr>
-      <a:lvl6pPr marL="2286000" algn="l" defTabSz="457200" rtl="0" eaLnBrk="1" latinLnBrk="0" hangingPunct="1">
-        <a:defRPr sz="1800" kern="1200">
+      <a:lvl6pPr marL="1885950" indent="-171450" algn="l" defTabSz="685800" rtl="0" eaLnBrk="1" latinLnBrk="0" hangingPunct="1">
+        <a:lnSpc>
+          <a:spcPct val="90000"/>
+        </a:lnSpc>
+        <a:spcBef>
+          <a:spcPts val="375"/>
+        </a:spcBef>
+        <a:buFont typeface="Arial" panose="020B0604020202020204" pitchFamily="34" charset="0"/>
+        <a:buChar char="•"/>
+        <a:defRPr sz="1350" kern="1200">
           <a:solidFill>
             <a:schemeClr val="tx1"/>
           </a:solidFill>
@@ -4620,8 +5939,16 @@
           <a:cs typeface="+mn-cs"/>
         </a:defRPr>
       </a:lvl6pPr>
-      <a:lvl7pPr marL="2743200" algn="l" defTabSz="457200" rtl="0" eaLnBrk="1" latinLnBrk="0" hangingPunct="1">
-        <a:defRPr sz="1800" kern="1200">
+      <a:lvl7pPr marL="2228850" indent="-171450" algn="l" defTabSz="685800" rtl="0" eaLnBrk="1" latinLnBrk="0" hangingPunct="1">
+        <a:lnSpc>
+          <a:spcPct val="90000"/>
+        </a:lnSpc>
+        <a:spcBef>
+          <a:spcPts val="375"/>
+        </a:spcBef>
+        <a:buFont typeface="Arial" panose="020B0604020202020204" pitchFamily="34" charset="0"/>
+        <a:buChar char="•"/>
+        <a:defRPr sz="1350" kern="1200">
           <a:solidFill>
             <a:schemeClr val="tx1"/>
           </a:solidFill>
@@ -4630,8 +5957,16 @@
           <a:cs typeface="+mn-cs"/>
         </a:defRPr>
       </a:lvl7pPr>
-      <a:lvl8pPr marL="3200400" algn="l" defTabSz="457200" rtl="0" eaLnBrk="1" latinLnBrk="0" hangingPunct="1">
-        <a:defRPr sz="1800" kern="1200">
+      <a:lvl8pPr marL="2571750" indent="-171450" algn="l" defTabSz="685800" rtl="0" eaLnBrk="1" latinLnBrk="0" hangingPunct="1">
+        <a:lnSpc>
+          <a:spcPct val="90000"/>
+        </a:lnSpc>
+        <a:spcBef>
+          <a:spcPts val="375"/>
+        </a:spcBef>
+        <a:buFont typeface="Arial" panose="020B0604020202020204" pitchFamily="34" charset="0"/>
+        <a:buChar char="•"/>
+        <a:defRPr sz="1350" kern="1200">
           <a:solidFill>
             <a:schemeClr val="tx1"/>
           </a:solidFill>
@@ -4640,8 +5975,111 @@
           <a:cs typeface="+mn-cs"/>
         </a:defRPr>
       </a:lvl8pPr>
-      <a:lvl9pPr marL="3657600" algn="l" defTabSz="457200" rtl="0" eaLnBrk="1" latinLnBrk="0" hangingPunct="1">
-        <a:defRPr sz="1800" kern="1200">
+      <a:lvl9pPr marL="2914650" indent="-171450" algn="l" defTabSz="685800" rtl="0" eaLnBrk="1" latinLnBrk="0" hangingPunct="1">
+        <a:lnSpc>
+          <a:spcPct val="90000"/>
+        </a:lnSpc>
+        <a:spcBef>
+          <a:spcPts val="375"/>
+        </a:spcBef>
+        <a:buFont typeface="Arial" panose="020B0604020202020204" pitchFamily="34" charset="0"/>
+        <a:buChar char="•"/>
+        <a:defRPr sz="1350" kern="1200">
+          <a:solidFill>
+            <a:schemeClr val="tx1"/>
+          </a:solidFill>
+          <a:latin typeface="+mn-lt"/>
+          <a:ea typeface="+mn-ea"/>
+          <a:cs typeface="+mn-cs"/>
+        </a:defRPr>
+      </a:lvl9pPr>
+    </p:bodyStyle>
+    <p:otherStyle>
+      <a:defPPr>
+        <a:defRPr lang="en-US"/>
+      </a:defPPr>
+      <a:lvl1pPr marL="0" algn="l" defTabSz="685800" rtl="0" eaLnBrk="1" latinLnBrk="0" hangingPunct="1">
+        <a:defRPr sz="1350" kern="1200">
+          <a:solidFill>
+            <a:schemeClr val="tx1"/>
+          </a:solidFill>
+          <a:latin typeface="+mn-lt"/>
+          <a:ea typeface="+mn-ea"/>
+          <a:cs typeface="+mn-cs"/>
+        </a:defRPr>
+      </a:lvl1pPr>
+      <a:lvl2pPr marL="342900" algn="l" defTabSz="685800" rtl="0" eaLnBrk="1" latinLnBrk="0" hangingPunct="1">
+        <a:defRPr sz="1350" kern="1200">
+          <a:solidFill>
+            <a:schemeClr val="tx1"/>
+          </a:solidFill>
+          <a:latin typeface="+mn-lt"/>
+          <a:ea typeface="+mn-ea"/>
+          <a:cs typeface="+mn-cs"/>
+        </a:defRPr>
+      </a:lvl2pPr>
+      <a:lvl3pPr marL="685800" algn="l" defTabSz="685800" rtl="0" eaLnBrk="1" latinLnBrk="0" hangingPunct="1">
+        <a:defRPr sz="1350" kern="1200">
+          <a:solidFill>
+            <a:schemeClr val="tx1"/>
+          </a:solidFill>
+          <a:latin typeface="+mn-lt"/>
+          <a:ea typeface="+mn-ea"/>
+          <a:cs typeface="+mn-cs"/>
+        </a:defRPr>
+      </a:lvl3pPr>
+      <a:lvl4pPr marL="1028700" algn="l" defTabSz="685800" rtl="0" eaLnBrk="1" latinLnBrk="0" hangingPunct="1">
+        <a:defRPr sz="1350" kern="1200">
+          <a:solidFill>
+            <a:schemeClr val="tx1"/>
+          </a:solidFill>
+          <a:latin typeface="+mn-lt"/>
+          <a:ea typeface="+mn-ea"/>
+          <a:cs typeface="+mn-cs"/>
+        </a:defRPr>
+      </a:lvl4pPr>
+      <a:lvl5pPr marL="1371600" algn="l" defTabSz="685800" rtl="0" eaLnBrk="1" latinLnBrk="0" hangingPunct="1">
+        <a:defRPr sz="1350" kern="1200">
+          <a:solidFill>
+            <a:schemeClr val="tx1"/>
+          </a:solidFill>
+          <a:latin typeface="+mn-lt"/>
+          <a:ea typeface="+mn-ea"/>
+          <a:cs typeface="+mn-cs"/>
+        </a:defRPr>
+      </a:lvl5pPr>
+      <a:lvl6pPr marL="1714500" algn="l" defTabSz="685800" rtl="0" eaLnBrk="1" latinLnBrk="0" hangingPunct="1">
+        <a:defRPr sz="1350" kern="1200">
+          <a:solidFill>
+            <a:schemeClr val="tx1"/>
+          </a:solidFill>
+          <a:latin typeface="+mn-lt"/>
+          <a:ea typeface="+mn-ea"/>
+          <a:cs typeface="+mn-cs"/>
+        </a:defRPr>
+      </a:lvl6pPr>
+      <a:lvl7pPr marL="2057400" algn="l" defTabSz="685800" rtl="0" eaLnBrk="1" latinLnBrk="0" hangingPunct="1">
+        <a:defRPr sz="1350" kern="1200">
+          <a:solidFill>
+            <a:schemeClr val="tx1"/>
+          </a:solidFill>
+          <a:latin typeface="+mn-lt"/>
+          <a:ea typeface="+mn-ea"/>
+          <a:cs typeface="+mn-cs"/>
+        </a:defRPr>
+      </a:lvl7pPr>
+      <a:lvl8pPr marL="2400300" algn="l" defTabSz="685800" rtl="0" eaLnBrk="1" latinLnBrk="0" hangingPunct="1">
+        <a:defRPr sz="1350" kern="1200">
+          <a:solidFill>
+            <a:schemeClr val="tx1"/>
+          </a:solidFill>
+          <a:latin typeface="+mn-lt"/>
+          <a:ea typeface="+mn-ea"/>
+          <a:cs typeface="+mn-cs"/>
+        </a:defRPr>
+      </a:lvl8pPr>
+      <a:lvl9pPr marL="2743200" algn="l" defTabSz="685800" rtl="0" eaLnBrk="1" latinLnBrk="0" hangingPunct="1">
+        <a:defRPr sz="1350" kern="1200">
           <a:solidFill>
             <a:schemeClr val="tx1"/>
           </a:solidFill>
@@ -4683,10 +6121,6 @@
           </p:nvPr>
         </p:nvSpPr>
         <p:spPr>
-          <a:xfrm>
-            <a:off x="311708" y="1041916"/>
-            <a:ext cx="8520600" cy="2736900"/>
-          </a:xfrm>
           <a:prstGeom prst="rect">
             <a:avLst/>
           </a:prstGeom>
@@ -4696,12 +6130,15 @@
           </a:ln>
         </p:spPr>
         <p:txBody>
-          <a:bodyPr lIns="91425" tIns="45700" rIns="91425" bIns="45700" anchor="ctr" anchorCtr="0">
+          <a:bodyPr vert="horz" wrap="square" lIns="68569" tIns="34275" rIns="68569" bIns="34275" numCol="1" anchor="ctr" anchorCtr="0" compatLnSpc="1">
+            <a:prstTxWarp prst="textNoShape">
+              <a:avLst/>
+            </a:prstTxWarp>
             <a:noAutofit/>
           </a:bodyPr>
           <a:lstStyle/>
           <a:p>
-            <a:pPr marL="0" marR="0" lvl="0" indent="0" algn="ctr" rtl="0">
+            <a:pPr>
               <a:spcBef>
                 <a:spcPts val="0"/>
               </a:spcBef>
@@ -4709,11 +6146,9 @@
                 <a:schemeClr val="dk1"/>
               </a:buClr>
               <a:buSzPct val="25000"/>
-              <a:buFont typeface="Calibri"/>
-              <a:buNone/>
             </a:pPr>
             <a:r>
-              <a:rPr lang="en-US" sz="4400" dirty="0">
+              <a:rPr lang="en-US" dirty="0">
                 <a:latin typeface="Calibri"/>
                 <a:ea typeface="Calibri"/>
                 <a:cs typeface="Calibri"/>
@@ -4735,10 +6170,6 @@
           </p:nvPr>
         </p:nvSpPr>
         <p:spPr>
-          <a:xfrm>
-            <a:off x="311700" y="3778819"/>
-            <a:ext cx="8520600" cy="1734000"/>
-          </a:xfrm>
           <a:prstGeom prst="rect">
             <a:avLst/>
           </a:prstGeom>
@@ -4748,12 +6179,15 @@
           </a:ln>
         </p:spPr>
         <p:txBody>
-          <a:bodyPr lIns="91425" tIns="45700" rIns="91425" bIns="45700" anchor="t" anchorCtr="0">
+          <a:bodyPr vert="horz" wrap="square" lIns="68569" tIns="34275" rIns="68569" bIns="34275" numCol="1" anchor="t" anchorCtr="0" compatLnSpc="1">
+            <a:prstTxWarp prst="textNoShape">
+              <a:avLst/>
+            </a:prstTxWarp>
             <a:noAutofit/>
           </a:bodyPr>
           <a:lstStyle/>
           <a:p>
-            <a:pPr marL="0" marR="0" lvl="0" indent="0" algn="ctr" rtl="0">
+            <a:pPr>
               <a:spcBef>
                 <a:spcPts val="0"/>
               </a:spcBef>
@@ -4764,11 +6198,9 @@
                 <a:srgbClr val="888888"/>
               </a:buClr>
               <a:buSzPct val="25000"/>
-              <a:buFont typeface="Arial"/>
-              <a:buNone/>
             </a:pPr>
             <a:r>
-              <a:rPr lang="en-US" sz="3200" b="0" i="0" u="none" strike="noStrike" cap="none">
+              <a:rPr lang="en-US">
                 <a:solidFill>
                   <a:srgbClr val="888888"/>
                 </a:solidFill>
@@ -4781,19 +6213,17 @@
             </a:r>
           </a:p>
           <a:p>
-            <a:pPr marL="0" marR="0" lvl="0" indent="0" algn="ctr" rtl="0">
+            <a:pPr>
               <a:spcBef>
-                <a:spcPts val="640"/>
+                <a:spcPts val="480"/>
               </a:spcBef>
               <a:buClr>
                 <a:srgbClr val="888888"/>
               </a:buClr>
               <a:buSzPct val="25000"/>
-              <a:buFont typeface="Arial"/>
-              <a:buNone/>
             </a:pPr>
             <a:r>
-              <a:rPr lang="en-US" sz="3200" b="0" i="0" u="none" strike="noStrike" cap="none">
+              <a:rPr lang="en-US">
                 <a:solidFill>
                   <a:srgbClr val="888888"/>
                 </a:solidFill>
@@ -4806,19 +6236,17 @@
             </a:r>
           </a:p>
           <a:p>
-            <a:pPr marL="0" marR="0" lvl="0" indent="0" algn="ctr" rtl="0">
+            <a:pPr>
               <a:spcBef>
-                <a:spcPts val="640"/>
+                <a:spcPts val="480"/>
               </a:spcBef>
               <a:buClr>
                 <a:srgbClr val="888888"/>
               </a:buClr>
               <a:buSzPct val="25000"/>
-              <a:buFont typeface="Arial"/>
-              <a:buNone/>
             </a:pPr>
             <a:r>
-              <a:rPr lang="en-US" sz="2400">
+              <a:rPr lang="en-US" sz="1800">
                 <a:solidFill>
                   <a:srgbClr val="888888"/>
                 </a:solidFill>
@@ -4840,8 +6268,8 @@
         </p:nvSpPr>
         <p:spPr>
           <a:xfrm>
-            <a:off x="4283968" y="548675"/>
-            <a:ext cx="4446782" cy="510900"/>
+            <a:off x="5508104" y="267494"/>
+            <a:ext cx="3335087" cy="383175"/>
           </a:xfrm>
           <a:prstGeom prst="roundRect">
             <a:avLst>
@@ -4849,7 +6277,10 @@
             </a:avLst>
           </a:prstGeom>
           <a:solidFill>
-            <a:srgbClr val="FFAB40"/>
+            <a:schemeClr val="accent4">
+              <a:lumMod val="60000"/>
+              <a:lumOff val="40000"/>
+            </a:schemeClr>
           </a:solidFill>
           <a:ln w="9525" cap="flat" cmpd="sng">
             <a:solidFill>
@@ -4862,12 +6293,12 @@
           </a:ln>
         </p:spPr>
         <p:txBody>
-          <a:bodyPr lIns="91425" tIns="45700" rIns="91425" bIns="45700" anchor="t" anchorCtr="0">
+          <a:bodyPr lIns="68569" tIns="34275" rIns="68569" bIns="34275" anchor="t" anchorCtr="0">
             <a:noAutofit/>
           </a:bodyPr>
           <a:lstStyle/>
           <a:p>
-            <a:pPr lvl="0" algn="ctr" rtl="0">
+            <a:pPr algn="ctr">
               <a:spcBef>
                 <a:spcPts val="0"/>
               </a:spcBef>
@@ -4875,11 +6306,9 @@
                 <a:schemeClr val="dk1"/>
               </a:buClr>
               <a:buSzPct val="25000"/>
-              <a:buFont typeface="Times New Roman"/>
-              <a:buNone/>
             </a:pPr>
             <a:r>
-              <a:rPr lang="en-US" sz="2400" dirty="0">
+              <a:rPr lang="en-US" sz="1800" dirty="0">
                 <a:solidFill>
                   <a:schemeClr val="dk1"/>
                 </a:solidFill>
@@ -4966,7 +6395,7 @@
               </a:lnSpc>
             </a:pPr>
             <a:r>
-              <a:rPr lang="en-US" sz="2800">
+              <a:rPr lang="en-US" sz="2100">
                 <a:sym typeface="Symbol" charset="2"/>
               </a:rPr>
               <a:t>Lx(k) Grammar vs. Language</a:t>
@@ -4979,7 +6408,7 @@
               </a:lnSpc>
             </a:pPr>
             <a:r>
-              <a:rPr lang="en-US" sz="2400">
+              <a:rPr lang="en-US" sz="1800">
                 <a:sym typeface="Symbol" charset="2"/>
               </a:rPr>
               <a:t>Grammar is Lx(k) if it can be parsed by Lx(k) method – according to criteria that is specific to the method.</a:t>
@@ -4992,7 +6421,7 @@
               </a:lnSpc>
             </a:pPr>
             <a:r>
-              <a:rPr lang="en-US" sz="2400">
+              <a:rPr lang="en-US" sz="1800">
                 <a:sym typeface="Symbol" charset="2"/>
               </a:rPr>
               <a:t>A Lx(k) grammar may or may not exist for a language.</a:t>
@@ -5005,19 +6434,19 @@
               </a:lnSpc>
             </a:pPr>
             <a:r>
-              <a:rPr lang="en-US" sz="2800">
+              <a:rPr lang="en-US" sz="2100">
                 <a:sym typeface="Symbol" charset="2"/>
               </a:rPr>
               <a:t>Even if a given grammar is not LR(k), shift/reduce parser can </a:t>
             </a:r>
             <a:r>
-              <a:rPr lang="en-US" sz="2800" i="1">
+              <a:rPr lang="en-US" sz="2100" i="1">
                 <a:sym typeface="Symbol" charset="2"/>
               </a:rPr>
               <a:t>sometimes</a:t>
             </a:r>
             <a:r>
-              <a:rPr lang="en-US" sz="2800">
+              <a:rPr lang="en-US" sz="2100">
                 <a:sym typeface="Symbol" charset="2"/>
               </a:rPr>
               <a:t> handle them by accounting for ambiguities</a:t>
@@ -5030,7 +6459,7 @@
               </a:lnSpc>
             </a:pPr>
             <a:r>
-              <a:rPr lang="en-US" sz="2400">
+              <a:rPr lang="en-US" sz="1800">
                 <a:sym typeface="Symbol" charset="2"/>
               </a:rPr>
               <a:t>Example: ‘dangling’ else</a:t>
@@ -5043,7 +6472,7 @@
               </a:lnSpc>
             </a:pPr>
             <a:r>
-              <a:rPr lang="en-US" sz="2000">
+              <a:rPr lang="en-US" sz="1500">
                 <a:sym typeface="Symbol" charset="2"/>
               </a:rPr>
               <a:t>Preferring shift to reduce means matching inner ‘if’</a:t>
@@ -5389,7 +6818,9 @@
         </p:nvSpPr>
         <p:spPr/>
         <p:txBody>
-          <a:bodyPr/>
+          <a:bodyPr>
+            <a:normAutofit fontScale="92500" lnSpcReduction="10000"/>
+          </a:bodyPr>
           <a:lstStyle/>
           <a:p>
             <a:pPr>
@@ -5400,11 +6831,11 @@
               <a:buNone/>
             </a:pPr>
             <a:r>
-              <a:rPr lang="en-US" sz="2800"/>
+              <a:rPr lang="en-US" sz="2100" dirty="0"/>
               <a:t>1. 	S </a:t>
             </a:r>
             <a:r>
-              <a:rPr lang="en-US" sz="2800">
+              <a:rPr lang="en-US" sz="2100" dirty="0">
                 <a:sym typeface="Symbol" charset="2"/>
               </a:rPr>
               <a:t> if E then S</a:t>
@@ -5419,11 +6850,11 @@
               <a:buNone/>
             </a:pPr>
             <a:r>
-              <a:rPr lang="en-US" sz="2800"/>
+              <a:rPr lang="en-US" sz="2100" dirty="0"/>
               <a:t>2. 	S </a:t>
             </a:r>
             <a:r>
-              <a:rPr lang="en-US" sz="2800">
+              <a:rPr lang="en-US" sz="2100" dirty="0">
                 <a:sym typeface="Symbol" charset="2"/>
               </a:rPr>
               <a:t> if E then S else S</a:t>
@@ -5436,10 +6867,24 @@
               </a:lnSpc>
             </a:pPr>
             <a:r>
-              <a:rPr lang="en-US" sz="2800">
+              <a:rPr lang="en-US" sz="2100" dirty="0">
                 <a:sym typeface="Symbol" charset="2"/>
               </a:rPr>
-              <a:t>Viable prefix “if E then if E then S”</a:t>
+              <a:t>Viable prefix “</a:t>
+            </a:r>
+            <a:r>
+              <a:rPr lang="en-US" sz="2100" dirty="0">
+                <a:latin typeface="Consolas" panose="020B0609020204030204" pitchFamily="49" charset="0"/>
+                <a:cs typeface="Consolas" panose="020B0609020204030204" pitchFamily="49" charset="0"/>
+                <a:sym typeface="Symbol" charset="2"/>
+              </a:rPr>
+              <a:t>if E then if E then S</a:t>
+            </a:r>
+            <a:r>
+              <a:rPr lang="en-US" sz="2100" dirty="0">
+                <a:sym typeface="Symbol" charset="2"/>
+              </a:rPr>
+              <a:t>”</a:t>
             </a:r>
           </a:p>
           <a:p>
@@ -5449,10 +6894,18 @@
               </a:lnSpc>
             </a:pPr>
             <a:r>
-              <a:rPr lang="en-US" sz="2400">
+              <a:rPr lang="en-US" sz="1800" dirty="0">
                 <a:sym typeface="Symbol" charset="2"/>
               </a:rPr>
-              <a:t>Then read else</a:t>
+              <a:t>Then read </a:t>
+            </a:r>
+            <a:r>
+              <a:rPr lang="en-US" sz="1800" dirty="0">
+                <a:latin typeface="Consolas" panose="020B0609020204030204" pitchFamily="49" charset="0"/>
+                <a:cs typeface="Consolas" panose="020B0609020204030204" pitchFamily="49" charset="0"/>
+                <a:sym typeface="Symbol" charset="2"/>
+              </a:rPr>
+              <a:t>else</a:t>
             </a:r>
           </a:p>
           <a:p>
@@ -5462,10 +6915,24 @@
               </a:lnSpc>
             </a:pPr>
             <a:r>
-              <a:rPr lang="en-US" sz="2800">
+              <a:rPr lang="en-US" sz="2100" dirty="0">
                 <a:sym typeface="Symbol" charset="2"/>
               </a:rPr>
-              <a:t>Shift “else” (means go for 2)</a:t>
+              <a:t>Shift “</a:t>
+            </a:r>
+            <a:r>
+              <a:rPr lang="en-US" sz="2100" dirty="0">
+                <a:latin typeface="Consolas" panose="020B0609020204030204" pitchFamily="49" charset="0"/>
+                <a:cs typeface="Consolas" panose="020B0609020204030204" pitchFamily="49" charset="0"/>
+                <a:sym typeface="Symbol" charset="2"/>
+              </a:rPr>
+              <a:t>else</a:t>
+            </a:r>
+            <a:r>
+              <a:rPr lang="en-US" sz="2100" dirty="0">
+                <a:sym typeface="Symbol" charset="2"/>
+              </a:rPr>
+              <a:t>” (means eventually reduce using rule 2)</a:t>
             </a:r>
           </a:p>
           <a:p>
@@ -5475,10 +6942,10 @@
               </a:lnSpc>
             </a:pPr>
             <a:r>
-              <a:rPr lang="en-US" sz="2800">
+              <a:rPr lang="en-US" sz="2100" dirty="0">
                 <a:sym typeface="Symbol" charset="2"/>
               </a:rPr>
-              <a:t>Reduce (reduce using production #1)</a:t>
+              <a:t>Reduce (reduce using rule 1)</a:t>
             </a:r>
           </a:p>
           <a:p>
@@ -5488,23 +6955,24 @@
               </a:lnSpc>
             </a:pPr>
             <a:r>
-              <a:rPr lang="en-US" sz="2800">
+              <a:rPr lang="en-US" dirty="0">
                 <a:sym typeface="Symbol" charset="2"/>
               </a:rPr>
-              <a:t>NB: dangling else as written above is ambiguous</a:t>
-            </a:r>
-          </a:p>
-          <a:p>
-            <a:pPr lvl="1">
-              <a:lnSpc>
-                <a:spcPct val="90000"/>
-              </a:lnSpc>
-            </a:pPr>
-            <a:r>
-              <a:rPr lang="en-US" sz="2400">
+              <a:t>D</a:t>
+            </a:r>
+            <a:r>
+              <a:rPr lang="en-US" sz="2100" dirty="0">
                 <a:sym typeface="Symbol" charset="2"/>
               </a:rPr>
-              <a:t>NB: Ambiguity can be resolved, but there’s still no LR(k) grammar</a:t>
+              <a:t>angling else as written above is ambiguous</a:t>
+            </a:r>
+          </a:p>
+          <a:p>
+            <a:r>
+              <a:rPr lang="en-US" dirty="0">
+                <a:sym typeface="Symbol" charset="2"/>
+              </a:rPr>
+              <a:t>Prefer shift over reduce resolves the ambiguity, but there’s no LR(k) grammar</a:t>
             </a:r>
           </a:p>
         </p:txBody>
@@ -5865,15 +7333,33 @@
                                   </p:childTnLst>
                                 </p:cTn>
                               </p:par>
+                            </p:childTnLst>
+                          </p:cTn>
+                        </p:par>
+                      </p:childTnLst>
+                    </p:cTn>
+                  </p:par>
+                  <p:par>
+                    <p:cTn id="29" fill="hold">
+                      <p:stCondLst>
+                        <p:cond delay="indefinite"/>
+                      </p:stCondLst>
+                      <p:childTnLst>
+                        <p:par>
+                          <p:cTn id="30" fill="hold">
+                            <p:stCondLst>
+                              <p:cond delay="0"/>
+                            </p:stCondLst>
+                            <p:childTnLst>
                               <p:par>
-                                <p:cTn id="29" presetID="1" presetClass="entr" presetSubtype="0" fill="hold" grpId="0" nodeType="withEffect">
+                                <p:cTn id="31" presetID="1" presetClass="entr" presetSubtype="0" fill="hold" grpId="0" nodeType="clickEffect">
                                   <p:stCondLst>
                                     <p:cond delay="0"/>
                                   </p:stCondLst>
                                   <p:childTnLst>
                                     <p:set>
                                       <p:cBhvr>
-                                        <p:cTn id="30" dur="1" fill="hold">
+                                        <p:cTn id="32" dur="1" fill="hold">
                                           <p:stCondLst>
                                             <p:cond delay="499"/>
                                           </p:stCondLst>
@@ -6024,15 +7510,15 @@
           <p:nvPr/>
         </p:nvGraphicFramePr>
         <p:xfrm>
-          <a:off x="2819400" y="1981200"/>
-          <a:ext cx="4343400" cy="533400"/>
+          <a:off x="3257550" y="1485900"/>
+          <a:ext cx="3257550" cy="400050"/>
         </p:xfrm>
         <a:graphic>
           <a:graphicData uri="http://schemas.openxmlformats.org/drawingml/2006/table">
             <a:tbl>
               <a:tblPr/>
               <a:tblGrid>
-                <a:gridCol w="4343400">
+                <a:gridCol w="3257550">
                   <a:extLst>
                     <a:ext uri="{9D8B030D-6E8A-4147-A177-3AD203B41FA5}">
                       <a16:colId xmlns:a16="http://schemas.microsoft.com/office/drawing/2014/main" val="20000"/>
@@ -6040,7 +7526,7 @@
                   </a:extLst>
                 </a:gridCol>
               </a:tblGrid>
-              <a:tr h="533400">
+              <a:tr h="400050">
                 <a:tc>
                   <a:txBody>
                     <a:bodyPr/>
@@ -6063,7 +7549,7 @@
                         <a:tabLst/>
                       </a:pPr>
                       <a:r>
-                        <a:rPr kumimoji="0" lang="en-US" sz="2800" b="0" i="0" u="none" strike="noStrike" cap="none" normalizeH="0" baseline="0">
+                        <a:rPr kumimoji="0" lang="en-US" sz="2100" b="0" i="0" u="none" strike="noStrike" cap="none" normalizeH="0" baseline="0">
                           <a:ln>
                             <a:noFill/>
                           </a:ln>
@@ -6076,7 +7562,7 @@
                         <a:t>E </a:t>
                       </a:r>
                       <a:r>
-                        <a:rPr kumimoji="0" lang="en-US" sz="2800" b="0" i="0" u="none" strike="noStrike" cap="none" normalizeH="0" baseline="0">
+                        <a:rPr kumimoji="0" lang="en-US" sz="2100" b="0" i="0" u="none" strike="noStrike" cap="none" normalizeH="0" baseline="0">
                           <a:ln>
                             <a:noFill/>
                           </a:ln>
@@ -6091,7 +7577,7 @@
                       </a:r>
                     </a:p>
                   </a:txBody>
-                  <a:tcPr horzOverflow="overflow">
+                  <a:tcPr marL="68580" marR="68580" marT="34290" marB="34290" horzOverflow="overflow">
                     <a:lnL w="28575" cap="flat" cmpd="sng" algn="ctr">
                       <a:solidFill>
                         <a:schemeClr val="tx1"/>
@@ -6159,8 +7645,8 @@
         </p:nvSpPr>
         <p:spPr bwMode="auto">
           <a:xfrm>
-            <a:off x="990600" y="5943600"/>
-            <a:ext cx="2209800" cy="609600"/>
+            <a:off x="1885950" y="4457700"/>
+            <a:ext cx="1657350" cy="457200"/>
           </a:xfrm>
           <a:prstGeom prst="rect">
             <a:avLst/>
@@ -6182,20 +7668,20 @@
           </a:bodyPr>
           <a:lstStyle/>
           <a:p>
-            <a:pPr marL="342900" indent="-342900" eaLnBrk="1" hangingPunct="1">
+            <a:pPr marL="257175" indent="-257175" eaLnBrk="1" hangingPunct="1">
               <a:spcBef>
                 <a:spcPct val="20000"/>
               </a:spcBef>
             </a:pPr>
             <a:r>
-              <a:rPr lang="en-US" sz="3200">
+              <a:rPr lang="en-US">
                 <a:solidFill>
                   <a:srgbClr val="000099"/>
                 </a:solidFill>
               </a:rPr>
               <a:t>id - id * id</a:t>
             </a:r>
-            <a:endParaRPr lang="en-US" sz="3200">
+            <a:endParaRPr lang="en-US">
               <a:solidFill>
                 <a:srgbClr val="000099"/>
               </a:solidFill>
@@ -6214,8 +7700,8 @@
         </p:nvSpPr>
         <p:spPr bwMode="auto">
           <a:xfrm>
-            <a:off x="990600" y="5181600"/>
-            <a:ext cx="1752600" cy="609600"/>
+            <a:off x="1885950" y="3886200"/>
+            <a:ext cx="1314450" cy="457200"/>
           </a:xfrm>
           <a:prstGeom prst="rect">
             <a:avLst/>
@@ -6237,13 +7723,13 @@
           </a:bodyPr>
           <a:lstStyle/>
           <a:p>
-            <a:pPr marL="342900" indent="-342900" eaLnBrk="1" hangingPunct="1">
+            <a:pPr marL="257175" indent="-257175" eaLnBrk="1" hangingPunct="1">
               <a:spcBef>
                 <a:spcPct val="20000"/>
               </a:spcBef>
             </a:pPr>
             <a:r>
-              <a:rPr lang="en-US" sz="3200">
+              <a:rPr lang="en-US">
                 <a:solidFill>
                   <a:srgbClr val="000099"/>
                 </a:solidFill>
@@ -6252,7 +7738,7 @@
               <a:t> </a:t>
             </a:r>
             <a:r>
-              <a:rPr lang="en-US" sz="3200">
+              <a:rPr lang="en-US">
                 <a:solidFill>
                   <a:srgbClr val="000099"/>
                 </a:solidFill>
@@ -6260,7 +7746,7 @@
               <a:t>E - E</a:t>
             </a:r>
             <a:r>
-              <a:rPr lang="en-US" sz="2000" b="1">
+              <a:rPr lang="en-US" sz="1500" b="1">
                 <a:solidFill>
                   <a:srgbClr val="000099"/>
                 </a:solidFill>
@@ -6269,7 +7755,7 @@
               <a:t> </a:t>
             </a:r>
             <a:r>
-              <a:rPr lang="en-US" sz="3200">
+              <a:rPr lang="en-US">
                 <a:solidFill>
                   <a:srgbClr val="000099"/>
                 </a:solidFill>
@@ -6289,8 +7775,8 @@
         </p:nvGrpSpPr>
         <p:grpSpPr bwMode="auto">
           <a:xfrm>
-            <a:off x="1371600" y="3276600"/>
-            <a:ext cx="1828800" cy="2514600"/>
+            <a:off x="2171700" y="2457450"/>
+            <a:ext cx="1371600" cy="1885950"/>
             <a:chOff x="1104" y="1776"/>
             <a:chExt cx="1152" cy="1584"/>
           </a:xfrm>
@@ -6328,13 +7814,13 @@
             </a:bodyPr>
             <a:lstStyle/>
             <a:p>
-              <a:pPr marL="342900" indent="-342900" eaLnBrk="1" hangingPunct="1">
+              <a:pPr marL="257175" indent="-257175" eaLnBrk="1" hangingPunct="1">
                 <a:spcBef>
                   <a:spcPct val="20000"/>
                 </a:spcBef>
               </a:pPr>
               <a:r>
-                <a:rPr lang="en-US" sz="3200">
+                <a:rPr lang="en-US">
                   <a:solidFill>
                     <a:srgbClr val="000099"/>
                   </a:solidFill>
@@ -6343,14 +7829,14 @@
                 <a:t> </a:t>
               </a:r>
               <a:r>
-                <a:rPr lang="en-US" sz="3200">
+                <a:rPr lang="en-US">
                   <a:solidFill>
                     <a:srgbClr val="000099"/>
                   </a:solidFill>
                 </a:rPr>
                 <a:t>E</a:t>
               </a:r>
-              <a:endParaRPr lang="en-US" sz="3200">
+              <a:endParaRPr lang="en-US">
                 <a:solidFill>
                   <a:srgbClr val="000099"/>
                 </a:solidFill>
@@ -6393,13 +7879,13 @@
             </a:bodyPr>
             <a:lstStyle/>
             <a:p>
-              <a:pPr marL="342900" indent="-342900" eaLnBrk="1" hangingPunct="1">
+              <a:pPr marL="257175" indent="-257175" eaLnBrk="1" hangingPunct="1">
                 <a:spcBef>
                   <a:spcPct val="20000"/>
                 </a:spcBef>
               </a:pPr>
               <a:r>
-                <a:rPr lang="en-US" sz="3200">
+                <a:rPr lang="en-US">
                   <a:solidFill>
                     <a:srgbClr val="000099"/>
                   </a:solidFill>
@@ -6408,14 +7894,14 @@
                 <a:t> </a:t>
               </a:r>
               <a:r>
-                <a:rPr lang="en-US" sz="3200">
+                <a:rPr lang="en-US">
                   <a:solidFill>
                     <a:srgbClr val="000099"/>
                   </a:solidFill>
                 </a:rPr>
                 <a:t>E</a:t>
               </a:r>
-              <a:endParaRPr lang="en-US" sz="3200">
+              <a:endParaRPr lang="en-US">
                 <a:solidFill>
                   <a:srgbClr val="000099"/>
                 </a:solidFill>
@@ -6458,13 +7944,13 @@
             </a:bodyPr>
             <a:lstStyle/>
             <a:p>
-              <a:pPr marL="342900" indent="-342900" eaLnBrk="1" hangingPunct="1">
+              <a:pPr marL="257175" indent="-257175" eaLnBrk="1" hangingPunct="1">
                 <a:spcBef>
                   <a:spcPct val="20000"/>
                 </a:spcBef>
               </a:pPr>
               <a:r>
-                <a:rPr lang="en-US" sz="3200">
+                <a:rPr lang="en-US">
                   <a:solidFill>
                     <a:srgbClr val="000099"/>
                   </a:solidFill>
@@ -6473,14 +7959,14 @@
                 <a:t> </a:t>
               </a:r>
               <a:r>
-                <a:rPr lang="en-US" sz="3200">
+                <a:rPr lang="en-US">
                   <a:solidFill>
                     <a:srgbClr val="000099"/>
                   </a:solidFill>
                 </a:rPr>
                 <a:t>E</a:t>
               </a:r>
-              <a:endParaRPr lang="en-US" sz="3200">
+              <a:endParaRPr lang="en-US">
                 <a:solidFill>
                   <a:srgbClr val="000099"/>
                 </a:solidFill>
@@ -6619,8 +8105,8 @@
         </p:nvGrpSpPr>
         <p:grpSpPr bwMode="auto">
           <a:xfrm>
-            <a:off x="3810000" y="3276600"/>
-            <a:ext cx="1828800" cy="2514600"/>
+            <a:off x="4000500" y="2457450"/>
+            <a:ext cx="1371600" cy="1885950"/>
             <a:chOff x="2640" y="1776"/>
             <a:chExt cx="1152" cy="1584"/>
           </a:xfrm>
@@ -6658,13 +8144,13 @@
             </a:bodyPr>
             <a:lstStyle/>
             <a:p>
-              <a:pPr marL="342900" indent="-342900" eaLnBrk="1" hangingPunct="1">
+              <a:pPr marL="257175" indent="-257175" eaLnBrk="1" hangingPunct="1">
                 <a:spcBef>
                   <a:spcPct val="20000"/>
                 </a:spcBef>
               </a:pPr>
               <a:r>
-                <a:rPr lang="en-US" sz="3200">
+                <a:rPr lang="en-US">
                   <a:solidFill>
                     <a:srgbClr val="000099"/>
                   </a:solidFill>
@@ -6673,14 +8159,14 @@
                 <a:t> </a:t>
               </a:r>
               <a:r>
-                <a:rPr lang="en-US" sz="3200">
+                <a:rPr lang="en-US">
                   <a:solidFill>
                     <a:srgbClr val="000099"/>
                   </a:solidFill>
                 </a:rPr>
                 <a:t>E</a:t>
               </a:r>
-              <a:endParaRPr lang="en-US" sz="3200">
+              <a:endParaRPr lang="en-US">
                 <a:solidFill>
                   <a:srgbClr val="000099"/>
                 </a:solidFill>
@@ -6723,13 +8209,13 @@
             </a:bodyPr>
             <a:lstStyle/>
             <a:p>
-              <a:pPr marL="342900" indent="-342900" eaLnBrk="1" hangingPunct="1">
+              <a:pPr marL="257175" indent="-257175" eaLnBrk="1" hangingPunct="1">
                 <a:spcBef>
                   <a:spcPct val="20000"/>
                 </a:spcBef>
               </a:pPr>
               <a:r>
-                <a:rPr lang="en-US" sz="3200">
+                <a:rPr lang="en-US">
                   <a:solidFill>
                     <a:srgbClr val="000099"/>
                   </a:solidFill>
@@ -6738,14 +8224,14 @@
                 <a:t> </a:t>
               </a:r>
               <a:r>
-                <a:rPr lang="en-US" sz="3200">
+                <a:rPr lang="en-US">
                   <a:solidFill>
                     <a:srgbClr val="000099"/>
                   </a:solidFill>
                 </a:rPr>
                 <a:t>E</a:t>
               </a:r>
-              <a:endParaRPr lang="en-US" sz="3200">
+              <a:endParaRPr lang="en-US">
                 <a:solidFill>
                   <a:srgbClr val="000099"/>
                 </a:solidFill>
@@ -6788,13 +8274,13 @@
             </a:bodyPr>
             <a:lstStyle/>
             <a:p>
-              <a:pPr marL="342900" indent="-342900" eaLnBrk="1" hangingPunct="1">
+              <a:pPr marL="257175" indent="-257175" eaLnBrk="1" hangingPunct="1">
                 <a:spcBef>
                   <a:spcPct val="20000"/>
                 </a:spcBef>
               </a:pPr>
               <a:r>
-                <a:rPr lang="en-US" sz="3200">
+                <a:rPr lang="en-US">
                   <a:solidFill>
                     <a:srgbClr val="000099"/>
                   </a:solidFill>
@@ -6803,14 +8289,14 @@
                 <a:t> </a:t>
               </a:r>
               <a:r>
-                <a:rPr lang="en-US" sz="3200">
+                <a:rPr lang="en-US">
                   <a:solidFill>
                     <a:srgbClr val="000099"/>
                   </a:solidFill>
                 </a:rPr>
                 <a:t>E</a:t>
               </a:r>
-              <a:endParaRPr lang="en-US" sz="3200">
+              <a:endParaRPr lang="en-US">
                 <a:solidFill>
                   <a:srgbClr val="000099"/>
                 </a:solidFill>
@@ -6948,8 +8434,8 @@
         </p:nvGrpSpPr>
         <p:grpSpPr bwMode="auto">
           <a:xfrm>
-            <a:off x="6248400" y="3276600"/>
-            <a:ext cx="1828800" cy="2514600"/>
+            <a:off x="5829300" y="2457450"/>
+            <a:ext cx="1371600" cy="1885950"/>
             <a:chOff x="1104" y="1776"/>
             <a:chExt cx="1152" cy="1584"/>
           </a:xfrm>
@@ -6987,13 +8473,13 @@
             </a:bodyPr>
             <a:lstStyle/>
             <a:p>
-              <a:pPr marL="342900" indent="-342900" eaLnBrk="1" hangingPunct="1">
+              <a:pPr marL="257175" indent="-257175" eaLnBrk="1" hangingPunct="1">
                 <a:spcBef>
                   <a:spcPct val="20000"/>
                 </a:spcBef>
               </a:pPr>
               <a:r>
-                <a:rPr lang="en-US" sz="3200">
+                <a:rPr lang="en-US">
                   <a:solidFill>
                     <a:srgbClr val="000099"/>
                   </a:solidFill>
@@ -7002,14 +8488,14 @@
                 <a:t> </a:t>
               </a:r>
               <a:r>
-                <a:rPr lang="en-US" sz="3200">
+                <a:rPr lang="en-US">
                   <a:solidFill>
                     <a:srgbClr val="000099"/>
                   </a:solidFill>
                 </a:rPr>
                 <a:t>E</a:t>
               </a:r>
-              <a:endParaRPr lang="en-US" sz="3200">
+              <a:endParaRPr lang="en-US">
                 <a:solidFill>
                   <a:srgbClr val="000099"/>
                 </a:solidFill>
@@ -7052,13 +8538,13 @@
             </a:bodyPr>
             <a:lstStyle/>
             <a:p>
-              <a:pPr marL="342900" indent="-342900" eaLnBrk="1" hangingPunct="1">
+              <a:pPr marL="257175" indent="-257175" eaLnBrk="1" hangingPunct="1">
                 <a:spcBef>
                   <a:spcPct val="20000"/>
                 </a:spcBef>
               </a:pPr>
               <a:r>
-                <a:rPr lang="en-US" sz="3200">
+                <a:rPr lang="en-US">
                   <a:solidFill>
                     <a:srgbClr val="000099"/>
                   </a:solidFill>
@@ -7067,14 +8553,14 @@
                 <a:t> </a:t>
               </a:r>
               <a:r>
-                <a:rPr lang="en-US" sz="3200">
+                <a:rPr lang="en-US">
                   <a:solidFill>
                     <a:srgbClr val="000099"/>
                   </a:solidFill>
                 </a:rPr>
                 <a:t>E</a:t>
               </a:r>
-              <a:endParaRPr lang="en-US" sz="3200">
+              <a:endParaRPr lang="en-US">
                 <a:solidFill>
                   <a:srgbClr val="000099"/>
                 </a:solidFill>
@@ -7117,13 +8603,13 @@
             </a:bodyPr>
             <a:lstStyle/>
             <a:p>
-              <a:pPr marL="342900" indent="-342900" eaLnBrk="1" hangingPunct="1">
+              <a:pPr marL="257175" indent="-257175" eaLnBrk="1" hangingPunct="1">
                 <a:spcBef>
                   <a:spcPct val="20000"/>
                 </a:spcBef>
               </a:pPr>
               <a:r>
-                <a:rPr lang="en-US" sz="3200">
+                <a:rPr lang="en-US">
                   <a:solidFill>
                     <a:srgbClr val="000099"/>
                   </a:solidFill>
@@ -7132,14 +8618,14 @@
                 <a:t> </a:t>
               </a:r>
               <a:r>
-                <a:rPr lang="en-US" sz="3200">
+                <a:rPr lang="en-US">
                   <a:solidFill>
                     <a:srgbClr val="000099"/>
                   </a:solidFill>
                 </a:rPr>
                 <a:t>E</a:t>
               </a:r>
-              <a:endParaRPr lang="en-US" sz="3200">
+              <a:endParaRPr lang="en-US">
                 <a:solidFill>
                   <a:srgbClr val="000099"/>
                 </a:solidFill>
@@ -7277,8 +8763,8 @@
         </p:nvSpPr>
         <p:spPr bwMode="auto">
           <a:xfrm>
-            <a:off x="1295400" y="2667000"/>
-            <a:ext cx="1600200" cy="609600"/>
+            <a:off x="2114550" y="2000250"/>
+            <a:ext cx="1200150" cy="457200"/>
           </a:xfrm>
           <a:prstGeom prst="rect">
             <a:avLst/>
@@ -7300,20 +8786,20 @@
           </a:bodyPr>
           <a:lstStyle/>
           <a:p>
-            <a:pPr marL="342900" indent="-342900" eaLnBrk="1" hangingPunct="1">
+            <a:pPr marL="257175" indent="-257175" eaLnBrk="1" hangingPunct="1">
               <a:spcBef>
                 <a:spcPct val="20000"/>
               </a:spcBef>
             </a:pPr>
             <a:r>
-              <a:rPr lang="en-US" sz="3200">
+              <a:rPr lang="en-US">
                 <a:solidFill>
                   <a:schemeClr val="accent2"/>
                 </a:solidFill>
               </a:rPr>
               <a:t>Reduce</a:t>
             </a:r>
-            <a:endParaRPr lang="en-US" sz="3200">
+            <a:endParaRPr lang="en-US">
               <a:solidFill>
                 <a:schemeClr val="accent2"/>
               </a:solidFill>
@@ -7332,8 +8818,8 @@
         </p:nvGrpSpPr>
         <p:grpSpPr bwMode="auto">
           <a:xfrm>
-            <a:off x="3429000" y="2667000"/>
-            <a:ext cx="2209800" cy="3886200"/>
+            <a:off x="3714750" y="2000250"/>
+            <a:ext cx="1657350" cy="2914650"/>
             <a:chOff x="2400" y="1392"/>
             <a:chExt cx="1392" cy="2448"/>
           </a:xfrm>
@@ -7371,20 +8857,20 @@
             </a:bodyPr>
             <a:lstStyle/>
             <a:p>
-              <a:pPr marL="342900" indent="-342900" eaLnBrk="1" hangingPunct="1">
+              <a:pPr marL="257175" indent="-257175" eaLnBrk="1" hangingPunct="1">
                 <a:spcBef>
                   <a:spcPct val="20000"/>
                 </a:spcBef>
               </a:pPr>
               <a:r>
-                <a:rPr lang="en-US" sz="3200">
+                <a:rPr lang="en-US">
                   <a:solidFill>
                     <a:srgbClr val="000099"/>
                   </a:solidFill>
                 </a:rPr>
                 <a:t>id - id * id</a:t>
               </a:r>
-              <a:endParaRPr lang="en-US" sz="3200">
+              <a:endParaRPr lang="en-US">
                 <a:solidFill>
                   <a:srgbClr val="000099"/>
                 </a:solidFill>
@@ -7426,13 +8912,13 @@
             </a:bodyPr>
             <a:lstStyle/>
             <a:p>
-              <a:pPr marL="342900" indent="-342900" eaLnBrk="1" hangingPunct="1">
+              <a:pPr marL="257175" indent="-257175" eaLnBrk="1" hangingPunct="1">
                 <a:spcBef>
                   <a:spcPct val="20000"/>
                 </a:spcBef>
               </a:pPr>
               <a:r>
-                <a:rPr lang="en-US" sz="3200">
+                <a:rPr lang="en-US">
                   <a:solidFill>
                     <a:srgbClr val="000099"/>
                   </a:solidFill>
@@ -7440,7 +8926,7 @@
                 <a:t> E - E</a:t>
               </a:r>
               <a:r>
-                <a:rPr lang="en-US" sz="2000" b="1">
+                <a:rPr lang="en-US" sz="1500" b="1">
                   <a:solidFill>
                     <a:srgbClr val="000099"/>
                   </a:solidFill>
@@ -7449,7 +8935,7 @@
                 <a:t> </a:t>
               </a:r>
               <a:r>
-                <a:rPr lang="en-US" sz="3200">
+                <a:rPr lang="en-US">
                   <a:solidFill>
                     <a:srgbClr val="000099"/>
                   </a:solidFill>
@@ -7492,20 +8978,20 @@
             </a:bodyPr>
             <a:lstStyle/>
             <a:p>
-              <a:pPr marL="342900" indent="-342900" eaLnBrk="1" hangingPunct="1">
+              <a:pPr marL="257175" indent="-257175" eaLnBrk="1" hangingPunct="1">
                 <a:spcBef>
                   <a:spcPct val="20000"/>
                 </a:spcBef>
               </a:pPr>
               <a:r>
-                <a:rPr lang="en-US" sz="3200">
+                <a:rPr lang="en-US">
                   <a:solidFill>
                     <a:schemeClr val="accent2"/>
                   </a:solidFill>
                 </a:rPr>
                 <a:t>Shift</a:t>
               </a:r>
-              <a:endParaRPr lang="en-US" sz="3200">
+              <a:endParaRPr lang="en-US">
                 <a:solidFill>
                   <a:schemeClr val="accent2"/>
                 </a:solidFill>
@@ -7525,8 +9011,8 @@
         </p:nvGrpSpPr>
         <p:grpSpPr bwMode="auto">
           <a:xfrm>
-            <a:off x="5867400" y="2667000"/>
-            <a:ext cx="2209800" cy="3886200"/>
+            <a:off x="5543550" y="2000250"/>
+            <a:ext cx="1657350" cy="2914650"/>
             <a:chOff x="3936" y="1392"/>
             <a:chExt cx="1392" cy="2448"/>
           </a:xfrm>
@@ -7564,20 +9050,20 @@
             </a:bodyPr>
             <a:lstStyle/>
             <a:p>
-              <a:pPr marL="342900" indent="-342900" eaLnBrk="1" hangingPunct="1">
+              <a:pPr marL="257175" indent="-257175" eaLnBrk="1" hangingPunct="1">
                 <a:spcBef>
                   <a:spcPct val="20000"/>
                 </a:spcBef>
               </a:pPr>
               <a:r>
-                <a:rPr lang="en-US" sz="3200">
+                <a:rPr lang="en-US">
                   <a:solidFill>
                     <a:srgbClr val="000099"/>
                   </a:solidFill>
                 </a:rPr>
                 <a:t>id - id - id</a:t>
               </a:r>
-              <a:endParaRPr lang="en-US" sz="3200">
+              <a:endParaRPr lang="en-US">
                 <a:solidFill>
                   <a:srgbClr val="000099"/>
                 </a:solidFill>
@@ -7619,13 +9105,13 @@
             </a:bodyPr>
             <a:lstStyle/>
             <a:p>
-              <a:pPr marL="342900" indent="-342900" eaLnBrk="1" hangingPunct="1">
+              <a:pPr marL="257175" indent="-257175" eaLnBrk="1" hangingPunct="1">
                 <a:spcBef>
                   <a:spcPct val="20000"/>
                 </a:spcBef>
               </a:pPr>
               <a:r>
-                <a:rPr lang="en-US" sz="3200">
+                <a:rPr lang="en-US">
                   <a:solidFill>
                     <a:srgbClr val="000099"/>
                   </a:solidFill>
@@ -7633,7 +9119,7 @@
                 <a:t> E - E</a:t>
               </a:r>
               <a:r>
-                <a:rPr lang="en-US" sz="2000" b="1">
+                <a:rPr lang="en-US" sz="1500" b="1">
                   <a:solidFill>
                     <a:srgbClr val="000099"/>
                   </a:solidFill>
@@ -7642,7 +9128,7 @@
                 <a:t></a:t>
               </a:r>
               <a:r>
-                <a:rPr lang="en-US" sz="3200">
+                <a:rPr lang="en-US">
                   <a:solidFill>
                     <a:srgbClr val="000099"/>
                   </a:solidFill>
@@ -7685,20 +9171,20 @@
             </a:bodyPr>
             <a:lstStyle/>
             <a:p>
-              <a:pPr marL="342900" indent="-342900" eaLnBrk="1" hangingPunct="1">
+              <a:pPr marL="257175" indent="-257175" eaLnBrk="1" hangingPunct="1">
                 <a:spcBef>
                   <a:spcPct val="20000"/>
                 </a:spcBef>
               </a:pPr>
               <a:r>
-                <a:rPr lang="en-US" sz="3200">
+                <a:rPr lang="en-US">
                   <a:solidFill>
                     <a:schemeClr val="accent2"/>
                   </a:solidFill>
                 </a:rPr>
                 <a:t>Reduce</a:t>
               </a:r>
-              <a:endParaRPr lang="en-US" sz="3200">
+              <a:endParaRPr lang="en-US">
                 <a:solidFill>
                   <a:schemeClr val="accent2"/>
                 </a:solidFill>
@@ -8737,7 +10223,7 @@
             <a:spLocks noGrp="1"/>
           </p:cNvSpPr>
           <p:nvPr>
-            <p:ph type="sldNum" sz="quarter" idx="11"/>
+            <p:ph type="sldNum" sz="quarter" idx="12"/>
           </p:nvPr>
         </p:nvSpPr>
         <p:spPr/>
@@ -8764,8 +10250,8 @@
         </p:nvSpPr>
         <p:spPr bwMode="auto">
           <a:xfrm>
-            <a:off x="1752600" y="2057400"/>
-            <a:ext cx="2057400" cy="1447800"/>
+            <a:off x="2457450" y="1543050"/>
+            <a:ext cx="1543050" cy="1085850"/>
           </a:xfrm>
           <a:prstGeom prst="rect">
             <a:avLst/>
@@ -8793,7 +10279,7 @@
           </a:bodyPr>
           <a:lstStyle/>
           <a:p>
-            <a:endParaRPr lang="en-US"/>
+            <a:endParaRPr lang="en-US" sz="1800"/>
           </a:p>
         </p:txBody>
       </p:sp>
@@ -8807,8 +10293,8 @@
         </p:nvSpPr>
         <p:spPr bwMode="auto">
           <a:xfrm>
-            <a:off x="1676400" y="4267200"/>
-            <a:ext cx="2057400" cy="1447800"/>
+            <a:off x="2400300" y="3200400"/>
+            <a:ext cx="1543050" cy="1085850"/>
           </a:xfrm>
           <a:prstGeom prst="rect">
             <a:avLst/>
@@ -8836,7 +10322,7 @@
           </a:bodyPr>
           <a:lstStyle/>
           <a:p>
-            <a:endParaRPr lang="en-US"/>
+            <a:endParaRPr lang="en-US" sz="1800"/>
           </a:p>
         </p:txBody>
       </p:sp>
@@ -8850,8 +10336,8 @@
         </p:nvSpPr>
         <p:spPr bwMode="auto">
           <a:xfrm>
-            <a:off x="1812925" y="2130425"/>
-            <a:ext cx="2149475" cy="1187450"/>
+            <a:off x="2502694" y="1597819"/>
+            <a:ext cx="1612106" cy="923330"/>
           </a:xfrm>
           <a:prstGeom prst="rect">
             <a:avLst/>
@@ -8875,21 +10361,21 @@
           <a:lstStyle/>
           <a:p>
             <a:r>
-              <a:rPr lang="en-US"/>
+              <a:rPr lang="en-US" sz="1800"/>
               <a:t>2:E </a:t>
             </a:r>
             <a:r>
-              <a:rPr lang="en-US">
+              <a:rPr lang="en-US" sz="1800">
                 <a:sym typeface="Symbol" charset="2"/>
               </a:rPr>
               <a:t> </a:t>
             </a:r>
             <a:r>
-              <a:rPr lang="en-US"/>
+              <a:rPr lang="en-US" sz="1800"/>
               <a:t>E * E </a:t>
             </a:r>
             <a:r>
-              <a:rPr lang="en-US" sz="2000" b="1">
+              <a:rPr lang="en-US" sz="1500" b="1">
                 <a:solidFill>
                   <a:srgbClr val="000099"/>
                 </a:solidFill>
@@ -8900,21 +10386,21 @@
           </a:p>
           <a:p>
             <a:r>
-              <a:rPr lang="en-US"/>
+              <a:rPr lang="en-US" sz="1800"/>
               <a:t>1:E </a:t>
             </a:r>
             <a:r>
-              <a:rPr lang="en-US">
+              <a:rPr lang="en-US" sz="1800">
                 <a:sym typeface="Symbol" charset="2"/>
               </a:rPr>
               <a:t> </a:t>
             </a:r>
             <a:r>
-              <a:rPr lang="en-US"/>
+              <a:rPr lang="en-US" sz="1800"/>
               <a:t>E </a:t>
             </a:r>
             <a:r>
-              <a:rPr lang="en-US" sz="2000" b="1">
+              <a:rPr lang="en-US" sz="1500" b="1">
                 <a:solidFill>
                   <a:srgbClr val="000099"/>
                 </a:solidFill>
@@ -8923,27 +10409,27 @@
               <a:t> </a:t>
             </a:r>
             <a:r>
-              <a:rPr lang="en-US"/>
+              <a:rPr lang="en-US" sz="1800"/>
               <a:t>+ E</a:t>
             </a:r>
           </a:p>
           <a:p>
             <a:r>
-              <a:rPr lang="en-US"/>
+              <a:rPr lang="en-US" sz="1800"/>
               <a:t>2:E </a:t>
             </a:r>
             <a:r>
-              <a:rPr lang="en-US">
+              <a:rPr lang="en-US" sz="1800">
                 <a:sym typeface="Symbol" charset="2"/>
               </a:rPr>
               <a:t> </a:t>
             </a:r>
             <a:r>
-              <a:rPr lang="en-US"/>
+              <a:rPr lang="en-US" sz="1800"/>
               <a:t>E </a:t>
             </a:r>
             <a:r>
-              <a:rPr lang="en-US" sz="2000" b="1">
+              <a:rPr lang="en-US" sz="1500" b="1">
                 <a:solidFill>
                   <a:srgbClr val="000099"/>
                 </a:solidFill>
@@ -8952,7 +10438,7 @@
               <a:t> </a:t>
             </a:r>
             <a:r>
-              <a:rPr lang="en-US"/>
+              <a:rPr lang="en-US" sz="1800"/>
               <a:t>* E</a:t>
             </a:r>
           </a:p>
@@ -8968,8 +10454,8 @@
         </p:nvSpPr>
         <p:spPr bwMode="auto">
           <a:xfrm>
-            <a:off x="609600" y="2743200"/>
-            <a:ext cx="1143000" cy="0"/>
+            <a:off x="1600200" y="2057400"/>
+            <a:ext cx="857250" cy="0"/>
           </a:xfrm>
           <a:prstGeom prst="line">
             <a:avLst/>
@@ -8993,7 +10479,7 @@
           </a:bodyPr>
           <a:lstStyle/>
           <a:p>
-            <a:endParaRPr lang="en-US"/>
+            <a:endParaRPr lang="en-US" sz="1800"/>
           </a:p>
         </p:txBody>
       </p:sp>
@@ -9007,8 +10493,8 @@
         </p:nvSpPr>
         <p:spPr bwMode="auto">
           <a:xfrm>
-            <a:off x="974725" y="2117725"/>
-            <a:ext cx="369888" cy="457200"/>
+            <a:off x="1874044" y="1588294"/>
+            <a:ext cx="325730" cy="369332"/>
           </a:xfrm>
           <a:prstGeom prst="rect">
             <a:avLst/>
@@ -9032,7 +10518,7 @@
           <a:lstStyle/>
           <a:p>
             <a:r>
-              <a:rPr lang="en-US"/>
+              <a:rPr lang="en-US" sz="1800"/>
               <a:t>E</a:t>
             </a:r>
           </a:p>
@@ -9048,8 +10534,8 @@
         </p:nvSpPr>
         <p:spPr bwMode="auto">
           <a:xfrm flipV="1">
-            <a:off x="3810000" y="1981200"/>
-            <a:ext cx="1295400" cy="533400"/>
+            <a:off x="4000500" y="1485900"/>
+            <a:ext cx="971550" cy="400050"/>
           </a:xfrm>
           <a:prstGeom prst="line">
             <a:avLst/>
@@ -9073,7 +10559,7 @@
           </a:bodyPr>
           <a:lstStyle/>
           <a:p>
-            <a:endParaRPr lang="en-US"/>
+            <a:endParaRPr lang="en-US" sz="1800"/>
           </a:p>
         </p:txBody>
       </p:sp>
@@ -9087,8 +10573,8 @@
         </p:nvSpPr>
         <p:spPr bwMode="auto">
           <a:xfrm>
-            <a:off x="3810000" y="3048000"/>
-            <a:ext cx="1219200" cy="228600"/>
+            <a:off x="4000500" y="2286000"/>
+            <a:ext cx="914400" cy="171450"/>
           </a:xfrm>
           <a:prstGeom prst="line">
             <a:avLst/>
@@ -9112,7 +10598,7 @@
           </a:bodyPr>
           <a:lstStyle/>
           <a:p>
-            <a:endParaRPr lang="en-US"/>
+            <a:endParaRPr lang="en-US" sz="1800"/>
           </a:p>
         </p:txBody>
       </p:sp>
@@ -9126,8 +10612,8 @@
         </p:nvSpPr>
         <p:spPr bwMode="auto">
           <a:xfrm>
-            <a:off x="4098925" y="1812925"/>
-            <a:ext cx="355600" cy="457200"/>
+            <a:off x="4217194" y="1359694"/>
+            <a:ext cx="314510" cy="369332"/>
           </a:xfrm>
           <a:prstGeom prst="rect">
             <a:avLst/>
@@ -9151,7 +10637,7 @@
           <a:lstStyle/>
           <a:p>
             <a:r>
-              <a:rPr lang="en-US"/>
+              <a:rPr lang="en-US" sz="1800"/>
               <a:t>+</a:t>
             </a:r>
           </a:p>
@@ -9167,8 +10653,8 @@
         </p:nvSpPr>
         <p:spPr bwMode="auto">
           <a:xfrm>
-            <a:off x="4114800" y="2819400"/>
-            <a:ext cx="358775" cy="457200"/>
+            <a:off x="4229101" y="2114550"/>
+            <a:ext cx="269081" cy="369332"/>
           </a:xfrm>
           <a:prstGeom prst="rect">
             <a:avLst/>
@@ -9197,7 +10683,7 @@
               </a:spcBef>
             </a:pPr>
             <a:r>
-              <a:rPr lang="en-US"/>
+              <a:rPr lang="en-US" sz="1800"/>
               <a:t>*</a:t>
             </a:r>
           </a:p>
@@ -9213,8 +10699,8 @@
         </p:nvSpPr>
         <p:spPr bwMode="auto">
           <a:xfrm>
-            <a:off x="1736725" y="4340225"/>
-            <a:ext cx="2073275" cy="1187450"/>
+            <a:off x="2445544" y="3255169"/>
+            <a:ext cx="1554956" cy="923330"/>
           </a:xfrm>
           <a:prstGeom prst="rect">
             <a:avLst/>
@@ -9238,21 +10724,21 @@
           <a:lstStyle/>
           <a:p>
             <a:r>
-              <a:rPr lang="en-US"/>
+              <a:rPr lang="en-US" sz="1800"/>
               <a:t>1:E </a:t>
             </a:r>
             <a:r>
-              <a:rPr lang="en-US">
+              <a:rPr lang="en-US" sz="1800">
                 <a:sym typeface="Symbol" charset="2"/>
               </a:rPr>
               <a:t> </a:t>
             </a:r>
             <a:r>
-              <a:rPr lang="en-US"/>
+              <a:rPr lang="en-US" sz="1800"/>
               <a:t>E + E </a:t>
             </a:r>
             <a:r>
-              <a:rPr lang="en-US" sz="2000" b="1">
+              <a:rPr lang="en-US" sz="1500" b="1">
                 <a:solidFill>
                   <a:srgbClr val="000099"/>
                 </a:solidFill>
@@ -9263,21 +10749,21 @@
           </a:p>
           <a:p>
             <a:r>
-              <a:rPr lang="en-US"/>
+              <a:rPr lang="en-US" sz="1800"/>
               <a:t>1:E </a:t>
             </a:r>
             <a:r>
-              <a:rPr lang="en-US">
+              <a:rPr lang="en-US" sz="1800">
                 <a:sym typeface="Symbol" charset="2"/>
               </a:rPr>
               <a:t> </a:t>
             </a:r>
             <a:r>
-              <a:rPr lang="en-US"/>
+              <a:rPr lang="en-US" sz="1800"/>
               <a:t>E </a:t>
             </a:r>
             <a:r>
-              <a:rPr lang="en-US" sz="2000" b="1">
+              <a:rPr lang="en-US" sz="1500" b="1">
                 <a:solidFill>
                   <a:srgbClr val="000099"/>
                 </a:solidFill>
@@ -9286,27 +10772,27 @@
               <a:t> </a:t>
             </a:r>
             <a:r>
-              <a:rPr lang="en-US"/>
+              <a:rPr lang="en-US" sz="1800"/>
               <a:t>+ E</a:t>
             </a:r>
           </a:p>
           <a:p>
             <a:r>
-              <a:rPr lang="en-US"/>
+              <a:rPr lang="en-US" sz="1800"/>
               <a:t>2:E </a:t>
             </a:r>
             <a:r>
-              <a:rPr lang="en-US">
+              <a:rPr lang="en-US" sz="1800">
                 <a:sym typeface="Symbol" charset="2"/>
               </a:rPr>
               <a:t> </a:t>
             </a:r>
             <a:r>
-              <a:rPr lang="en-US"/>
+              <a:rPr lang="en-US" sz="1800"/>
               <a:t>E </a:t>
             </a:r>
             <a:r>
-              <a:rPr lang="en-US" sz="2000" b="1">
+              <a:rPr lang="en-US" sz="1500" b="1">
                 <a:solidFill>
                   <a:srgbClr val="000099"/>
                 </a:solidFill>
@@ -9315,7 +10801,7 @@
               <a:t> </a:t>
             </a:r>
             <a:r>
-              <a:rPr lang="en-US"/>
+              <a:rPr lang="en-US" sz="1800"/>
               <a:t>* E</a:t>
             </a:r>
           </a:p>
@@ -9331,8 +10817,8 @@
         </p:nvSpPr>
         <p:spPr bwMode="auto">
           <a:xfrm>
-            <a:off x="533400" y="4953000"/>
-            <a:ext cx="1143000" cy="0"/>
+            <a:off x="1543050" y="3714750"/>
+            <a:ext cx="857250" cy="0"/>
           </a:xfrm>
           <a:prstGeom prst="line">
             <a:avLst/>
@@ -9356,7 +10842,7 @@
           </a:bodyPr>
           <a:lstStyle/>
           <a:p>
-            <a:endParaRPr lang="en-US"/>
+            <a:endParaRPr lang="en-US" sz="1800"/>
           </a:p>
         </p:txBody>
       </p:sp>
@@ -9370,8 +10856,8 @@
         </p:nvSpPr>
         <p:spPr bwMode="auto">
           <a:xfrm>
-            <a:off x="898525" y="4327525"/>
-            <a:ext cx="369888" cy="457200"/>
+            <a:off x="1816894" y="3245644"/>
+            <a:ext cx="325730" cy="369332"/>
           </a:xfrm>
           <a:prstGeom prst="rect">
             <a:avLst/>
@@ -9395,7 +10881,7 @@
           <a:lstStyle/>
           <a:p>
             <a:r>
-              <a:rPr lang="en-US"/>
+              <a:rPr lang="en-US" sz="1800"/>
               <a:t>E</a:t>
             </a:r>
           </a:p>
@@ -9411,8 +10897,8 @@
         </p:nvSpPr>
         <p:spPr bwMode="auto">
           <a:xfrm flipV="1">
-            <a:off x="3733800" y="4191000"/>
-            <a:ext cx="1295400" cy="533400"/>
+            <a:off x="3943350" y="3143250"/>
+            <a:ext cx="971550" cy="400050"/>
           </a:xfrm>
           <a:prstGeom prst="line">
             <a:avLst/>
@@ -9436,7 +10922,7 @@
           </a:bodyPr>
           <a:lstStyle/>
           <a:p>
-            <a:endParaRPr lang="en-US"/>
+            <a:endParaRPr lang="en-US" sz="1800"/>
           </a:p>
         </p:txBody>
       </p:sp>
@@ -9450,8 +10936,8 @@
         </p:nvSpPr>
         <p:spPr bwMode="auto">
           <a:xfrm>
-            <a:off x="3733800" y="5257800"/>
-            <a:ext cx="1219200" cy="228600"/>
+            <a:off x="3943350" y="3943350"/>
+            <a:ext cx="914400" cy="171450"/>
           </a:xfrm>
           <a:prstGeom prst="line">
             <a:avLst/>
@@ -9475,7 +10961,7 @@
           </a:bodyPr>
           <a:lstStyle/>
           <a:p>
-            <a:endParaRPr lang="en-US"/>
+            <a:endParaRPr lang="en-US" sz="1800"/>
           </a:p>
         </p:txBody>
       </p:sp>
@@ -9489,8 +10975,8 @@
         </p:nvSpPr>
         <p:spPr bwMode="auto">
           <a:xfrm>
-            <a:off x="4022725" y="4022725"/>
-            <a:ext cx="355600" cy="457200"/>
+            <a:off x="4160044" y="3017044"/>
+            <a:ext cx="314510" cy="369332"/>
           </a:xfrm>
           <a:prstGeom prst="rect">
             <a:avLst/>
@@ -9514,7 +11000,7 @@
           <a:lstStyle/>
           <a:p>
             <a:r>
-              <a:rPr lang="en-US"/>
+              <a:rPr lang="en-US" sz="1800"/>
               <a:t>+</a:t>
             </a:r>
           </a:p>
@@ -9530,8 +11016,8 @@
         </p:nvSpPr>
         <p:spPr bwMode="auto">
           <a:xfrm>
-            <a:off x="4038600" y="5029200"/>
-            <a:ext cx="358775" cy="457200"/>
+            <a:off x="4171951" y="3771900"/>
+            <a:ext cx="269081" cy="369332"/>
           </a:xfrm>
           <a:prstGeom prst="rect">
             <a:avLst/>
@@ -9560,7 +11046,7 @@
               </a:spcBef>
             </a:pPr>
             <a:r>
-              <a:rPr lang="en-US"/>
+              <a:rPr lang="en-US" sz="1800"/>
               <a:t>*</a:t>
             </a:r>
           </a:p>
@@ -9576,8 +11062,8 @@
         </p:nvSpPr>
         <p:spPr bwMode="auto">
           <a:xfrm>
-            <a:off x="6934200" y="3276600"/>
-            <a:ext cx="355600" cy="457200"/>
+            <a:off x="6343650" y="2457450"/>
+            <a:ext cx="314510" cy="369332"/>
           </a:xfrm>
           <a:prstGeom prst="rect">
             <a:avLst/>
@@ -9601,7 +11087,7 @@
           <a:lstStyle/>
           <a:p>
             <a:r>
-              <a:rPr lang="en-US"/>
+              <a:rPr lang="en-US" sz="1800"/>
               <a:t>+</a:t>
             </a:r>
           </a:p>
@@ -9617,8 +11103,8 @@
         </p:nvSpPr>
         <p:spPr bwMode="auto">
           <a:xfrm>
-            <a:off x="1431925" y="1584325"/>
-            <a:ext cx="573088" cy="457200"/>
+            <a:off x="2216944" y="1188244"/>
+            <a:ext cx="479618" cy="369332"/>
           </a:xfrm>
           <a:prstGeom prst="rect">
             <a:avLst/>
@@ -9642,7 +11128,7 @@
           <a:lstStyle/>
           <a:p>
             <a:r>
-              <a:rPr lang="en-US"/>
+              <a:rPr lang="en-US" sz="1800"/>
               <a:t>10:</a:t>
             </a:r>
           </a:p>
@@ -9658,8 +11144,8 @@
         </p:nvSpPr>
         <p:spPr bwMode="auto">
           <a:xfrm>
-            <a:off x="1524000" y="3810000"/>
-            <a:ext cx="420688" cy="457200"/>
+            <a:off x="2286000" y="2857500"/>
+            <a:ext cx="364202" cy="369332"/>
           </a:xfrm>
           <a:prstGeom prst="rect">
             <a:avLst/>
@@ -9683,7 +11169,7 @@
           <a:lstStyle/>
           <a:p>
             <a:r>
-              <a:rPr lang="en-US"/>
+              <a:rPr lang="en-US" sz="1800"/>
               <a:t>7:</a:t>
             </a:r>
           </a:p>
@@ -9699,8 +11185,8 @@
         </p:nvSpPr>
         <p:spPr bwMode="auto">
           <a:xfrm>
-            <a:off x="6080125" y="3946525"/>
-            <a:ext cx="336550" cy="457200"/>
+            <a:off x="5703094" y="2959894"/>
+            <a:ext cx="300082" cy="369332"/>
           </a:xfrm>
           <a:prstGeom prst="rect">
             <a:avLst/>
@@ -9724,7 +11210,7 @@
           <a:lstStyle/>
           <a:p>
             <a:r>
-              <a:rPr lang="en-US"/>
+              <a:rPr lang="en-US" sz="1800"/>
               <a:t>7</a:t>
             </a:r>
           </a:p>
@@ -9740,8 +11226,8 @@
         </p:nvSpPr>
         <p:spPr bwMode="auto">
           <a:xfrm>
-            <a:off x="5943600" y="5029200"/>
-            <a:ext cx="488950" cy="457200"/>
+            <a:off x="5600700" y="3771900"/>
+            <a:ext cx="415498" cy="369332"/>
           </a:xfrm>
           <a:prstGeom prst="rect">
             <a:avLst/>
@@ -9765,7 +11251,7 @@
           <a:lstStyle/>
           <a:p>
             <a:r>
-              <a:rPr lang="en-US"/>
+              <a:rPr lang="en-US" sz="1800"/>
               <a:t>10</a:t>
             </a:r>
           </a:p>
@@ -9781,8 +11267,8 @@
         </p:nvSpPr>
         <p:spPr bwMode="auto">
           <a:xfrm>
-            <a:off x="8001000" y="3276600"/>
-            <a:ext cx="336550" cy="457200"/>
+            <a:off x="7143750" y="2457450"/>
+            <a:ext cx="300082" cy="369332"/>
           </a:xfrm>
           <a:prstGeom prst="rect">
             <a:avLst/>
@@ -9806,7 +11292,7 @@
           <a:lstStyle/>
           <a:p>
             <a:r>
-              <a:rPr lang="en-US"/>
+              <a:rPr lang="en-US" sz="1800"/>
               <a:t>*</a:t>
             </a:r>
           </a:p>
@@ -9822,8 +11308,8 @@
         </p:nvSpPr>
         <p:spPr bwMode="auto">
           <a:xfrm>
-            <a:off x="5867400" y="3810000"/>
-            <a:ext cx="3048000" cy="0"/>
+            <a:off x="5543550" y="2857500"/>
+            <a:ext cx="2286000" cy="0"/>
           </a:xfrm>
           <a:prstGeom prst="line">
             <a:avLst/>
@@ -9847,7 +11333,7 @@
           </a:bodyPr>
           <a:lstStyle/>
           <a:p>
-            <a:endParaRPr lang="en-US"/>
+            <a:endParaRPr lang="en-US" sz="1800"/>
           </a:p>
         </p:txBody>
       </p:sp>
@@ -9861,8 +11347,8 @@
         </p:nvSpPr>
         <p:spPr bwMode="auto">
           <a:xfrm>
-            <a:off x="6629400" y="3048000"/>
-            <a:ext cx="0" cy="3581400"/>
+            <a:off x="6115050" y="2286000"/>
+            <a:ext cx="0" cy="2686050"/>
           </a:xfrm>
           <a:prstGeom prst="line">
             <a:avLst/>
@@ -9886,7 +11372,7 @@
           </a:bodyPr>
           <a:lstStyle/>
           <a:p>
-            <a:endParaRPr lang="en-US"/>
+            <a:endParaRPr lang="en-US" sz="1800"/>
           </a:p>
         </p:txBody>
       </p:sp>
@@ -9900,8 +11386,8 @@
         </p:nvSpPr>
         <p:spPr bwMode="auto">
           <a:xfrm>
-            <a:off x="7772400" y="3048000"/>
-            <a:ext cx="0" cy="3657600"/>
+            <a:off x="6972300" y="2286000"/>
+            <a:ext cx="0" cy="2743200"/>
           </a:xfrm>
           <a:prstGeom prst="line">
             <a:avLst/>
@@ -9925,7 +11411,7 @@
           </a:bodyPr>
           <a:lstStyle/>
           <a:p>
-            <a:endParaRPr lang="en-US"/>
+            <a:endParaRPr lang="en-US" sz="1800"/>
           </a:p>
         </p:txBody>
       </p:sp>
@@ -9939,8 +11425,8 @@
         </p:nvSpPr>
         <p:spPr bwMode="auto">
           <a:xfrm>
-            <a:off x="5715000" y="4648200"/>
-            <a:ext cx="3276600" cy="0"/>
+            <a:off x="5429250" y="3486150"/>
+            <a:ext cx="2457450" cy="0"/>
           </a:xfrm>
           <a:prstGeom prst="line">
             <a:avLst/>
@@ -9964,7 +11450,7 @@
           </a:bodyPr>
           <a:lstStyle/>
           <a:p>
-            <a:endParaRPr lang="en-US"/>
+            <a:endParaRPr lang="en-US" sz="1800"/>
           </a:p>
         </p:txBody>
       </p:sp>
@@ -9978,8 +11464,8 @@
         </p:nvSpPr>
         <p:spPr bwMode="auto">
           <a:xfrm>
-            <a:off x="5715000" y="5715000"/>
-            <a:ext cx="3276600" cy="0"/>
+            <a:off x="5429250" y="4286250"/>
+            <a:ext cx="2457450" cy="0"/>
           </a:xfrm>
           <a:prstGeom prst="line">
             <a:avLst/>
@@ -10003,7 +11489,7 @@
           </a:bodyPr>
           <a:lstStyle/>
           <a:p>
-            <a:endParaRPr lang="en-US"/>
+            <a:endParaRPr lang="en-US" sz="1800"/>
           </a:p>
         </p:txBody>
       </p:sp>
@@ -10017,8 +11503,8 @@
         </p:nvSpPr>
         <p:spPr bwMode="auto">
           <a:xfrm>
-            <a:off x="7848600" y="3962400"/>
-            <a:ext cx="776288" cy="457200"/>
+            <a:off x="7029451" y="2971800"/>
+            <a:ext cx="633507" cy="369332"/>
           </a:xfrm>
           <a:prstGeom prst="rect">
             <a:avLst/>
@@ -10042,7 +11528,7 @@
           <a:lstStyle/>
           <a:p>
             <a:r>
-              <a:rPr lang="en-US"/>
+              <a:rPr lang="en-US" sz="1800"/>
               <a:t>Shift</a:t>
             </a:r>
           </a:p>
@@ -10058,8 +11544,8 @@
         </p:nvSpPr>
         <p:spPr bwMode="auto">
           <a:xfrm>
-            <a:off x="6858000" y="4953000"/>
-            <a:ext cx="539750" cy="457200"/>
+            <a:off x="6286500" y="3714750"/>
+            <a:ext cx="453970" cy="369332"/>
           </a:xfrm>
           <a:prstGeom prst="rect">
             <a:avLst/>
@@ -10083,7 +11569,7 @@
           <a:lstStyle/>
           <a:p>
             <a:r>
-              <a:rPr lang="en-US"/>
+              <a:rPr lang="en-US" sz="1800"/>
               <a:t>R2</a:t>
             </a:r>
           </a:p>
@@ -10099,8 +11585,8 @@
         </p:nvSpPr>
         <p:spPr bwMode="auto">
           <a:xfrm>
-            <a:off x="7924800" y="4953000"/>
-            <a:ext cx="539750" cy="457200"/>
+            <a:off x="7086600" y="3714750"/>
+            <a:ext cx="453970" cy="369332"/>
           </a:xfrm>
           <a:prstGeom prst="rect">
             <a:avLst/>
@@ -10124,7 +11610,7 @@
           <a:lstStyle/>
           <a:p>
             <a:r>
-              <a:rPr lang="en-US"/>
+              <a:rPr lang="en-US" sz="1800"/>
               <a:t>R2</a:t>
             </a:r>
           </a:p>
@@ -10140,8 +11626,8 @@
         </p:nvSpPr>
         <p:spPr bwMode="auto">
           <a:xfrm>
-            <a:off x="6858000" y="3962400"/>
-            <a:ext cx="539750" cy="457200"/>
+            <a:off x="6286500" y="2971800"/>
+            <a:ext cx="453970" cy="369332"/>
           </a:xfrm>
           <a:prstGeom prst="rect">
             <a:avLst/>
@@ -10165,7 +11651,7 @@
           <a:lstStyle/>
           <a:p>
             <a:r>
-              <a:rPr lang="en-US"/>
+              <a:rPr lang="en-US" sz="1800"/>
               <a:t>R1</a:t>
             </a:r>
           </a:p>
@@ -10181,8 +11667,8 @@
         </p:nvSpPr>
         <p:spPr bwMode="auto">
           <a:xfrm>
-            <a:off x="5715000" y="1905000"/>
-            <a:ext cx="3055938" cy="860425"/>
+            <a:off x="5429251" y="1428750"/>
+            <a:ext cx="2363147" cy="676788"/>
           </a:xfrm>
           <a:prstGeom prst="rect">
             <a:avLst/>
@@ -10211,7 +11697,7 @@
               </a:lnSpc>
             </a:pPr>
             <a:r>
-              <a:rPr lang="en-US" sz="2800">
+              <a:rPr lang="en-US" sz="2100">
                 <a:sym typeface="Symbol" charset="2"/>
               </a:rPr>
               <a:t>E  E + E, &gt; +, &lt; *</a:t>
@@ -10224,12 +11710,145 @@
               </a:lnSpc>
             </a:pPr>
             <a:r>
-              <a:rPr lang="en-US" sz="2800">
+              <a:rPr lang="en-US" sz="2100">
                 <a:sym typeface="Symbol" charset="2"/>
               </a:rPr>
               <a:t>E  E * E, &gt; +, &gt; *</a:t>
             </a:r>
-            <a:endParaRPr lang="en-US"/>
+            <a:endParaRPr lang="en-US" sz="1800"/>
+          </a:p>
+        </p:txBody>
+      </p:sp>
+      <p:sp>
+        <p:nvSpPr>
+          <p:cNvPr id="2" name="Rectangular Callout 1">
+            <a:extLst>
+              <a:ext uri="{FF2B5EF4-FFF2-40B4-BE49-F238E27FC236}">
+                <a16:creationId xmlns:a16="http://schemas.microsoft.com/office/drawing/2014/main" id="{67EFFF42-F5A5-8642-9AB8-F97B7403FE42}"/>
+              </a:ext>
+            </a:extLst>
+          </p:cNvPr>
+          <p:cNvSpPr/>
+          <p:nvPr/>
+        </p:nvSpPr>
+        <p:spPr>
+          <a:xfrm>
+            <a:off x="6064220" y="300915"/>
+            <a:ext cx="2759224" cy="856506"/>
+          </a:xfrm>
+          <a:prstGeom prst="wedgeRectCallout">
+            <a:avLst>
+              <a:gd name="adj1" fmla="val -37764"/>
+              <a:gd name="adj2" fmla="val 72950"/>
+            </a:avLst>
+          </a:prstGeom>
+        </p:spPr>
+        <p:style>
+          <a:lnRef idx="2">
+            <a:schemeClr val="accent1">
+              <a:shade val="50000"/>
+            </a:schemeClr>
+          </a:lnRef>
+          <a:fillRef idx="1">
+            <a:schemeClr val="accent1"/>
+          </a:fillRef>
+          <a:effectRef idx="0">
+            <a:schemeClr val="accent1"/>
+          </a:effectRef>
+          <a:fontRef idx="minor">
+            <a:schemeClr val="lt1"/>
+          </a:fontRef>
+        </p:style>
+        <p:txBody>
+          <a:bodyPr rtlCol="0" anchor="ctr"/>
+          <a:lstStyle/>
+          <a:p>
+            <a:pPr algn="ctr"/>
+            <a:r>
+              <a:rPr lang="en-US" sz="1800" dirty="0"/>
+              <a:t>Implemented in </a:t>
+            </a:r>
+            <a:r>
+              <a:rPr lang="en-US" sz="1800" dirty="0" err="1"/>
+              <a:t>yacc</a:t>
+            </a:r>
+            <a:r>
+              <a:rPr lang="en-US" sz="1800" dirty="0"/>
+              <a:t>/bison using ordered list of </a:t>
+            </a:r>
+            <a:r>
+              <a:rPr lang="en-US" sz="1800" dirty="0">
+                <a:latin typeface="Consolas" panose="020B0609020204030204" pitchFamily="49" charset="0"/>
+                <a:cs typeface="Consolas" panose="020B0609020204030204" pitchFamily="49" charset="0"/>
+              </a:rPr>
+              <a:t>%left </a:t>
+            </a:r>
+            <a:r>
+              <a:rPr lang="en-US" sz="1800" dirty="0"/>
+              <a:t>or </a:t>
+            </a:r>
+            <a:r>
+              <a:rPr lang="en-US" sz="1800" dirty="0">
+                <a:latin typeface="Consolas" panose="020B0609020204030204" pitchFamily="49" charset="0"/>
+                <a:cs typeface="Consolas" panose="020B0609020204030204" pitchFamily="49" charset="0"/>
+              </a:rPr>
+              <a:t>%right </a:t>
+            </a:r>
+            <a:r>
+              <a:rPr lang="en-US" sz="1800" dirty="0"/>
+              <a:t>declarations </a:t>
+            </a:r>
+          </a:p>
+        </p:txBody>
+      </p:sp>
+      <p:sp>
+        <p:nvSpPr>
+          <p:cNvPr id="37" name="Rectangular Callout 36">
+            <a:extLst>
+              <a:ext uri="{FF2B5EF4-FFF2-40B4-BE49-F238E27FC236}">
+                <a16:creationId xmlns:a16="http://schemas.microsoft.com/office/drawing/2014/main" id="{F9E9B68F-6EE1-BF4A-9746-F6C7BD5EE8D9}"/>
+              </a:ext>
+            </a:extLst>
+          </p:cNvPr>
+          <p:cNvSpPr/>
+          <p:nvPr/>
+        </p:nvSpPr>
+        <p:spPr>
+          <a:xfrm>
+            <a:off x="691026" y="4578549"/>
+            <a:ext cx="4961598" cy="448813"/>
+          </a:xfrm>
+          <a:prstGeom prst="wedgeRectCallout">
+            <a:avLst>
+              <a:gd name="adj1" fmla="val 51609"/>
+              <a:gd name="adj2" fmla="val -42646"/>
+            </a:avLst>
+          </a:prstGeom>
+        </p:spPr>
+        <p:style>
+          <a:lnRef idx="2">
+            <a:schemeClr val="accent1">
+              <a:shade val="50000"/>
+            </a:schemeClr>
+          </a:lnRef>
+          <a:fillRef idx="1">
+            <a:schemeClr val="accent1"/>
+          </a:fillRef>
+          <a:effectRef idx="0">
+            <a:schemeClr val="accent1"/>
+          </a:effectRef>
+          <a:fontRef idx="minor">
+            <a:schemeClr val="lt1"/>
+          </a:fontRef>
+        </p:style>
+        <p:txBody>
+          <a:bodyPr rtlCol="0" anchor="ctr"/>
+          <a:lstStyle/>
+          <a:p>
+            <a:r>
+              <a:rPr lang="en-US" sz="1400" dirty="0"/>
+              <a:t>Q: Write precedence and associativity declarations for a regular expression grammar with usual precedence and associativity rules</a:t>
+            </a:r>
           </a:p>
         </p:txBody>
       </p:sp>
@@ -10471,6 +12090,141 @@
                       </p:childTnLst>
                     </p:cTn>
                   </p:par>
+                  <p:par>
+                    <p:cTn id="23" fill="hold">
+                      <p:stCondLst>
+                        <p:cond delay="indefinite"/>
+                      </p:stCondLst>
+                      <p:childTnLst>
+                        <p:par>
+                          <p:cTn id="24" fill="hold">
+                            <p:stCondLst>
+                              <p:cond delay="0"/>
+                            </p:stCondLst>
+                            <p:childTnLst>
+                              <p:par>
+                                <p:cTn id="25" presetID="1" presetClass="entr" presetSubtype="0" fill="hold" grpId="0" nodeType="clickEffect">
+                                  <p:stCondLst>
+                                    <p:cond delay="0"/>
+                                  </p:stCondLst>
+                                  <p:childTnLst>
+                                    <p:set>
+                                      <p:cBhvr>
+                                        <p:cTn id="26" dur="1" fill="hold">
+                                          <p:stCondLst>
+                                            <p:cond delay="0"/>
+                                          </p:stCondLst>
+                                        </p:cTn>
+                                        <p:tgtEl>
+                                          <p:spTgt spid="2"/>
+                                        </p:tgtEl>
+                                        <p:attrNameLst>
+                                          <p:attrName>style.visibility</p:attrName>
+                                        </p:attrNameLst>
+                                      </p:cBhvr>
+                                      <p:to>
+                                        <p:strVal val="visible"/>
+                                      </p:to>
+                                    </p:set>
+                                  </p:childTnLst>
+                                </p:cTn>
+                              </p:par>
+                            </p:childTnLst>
+                          </p:cTn>
+                        </p:par>
+                      </p:childTnLst>
+                    </p:cTn>
+                  </p:par>
+                  <p:par>
+                    <p:cTn id="27" fill="hold">
+                      <p:stCondLst>
+                        <p:cond delay="indefinite"/>
+                      </p:stCondLst>
+                      <p:childTnLst>
+                        <p:par>
+                          <p:cTn id="28" fill="hold">
+                            <p:stCondLst>
+                              <p:cond delay="0"/>
+                            </p:stCondLst>
+                            <p:childTnLst>
+                              <p:par>
+                                <p:cTn id="29" presetID="1" presetClass="entr" presetSubtype="0" fill="hold" grpId="0" nodeType="clickEffect">
+                                  <p:stCondLst>
+                                    <p:cond delay="0"/>
+                                  </p:stCondLst>
+                                  <p:childTnLst>
+                                    <p:set>
+                                      <p:cBhvr>
+                                        <p:cTn id="30" dur="1" fill="hold">
+                                          <p:stCondLst>
+                                            <p:cond delay="0"/>
+                                          </p:stCondLst>
+                                        </p:cTn>
+                                        <p:tgtEl>
+                                          <p:spTgt spid="37"/>
+                                        </p:tgtEl>
+                                        <p:attrNameLst>
+                                          <p:attrName>style.visibility</p:attrName>
+                                        </p:attrNameLst>
+                                      </p:cBhvr>
+                                      <p:to>
+                                        <p:strVal val="visible"/>
+                                      </p:to>
+                                    </p:set>
+                                  </p:childTnLst>
+                                </p:cTn>
+                              </p:par>
+                            </p:childTnLst>
+                          </p:cTn>
+                        </p:par>
+                      </p:childTnLst>
+                    </p:cTn>
+                  </p:par>
+                  <p:par>
+                    <p:cTn id="31" fill="hold">
+                      <p:stCondLst>
+                        <p:cond delay="indefinite"/>
+                      </p:stCondLst>
+                      <p:childTnLst>
+                        <p:par>
+                          <p:cTn id="32" fill="hold">
+                            <p:stCondLst>
+                              <p:cond delay="0"/>
+                            </p:stCondLst>
+                            <p:childTnLst>
+                              <p:par>
+                                <p:cTn id="33" presetID="1" presetClass="entr" presetSubtype="0" fill="hold" grpId="1" nodeType="clickEffect">
+                                  <p:stCondLst>
+                                    <p:cond delay="0"/>
+                                  </p:stCondLst>
+                                  <p:childTnLst>
+                                    <p:set>
+                                      <p:cBhvr>
+                                        <p:cTn id="34" dur="1" fill="hold">
+                                          <p:stCondLst>
+                                            <p:cond delay="0"/>
+                                          </p:stCondLst>
+                                        </p:cTn>
+                                        <p:tgtEl>
+                                          <p:spTgt spid="37"/>
+                                        </p:tgtEl>
+                                        <p:attrNameLst>
+                                          <p:attrName>style.visibility</p:attrName>
+                                        </p:attrNameLst>
+                                      </p:cBhvr>
+                                      <p:to>
+                                        <p:strVal val="visible"/>
+                                      </p:to>
+                                    </p:set>
+                                  </p:childTnLst>
+                                </p:cTn>
+                              </p:par>
+                            </p:childTnLst>
+                          </p:cTn>
+                        </p:par>
+                      </p:childTnLst>
+                    </p:cTn>
+                  </p:par>
                 </p:childTnLst>
               </p:cTn>
               <p:prevCondLst>
@@ -10498,6 +12252,9 @@
       <p:bldP spid="341027" grpId="0"/>
       <p:bldP spid="341028" grpId="0"/>
       <p:bldP spid="341029" grpId="0"/>
+      <p:bldP spid="2" grpId="0" animBg="1"/>
+      <p:bldP spid="37" grpId="0" animBg="1"/>
+      <p:bldP spid="37" grpId="1" animBg="1"/>
     </p:bldLst>
   </p:timing>
 </p:sld>
@@ -10554,88 +12311,90 @@
         </p:nvSpPr>
         <p:spPr/>
         <p:txBody>
-          <a:bodyPr/>
+          <a:bodyPr>
+            <a:normAutofit lnSpcReduction="10000"/>
+          </a:bodyPr>
           <a:lstStyle/>
           <a:p>
             <a:r>
-              <a:rPr lang="en-US" sz="2800"/>
+              <a:rPr lang="en-US" sz="2100"/>
               <a:t>Top-down vs. bottom-up</a:t>
             </a:r>
           </a:p>
           <a:p>
             <a:r>
-              <a:rPr lang="en-US" sz="2800"/>
+              <a:rPr lang="en-US" sz="2100"/>
               <a:t>Lookahead: FIRST and FOLLOW sets</a:t>
             </a:r>
           </a:p>
           <a:p>
             <a:r>
-              <a:rPr lang="en-US" sz="2800"/>
+              <a:rPr lang="en-US" sz="2100"/>
               <a:t>LL(1) – Parsing: </a:t>
             </a:r>
             <a:r>
-              <a:rPr lang="en-US" sz="2800" i="1"/>
+              <a:rPr lang="en-US" sz="2100" i="1"/>
               <a:t>O</a:t>
             </a:r>
             <a:r>
-              <a:rPr lang="en-US" sz="2800"/>
+              <a:rPr lang="en-US" sz="2100"/>
               <a:t>(</a:t>
             </a:r>
             <a:r>
-              <a:rPr lang="en-US" sz="2800" i="1"/>
+              <a:rPr lang="en-US" sz="2100" i="1"/>
               <a:t>n</a:t>
             </a:r>
             <a:r>
-              <a:rPr lang="en-US" sz="2800"/>
+              <a:rPr lang="en-US" sz="2100"/>
               <a:t>) time complexity</a:t>
             </a:r>
           </a:p>
           <a:p>
             <a:pPr lvl="1"/>
             <a:r>
-              <a:rPr lang="en-US" sz="2400"/>
+              <a:rPr lang="en-US" sz="1800"/>
               <a:t>recursive-descent and table-driven predictive parsing</a:t>
             </a:r>
           </a:p>
           <a:p>
             <a:r>
-              <a:rPr lang="en-US" sz="2800"/>
+              <a:rPr lang="en-US" sz="2100"/>
               <a:t>LR(k) – Parsing : </a:t>
             </a:r>
             <a:r>
-              <a:rPr lang="en-US" sz="2800" i="1"/>
+              <a:rPr lang="en-US" sz="2100" i="1"/>
               <a:t>O</a:t>
             </a:r>
             <a:r>
-              <a:rPr lang="en-US" sz="2800"/>
+              <a:rPr lang="en-US" sz="2100"/>
               <a:t>(</a:t>
             </a:r>
             <a:r>
-              <a:rPr lang="en-US" sz="2800" i="1"/>
+              <a:rPr lang="en-US" sz="2100" i="1"/>
               <a:t>n</a:t>
             </a:r>
             <a:r>
-              <a:rPr lang="en-US" sz="2800"/>
+              <a:rPr lang="en-US" sz="2100"/>
               <a:t>) time complexity</a:t>
             </a:r>
           </a:p>
           <a:p>
             <a:pPr lvl="1"/>
             <a:r>
-              <a:rPr lang="en-US" sz="2400"/>
+              <a:rPr lang="en-US" sz="1800"/>
               <a:t>LR(0), SLR(1), LR(1), LALR(1)</a:t>
             </a:r>
           </a:p>
           <a:p>
             <a:r>
-              <a:rPr lang="en-US" sz="2800"/>
+              <a:rPr lang="en-US" sz="2100"/>
               <a:t>Resolving shift/reduce conflicts</a:t>
             </a:r>
           </a:p>
           <a:p>
             <a:pPr lvl="1"/>
             <a:r>
-              <a:rPr lang="en-US" sz="2400"/>
+              <a:rPr lang="en-US" sz="1800"/>
               <a:t>using precedence, associativity</a:t>
             </a:r>
           </a:p>
@@ -11045,44 +12804,44 @@
 </file>
 
 <file path=ppt/theme/theme1.xml><?xml version="1.0" encoding="utf-8"?>
-<a:theme xmlns:a="http://schemas.openxmlformats.org/drawingml/2006/main" name="1_Blank Presentation">
+<a:theme xmlns:a="http://schemas.openxmlformats.org/drawingml/2006/main" name="1_Office Theme">
   <a:themeElements>
-    <a:clrScheme name="Blank Presentation 1">
+    <a:clrScheme name="Office">
       <a:dk1>
-        <a:srgbClr val="000000"/>
+        <a:sysClr val="windowText" lastClr="000000"/>
       </a:dk1>
       <a:lt1>
-        <a:srgbClr val="FFFFFF"/>
+        <a:sysClr val="window" lastClr="FFFFFF"/>
       </a:lt1>
       <a:dk2>
-        <a:srgbClr val="000000"/>
+        <a:srgbClr val="44546A"/>
       </a:dk2>
       <a:lt2>
-        <a:srgbClr val="808080"/>
+        <a:srgbClr val="E7E6E6"/>
       </a:lt2>
       <a:accent1>
-        <a:srgbClr val="BBE0E3"/>
+        <a:srgbClr val="4472C4"/>
       </a:accent1>
       <a:accent2>
-        <a:srgbClr val="333399"/>
+        <a:srgbClr val="ED7D31"/>
       </a:accent2>
       <a:accent3>
-        <a:srgbClr val="FFFFFF"/>
+        <a:srgbClr val="A5A5A5"/>
       </a:accent3>
       <a:accent4>
-        <a:srgbClr val="000000"/>
+        <a:srgbClr val="FFC000"/>
       </a:accent4>
       <a:accent5>
-        <a:srgbClr val="DAEDEF"/>
+        <a:srgbClr val="5B9BD5"/>
       </a:accent5>
       <a:accent6>
-        <a:srgbClr val="2D2D8A"/>
+        <a:srgbClr val="70AD47"/>
       </a:accent6>
       <a:hlink>
-        <a:srgbClr val="009999"/>
+        <a:srgbClr val="0563C1"/>
       </a:hlink>
       <a:folHlink>
-        <a:srgbClr val="99CC00"/>
+        <a:srgbClr val="954F72"/>
       </a:folHlink>
     </a:clrScheme>
     <a:fontScheme name="Office">
@@ -11200,780 +12959,142 @@
           <a:gsLst>
             <a:gs pos="0">
               <a:schemeClr val="phClr">
-                <a:tint val="50000"/>
-                <a:satMod val="300000"/>
+                <a:lumMod val="110000"/>
+                <a:satMod val="105000"/>
+                <a:tint val="67000"/>
               </a:schemeClr>
             </a:gs>
-            <a:gs pos="35000">
+            <a:gs pos="50000">
               <a:schemeClr val="phClr">
-                <a:tint val="37000"/>
-                <a:satMod val="300000"/>
+                <a:lumMod val="105000"/>
+                <a:satMod val="103000"/>
+                <a:tint val="73000"/>
               </a:schemeClr>
             </a:gs>
             <a:gs pos="100000">
               <a:schemeClr val="phClr">
-                <a:tint val="15000"/>
-                <a:satMod val="350000"/>
+                <a:lumMod val="105000"/>
+                <a:satMod val="109000"/>
+                <a:tint val="81000"/>
               </a:schemeClr>
             </a:gs>
           </a:gsLst>
-          <a:lin ang="16200000" scaled="1"/>
+          <a:lin ang="5400000" scaled="0"/>
         </a:gradFill>
         <a:gradFill rotWithShape="1">
           <a:gsLst>
             <a:gs pos="0">
               <a:schemeClr val="phClr">
-                <a:tint val="100000"/>
+                <a:satMod val="103000"/>
+                <a:lumMod val="102000"/>
+                <a:tint val="94000"/>
+              </a:schemeClr>
+            </a:gs>
+            <a:gs pos="50000">
+              <a:schemeClr val="phClr">
+                <a:satMod val="110000"/>
+                <a:lumMod val="100000"/>
                 <a:shade val="100000"/>
-                <a:satMod val="130000"/>
               </a:schemeClr>
             </a:gs>
             <a:gs pos="100000">
               <a:schemeClr val="phClr">
-                <a:tint val="50000"/>
-                <a:shade val="100000"/>
-                <a:satMod val="350000"/>
+                <a:lumMod val="99000"/>
+                <a:satMod val="120000"/>
+                <a:shade val="78000"/>
               </a:schemeClr>
             </a:gs>
           </a:gsLst>
-          <a:lin ang="16200000" scaled="0"/>
+          <a:lin ang="5400000" scaled="0"/>
         </a:gradFill>
       </a:fillStyleLst>
       <a:lnStyleLst>
-        <a:ln w="9525" cap="flat" cmpd="sng" algn="ctr">
-          <a:solidFill>
-            <a:schemeClr val="phClr">
-              <a:shade val="95000"/>
-              <a:satMod val="105000"/>
-            </a:schemeClr>
-          </a:solidFill>
-          <a:prstDash val="solid"/>
-        </a:ln>
-        <a:ln w="25400" cap="flat" cmpd="sng" algn="ctr">
+        <a:ln w="6350" cap="flat" cmpd="sng" algn="ctr">
           <a:solidFill>
             <a:schemeClr val="phClr"/>
           </a:solidFill>
           <a:prstDash val="solid"/>
+          <a:miter lim="800000"/>
         </a:ln>
-        <a:ln w="38100" cap="flat" cmpd="sng" algn="ctr">
+        <a:ln w="12700" cap="flat" cmpd="sng" algn="ctr">
           <a:solidFill>
             <a:schemeClr val="phClr"/>
           </a:solidFill>
           <a:prstDash val="solid"/>
+          <a:miter lim="800000"/>
+        </a:ln>
+        <a:ln w="19050" cap="flat" cmpd="sng" algn="ctr">
+          <a:solidFill>
+            <a:schemeClr val="phClr"/>
+          </a:solidFill>
+          <a:prstDash val="solid"/>
+          <a:miter lim="800000"/>
         </a:ln>
       </a:lnStyleLst>
       <a:effectStyleLst>
         <a:effectStyle>
+          <a:effectLst/>
+        </a:effectStyle>
+        <a:effectStyle>
+          <a:effectLst/>
+        </a:effectStyle>
+        <a:effectStyle>
           <a:effectLst>
-            <a:outerShdw blurRad="40000" dist="20000" dir="5400000" rotWithShape="0">
+            <a:outerShdw blurRad="57150" dist="19050" dir="5400000" algn="ctr" rotWithShape="0">
               <a:srgbClr val="000000">
-                <a:alpha val="38000"/>
+                <a:alpha val="63000"/>
               </a:srgbClr>
             </a:outerShdw>
           </a:effectLst>
-        </a:effectStyle>
-        <a:effectStyle>
-          <a:effectLst>
-            <a:outerShdw blurRad="40000" dist="23000" dir="5400000" rotWithShape="0">
-              <a:srgbClr val="000000">
-                <a:alpha val="35000"/>
-              </a:srgbClr>
-            </a:outerShdw>
-          </a:effectLst>
-        </a:effectStyle>
-        <a:effectStyle>
-          <a:effectLst>
-            <a:outerShdw blurRad="40000" dist="23000" dir="5400000" rotWithShape="0">
-              <a:srgbClr val="000000">
-                <a:alpha val="35000"/>
-              </a:srgbClr>
-            </a:outerShdw>
-          </a:effectLst>
-          <a:scene3d>
-            <a:camera prst="orthographicFront">
-              <a:rot lat="0" lon="0" rev="0"/>
-            </a:camera>
-            <a:lightRig rig="threePt" dir="t">
-              <a:rot lat="0" lon="0" rev="1200000"/>
-            </a:lightRig>
-          </a:scene3d>
-          <a:sp3d>
-            <a:bevelT w="63500" h="25400"/>
-          </a:sp3d>
         </a:effectStyle>
       </a:effectStyleLst>
       <a:bgFillStyleLst>
         <a:solidFill>
           <a:schemeClr val="phClr"/>
         </a:solidFill>
+        <a:solidFill>
+          <a:schemeClr val="phClr">
+            <a:tint val="95000"/>
+            <a:satMod val="170000"/>
+          </a:schemeClr>
+        </a:solidFill>
         <a:gradFill rotWithShape="1">
           <a:gsLst>
             <a:gs pos="0">
               <a:schemeClr val="phClr">
-                <a:tint val="40000"/>
-                <a:satMod val="350000"/>
+                <a:tint val="93000"/>
+                <a:satMod val="150000"/>
+                <a:shade val="98000"/>
+                <a:lumMod val="102000"/>
               </a:schemeClr>
             </a:gs>
-            <a:gs pos="40000">
+            <a:gs pos="50000">
               <a:schemeClr val="phClr">
-                <a:tint val="45000"/>
-                <a:shade val="99000"/>
-                <a:satMod val="350000"/>
+                <a:tint val="98000"/>
+                <a:satMod val="130000"/>
+                <a:shade val="90000"/>
+                <a:lumMod val="103000"/>
               </a:schemeClr>
             </a:gs>
             <a:gs pos="100000">
               <a:schemeClr val="phClr">
-                <a:shade val="20000"/>
-                <a:satMod val="255000"/>
+                <a:shade val="63000"/>
+                <a:satMod val="120000"/>
               </a:schemeClr>
             </a:gs>
           </a:gsLst>
-          <a:path path="circle">
-            <a:fillToRect l="50000" t="-80000" r="50000" b="180000"/>
-          </a:path>
-        </a:gradFill>
-        <a:gradFill rotWithShape="1">
-          <a:gsLst>
-            <a:gs pos="0">
-              <a:schemeClr val="phClr">
-                <a:tint val="80000"/>
-                <a:satMod val="300000"/>
-              </a:schemeClr>
-            </a:gs>
-            <a:gs pos="100000">
-              <a:schemeClr val="phClr">
-                <a:shade val="30000"/>
-                <a:satMod val="200000"/>
-              </a:schemeClr>
-            </a:gs>
-          </a:gsLst>
-          <a:path path="circle">
-            <a:fillToRect l="50000" t="50000" r="50000" b="50000"/>
-          </a:path>
+          <a:lin ang="5400000" scaled="0"/>
         </a:gradFill>
       </a:bgFillStyleLst>
     </a:fmtScheme>
   </a:themeElements>
-  <a:objectDefaults>
-    <a:spDef>
-      <a:spPr bwMode="auto">
-        <a:xfrm>
-          <a:off x="0" y="0"/>
-          <a:ext cx="1" cy="1"/>
-        </a:xfrm>
-        <a:custGeom>
-          <a:avLst/>
-          <a:gdLst/>
-          <a:ahLst/>
-          <a:cxnLst/>
-          <a:rect l="0" t="0" r="0" b="0"/>
-          <a:pathLst/>
-        </a:custGeom>
-        <a:solidFill>
-          <a:schemeClr val="accent1"/>
-        </a:solidFill>
-        <a:ln w="9525" cap="flat" cmpd="sng" algn="ctr">
-          <a:solidFill>
-            <a:schemeClr val="tx1"/>
-          </a:solidFill>
-          <a:prstDash val="solid"/>
-          <a:round/>
-          <a:headEnd type="none" w="med" len="med"/>
-          <a:tailEnd type="none" w="med" len="med"/>
-        </a:ln>
-        <a:effectLst/>
-      </a:spPr>
-      <a:bodyPr vert="horz" wrap="square" lIns="91440" tIns="45720" rIns="91440" bIns="45720" numCol="1" anchor="t" anchorCtr="0" compatLnSpc="1">
-        <a:prstTxWarp prst="textNoShape">
-          <a:avLst/>
-        </a:prstTxWarp>
-      </a:bodyPr>
-      <a:lstStyle>
-        <a:defPPr marL="0" marR="0" indent="0" algn="l" defTabSz="914400" rtl="0" eaLnBrk="0" fontAlgn="base" latinLnBrk="0" hangingPunct="0">
-          <a:lnSpc>
-            <a:spcPct val="100000"/>
-          </a:lnSpc>
-          <a:spcBef>
-            <a:spcPct val="0"/>
-          </a:spcBef>
-          <a:spcAft>
-            <a:spcPct val="0"/>
-          </a:spcAft>
-          <a:buClrTx/>
-          <a:buSzTx/>
-          <a:buFontTx/>
-          <a:buNone/>
-          <a:tabLst/>
-          <a:defRPr kumimoji="0" lang="en-US" sz="2400" b="0" i="0" u="none" strike="noStrike" cap="none" normalizeH="0" baseline="0">
-            <a:ln>
-              <a:noFill/>
-            </a:ln>
-            <a:solidFill>
-              <a:schemeClr val="tx1"/>
-            </a:solidFill>
-            <a:effectLst/>
-            <a:latin typeface="Times" charset="0"/>
-          </a:defRPr>
-        </a:defPPr>
-      </a:lstStyle>
-    </a:spDef>
-    <a:lnDef>
-      <a:spPr bwMode="auto">
-        <a:xfrm>
-          <a:off x="0" y="0"/>
-          <a:ext cx="1" cy="1"/>
-        </a:xfrm>
-        <a:custGeom>
-          <a:avLst/>
-          <a:gdLst/>
-          <a:ahLst/>
-          <a:cxnLst/>
-          <a:rect l="0" t="0" r="0" b="0"/>
-          <a:pathLst/>
-        </a:custGeom>
-        <a:solidFill>
-          <a:schemeClr val="accent1"/>
-        </a:solidFill>
-        <a:ln w="9525" cap="flat" cmpd="sng" algn="ctr">
-          <a:solidFill>
-            <a:schemeClr val="tx1"/>
-          </a:solidFill>
-          <a:prstDash val="solid"/>
-          <a:round/>
-          <a:headEnd type="none" w="med" len="med"/>
-          <a:tailEnd type="none" w="med" len="med"/>
-        </a:ln>
-        <a:effectLst/>
-      </a:spPr>
-      <a:bodyPr vert="horz" wrap="square" lIns="91440" tIns="45720" rIns="91440" bIns="45720" numCol="1" anchor="t" anchorCtr="0" compatLnSpc="1">
-        <a:prstTxWarp prst="textNoShape">
-          <a:avLst/>
-        </a:prstTxWarp>
-      </a:bodyPr>
-      <a:lstStyle>
-        <a:defPPr marL="0" marR="0" indent="0" algn="l" defTabSz="914400" rtl="0" eaLnBrk="0" fontAlgn="base" latinLnBrk="0" hangingPunct="0">
-          <a:lnSpc>
-            <a:spcPct val="100000"/>
-          </a:lnSpc>
-          <a:spcBef>
-            <a:spcPct val="0"/>
-          </a:spcBef>
-          <a:spcAft>
-            <a:spcPct val="0"/>
-          </a:spcAft>
-          <a:buClrTx/>
-          <a:buSzTx/>
-          <a:buFontTx/>
-          <a:buNone/>
-          <a:tabLst/>
-          <a:defRPr kumimoji="0" lang="en-US" sz="2400" b="0" i="0" u="none" strike="noStrike" cap="none" normalizeH="0" baseline="0">
-            <a:ln>
-              <a:noFill/>
-            </a:ln>
-            <a:solidFill>
-              <a:schemeClr val="tx1"/>
-            </a:solidFill>
-            <a:effectLst/>
-            <a:latin typeface="Times" charset="0"/>
-          </a:defRPr>
-        </a:defPPr>
-      </a:lstStyle>
-    </a:lnDef>
-  </a:objectDefaults>
-  <a:extraClrSchemeLst>
-    <a:extraClrScheme>
-      <a:clrScheme name="Blank Presentation 1">
-        <a:dk1>
-          <a:srgbClr val="000000"/>
-        </a:dk1>
-        <a:lt1>
-          <a:srgbClr val="FFFFFF"/>
-        </a:lt1>
-        <a:dk2>
-          <a:srgbClr val="000000"/>
-        </a:dk2>
-        <a:lt2>
-          <a:srgbClr val="808080"/>
-        </a:lt2>
-        <a:accent1>
-          <a:srgbClr val="BBE0E3"/>
-        </a:accent1>
-        <a:accent2>
-          <a:srgbClr val="333399"/>
-        </a:accent2>
-        <a:accent3>
-          <a:srgbClr val="FFFFFF"/>
-        </a:accent3>
-        <a:accent4>
-          <a:srgbClr val="000000"/>
-        </a:accent4>
-        <a:accent5>
-          <a:srgbClr val="DAEDEF"/>
-        </a:accent5>
-        <a:accent6>
-          <a:srgbClr val="2D2D8A"/>
-        </a:accent6>
-        <a:hlink>
-          <a:srgbClr val="009999"/>
-        </a:hlink>
-        <a:folHlink>
-          <a:srgbClr val="99CC00"/>
-        </a:folHlink>
-      </a:clrScheme>
-      <a:clrMap bg1="lt1" tx1="dk1" bg2="lt2" tx2="dk2" accent1="accent1" accent2="accent2" accent3="accent3" accent4="accent4" accent5="accent5" accent6="accent6" hlink="hlink" folHlink="folHlink"/>
-    </a:extraClrScheme>
-    <a:extraClrScheme>
-      <a:clrScheme name="Blank Presentation 2">
-        <a:dk1>
-          <a:srgbClr val="000000"/>
-        </a:dk1>
-        <a:lt1>
-          <a:srgbClr val="FFFFFF"/>
-        </a:lt1>
-        <a:dk2>
-          <a:srgbClr val="000000"/>
-        </a:dk2>
-        <a:lt2>
-          <a:srgbClr val="969696"/>
-        </a:lt2>
-        <a:accent1>
-          <a:srgbClr val="FBDF53"/>
-        </a:accent1>
-        <a:accent2>
-          <a:srgbClr val="FF9966"/>
-        </a:accent2>
-        <a:accent3>
-          <a:srgbClr val="FFFFFF"/>
-        </a:accent3>
-        <a:accent4>
-          <a:srgbClr val="000000"/>
-        </a:accent4>
-        <a:accent5>
-          <a:srgbClr val="FDECB3"/>
-        </a:accent5>
-        <a:accent6>
-          <a:srgbClr val="E78A5C"/>
-        </a:accent6>
-        <a:hlink>
-          <a:srgbClr val="CC3300"/>
-        </a:hlink>
-        <a:folHlink>
-          <a:srgbClr val="996600"/>
-        </a:folHlink>
-      </a:clrScheme>
-      <a:clrMap bg1="lt1" tx1="dk1" bg2="lt2" tx2="dk2" accent1="accent1" accent2="accent2" accent3="accent3" accent4="accent4" accent5="accent5" accent6="accent6" hlink="hlink" folHlink="folHlink"/>
-    </a:extraClrScheme>
-    <a:extraClrScheme>
-      <a:clrScheme name="Blank Presentation 3">
-        <a:dk1>
-          <a:srgbClr val="000000"/>
-        </a:dk1>
-        <a:lt1>
-          <a:srgbClr val="FFFFFF"/>
-        </a:lt1>
-        <a:dk2>
-          <a:srgbClr val="000000"/>
-        </a:dk2>
-        <a:lt2>
-          <a:srgbClr val="808080"/>
-        </a:lt2>
-        <a:accent1>
-          <a:srgbClr val="99CCFF"/>
-        </a:accent1>
-        <a:accent2>
-          <a:srgbClr val="CCCCFF"/>
-        </a:accent2>
-        <a:accent3>
-          <a:srgbClr val="FFFFFF"/>
-        </a:accent3>
-        <a:accent4>
-          <a:srgbClr val="000000"/>
-        </a:accent4>
-        <a:accent5>
-          <a:srgbClr val="CAE2FF"/>
-        </a:accent5>
-        <a:accent6>
-          <a:srgbClr val="B9B9E7"/>
-        </a:accent6>
-        <a:hlink>
-          <a:srgbClr val="3333CC"/>
-        </a:hlink>
-        <a:folHlink>
-          <a:srgbClr val="AF67FF"/>
-        </a:folHlink>
-      </a:clrScheme>
-      <a:clrMap bg1="lt1" tx1="dk1" bg2="lt2" tx2="dk2" accent1="accent1" accent2="accent2" accent3="accent3" accent4="accent4" accent5="accent5" accent6="accent6" hlink="hlink" folHlink="folHlink"/>
-    </a:extraClrScheme>
-    <a:extraClrScheme>
-      <a:clrScheme name="Blank Presentation 4">
-        <a:dk1>
-          <a:srgbClr val="000000"/>
-        </a:dk1>
-        <a:lt1>
-          <a:srgbClr val="DEF6F1"/>
-        </a:lt1>
-        <a:dk2>
-          <a:srgbClr val="000000"/>
-        </a:dk2>
-        <a:lt2>
-          <a:srgbClr val="969696"/>
-        </a:lt2>
-        <a:accent1>
-          <a:srgbClr val="FFFFFF"/>
-        </a:accent1>
-        <a:accent2>
-          <a:srgbClr val="8DC6FF"/>
-        </a:accent2>
-        <a:accent3>
-          <a:srgbClr val="ECFAF7"/>
-        </a:accent3>
-        <a:accent4>
-          <a:srgbClr val="000000"/>
-        </a:accent4>
-        <a:accent5>
-          <a:srgbClr val="FFFFFF"/>
-        </a:accent5>
-        <a:accent6>
-          <a:srgbClr val="7FB3E7"/>
-        </a:accent6>
-        <a:hlink>
-          <a:srgbClr val="0066CC"/>
-        </a:hlink>
-        <a:folHlink>
-          <a:srgbClr val="00A800"/>
-        </a:folHlink>
-      </a:clrScheme>
-      <a:clrMap bg1="lt1" tx1="dk1" bg2="lt2" tx2="dk2" accent1="accent1" accent2="accent2" accent3="accent3" accent4="accent4" accent5="accent5" accent6="accent6" hlink="hlink" folHlink="folHlink"/>
-    </a:extraClrScheme>
-    <a:extraClrScheme>
-      <a:clrScheme name="Blank Presentation 5">
-        <a:dk1>
-          <a:srgbClr val="000000"/>
-        </a:dk1>
-        <a:lt1>
-          <a:srgbClr val="FFFFD9"/>
-        </a:lt1>
-        <a:dk2>
-          <a:srgbClr val="000000"/>
-        </a:dk2>
-        <a:lt2>
-          <a:srgbClr val="777777"/>
-        </a:lt2>
-        <a:accent1>
-          <a:srgbClr val="FFFFF7"/>
-        </a:accent1>
-        <a:accent2>
-          <a:srgbClr val="33CCCC"/>
-        </a:accent2>
-        <a:accent3>
-          <a:srgbClr val="FFFFE9"/>
-        </a:accent3>
-        <a:accent4>
-          <a:srgbClr val="000000"/>
-        </a:accent4>
-        <a:accent5>
-          <a:srgbClr val="FFFFFA"/>
-        </a:accent5>
-        <a:accent6>
-          <a:srgbClr val="2DB9B9"/>
-        </a:accent6>
-        <a:hlink>
-          <a:srgbClr val="FF5050"/>
-        </a:hlink>
-        <a:folHlink>
-          <a:srgbClr val="FF9900"/>
-        </a:folHlink>
-      </a:clrScheme>
-      <a:clrMap bg1="lt1" tx1="dk1" bg2="lt2" tx2="dk2" accent1="accent1" accent2="accent2" accent3="accent3" accent4="accent4" accent5="accent5" accent6="accent6" hlink="hlink" folHlink="folHlink"/>
-    </a:extraClrScheme>
-    <a:extraClrScheme>
-      <a:clrScheme name="Blank Presentation 6">
-        <a:dk1>
-          <a:srgbClr val="005A58"/>
-        </a:dk1>
-        <a:lt1>
-          <a:srgbClr val="FFFFFF"/>
-        </a:lt1>
-        <a:dk2>
-          <a:srgbClr val="008080"/>
-        </a:dk2>
-        <a:lt2>
-          <a:srgbClr val="FFFF99"/>
-        </a:lt2>
-        <a:accent1>
-          <a:srgbClr val="006462"/>
-        </a:accent1>
-        <a:accent2>
-          <a:srgbClr val="6D6FC7"/>
-        </a:accent2>
-        <a:accent3>
-          <a:srgbClr val="AAC0C0"/>
-        </a:accent3>
-        <a:accent4>
-          <a:srgbClr val="DADADA"/>
-        </a:accent4>
-        <a:accent5>
-          <a:srgbClr val="AAB8B7"/>
-        </a:accent5>
-        <a:accent6>
-          <a:srgbClr val="6264B4"/>
-        </a:accent6>
-        <a:hlink>
-          <a:srgbClr val="00FFFF"/>
-        </a:hlink>
-        <a:folHlink>
-          <a:srgbClr val="00FF00"/>
-        </a:folHlink>
-      </a:clrScheme>
-      <a:clrMap bg1="dk2" tx1="lt1" bg2="dk1" tx2="lt2" accent1="accent1" accent2="accent2" accent3="accent3" accent4="accent4" accent5="accent5" accent6="accent6" hlink="hlink" folHlink="folHlink"/>
-    </a:extraClrScheme>
-    <a:extraClrScheme>
-      <a:clrScheme name="Blank Presentation 7">
-        <a:dk1>
-          <a:srgbClr val="5C1F00"/>
-        </a:dk1>
-        <a:lt1>
-          <a:srgbClr val="FFFFFF"/>
-        </a:lt1>
-        <a:dk2>
-          <a:srgbClr val="800000"/>
-        </a:dk2>
-        <a:lt2>
-          <a:srgbClr val="DFD293"/>
-        </a:lt2>
-        <a:accent1>
-          <a:srgbClr val="713E39"/>
-        </a:accent1>
-        <a:accent2>
-          <a:srgbClr val="BE7960"/>
-        </a:accent2>
-        <a:accent3>
-          <a:srgbClr val="C0AAAA"/>
-        </a:accent3>
-        <a:accent4>
-          <a:srgbClr val="DADADA"/>
-        </a:accent4>
-        <a:accent5>
-          <a:srgbClr val="BBAFAE"/>
-        </a:accent5>
-        <a:accent6>
-          <a:srgbClr val="AC6D56"/>
-        </a:accent6>
-        <a:hlink>
-          <a:srgbClr val="FFFF99"/>
-        </a:hlink>
-        <a:folHlink>
-          <a:srgbClr val="D3A219"/>
-        </a:folHlink>
-      </a:clrScheme>
-      <a:clrMap bg1="dk2" tx1="lt1" bg2="dk1" tx2="lt2" accent1="accent1" accent2="accent2" accent3="accent3" accent4="accent4" accent5="accent5" accent6="accent6" hlink="hlink" folHlink="folHlink"/>
-    </a:extraClrScheme>
-    <a:extraClrScheme>
-      <a:clrScheme name="Blank Presentation 8">
-        <a:dk1>
-          <a:srgbClr val="003366"/>
-        </a:dk1>
-        <a:lt1>
-          <a:srgbClr val="FFFFFF"/>
-        </a:lt1>
-        <a:dk2>
-          <a:srgbClr val="000099"/>
-        </a:dk2>
-        <a:lt2>
-          <a:srgbClr val="CCFFFF"/>
-        </a:lt2>
-        <a:accent1>
-          <a:srgbClr val="3366CC"/>
-        </a:accent1>
-        <a:accent2>
-          <a:srgbClr val="00B000"/>
-        </a:accent2>
-        <a:accent3>
-          <a:srgbClr val="AAAACA"/>
-        </a:accent3>
-        <a:accent4>
-          <a:srgbClr val="DADADA"/>
-        </a:accent4>
-        <a:accent5>
-          <a:srgbClr val="ADB8E2"/>
-        </a:accent5>
-        <a:accent6>
-          <a:srgbClr val="009F00"/>
-        </a:accent6>
-        <a:hlink>
-          <a:srgbClr val="66CCFF"/>
-        </a:hlink>
-        <a:folHlink>
-          <a:srgbClr val="FFE701"/>
-        </a:folHlink>
-      </a:clrScheme>
-      <a:clrMap bg1="dk2" tx1="lt1" bg2="dk1" tx2="lt2" accent1="accent1" accent2="accent2" accent3="accent3" accent4="accent4" accent5="accent5" accent6="accent6" hlink="hlink" folHlink="folHlink"/>
-    </a:extraClrScheme>
-    <a:extraClrScheme>
-      <a:clrScheme name="Blank Presentation 9">
-        <a:dk1>
-          <a:srgbClr val="336699"/>
-        </a:dk1>
-        <a:lt1>
-          <a:srgbClr val="FFFFFF"/>
-        </a:lt1>
-        <a:dk2>
-          <a:srgbClr val="000000"/>
-        </a:dk2>
-        <a:lt2>
-          <a:srgbClr val="E3EBF1"/>
-        </a:lt2>
-        <a:accent1>
-          <a:srgbClr val="003399"/>
-        </a:accent1>
-        <a:accent2>
-          <a:srgbClr val="468A4B"/>
-        </a:accent2>
-        <a:accent3>
-          <a:srgbClr val="AAAAAA"/>
-        </a:accent3>
-        <a:accent4>
-          <a:srgbClr val="DADADA"/>
-        </a:accent4>
-        <a:accent5>
-          <a:srgbClr val="AAADCA"/>
-        </a:accent5>
-        <a:accent6>
-          <a:srgbClr val="3F7D43"/>
-        </a:accent6>
-        <a:hlink>
-          <a:srgbClr val="66CCFF"/>
-        </a:hlink>
-        <a:folHlink>
-          <a:srgbClr val="F0E500"/>
-        </a:folHlink>
-      </a:clrScheme>
-      <a:clrMap bg1="dk2" tx1="lt1" bg2="dk1" tx2="lt2" accent1="accent1" accent2="accent2" accent3="accent3" accent4="accent4" accent5="accent5" accent6="accent6" hlink="hlink" folHlink="folHlink"/>
-    </a:extraClrScheme>
-    <a:extraClrScheme>
-      <a:clrScheme name="Blank Presentation 10">
-        <a:dk1>
-          <a:srgbClr val="777777"/>
-        </a:dk1>
-        <a:lt1>
-          <a:srgbClr val="FFFFFF"/>
-        </a:lt1>
-        <a:dk2>
-          <a:srgbClr val="686B5D"/>
-        </a:dk2>
-        <a:lt2>
-          <a:srgbClr val="D1D1CB"/>
-        </a:lt2>
-        <a:accent1>
-          <a:srgbClr val="909082"/>
-        </a:accent1>
-        <a:accent2>
-          <a:srgbClr val="809EA8"/>
-        </a:accent2>
-        <a:accent3>
-          <a:srgbClr val="B9BAB6"/>
-        </a:accent3>
-        <a:accent4>
-          <a:srgbClr val="DADADA"/>
-        </a:accent4>
-        <a:accent5>
-          <a:srgbClr val="C6C6C1"/>
-        </a:accent5>
-        <a:accent6>
-          <a:srgbClr val="738F98"/>
-        </a:accent6>
-        <a:hlink>
-          <a:srgbClr val="FFCC66"/>
-        </a:hlink>
-        <a:folHlink>
-          <a:srgbClr val="E9DCB9"/>
-        </a:folHlink>
-      </a:clrScheme>
-      <a:clrMap bg1="dk2" tx1="lt1" bg2="dk1" tx2="lt2" accent1="accent1" accent2="accent2" accent3="accent3" accent4="accent4" accent5="accent5" accent6="accent6" hlink="hlink" folHlink="folHlink"/>
-    </a:extraClrScheme>
-    <a:extraClrScheme>
-      <a:clrScheme name="Blank Presentation 11">
-        <a:dk1>
-          <a:srgbClr val="3E3E5C"/>
-        </a:dk1>
-        <a:lt1>
-          <a:srgbClr val="FFFFFF"/>
-        </a:lt1>
-        <a:dk2>
-          <a:srgbClr val="666699"/>
-        </a:dk2>
-        <a:lt2>
-          <a:srgbClr val="FFFFFF"/>
-        </a:lt2>
-        <a:accent1>
-          <a:srgbClr val="60597B"/>
-        </a:accent1>
-        <a:accent2>
-          <a:srgbClr val="6666FF"/>
-        </a:accent2>
-        <a:accent3>
-          <a:srgbClr val="B8B8CA"/>
-        </a:accent3>
-        <a:accent4>
-          <a:srgbClr val="DADADA"/>
-        </a:accent4>
-        <a:accent5>
-          <a:srgbClr val="B6B5BF"/>
-        </a:accent5>
-        <a:accent6>
-          <a:srgbClr val="5C5CE7"/>
-        </a:accent6>
-        <a:hlink>
-          <a:srgbClr val="99CCFF"/>
-        </a:hlink>
-        <a:folHlink>
-          <a:srgbClr val="FFFF99"/>
-        </a:folHlink>
-      </a:clrScheme>
-      <a:clrMap bg1="dk2" tx1="lt1" bg2="dk1" tx2="lt2" accent1="accent1" accent2="accent2" accent3="accent3" accent4="accent4" accent5="accent5" accent6="accent6" hlink="hlink" folHlink="folHlink"/>
-    </a:extraClrScheme>
-    <a:extraClrScheme>
-      <a:clrScheme name="Blank Presentation 12">
-        <a:dk1>
-          <a:srgbClr val="2D2015"/>
-        </a:dk1>
-        <a:lt1>
-          <a:srgbClr val="FFFFFF"/>
-        </a:lt1>
-        <a:dk2>
-          <a:srgbClr val="523E26"/>
-        </a:dk2>
-        <a:lt2>
-          <a:srgbClr val="DFC08D"/>
-        </a:lt2>
-        <a:accent1>
-          <a:srgbClr val="8C7B70"/>
-        </a:accent1>
-        <a:accent2>
-          <a:srgbClr val="8F5F2F"/>
-        </a:accent2>
-        <a:accent3>
-          <a:srgbClr val="B3AFAC"/>
-        </a:accent3>
-        <a:accent4>
-          <a:srgbClr val="DADADA"/>
-        </a:accent4>
-        <a:accent5>
-          <a:srgbClr val="C5BFBB"/>
-        </a:accent5>
-        <a:accent6>
-          <a:srgbClr val="81552A"/>
-        </a:accent6>
-        <a:hlink>
-          <a:srgbClr val="CCB400"/>
-        </a:hlink>
-        <a:folHlink>
-          <a:srgbClr val="8C9EA0"/>
-        </a:folHlink>
-      </a:clrScheme>
-      <a:clrMap bg1="dk2" tx1="lt1" bg2="dk1" tx2="lt2" accent1="accent1" accent2="accent2" accent3="accent3" accent4="accent4" accent5="accent5" accent6="accent6" hlink="hlink" folHlink="folHlink"/>
-    </a:extraClrScheme>
-  </a:extraClrSchemeLst>
+  <a:objectDefaults/>
+  <a:extraClrSchemeLst/>
+  <a:extLst>
+    <a:ext uri="{05A4C25C-085E-4340-85A3-A5531E510DB2}">
+      <thm15:themeFamily xmlns:thm15="http://schemas.microsoft.com/office/thememl/2012/main" name="Office Theme" id="{62F939B6-93AF-4DB8-9C6B-D6C7DFDC589F}" vid="{4A3C46E8-61CC-4603-A589-7422A47A8E4A}"/>
+    </a:ext>
+  </a:extLst>
 </a:theme>
 </file>
 
